--- a/asset/Learn_ja/ITA-Conductor_practice_ja.pptx
+++ b/asset/Learn_ja/ITA-Conductor_practice_ja.pptx
@@ -330,7 +330,7 @@
               <a:rPr kumimoji="1" lang="ja-JP" altLang="en-US" smtClean="0">
                 <a:ea typeface="メイリオ" panose="020B0604030504040204" pitchFamily="50" charset="-128"/>
               </a:rPr>
-              <a:t>2020/11/4</a:t>
+              <a:t>2021/5/24</a:t>
             </a:fld>
             <a:endParaRPr kumimoji="1" lang="ja-JP" altLang="en-US" dirty="0">
               <a:ea typeface="メイリオ" panose="020B0604030504040204" pitchFamily="50" charset="-128"/>
@@ -476,7 +476,7 @@
             <a:fld id="{4B26993D-C081-44EB-B0F5-A9F467792B62}" type="datetimeFigureOut">
               <a:rPr lang="ja-JP" altLang="en-US" smtClean="0"/>
               <a:pPr/>
-              <a:t>2020/11/4</a:t>
+              <a:t>2021/5/24</a:t>
             </a:fld>
             <a:endParaRPr lang="ja-JP" altLang="en-US" dirty="0"/>
           </a:p>
@@ -4377,7 +4377,7 @@
           <a:p>
             <a:fld id="{56F9016B-CCA6-43BE-8BEE-59565A35F4F7}" type="datetimeFigureOut">
               <a:rPr kumimoji="1" lang="ja-JP" altLang="en-US" smtClean="0"/>
-              <a:t>2020/11/4</a:t>
+              <a:t>2021/5/24</a:t>
             </a:fld>
             <a:endParaRPr kumimoji="1" lang="ja-JP" altLang="en-US"/>
           </a:p>
@@ -4579,7 +4579,7 @@
           <a:p>
             <a:fld id="{56F9016B-CCA6-43BE-8BEE-59565A35F4F7}" type="datetimeFigureOut">
               <a:rPr kumimoji="1" lang="ja-JP" altLang="en-US" smtClean="0"/>
-              <a:t>2020/11/4</a:t>
+              <a:t>2021/5/24</a:t>
             </a:fld>
             <a:endParaRPr kumimoji="1" lang="ja-JP" altLang="en-US"/>
           </a:p>
@@ -4825,7 +4825,7 @@
           <a:p>
             <a:fld id="{56F9016B-CCA6-43BE-8BEE-59565A35F4F7}" type="datetimeFigureOut">
               <a:rPr kumimoji="1" lang="ja-JP" altLang="en-US" smtClean="0"/>
-              <a:t>2020/11/4</a:t>
+              <a:t>2021/5/24</a:t>
             </a:fld>
             <a:endParaRPr kumimoji="1" lang="ja-JP" altLang="en-US"/>
           </a:p>
@@ -5121,7 +5121,7 @@
           <a:p>
             <a:fld id="{56F9016B-CCA6-43BE-8BEE-59565A35F4F7}" type="datetimeFigureOut">
               <a:rPr kumimoji="1" lang="ja-JP" altLang="en-US" smtClean="0"/>
-              <a:t>2020/11/4</a:t>
+              <a:t>2021/5/24</a:t>
             </a:fld>
             <a:endParaRPr kumimoji="1" lang="ja-JP" altLang="en-US"/>
           </a:p>
@@ -5552,7 +5552,7 @@
           <a:p>
             <a:fld id="{56F9016B-CCA6-43BE-8BEE-59565A35F4F7}" type="datetimeFigureOut">
               <a:rPr kumimoji="1" lang="ja-JP" altLang="en-US" smtClean="0"/>
-              <a:t>2020/11/4</a:t>
+              <a:t>2021/5/24</a:t>
             </a:fld>
             <a:endParaRPr kumimoji="1" lang="ja-JP" altLang="en-US"/>
           </a:p>
@@ -5670,7 +5670,7 @@
           <a:p>
             <a:fld id="{56F9016B-CCA6-43BE-8BEE-59565A35F4F7}" type="datetimeFigureOut">
               <a:rPr kumimoji="1" lang="ja-JP" altLang="en-US" smtClean="0"/>
-              <a:t>2020/11/4</a:t>
+              <a:t>2021/5/24</a:t>
             </a:fld>
             <a:endParaRPr kumimoji="1" lang="ja-JP" altLang="en-US"/>
           </a:p>
@@ -5765,7 +5765,7 @@
           <a:p>
             <a:fld id="{56F9016B-CCA6-43BE-8BEE-59565A35F4F7}" type="datetimeFigureOut">
               <a:rPr kumimoji="1" lang="ja-JP" altLang="en-US" smtClean="0"/>
-              <a:t>2020/11/4</a:t>
+              <a:t>2021/5/24</a:t>
             </a:fld>
             <a:endParaRPr kumimoji="1" lang="ja-JP" altLang="en-US"/>
           </a:p>
@@ -6074,7 +6074,7 @@
           <a:p>
             <a:fld id="{56F9016B-CCA6-43BE-8BEE-59565A35F4F7}" type="datetimeFigureOut">
               <a:rPr kumimoji="1" lang="ja-JP" altLang="en-US" smtClean="0"/>
-              <a:t>2020/11/4</a:t>
+              <a:t>2021/5/24</a:t>
             </a:fld>
             <a:endParaRPr kumimoji="1" lang="ja-JP" altLang="en-US"/>
           </a:p>
@@ -6327,7 +6327,7 @@
           <a:p>
             <a:fld id="{56F9016B-CCA6-43BE-8BEE-59565A35F4F7}" type="datetimeFigureOut">
               <a:rPr kumimoji="1" lang="ja-JP" altLang="en-US" smtClean="0"/>
-              <a:t>2020/11/4</a:t>
+              <a:t>2021/5/24</a:t>
             </a:fld>
             <a:endParaRPr kumimoji="1" lang="ja-JP" altLang="en-US"/>
           </a:p>
@@ -6604,7 +6604,7 @@
           <a:p>
             <a:fld id="{56F9016B-CCA6-43BE-8BEE-59565A35F4F7}" type="datetimeFigureOut">
               <a:rPr kumimoji="1" lang="ja-JP" altLang="en-US" smtClean="0"/>
-              <a:t>2020/11/4</a:t>
+              <a:t>2021/5/24</a:t>
             </a:fld>
             <a:endParaRPr kumimoji="1" lang="ja-JP" altLang="en-US"/>
           </a:p>
@@ -6816,7 +6816,7 @@
           <a:p>
             <a:fld id="{56F9016B-CCA6-43BE-8BEE-59565A35F4F7}" type="datetimeFigureOut">
               <a:rPr kumimoji="1" lang="ja-JP" altLang="en-US" smtClean="0"/>
-              <a:t>2020/11/4</a:t>
+              <a:t>2021/5/24</a:t>
             </a:fld>
             <a:endParaRPr kumimoji="1" lang="ja-JP" altLang="en-US"/>
           </a:p>
@@ -9875,7 +9875,7 @@
           <a:p>
             <a:fld id="{56F9016B-CCA6-43BE-8BEE-59565A35F4F7}" type="datetimeFigureOut">
               <a:rPr kumimoji="1" lang="ja-JP" altLang="en-US" smtClean="0"/>
-              <a:t>2020/11/4</a:t>
+              <a:t>2021/5/24</a:t>
             </a:fld>
             <a:endParaRPr kumimoji="1" lang="ja-JP" altLang="en-US"/>
           </a:p>
@@ -10300,7 +10300,7 @@
         <p:spPr>
           <a:xfrm>
             <a:off x="179513" y="6021360"/>
-            <a:ext cx="6552727" cy="772006"/>
+            <a:ext cx="6552727" cy="707886"/>
           </a:xfrm>
         </p:spPr>
         <p:txBody>
@@ -10308,22 +10308,26 @@
           <a:lstStyle/>
           <a:p>
             <a:r>
-              <a:rPr lang="ja-JP" altLang="en-US" dirty="0" smtClean="0"/>
-              <a:t>第</a:t>
-            </a:r>
-            <a:r>
-              <a:rPr lang="en-US" altLang="ja-JP" dirty="0" smtClean="0"/>
-              <a:t>1.0</a:t>
-            </a:r>
-            <a:r>
-              <a:rPr lang="ja-JP" altLang="en-US" dirty="0" smtClean="0"/>
-              <a:t>版</a:t>
-            </a:r>
-            <a:endParaRPr lang="en-US" altLang="ja-JP" dirty="0" smtClean="0"/>
-          </a:p>
-          <a:p>
-            <a:r>
-              <a:rPr lang="en-US" altLang="ja-JP" dirty="0" smtClean="0"/>
+              <a:rPr lang="en-US" altLang="ja-JP" dirty="0" err="1"/>
+              <a:t>Exastro</a:t>
+            </a:r>
+            <a:r>
+              <a:rPr lang="en-US" altLang="ja-JP"/>
+              <a:t> IT Automation </a:t>
+            </a:r>
+            <a:r>
+              <a:rPr lang="en-US" altLang="ja-JP"/>
+              <a:t>Version </a:t>
+            </a:r>
+            <a:r>
+              <a:rPr lang="en-US" altLang="ja-JP" smtClean="0"/>
+              <a:t>1.7.1</a:t>
+            </a:r>
+            <a:br>
+              <a:rPr lang="en-US" altLang="ja-JP" smtClean="0"/>
+            </a:br>
+            <a:r>
+              <a:rPr lang="en-US" altLang="ja-JP" dirty="0" err="1" smtClean="0"/>
               <a:t>Exastro</a:t>
             </a:r>
             <a:r>
@@ -10969,6 +10973,74 @@
           <a:chExt cx="0" cy="0"/>
         </a:xfrm>
       </p:grpSpPr>
+      <p:pic>
+        <p:nvPicPr>
+          <p:cNvPr id="3" name="図 2"/>
+          <p:cNvPicPr>
+            <a:picLocks noChangeAspect="1"/>
+          </p:cNvPicPr>
+          <p:nvPr/>
+        </p:nvPicPr>
+        <p:blipFill>
+          <a:blip r:embed="rId3"/>
+          <a:stretch>
+            <a:fillRect/>
+          </a:stretch>
+        </p:blipFill>
+        <p:spPr>
+          <a:xfrm>
+            <a:off x="783331" y="2645352"/>
+            <a:ext cx="4433133" cy="1839600"/>
+          </a:xfrm>
+          <a:prstGeom prst="rect">
+            <a:avLst/>
+          </a:prstGeom>
+        </p:spPr>
+      </p:pic>
+      <p:sp>
+        <p:nvSpPr>
+          <p:cNvPr id="6" name="角丸四角形 5"/>
+          <p:cNvSpPr/>
+          <p:nvPr/>
+        </p:nvSpPr>
+        <p:spPr bwMode="auto">
+          <a:xfrm>
+            <a:off x="1888231" y="2903954"/>
+            <a:ext cx="3348637" cy="1141805"/>
+          </a:xfrm>
+          <a:prstGeom prst="roundRect">
+            <a:avLst>
+              <a:gd name="adj" fmla="val 5764"/>
+            </a:avLst>
+          </a:prstGeom>
+          <a:noFill/>
+          <a:ln w="28575">
+            <a:solidFill>
+              <a:srgbClr val="FF0000"/>
+            </a:solidFill>
+          </a:ln>
+          <a:effectLst/>
+          <a:extLst/>
+        </p:spPr>
+        <p:txBody>
+          <a:bodyPr rot="0" spcFirstLastPara="0" vertOverflow="overflow" horzOverflow="overflow" vert="horz" wrap="none" lIns="72000" tIns="72000" rIns="72000" bIns="72000" numCol="1" spcCol="0" rtlCol="0" fromWordArt="0" anchor="ctr" anchorCtr="0" forceAA="0" compatLnSpc="1">
+            <a:prstTxWarp prst="textNoShape">
+              <a:avLst/>
+            </a:prstTxWarp>
+            <a:noAutofit/>
+          </a:bodyPr>
+          <a:lstStyle/>
+          <a:p>
+            <a:pPr algn="ctr"/>
+            <a:endParaRPr kumimoji="1" lang="ja-JP" altLang="en-US" sz="1400" b="1" dirty="0" smtClean="0">
+              <a:solidFill>
+                <a:srgbClr val="FF0000"/>
+              </a:solidFill>
+              <a:latin typeface="+mn-ea"/>
+            </a:endParaRPr>
+          </a:p>
+        </p:txBody>
+      </p:sp>
       <p:sp>
         <p:nvSpPr>
           <p:cNvPr id="2" name="タイトル 1"/>
@@ -11003,6 +11075,58 @@
             <a:r>
               <a:rPr lang="ja-JP" altLang="en-US" dirty="0"/>
               <a:t>登録</a:t>
+            </a:r>
+          </a:p>
+        </p:txBody>
+      </p:sp>
+      <p:sp>
+        <p:nvSpPr>
+          <p:cNvPr id="56" name="角丸四角形 55"/>
+          <p:cNvSpPr/>
+          <p:nvPr/>
+        </p:nvSpPr>
+        <p:spPr bwMode="auto">
+          <a:xfrm>
+            <a:off x="3956743" y="3044351"/>
+            <a:ext cx="3132000" cy="2376000"/>
+          </a:xfrm>
+          <a:prstGeom prst="roundRect">
+            <a:avLst>
+              <a:gd name="adj" fmla="val 4712"/>
+            </a:avLst>
+          </a:prstGeom>
+          <a:solidFill>
+            <a:schemeClr val="bg1"/>
+          </a:solidFill>
+          <a:ln w="28575">
+            <a:solidFill>
+              <a:srgbClr val="FF0000"/>
+            </a:solidFill>
+          </a:ln>
+          <a:effectLst/>
+          <a:extLst/>
+        </p:spPr>
+        <p:txBody>
+          <a:bodyPr rot="0" spcFirstLastPara="0" vertOverflow="overflow" horzOverflow="overflow" vert="horz" wrap="none" lIns="72000" tIns="72000" rIns="72000" bIns="72000" numCol="1" spcCol="0" rtlCol="0" fromWordArt="0" anchor="t" anchorCtr="0" forceAA="0" compatLnSpc="1">
+            <a:prstTxWarp prst="textNoShape">
+              <a:avLst/>
+            </a:prstTxWarp>
+            <a:noAutofit/>
+          </a:bodyPr>
+          <a:lstStyle/>
+          <a:p>
+            <a:pPr algn="ctr"/>
+            <a:r>
+              <a:rPr lang="ja-JP" altLang="en-US" sz="1400" dirty="0" smtClean="0">
+                <a:latin typeface="+mn-ea"/>
+              </a:rPr>
+              <a:t>項目へ</a:t>
+            </a:r>
+            <a:r>
+              <a:rPr kumimoji="1" lang="ja-JP" altLang="en-US" sz="1400" dirty="0" smtClean="0">
+                <a:latin typeface="+mn-ea"/>
+              </a:rPr>
+              <a:t>値を入力する</a:t>
             </a:r>
           </a:p>
         </p:txBody>
@@ -11301,46 +11425,16 @@
           </a:p>
         </p:txBody>
       </p:sp>
-      <p:pic>
-        <p:nvPicPr>
-          <p:cNvPr id="59" name="図 58"/>
-          <p:cNvPicPr>
-            <a:picLocks noChangeAspect="1"/>
-          </p:cNvPicPr>
-          <p:nvPr/>
-        </p:nvPicPr>
-        <p:blipFill>
-          <a:blip r:embed="rId3">
-            <a:extLst>
-              <a:ext uri="{28A0092B-C50C-407E-A947-70E740481C1C}">
-                <a14:useLocalDpi xmlns:a14="http://schemas.microsoft.com/office/drawing/2010/main" val="0"/>
-              </a:ext>
-            </a:extLst>
-          </a:blip>
-          <a:stretch>
-            <a:fillRect/>
-          </a:stretch>
-        </p:blipFill>
-        <p:spPr>
-          <a:xfrm>
-            <a:off x="830210" y="2679063"/>
-            <a:ext cx="4427980" cy="1839795"/>
-          </a:xfrm>
-          <a:prstGeom prst="rect">
-            <a:avLst/>
-          </a:prstGeom>
-        </p:spPr>
-      </p:pic>
       <p:sp>
         <p:nvSpPr>
-          <p:cNvPr id="6" name="角丸四角形 5"/>
+          <p:cNvPr id="7" name="角丸四角形 6"/>
           <p:cNvSpPr/>
           <p:nvPr/>
         </p:nvSpPr>
         <p:spPr bwMode="auto">
           <a:xfrm>
-            <a:off x="1691007" y="2944993"/>
-            <a:ext cx="3574803" cy="1141805"/>
+            <a:off x="1612356" y="4263722"/>
+            <a:ext cx="799344" cy="221230"/>
           </a:xfrm>
           <a:prstGeom prst="roundRect">
             <a:avLst>
@@ -11377,57 +11471,13 @@
       </p:sp>
       <p:sp>
         <p:nvSpPr>
-          <p:cNvPr id="7" name="角丸四角形 6"/>
-          <p:cNvSpPr/>
-          <p:nvPr/>
-        </p:nvSpPr>
-        <p:spPr bwMode="auto">
-          <a:xfrm>
-            <a:off x="1789157" y="4321047"/>
-            <a:ext cx="972000" cy="216000"/>
-          </a:xfrm>
-          <a:prstGeom prst="roundRect">
-            <a:avLst>
-              <a:gd name="adj" fmla="val 5764"/>
-            </a:avLst>
-          </a:prstGeom>
-          <a:noFill/>
-          <a:ln w="28575">
-            <a:solidFill>
-              <a:srgbClr val="FF0000"/>
-            </a:solidFill>
-          </a:ln>
-          <a:effectLst/>
-          <a:extLst/>
-        </p:spPr>
-        <p:txBody>
-          <a:bodyPr rot="0" spcFirstLastPara="0" vertOverflow="overflow" horzOverflow="overflow" vert="horz" wrap="none" lIns="72000" tIns="72000" rIns="72000" bIns="72000" numCol="1" spcCol="0" rtlCol="0" fromWordArt="0" anchor="ctr" anchorCtr="0" forceAA="0" compatLnSpc="1">
-            <a:prstTxWarp prst="textNoShape">
-              <a:avLst/>
-            </a:prstTxWarp>
-            <a:noAutofit/>
-          </a:bodyPr>
-          <a:lstStyle/>
-          <a:p>
-            <a:pPr algn="ctr"/>
-            <a:endParaRPr kumimoji="1" lang="ja-JP" altLang="en-US" sz="1400" b="1" dirty="0" smtClean="0">
-              <a:solidFill>
-                <a:srgbClr val="FF0000"/>
-              </a:solidFill>
-              <a:latin typeface="+mn-ea"/>
-            </a:endParaRPr>
-          </a:p>
-        </p:txBody>
-      </p:sp>
-      <p:sp>
-        <p:nvSpPr>
           <p:cNvPr id="55" name="円形吹き出し 54"/>
           <p:cNvSpPr/>
           <p:nvPr/>
         </p:nvSpPr>
         <p:spPr bwMode="auto">
           <a:xfrm>
-            <a:off x="2840330" y="4274615"/>
+            <a:off x="2531716" y="4245259"/>
             <a:ext cx="273352" cy="306545"/>
           </a:xfrm>
           <a:prstGeom prst="wedgeEllipseCallout">
@@ -11474,117 +11524,6 @@
                 <a:latin typeface="+mn-ea"/>
               </a:rPr>
               <a:t>２</a:t>
-            </a:r>
-          </a:p>
-        </p:txBody>
-      </p:sp>
-      <p:sp>
-        <p:nvSpPr>
-          <p:cNvPr id="56" name="角丸四角形 55"/>
-          <p:cNvSpPr/>
-          <p:nvPr/>
-        </p:nvSpPr>
-        <p:spPr bwMode="auto">
-          <a:xfrm>
-            <a:off x="3956743" y="3044351"/>
-            <a:ext cx="3132000" cy="2376000"/>
-          </a:xfrm>
-          <a:prstGeom prst="roundRect">
-            <a:avLst>
-              <a:gd name="adj" fmla="val 4712"/>
-            </a:avLst>
-          </a:prstGeom>
-          <a:solidFill>
-            <a:schemeClr val="bg1"/>
-          </a:solidFill>
-          <a:ln w="28575">
-            <a:solidFill>
-              <a:srgbClr val="FF0000"/>
-            </a:solidFill>
-          </a:ln>
-          <a:effectLst/>
-          <a:extLst/>
-        </p:spPr>
-        <p:txBody>
-          <a:bodyPr rot="0" spcFirstLastPara="0" vertOverflow="overflow" horzOverflow="overflow" vert="horz" wrap="none" lIns="72000" tIns="72000" rIns="72000" bIns="72000" numCol="1" spcCol="0" rtlCol="0" fromWordArt="0" anchor="t" anchorCtr="0" forceAA="0" compatLnSpc="1">
-            <a:prstTxWarp prst="textNoShape">
-              <a:avLst/>
-            </a:prstTxWarp>
-            <a:noAutofit/>
-          </a:bodyPr>
-          <a:lstStyle/>
-          <a:p>
-            <a:pPr algn="ctr"/>
-            <a:r>
-              <a:rPr lang="ja-JP" altLang="en-US" sz="1400" dirty="0" smtClean="0">
-                <a:latin typeface="+mn-ea"/>
-              </a:rPr>
-              <a:t>項目へ</a:t>
-            </a:r>
-            <a:r>
-              <a:rPr kumimoji="1" lang="ja-JP" altLang="en-US" sz="1400" dirty="0" smtClean="0">
-                <a:latin typeface="+mn-ea"/>
-              </a:rPr>
-              <a:t>値を入力する</a:t>
-            </a:r>
-          </a:p>
-        </p:txBody>
-      </p:sp>
-      <p:sp>
-        <p:nvSpPr>
-          <p:cNvPr id="57" name="円形吹き出し 56"/>
-          <p:cNvSpPr/>
-          <p:nvPr/>
-        </p:nvSpPr>
-        <p:spPr bwMode="auto">
-          <a:xfrm>
-            <a:off x="3924670" y="3036730"/>
-            <a:ext cx="301542" cy="312200"/>
-          </a:xfrm>
-          <a:prstGeom prst="wedgeEllipseCallout">
-            <a:avLst>
-              <a:gd name="adj1" fmla="val -97811"/>
-              <a:gd name="adj2" fmla="val 5714"/>
-            </a:avLst>
-          </a:prstGeom>
-          <a:solidFill>
-            <a:srgbClr val="FF0000"/>
-          </a:solidFill>
-          <a:ln w="28575">
-            <a:noFill/>
-          </a:ln>
-          <a:effectLst/>
-          <a:extLst/>
-        </p:spPr>
-        <p:style>
-          <a:lnRef idx="3">
-            <a:schemeClr val="lt1"/>
-          </a:lnRef>
-          <a:fillRef idx="1">
-            <a:schemeClr val="accent2"/>
-          </a:fillRef>
-          <a:effectRef idx="1">
-            <a:schemeClr val="accent2"/>
-          </a:effectRef>
-          <a:fontRef idx="minor">
-            <a:schemeClr val="lt1"/>
-          </a:fontRef>
-        </p:style>
-        <p:txBody>
-          <a:bodyPr rot="0" spcFirstLastPara="0" vertOverflow="overflow" horzOverflow="overflow" vert="horz" wrap="none" lIns="72000" tIns="72000" rIns="72000" bIns="72000" numCol="1" spcCol="0" rtlCol="0" fromWordArt="0" anchor="ctr" anchorCtr="1" forceAA="0" compatLnSpc="1">
-            <a:prstTxWarp prst="textNoShape">
-              <a:avLst/>
-            </a:prstTxWarp>
-            <a:noAutofit/>
-          </a:bodyPr>
-          <a:lstStyle/>
-          <a:p>
-            <a:pPr algn="ctr"/>
-            <a:r>
-              <a:rPr kumimoji="1" lang="ja-JP" altLang="en-US" sz="1400" b="1" dirty="0" smtClean="0">
-                <a:latin typeface="+mn-ea"/>
-              </a:rPr>
-              <a:t>１</a:t>
             </a:r>
           </a:p>
         </p:txBody>
@@ -13345,6 +13284,65 @@
           </p:txBody>
         </p:sp>
       </p:grpSp>
+      <p:sp>
+        <p:nvSpPr>
+          <p:cNvPr id="57" name="円形吹き出し 56"/>
+          <p:cNvSpPr/>
+          <p:nvPr/>
+        </p:nvSpPr>
+        <p:spPr bwMode="auto">
+          <a:xfrm>
+            <a:off x="3970136" y="3001650"/>
+            <a:ext cx="301542" cy="312200"/>
+          </a:xfrm>
+          <a:prstGeom prst="wedgeEllipseCallout">
+            <a:avLst>
+              <a:gd name="adj1" fmla="val -97811"/>
+              <a:gd name="adj2" fmla="val 5714"/>
+            </a:avLst>
+          </a:prstGeom>
+          <a:solidFill>
+            <a:srgbClr val="FF0000"/>
+          </a:solidFill>
+          <a:ln w="28575">
+            <a:noFill/>
+          </a:ln>
+          <a:effectLst/>
+          <a:extLst/>
+        </p:spPr>
+        <p:style>
+          <a:lnRef idx="3">
+            <a:schemeClr val="lt1"/>
+          </a:lnRef>
+          <a:fillRef idx="1">
+            <a:schemeClr val="accent2"/>
+          </a:fillRef>
+          <a:effectRef idx="1">
+            <a:schemeClr val="accent2"/>
+          </a:effectRef>
+          <a:fontRef idx="minor">
+            <a:schemeClr val="lt1"/>
+          </a:fontRef>
+        </p:style>
+        <p:txBody>
+          <a:bodyPr rot="0" spcFirstLastPara="0" vertOverflow="overflow" horzOverflow="overflow" vert="horz" wrap="none" lIns="72000" tIns="72000" rIns="72000" bIns="72000" numCol="1" spcCol="0" rtlCol="0" fromWordArt="0" anchor="ctr" anchorCtr="1" forceAA="0" compatLnSpc="1">
+            <a:prstTxWarp prst="textNoShape">
+              <a:avLst/>
+            </a:prstTxWarp>
+            <a:noAutofit/>
+          </a:bodyPr>
+          <a:lstStyle/>
+          <a:p>
+            <a:pPr algn="ctr"/>
+            <a:r>
+              <a:rPr kumimoji="1" lang="ja-JP" altLang="en-US" sz="1400" b="1" dirty="0" smtClean="0">
+                <a:latin typeface="+mn-ea"/>
+              </a:rPr>
+              <a:t>１</a:t>
+            </a:r>
+          </a:p>
+        </p:txBody>
+      </p:sp>
     </p:spTree>
     <p:extLst>
       <p:ext uri="{BB962C8B-B14F-4D97-AF65-F5344CB8AC3E}">
@@ -13384,27 +13382,22 @@
       </p:grpSpPr>
       <p:pic>
         <p:nvPicPr>
-          <p:cNvPr id="11" name="図 10"/>
+          <p:cNvPr id="4" name="図 3"/>
           <p:cNvPicPr>
             <a:picLocks noChangeAspect="1"/>
           </p:cNvPicPr>
           <p:nvPr/>
         </p:nvPicPr>
-        <p:blipFill rotWithShape="1">
-          <a:blip r:embed="rId3">
-            <a:extLst>
-              <a:ext uri="{28A0092B-C50C-407E-A947-70E740481C1C}">
-                <a14:useLocalDpi xmlns:a14="http://schemas.microsoft.com/office/drawing/2010/main" val="0"/>
-              </a:ext>
-            </a:extLst>
-          </a:blip>
-          <a:srcRect l="13533" t="36918" r="12098"/>
-          <a:stretch/>
+        <p:blipFill>
+          <a:blip r:embed="rId3"/>
+          <a:stretch>
+            <a:fillRect/>
+          </a:stretch>
         </p:blipFill>
         <p:spPr>
           <a:xfrm>
-            <a:off x="835515" y="2662424"/>
-            <a:ext cx="5678385" cy="2286406"/>
+            <a:off x="789889" y="2595480"/>
+            <a:ext cx="5676721" cy="2286000"/>
           </a:xfrm>
           <a:prstGeom prst="rect">
             <a:avLst/>
@@ -13496,15 +13489,7 @@
             </a:r>
             <a:r>
               <a:rPr lang="ja-JP" altLang="en-US" dirty="0" smtClean="0"/>
-              <a:t>「投入</a:t>
-            </a:r>
-            <a:r>
-              <a:rPr lang="ja-JP" altLang="en-US" dirty="0"/>
-              <a:t>オペレーション</a:t>
-            </a:r>
-            <a:r>
-              <a:rPr lang="ja-JP" altLang="en-US" dirty="0" smtClean="0"/>
-              <a:t>一覧」メニュー </a:t>
+              <a:t>「オペレーション一覧」メニュー </a:t>
             </a:r>
             <a:r>
               <a:rPr lang="en-US" altLang="ja-JP" dirty="0" smtClean="0"/>
@@ -13615,8 +13600,8 @@
         </p:nvSpPr>
         <p:spPr bwMode="auto">
           <a:xfrm>
-            <a:off x="2074988" y="3937590"/>
-            <a:ext cx="1188000" cy="252000"/>
+            <a:off x="1793820" y="3914565"/>
+            <a:ext cx="977930" cy="162525"/>
           </a:xfrm>
           <a:prstGeom prst="roundRect">
             <a:avLst>
@@ -13659,8 +13644,8 @@
         </p:nvSpPr>
         <p:spPr bwMode="auto">
           <a:xfrm flipV="1">
-            <a:off x="1850464" y="2984265"/>
-            <a:ext cx="1404000" cy="612000"/>
+            <a:off x="1666340" y="2924928"/>
+            <a:ext cx="1249430" cy="704685"/>
           </a:xfrm>
           <a:prstGeom prst="roundRect">
             <a:avLst>
@@ -13703,7 +13688,7 @@
         </p:nvSpPr>
         <p:spPr bwMode="auto">
           <a:xfrm>
-            <a:off x="3354898" y="3914565"/>
+            <a:off x="2854833" y="3842554"/>
             <a:ext cx="273352" cy="306545"/>
           </a:xfrm>
           <a:prstGeom prst="wedgeEllipseCallout">
@@ -13762,7 +13747,7 @@
         </p:nvSpPr>
         <p:spPr bwMode="auto">
           <a:xfrm>
-            <a:off x="3914465" y="3116659"/>
+            <a:off x="3782804" y="3102205"/>
             <a:ext cx="3074798" cy="1260000"/>
           </a:xfrm>
           <a:prstGeom prst="roundRect">
@@ -13814,7 +13799,7 @@
         </p:nvSpPr>
         <p:spPr bwMode="auto">
           <a:xfrm>
-            <a:off x="3882393" y="3109039"/>
+            <a:off x="3680123" y="3116659"/>
             <a:ext cx="301542" cy="312200"/>
           </a:xfrm>
           <a:prstGeom prst="wedgeEllipseCallout">
@@ -13874,13 +13859,13 @@
           <p:nvPr>
             <p:extLst>
               <p:ext uri="{D42A27DB-BD31-4B8C-83A1-F6EECF244321}">
-                <p14:modId xmlns:p14="http://schemas.microsoft.com/office/powerpoint/2010/main" val="952695261"/>
+                <p14:modId xmlns:p14="http://schemas.microsoft.com/office/powerpoint/2010/main" val="4146774674"/>
               </p:ext>
             </p:extLst>
           </p:nvPr>
         </p:nvGraphicFramePr>
         <p:xfrm>
-          <a:off x="4019242" y="3492514"/>
+          <a:off x="3881008" y="3484052"/>
           <a:ext cx="2907348" cy="822960"/>
         </p:xfrm>
         <a:graphic>
@@ -14087,7 +14072,7 @@
                           </a:solidFill>
                           <a:latin typeface="+mn-lt"/>
                         </a:rPr>
-                        <a:t>プレイブック素材名</a:t>
+                        <a:t>オペレーション名</a:t>
                       </a:r>
                       <a:endParaRPr kumimoji="1" lang="ja-JP" altLang="en-US" sz="1200" b="1" dirty="0">
                         <a:solidFill>
@@ -15007,28 +14992,22 @@
       </p:grpSpPr>
       <p:pic>
         <p:nvPicPr>
-          <p:cNvPr id="3" name="図 2"/>
+          <p:cNvPr id="5" name="図 4"/>
           <p:cNvPicPr>
             <a:picLocks noChangeAspect="1"/>
           </p:cNvPicPr>
           <p:nvPr/>
         </p:nvPicPr>
         <p:blipFill>
-          <a:blip r:embed="rId3">
-            <a:extLst>
-              <a:ext uri="{28A0092B-C50C-407E-A947-70E740481C1C}">
-                <a14:useLocalDpi xmlns:a14="http://schemas.microsoft.com/office/drawing/2010/main" val="0"/>
-              </a:ext>
-            </a:extLst>
-          </a:blip>
+          <a:blip r:embed="rId3"/>
           <a:stretch>
             <a:fillRect/>
           </a:stretch>
         </p:blipFill>
         <p:spPr>
           <a:xfrm>
-            <a:off x="323410" y="2875321"/>
-            <a:ext cx="5876987" cy="2778976"/>
+            <a:off x="179513" y="2835518"/>
+            <a:ext cx="5933760" cy="2779200"/>
           </a:xfrm>
           <a:prstGeom prst="rect">
             <a:avLst/>
@@ -15140,12 +15119,23 @@
             </a:r>
             <a:r>
               <a:rPr lang="ja-JP" altLang="en-US" dirty="0" smtClean="0"/>
-              <a:t>「プレイブック素材集」メニュー </a:t>
+              <a:t>「</a:t>
+            </a:r>
+            <a:r>
+              <a:rPr lang="en-US" altLang="ja-JP" dirty="0" smtClean="0"/>
+              <a:t>Playbook</a:t>
+            </a:r>
+            <a:r>
+              <a:rPr lang="ja-JP" altLang="en-US" dirty="0" smtClean="0"/>
+              <a:t>素材集」メニュー </a:t>
             </a:r>
             <a:r>
               <a:rPr lang="en-US" altLang="ja-JP" dirty="0" smtClean="0"/>
               <a:t>&gt;&gt;</a:t>
             </a:r>
+            <a:br>
+              <a:rPr lang="en-US" altLang="ja-JP" dirty="0" smtClean="0"/>
+            </a:br>
             <a:r>
               <a:rPr lang="ja-JP" altLang="en-US" dirty="0" smtClean="0"/>
               <a:t>「</a:t>
@@ -15186,12 +15176,12 @@
               <a:t>「</a:t>
             </a:r>
             <a:r>
-              <a:rPr lang="ja-JP" altLang="en-US" dirty="0"/>
-              <a:t>プレイブック素材名</a:t>
+              <a:rPr lang="en-US" altLang="ja-JP" dirty="0" smtClean="0"/>
+              <a:t>Playbook</a:t>
             </a:r>
             <a:r>
               <a:rPr lang="ja-JP" altLang="en-US" dirty="0" smtClean="0"/>
-              <a:t>」を入力、</a:t>
+              <a:t>素材名」を入力、</a:t>
             </a:r>
             <a:r>
               <a:rPr lang="en-US" altLang="ja-JP" dirty="0" smtClean="0"/>
@@ -15205,12 +15195,20 @@
               <a:t>「</a:t>
             </a:r>
             <a:r>
+              <a:rPr lang="en-US" altLang="ja-JP" dirty="0" smtClean="0"/>
+              <a:t>Playbook</a:t>
+            </a:r>
+            <a:r>
+              <a:rPr lang="ja-JP" altLang="en-US" dirty="0" smtClean="0"/>
+              <a:t>素材」欄の「</a:t>
+            </a:r>
+            <a:r>
               <a:rPr lang="ja-JP" altLang="en-US" dirty="0"/>
-              <a:t>プレイブック</a:t>
+              <a:t>ファイル</a:t>
             </a:r>
             <a:r>
               <a:rPr lang="ja-JP" altLang="en-US" dirty="0" smtClean="0"/>
-              <a:t>素材」欄の「参照」ボタンを押下し</a:t>
+              <a:t>を選択」ボタンを押下し</a:t>
             </a:r>
             <a:r>
               <a:rPr lang="en-US" altLang="ja-JP" dirty="0" smtClean="0"/>
@@ -15313,52 +15311,8 @@
         </p:nvSpPr>
         <p:spPr bwMode="auto">
           <a:xfrm>
-            <a:off x="1446611" y="4143190"/>
-            <a:ext cx="1889090" cy="670042"/>
-          </a:xfrm>
-          <a:prstGeom prst="roundRect">
-            <a:avLst>
-              <a:gd name="adj" fmla="val 5764"/>
-            </a:avLst>
-          </a:prstGeom>
-          <a:noFill/>
-          <a:ln w="28575">
-            <a:solidFill>
-              <a:srgbClr val="FF0000"/>
-            </a:solidFill>
-          </a:ln>
-          <a:effectLst/>
-          <a:extLst/>
-        </p:spPr>
-        <p:txBody>
-          <a:bodyPr rot="0" spcFirstLastPara="0" vertOverflow="overflow" horzOverflow="overflow" vert="horz" wrap="none" lIns="72000" tIns="72000" rIns="72000" bIns="72000" numCol="1" spcCol="0" rtlCol="0" fromWordArt="0" anchor="ctr" anchorCtr="0" forceAA="0" compatLnSpc="1">
-            <a:prstTxWarp prst="textNoShape">
-              <a:avLst/>
-            </a:prstTxWarp>
-            <a:noAutofit/>
-          </a:bodyPr>
-          <a:lstStyle/>
-          <a:p>
-            <a:pPr algn="ctr"/>
-            <a:endParaRPr kumimoji="1" lang="ja-JP" altLang="en-US" sz="1400" b="1" dirty="0" smtClean="0">
-              <a:solidFill>
-                <a:srgbClr val="FF0000"/>
-              </a:solidFill>
-              <a:latin typeface="+mn-ea"/>
-            </a:endParaRPr>
-          </a:p>
-        </p:txBody>
-      </p:sp>
-      <p:sp>
-        <p:nvSpPr>
-          <p:cNvPr id="7" name="角丸四角形 6"/>
-          <p:cNvSpPr/>
-          <p:nvPr/>
-        </p:nvSpPr>
-        <p:spPr bwMode="auto">
-          <a:xfrm>
-            <a:off x="2066838" y="5065138"/>
-            <a:ext cx="900000" cy="216000"/>
+            <a:off x="1179572" y="4129923"/>
+            <a:ext cx="1504399" cy="670042"/>
           </a:xfrm>
           <a:prstGeom prst="roundRect">
             <a:avLst>
@@ -15955,7 +15909,7 @@
         </p:nvSpPr>
         <p:spPr bwMode="auto">
           <a:xfrm>
-            <a:off x="3016884" y="5024917"/>
+            <a:off x="2696706" y="5010689"/>
             <a:ext cx="237985" cy="268430"/>
           </a:xfrm>
           <a:prstGeom prst="wedgeEllipseCallout">
@@ -16014,8 +15968,8 @@
         </p:nvSpPr>
         <p:spPr bwMode="auto">
           <a:xfrm>
-            <a:off x="4068399" y="4297842"/>
-            <a:ext cx="2952000" cy="1260000"/>
+            <a:off x="4068399" y="4365130"/>
+            <a:ext cx="2952000" cy="1205353"/>
           </a:xfrm>
           <a:prstGeom prst="roundRect">
             <a:avLst>
@@ -16066,7 +16020,7 @@
         </p:nvSpPr>
         <p:spPr bwMode="auto">
           <a:xfrm>
-            <a:off x="3406089" y="4120330"/>
+            <a:off x="2783920" y="4129923"/>
             <a:ext cx="301542" cy="312200"/>
           </a:xfrm>
           <a:prstGeom prst="wedgeEllipseCallout">
@@ -16126,7 +16080,7 @@
           <p:nvPr>
             <p:extLst>
               <p:ext uri="{D42A27DB-BD31-4B8C-83A1-F6EECF244321}">
-                <p14:modId xmlns:p14="http://schemas.microsoft.com/office/powerpoint/2010/main" val="629893025"/>
+                <p14:modId xmlns:p14="http://schemas.microsoft.com/office/powerpoint/2010/main" val="720652517"/>
               </p:ext>
             </p:extLst>
           </p:nvPr>
@@ -16333,13 +16287,22 @@
                     <a:lstStyle/>
                     <a:p>
                       <a:r>
+                        <a:rPr kumimoji="1" lang="en-US" altLang="ja-JP" sz="1200" b="1" dirty="0" smtClean="0">
+                          <a:solidFill>
+                            <a:schemeClr val="tx1"/>
+                          </a:solidFill>
+                          <a:latin typeface="+mn-lt"/>
+                        </a:rPr>
+                        <a:t>Playbook</a:t>
+                      </a:r>
+                      <a:r>
                         <a:rPr kumimoji="1" lang="ja-JP" altLang="en-US" sz="1200" b="1" dirty="0" smtClean="0">
                           <a:solidFill>
                             <a:schemeClr val="tx1"/>
                           </a:solidFill>
                           <a:latin typeface="+mn-lt"/>
                         </a:rPr>
-                        <a:t>プレイブック素材名</a:t>
+                        <a:t>素材名</a:t>
                       </a:r>
                       <a:endParaRPr kumimoji="1" lang="ja-JP" altLang="en-US" sz="1200" b="1" dirty="0">
                         <a:solidFill>
@@ -16500,13 +16463,22 @@
                     <a:lstStyle/>
                     <a:p>
                       <a:r>
+                        <a:rPr kumimoji="1" lang="en-US" altLang="ja-JP" sz="1200" b="1" dirty="0" smtClean="0">
+                          <a:solidFill>
+                            <a:schemeClr val="tx1"/>
+                          </a:solidFill>
+                          <a:latin typeface="+mn-lt"/>
+                        </a:rPr>
+                        <a:t>Playbook</a:t>
+                      </a:r>
+                      <a:r>
                         <a:rPr kumimoji="1" lang="ja-JP" altLang="en-US" sz="1200" b="1" dirty="0" smtClean="0">
                           <a:solidFill>
                             <a:schemeClr val="tx1"/>
                           </a:solidFill>
                           <a:latin typeface="+mn-lt"/>
                         </a:rPr>
-                        <a:t>プレイブック素材</a:t>
+                        <a:t>素材</a:t>
                       </a:r>
                       <a:endParaRPr kumimoji="1" lang="ja-JP" altLang="en-US" sz="1200" b="1" dirty="0">
                         <a:solidFill>
@@ -16684,6 +16656,50 @@
           </a:graphicData>
         </a:graphic>
       </p:graphicFrame>
+      <p:sp>
+        <p:nvSpPr>
+          <p:cNvPr id="17" name="角丸四角形 16"/>
+          <p:cNvSpPr/>
+          <p:nvPr/>
+        </p:nvSpPr>
+        <p:spPr bwMode="auto">
+          <a:xfrm>
+            <a:off x="1789580" y="5010689"/>
+            <a:ext cx="784376" cy="242215"/>
+          </a:xfrm>
+          <a:prstGeom prst="roundRect">
+            <a:avLst>
+              <a:gd name="adj" fmla="val 5764"/>
+            </a:avLst>
+          </a:prstGeom>
+          <a:noFill/>
+          <a:ln w="28575">
+            <a:solidFill>
+              <a:srgbClr val="FF0000"/>
+            </a:solidFill>
+          </a:ln>
+          <a:effectLst/>
+          <a:extLst/>
+        </p:spPr>
+        <p:txBody>
+          <a:bodyPr rot="0" spcFirstLastPara="0" vertOverflow="overflow" horzOverflow="overflow" vert="horz" wrap="none" lIns="72000" tIns="72000" rIns="72000" bIns="72000" numCol="1" spcCol="0" rtlCol="0" fromWordArt="0" anchor="ctr" anchorCtr="0" forceAA="0" compatLnSpc="1">
+            <a:prstTxWarp prst="textNoShape">
+              <a:avLst/>
+            </a:prstTxWarp>
+            <a:noAutofit/>
+          </a:bodyPr>
+          <a:lstStyle/>
+          <a:p>
+            <a:pPr algn="ctr"/>
+            <a:endParaRPr kumimoji="1" lang="ja-JP" altLang="en-US" sz="1400" b="1" dirty="0" smtClean="0">
+              <a:solidFill>
+                <a:srgbClr val="FF0000"/>
+              </a:solidFill>
+              <a:latin typeface="+mn-ea"/>
+            </a:endParaRPr>
+          </a:p>
+        </p:txBody>
+      </p:sp>
     </p:spTree>
     <p:extLst>
       <p:ext uri="{BB962C8B-B14F-4D97-AF65-F5344CB8AC3E}">
@@ -16826,7 +16842,7 @@
       </p:sp>
       <p:pic>
         <p:nvPicPr>
-          <p:cNvPr id="4" name="図 3"/>
+          <p:cNvPr id="3" name="図 2"/>
           <p:cNvPicPr>
             <a:picLocks noChangeAspect="1"/>
           </p:cNvPicPr>
@@ -16840,8 +16856,8 @@
         </p:blipFill>
         <p:spPr>
           <a:xfrm>
-            <a:off x="271614" y="1556740"/>
-            <a:ext cx="8599797" cy="3120677"/>
+            <a:off x="240544" y="1556740"/>
+            <a:ext cx="8612829" cy="3121200"/>
           </a:xfrm>
           <a:prstGeom prst="rect">
             <a:avLst/>
@@ -16887,27 +16903,22 @@
       </p:grpSpPr>
       <p:pic>
         <p:nvPicPr>
-          <p:cNvPr id="4" name="図 3"/>
+          <p:cNvPr id="3" name="図 2"/>
           <p:cNvPicPr>
             <a:picLocks noChangeAspect="1"/>
           </p:cNvPicPr>
           <p:nvPr/>
         </p:nvPicPr>
-        <p:blipFill rotWithShape="1">
-          <a:blip r:embed="rId3">
-            <a:extLst>
-              <a:ext uri="{28A0092B-C50C-407E-A947-70E740481C1C}">
-                <a14:useLocalDpi xmlns:a14="http://schemas.microsoft.com/office/drawing/2010/main" val="0"/>
-              </a:ext>
-            </a:extLst>
-          </a:blip>
-          <a:srcRect r="25040"/>
-          <a:stretch/>
+        <p:blipFill>
+          <a:blip r:embed="rId3"/>
+          <a:stretch>
+            <a:fillRect/>
+          </a:stretch>
         </p:blipFill>
         <p:spPr>
           <a:xfrm>
-            <a:off x="827479" y="2454473"/>
-            <a:ext cx="5774441" cy="3782917"/>
+            <a:off x="751667" y="2398166"/>
+            <a:ext cx="5902663" cy="3783600"/>
           </a:xfrm>
           <a:prstGeom prst="rect">
             <a:avLst/>
@@ -17029,10 +17040,14 @@
             </a:r>
             <a:r>
               <a:rPr lang="ja-JP" altLang="en-US" dirty="0" smtClean="0"/>
-              <a:t>一覧」メニュー </a:t>
-            </a:r>
-            <a:r>
-              <a:rPr lang="en-US" altLang="ja-JP" dirty="0" smtClean="0"/>
+              <a:t>一覧」</a:t>
+            </a:r>
+            <a:r>
+              <a:rPr lang="ja-JP" altLang="en-US" smtClean="0"/>
+              <a:t>メニュー </a:t>
+            </a:r>
+            <a:r>
+              <a:rPr lang="en-US" altLang="ja-JP" smtClean="0"/>
               <a:t>&gt;&gt;</a:t>
             </a:r>
             <a:r>
@@ -17125,8 +17140,8 @@
         </p:nvSpPr>
         <p:spPr bwMode="auto">
           <a:xfrm>
-            <a:off x="2449208" y="4129567"/>
-            <a:ext cx="2410832" cy="848037"/>
+            <a:off x="1908901" y="3911602"/>
+            <a:ext cx="1726969" cy="732832"/>
           </a:xfrm>
           <a:prstGeom prst="roundRect">
             <a:avLst>
@@ -17163,57 +17178,13 @@
       </p:sp>
       <p:sp>
         <p:nvSpPr>
-          <p:cNvPr id="6" name="角丸四角形 5"/>
-          <p:cNvSpPr/>
-          <p:nvPr/>
-        </p:nvSpPr>
-        <p:spPr bwMode="auto">
-          <a:xfrm>
-            <a:off x="3108999" y="5226515"/>
-            <a:ext cx="1188000" cy="262415"/>
-          </a:xfrm>
-          <a:prstGeom prst="roundRect">
-            <a:avLst>
-              <a:gd name="adj" fmla="val 5764"/>
-            </a:avLst>
-          </a:prstGeom>
-          <a:noFill/>
-          <a:ln w="28575">
-            <a:solidFill>
-              <a:srgbClr val="FF0000"/>
-            </a:solidFill>
-          </a:ln>
-          <a:effectLst/>
-          <a:extLst/>
-        </p:spPr>
-        <p:txBody>
-          <a:bodyPr rot="0" spcFirstLastPara="0" vertOverflow="overflow" horzOverflow="overflow" vert="horz" wrap="none" lIns="72000" tIns="72000" rIns="72000" bIns="72000" numCol="1" spcCol="0" rtlCol="0" fromWordArt="0" anchor="ctr" anchorCtr="0" forceAA="0" compatLnSpc="1">
-            <a:prstTxWarp prst="textNoShape">
-              <a:avLst/>
-            </a:prstTxWarp>
-            <a:noAutofit/>
-          </a:bodyPr>
-          <a:lstStyle/>
-          <a:p>
-            <a:pPr algn="ctr"/>
-            <a:endParaRPr kumimoji="1" lang="ja-JP" altLang="en-US" sz="1400" b="1" dirty="0" smtClean="0">
-              <a:solidFill>
-                <a:srgbClr val="FF0000"/>
-              </a:solidFill>
-              <a:latin typeface="+mn-ea"/>
-            </a:endParaRPr>
-          </a:p>
-        </p:txBody>
-      </p:sp>
-      <p:sp>
-        <p:nvSpPr>
           <p:cNvPr id="59" name="円形吹き出し 58"/>
           <p:cNvSpPr/>
           <p:nvPr/>
         </p:nvSpPr>
         <p:spPr bwMode="auto">
           <a:xfrm>
-            <a:off x="4390914" y="5220500"/>
+            <a:off x="3275820" y="4878935"/>
             <a:ext cx="237985" cy="268430"/>
           </a:xfrm>
           <a:prstGeom prst="wedgeEllipseCallout">
@@ -17272,7 +17243,7 @@
         </p:nvSpPr>
         <p:spPr bwMode="auto">
           <a:xfrm>
-            <a:off x="4644010" y="2709756"/>
+            <a:off x="4127229" y="2709756"/>
             <a:ext cx="2376330" cy="1295323"/>
           </a:xfrm>
           <a:prstGeom prst="roundRect">
@@ -17336,7 +17307,7 @@
         </p:nvSpPr>
         <p:spPr bwMode="auto">
           <a:xfrm>
-            <a:off x="4596697" y="2686897"/>
+            <a:off x="3976458" y="2553656"/>
             <a:ext cx="301542" cy="312200"/>
           </a:xfrm>
           <a:prstGeom prst="wedgeEllipseCallout">
@@ -17396,13 +17367,13 @@
           <p:nvPr>
             <p:extLst>
               <p:ext uri="{D42A27DB-BD31-4B8C-83A1-F6EECF244321}">
-                <p14:modId xmlns:p14="http://schemas.microsoft.com/office/powerpoint/2010/main" val="628687413"/>
+                <p14:modId xmlns:p14="http://schemas.microsoft.com/office/powerpoint/2010/main" val="3233388920"/>
               </p:ext>
             </p:extLst>
           </p:nvPr>
         </p:nvGraphicFramePr>
         <p:xfrm>
-          <a:off x="4725925" y="3070372"/>
+          <a:off x="4213873" y="3050806"/>
           <a:ext cx="2203041" cy="822960"/>
         </p:xfrm>
         <a:graphic>
@@ -18512,6 +18483,50 @@
           </p:txBody>
         </p:sp>
       </p:grpSp>
+      <p:sp>
+        <p:nvSpPr>
+          <p:cNvPr id="16" name="角丸四角形 15"/>
+          <p:cNvSpPr/>
+          <p:nvPr/>
+        </p:nvSpPr>
+        <p:spPr bwMode="auto">
+          <a:xfrm>
+            <a:off x="2304000" y="4896000"/>
+            <a:ext cx="792190" cy="268430"/>
+          </a:xfrm>
+          <a:prstGeom prst="roundRect">
+            <a:avLst>
+              <a:gd name="adj" fmla="val 5764"/>
+            </a:avLst>
+          </a:prstGeom>
+          <a:noFill/>
+          <a:ln w="28575">
+            <a:solidFill>
+              <a:srgbClr val="FF0000"/>
+            </a:solidFill>
+          </a:ln>
+          <a:effectLst/>
+          <a:extLst/>
+        </p:spPr>
+        <p:txBody>
+          <a:bodyPr rot="0" spcFirstLastPara="0" vertOverflow="overflow" horzOverflow="overflow" vert="horz" wrap="none" lIns="72000" tIns="72000" rIns="72000" bIns="72000" numCol="1" spcCol="0" rtlCol="0" fromWordArt="0" anchor="ctr" anchorCtr="0" forceAA="0" compatLnSpc="1">
+            <a:prstTxWarp prst="textNoShape">
+              <a:avLst/>
+            </a:prstTxWarp>
+            <a:noAutofit/>
+          </a:bodyPr>
+          <a:lstStyle/>
+          <a:p>
+            <a:pPr algn="ctr"/>
+            <a:endParaRPr kumimoji="1" lang="ja-JP" altLang="en-US" sz="1400" b="1" dirty="0" smtClean="0">
+              <a:solidFill>
+                <a:srgbClr val="FF0000"/>
+              </a:solidFill>
+              <a:latin typeface="+mn-ea"/>
+            </a:endParaRPr>
+          </a:p>
+        </p:txBody>
+      </p:sp>
     </p:spTree>
     <p:extLst>
       <p:ext uri="{BB962C8B-B14F-4D97-AF65-F5344CB8AC3E}">
@@ -18660,7 +18675,7 @@
       </p:sp>
       <p:pic>
         <p:nvPicPr>
-          <p:cNvPr id="3" name="図 2"/>
+          <p:cNvPr id="4" name="図 3"/>
           <p:cNvPicPr>
             <a:picLocks noChangeAspect="1"/>
           </p:cNvPicPr>
@@ -18674,8 +18689,8 @@
         </p:blipFill>
         <p:spPr>
           <a:xfrm>
-            <a:off x="389736" y="1772770"/>
-            <a:ext cx="8219552" cy="3271131"/>
+            <a:off x="323410" y="1772770"/>
+            <a:ext cx="8208505" cy="3272400"/>
           </a:xfrm>
           <a:prstGeom prst="rect">
             <a:avLst/>
@@ -18721,28 +18736,22 @@
       </p:grpSpPr>
       <p:pic>
         <p:nvPicPr>
-          <p:cNvPr id="3" name="図 2"/>
+          <p:cNvPr id="4" name="図 3"/>
           <p:cNvPicPr>
             <a:picLocks noChangeAspect="1"/>
           </p:cNvPicPr>
           <p:nvPr/>
         </p:nvPicPr>
         <p:blipFill>
-          <a:blip r:embed="rId3">
-            <a:extLst>
-              <a:ext uri="{28A0092B-C50C-407E-A947-70E740481C1C}">
-                <a14:useLocalDpi xmlns:a14="http://schemas.microsoft.com/office/drawing/2010/main" val="0"/>
-              </a:ext>
-            </a:extLst>
-          </a:blip>
+          <a:blip r:embed="rId3"/>
           <a:stretch>
             <a:fillRect/>
           </a:stretch>
         </p:blipFill>
         <p:spPr>
           <a:xfrm>
-            <a:off x="514184" y="2346637"/>
-            <a:ext cx="6402247" cy="3036729"/>
+            <a:off x="485068" y="2351444"/>
+            <a:ext cx="6420821" cy="3038400"/>
           </a:xfrm>
           <a:prstGeom prst="rect">
             <a:avLst/>
@@ -18818,6 +18827,10 @@
           </a:bodyPr>
           <a:lstStyle/>
           <a:p>
+            <a:pPr>
+              <a:buFont typeface="Wingdings" panose="05000000000000000000" pitchFamily="2" charset="2"/>
+              <a:buChar char="l"/>
+            </a:pPr>
             <a:r>
               <a:rPr lang="en-US" altLang="ja-JP" b="1" dirty="0" smtClean="0"/>
               <a:t>Movement</a:t>
@@ -18858,11 +18871,15 @@
             </a:r>
             <a:r>
               <a:rPr lang="en-US" altLang="ja-JP" dirty="0" smtClean="0"/>
-              <a:t>Movement</a:t>
+              <a:t>Movement-Playbook</a:t>
+            </a:r>
+            <a:r>
+              <a:rPr lang="ja-JP" altLang="en-US" dirty="0" smtClean="0"/>
+              <a:t>紐</a:t>
             </a:r>
             <a:r>
               <a:rPr lang="ja-JP" altLang="en-US" dirty="0"/>
-              <a:t>詳細</a:t>
+              <a:t>付</a:t>
             </a:r>
             <a:r>
               <a:rPr lang="ja-JP" altLang="en-US" dirty="0" smtClean="0"/>
@@ -18917,7 +18934,15 @@
             </a:r>
             <a:r>
               <a:rPr lang="ja-JP" altLang="en-US" dirty="0" smtClean="0"/>
-              <a:t>」「プレイブック素材」「インクルード順序」を入力</a:t>
+              <a:t>」「</a:t>
+            </a:r>
+            <a:r>
+              <a:rPr lang="en-US" altLang="ja-JP" dirty="0" smtClean="0"/>
+              <a:t>Playbook</a:t>
+            </a:r>
+            <a:r>
+              <a:rPr lang="ja-JP" altLang="en-US" dirty="0" smtClean="0"/>
+              <a:t>素材」「インクルード順序」を入力</a:t>
             </a:r>
             <a:endParaRPr lang="en-US" altLang="ja-JP" dirty="0" smtClean="0"/>
           </a:p>
@@ -18950,8 +18975,8 @@
         </p:nvSpPr>
         <p:spPr bwMode="auto">
           <a:xfrm>
-            <a:off x="1732402" y="3734913"/>
-            <a:ext cx="2772000" cy="558793"/>
+            <a:off x="1619590" y="3727956"/>
+            <a:ext cx="2604894" cy="558793"/>
           </a:xfrm>
           <a:prstGeom prst="roundRect">
             <a:avLst>
@@ -18994,8 +19019,8 @@
         </p:nvSpPr>
         <p:spPr bwMode="auto">
           <a:xfrm>
-            <a:off x="2414431" y="4526481"/>
-            <a:ext cx="976621" cy="224517"/>
+            <a:off x="2198638" y="4591925"/>
+            <a:ext cx="870380" cy="201412"/>
           </a:xfrm>
           <a:prstGeom prst="roundRect">
             <a:avLst>
@@ -19038,7 +19063,7 @@
         </p:nvSpPr>
         <p:spPr bwMode="auto">
           <a:xfrm>
-            <a:off x="3457494" y="4504524"/>
+            <a:off x="3136589" y="4550757"/>
             <a:ext cx="237985" cy="268430"/>
           </a:xfrm>
           <a:prstGeom prst="wedgeEllipseCallout">
@@ -19097,8 +19122,8 @@
         </p:nvSpPr>
         <p:spPr bwMode="auto">
           <a:xfrm>
-            <a:off x="651321" y="4857976"/>
-            <a:ext cx="4022357" cy="1913665"/>
+            <a:off x="651321" y="4819188"/>
+            <a:ext cx="4022357" cy="1952454"/>
           </a:xfrm>
           <a:prstGeom prst="roundRect">
             <a:avLst>
@@ -19161,13 +19186,13 @@
         </p:nvSpPr>
         <p:spPr bwMode="auto">
           <a:xfrm>
-            <a:off x="4340380" y="4505686"/>
-            <a:ext cx="301542" cy="342780"/>
+            <a:off x="3953219" y="4450557"/>
+            <a:ext cx="272014" cy="342780"/>
           </a:xfrm>
           <a:prstGeom prst="wedgeEllipseCallout">
             <a:avLst>
-              <a:gd name="adj1" fmla="val -61682"/>
-              <a:gd name="adj2" fmla="val -178658"/>
+              <a:gd name="adj1" fmla="val -51010"/>
+              <a:gd name="adj2" fmla="val -149018"/>
             </a:avLst>
           </a:prstGeom>
           <a:solidFill>
@@ -19221,7 +19246,7 @@
           <p:nvPr>
             <p:extLst>
               <p:ext uri="{D42A27DB-BD31-4B8C-83A1-F6EECF244321}">
-                <p14:modId xmlns:p14="http://schemas.microsoft.com/office/powerpoint/2010/main" val="2667166289"/>
+                <p14:modId xmlns:p14="http://schemas.microsoft.com/office/powerpoint/2010/main" val="2375724538"/>
               </p:ext>
             </p:extLst>
           </p:nvPr>
@@ -19613,13 +19638,17 @@
                     <a:lstStyle/>
                     <a:p>
                       <a:r>
+                        <a:rPr lang="en-US" altLang="ja-JP" sz="1200" b="1" dirty="0" smtClean="0"/>
+                        <a:t>Playbook</a:t>
+                      </a:r>
+                      <a:r>
                         <a:rPr kumimoji="1" lang="ja-JP" altLang="en-US" sz="1200" b="1" dirty="0" smtClean="0">
                           <a:solidFill>
                             <a:schemeClr val="tx1"/>
                           </a:solidFill>
                           <a:latin typeface="+mn-lt"/>
                         </a:rPr>
-                        <a:t>プレイブック素材</a:t>
+                        <a:t>素材</a:t>
                       </a:r>
                       <a:endParaRPr kumimoji="1" lang="ja-JP" altLang="en-US" sz="1200" b="1" dirty="0">
                         <a:solidFill>
@@ -19716,7 +19745,25 @@
                           </a:solidFill>
                           <a:latin typeface="+mn-lt"/>
                         </a:rPr>
-                        <a:t>登録したプレイブックを選択</a:t>
+                        <a:t>登録した</a:t>
+                      </a:r>
+                      <a:r>
+                        <a:rPr lang="en-US" altLang="ja-JP" sz="1200" dirty="0" smtClean="0">
+                          <a:solidFill>
+                            <a:schemeClr val="tx1"/>
+                          </a:solidFill>
+                          <a:latin typeface="+mn-lt"/>
+                        </a:rPr>
+                        <a:t>Playbook</a:t>
+                      </a:r>
+                      <a:r>
+                        <a:rPr lang="ja-JP" altLang="en-US" sz="1200" dirty="0" smtClean="0">
+                          <a:solidFill>
+                            <a:schemeClr val="tx1"/>
+                          </a:solidFill>
+                          <a:latin typeface="+mn-lt"/>
+                        </a:rPr>
+                        <a:t>を選択</a:t>
                       </a:r>
                       <a:endParaRPr lang="en-US" altLang="ja-JP" sz="1200" dirty="0" smtClean="0">
                         <a:solidFill>
@@ -20681,7 +20728,7 @@
       </p:sp>
       <p:pic>
         <p:nvPicPr>
-          <p:cNvPr id="4" name="図 3"/>
+          <p:cNvPr id="5" name="図 4"/>
           <p:cNvPicPr>
             <a:picLocks noChangeAspect="1"/>
           </p:cNvPicPr>
@@ -20695,8 +20742,8 @@
         </p:blipFill>
         <p:spPr>
           <a:xfrm>
-            <a:off x="291619" y="1916790"/>
-            <a:ext cx="8498067" cy="3034406"/>
+            <a:off x="250922" y="1772770"/>
+            <a:ext cx="8497180" cy="3034800"/>
           </a:xfrm>
           <a:prstGeom prst="rect">
             <a:avLst/>
@@ -20742,27 +20789,22 @@
       </p:grpSpPr>
       <p:pic>
         <p:nvPicPr>
-          <p:cNvPr id="4" name="図 3"/>
+          <p:cNvPr id="6" name="図 5"/>
           <p:cNvPicPr>
             <a:picLocks noChangeAspect="1"/>
           </p:cNvPicPr>
           <p:nvPr/>
         </p:nvPicPr>
-        <p:blipFill rotWithShape="1">
-          <a:blip r:embed="rId3">
-            <a:extLst>
-              <a:ext uri="{28A0092B-C50C-407E-A947-70E740481C1C}">
-                <a14:useLocalDpi xmlns:a14="http://schemas.microsoft.com/office/drawing/2010/main" val="0"/>
-              </a:ext>
-            </a:extLst>
-          </a:blip>
-          <a:srcRect r="19912"/>
-          <a:stretch/>
+        <p:blipFill>
+          <a:blip r:embed="rId3"/>
+          <a:stretch>
+            <a:fillRect/>
+          </a:stretch>
         </p:blipFill>
         <p:spPr>
           <a:xfrm>
-            <a:off x="348408" y="2414551"/>
-            <a:ext cx="5888372" cy="3482127"/>
+            <a:off x="404364" y="2403695"/>
+            <a:ext cx="5893385" cy="3481200"/>
           </a:xfrm>
           <a:prstGeom prst="rect">
             <a:avLst/>
@@ -20973,8 +21015,8 @@
         </p:nvSpPr>
         <p:spPr bwMode="auto">
           <a:xfrm>
-            <a:off x="1763610" y="3994431"/>
-            <a:ext cx="4320000" cy="612000"/>
+            <a:off x="1700160" y="3924341"/>
+            <a:ext cx="2373902" cy="703059"/>
           </a:xfrm>
           <a:prstGeom prst="roundRect">
             <a:avLst>
@@ -21017,8 +21059,8 @@
         </p:nvSpPr>
         <p:spPr bwMode="auto">
           <a:xfrm>
-            <a:off x="2528852" y="4899341"/>
-            <a:ext cx="1142651" cy="275968"/>
+            <a:off x="2398406" y="4892653"/>
+            <a:ext cx="896519" cy="268430"/>
           </a:xfrm>
           <a:prstGeom prst="roundRect">
             <a:avLst>
@@ -21061,7 +21103,7 @@
         </p:nvSpPr>
         <p:spPr bwMode="auto">
           <a:xfrm>
-            <a:off x="3753790" y="4892653"/>
+            <a:off x="3428475" y="4892653"/>
             <a:ext cx="237985" cy="268430"/>
           </a:xfrm>
           <a:prstGeom prst="wedgeEllipseCallout">
@@ -22028,10 +22070,10 @@
               <a:t>作成した</a:t>
             </a:r>
             <a:r>
-              <a:rPr lang="en-US" altLang="ja-JP" sz="1400" dirty="0" err="1" smtClean="0">
+              <a:rPr lang="en-US" altLang="ja-JP" sz="1400" dirty="0" smtClean="0">
                 <a:latin typeface="+mn-ea"/>
               </a:rPr>
-              <a:t>Movemovement</a:t>
+              <a:t>Movement</a:t>
             </a:r>
             <a:r>
               <a:rPr lang="ja-JP" altLang="en-US" sz="1400" dirty="0" smtClean="0">
@@ -22942,27 +22984,22 @@
       </p:grpSpPr>
       <p:pic>
         <p:nvPicPr>
-          <p:cNvPr id="3" name="図 2"/>
+          <p:cNvPr id="4" name="図 3"/>
           <p:cNvPicPr>
             <a:picLocks noChangeAspect="1"/>
           </p:cNvPicPr>
           <p:nvPr/>
         </p:nvPicPr>
-        <p:blipFill rotWithShape="1">
-          <a:blip r:embed="rId3">
-            <a:extLst>
-              <a:ext uri="{28A0092B-C50C-407E-A947-70E740481C1C}">
-                <a14:useLocalDpi xmlns:a14="http://schemas.microsoft.com/office/drawing/2010/main" val="0"/>
-              </a:ext>
-            </a:extLst>
-          </a:blip>
-          <a:srcRect r="14509"/>
-          <a:stretch/>
+        <p:blipFill>
+          <a:blip r:embed="rId3"/>
+          <a:stretch>
+            <a:fillRect/>
+          </a:stretch>
         </p:blipFill>
         <p:spPr>
           <a:xfrm>
-            <a:off x="774563" y="2990086"/>
-            <a:ext cx="5989250" cy="3320326"/>
+            <a:off x="755470" y="2841756"/>
+            <a:ext cx="5986963" cy="3319200"/>
           </a:xfrm>
           <a:prstGeom prst="rect">
             <a:avLst/>
@@ -23072,6 +23109,9 @@
               <a:rPr lang="en-US" altLang="ja-JP" dirty="0" smtClean="0"/>
               <a:t>&gt;&gt;</a:t>
             </a:r>
+            <a:br>
+              <a:rPr lang="en-US" altLang="ja-JP" dirty="0" smtClean="0"/>
+            </a:br>
             <a:r>
               <a:rPr lang="ja-JP" altLang="en-US" dirty="0" smtClean="0"/>
               <a:t>「</a:t>
@@ -23166,8 +23206,8 @@
         </p:nvSpPr>
         <p:spPr bwMode="auto">
           <a:xfrm>
-            <a:off x="2112760" y="4501356"/>
-            <a:ext cx="4422043" cy="648964"/>
+            <a:off x="2031537" y="4364940"/>
+            <a:ext cx="3260564" cy="648964"/>
           </a:xfrm>
           <a:prstGeom prst="roundRect">
             <a:avLst>
@@ -23210,8 +23250,8 @@
         </p:nvSpPr>
         <p:spPr bwMode="auto">
           <a:xfrm>
-            <a:off x="2837786" y="5371866"/>
-            <a:ext cx="1080000" cy="252000"/>
+            <a:off x="2726184" y="5242634"/>
+            <a:ext cx="1022767" cy="262914"/>
           </a:xfrm>
           <a:prstGeom prst="roundRect">
             <a:avLst>
@@ -23254,7 +23294,7 @@
         </p:nvSpPr>
         <p:spPr bwMode="auto">
           <a:xfrm>
-            <a:off x="4004573" y="5366350"/>
+            <a:off x="3851900" y="5237118"/>
             <a:ext cx="237985" cy="268430"/>
           </a:xfrm>
           <a:prstGeom prst="wedgeEllipseCallout">
@@ -23313,7 +23353,7 @@
         </p:nvSpPr>
         <p:spPr bwMode="auto">
           <a:xfrm>
-            <a:off x="2411700" y="4123710"/>
+            <a:off x="2339690" y="3975402"/>
             <a:ext cx="301542" cy="312200"/>
           </a:xfrm>
           <a:prstGeom prst="wedgeEllipseCallout">
@@ -23505,7 +23545,7 @@
           <p:nvPr>
             <p:extLst>
               <p:ext uri="{D42A27DB-BD31-4B8C-83A1-F6EECF244321}">
-                <p14:modId xmlns:p14="http://schemas.microsoft.com/office/powerpoint/2010/main" val="3756335291"/>
+                <p14:modId xmlns:p14="http://schemas.microsoft.com/office/powerpoint/2010/main" val="3045119636"/>
               </p:ext>
             </p:extLst>
           </p:nvPr>
@@ -23880,7 +23920,7 @@
                     <a:p>
                       <a:pPr algn="l" fontAlgn="t"/>
                       <a:r>
-                        <a:rPr lang="en-US" sz="1200" b="0" i="0" u="none" strike="noStrike">
+                        <a:rPr lang="en-US" sz="1200" b="0" i="0" u="none" strike="noStrike" dirty="0">
                           <a:solidFill>
                             <a:srgbClr val="000000"/>
                           </a:solidFill>
@@ -23990,7 +24030,7 @@
                     <a:p>
                       <a:pPr algn="l" fontAlgn="t"/>
                       <a:r>
-                        <a:rPr lang="en-US" sz="1200" b="0" i="0" u="none" strike="noStrike">
+                        <a:rPr lang="en-US" sz="1200" b="0" i="0" u="none" strike="noStrike" dirty="0">
                           <a:solidFill>
                             <a:srgbClr val="000000"/>
                           </a:solidFill>
@@ -24168,7 +24208,7 @@
                     <a:p>
                       <a:pPr algn="l" fontAlgn="t"/>
                       <a:r>
-                        <a:rPr lang="en-US" sz="1200" b="0" i="0" u="none" strike="noStrike">
+                        <a:rPr lang="en-US" sz="1200" b="0" i="0" u="none" strike="noStrike" dirty="0">
                           <a:solidFill>
                             <a:srgbClr val="000000"/>
                           </a:solidFill>
@@ -24456,7 +24496,7 @@
                     <a:p>
                       <a:pPr algn="l" fontAlgn="t"/>
                       <a:r>
-                        <a:rPr lang="en-US" sz="1200" b="0" i="0" u="none" strike="noStrike">
+                        <a:rPr lang="en-US" sz="1200" b="0" i="0" u="none" strike="noStrike" dirty="0">
                           <a:solidFill>
                             <a:srgbClr val="000000"/>
                           </a:solidFill>
@@ -24566,7 +24606,7 @@
                     <a:p>
                       <a:pPr algn="l" fontAlgn="t"/>
                       <a:r>
-                        <a:rPr lang="en-US" sz="1200" b="0" i="0" u="none" strike="noStrike">
+                        <a:rPr lang="en-US" sz="1200" b="0" i="0" u="none" strike="noStrike" dirty="0">
                           <a:solidFill>
                             <a:srgbClr val="000000"/>
                           </a:solidFill>
@@ -24624,7 +24664,7 @@
                     <a:p>
                       <a:pPr algn="l" fontAlgn="t"/>
                       <a:r>
-                        <a:rPr lang="en-US" sz="1200" b="0" i="0" u="none" strike="noStrike">
+                        <a:rPr lang="en-US" sz="1200" b="0" i="0" u="none" strike="noStrike" dirty="0" err="1">
                           <a:solidFill>
                             <a:srgbClr val="000000"/>
                           </a:solidFill>
@@ -24634,6 +24674,14 @@
                         </a:rPr>
                         <a:t>testfile</a:t>
                       </a:r>
+                      <a:endParaRPr lang="en-US" sz="1200" b="0" i="0" u="none" strike="noStrike" dirty="0">
+                        <a:solidFill>
+                          <a:srgbClr val="000000"/>
+                        </a:solidFill>
+                        <a:effectLst/>
+                        <a:latin typeface="メイリオ" panose="020B0604030504040204" pitchFamily="50" charset="-128"/>
+                        <a:ea typeface="メイリオ" panose="020B0604030504040204" pitchFamily="50" charset="-128"/>
+                      </a:endParaRPr>
                     </a:p>
                   </a:txBody>
                   <a:tcPr marL="0" marR="0" marT="0" marB="0">
@@ -24796,7 +24844,7 @@
                     <a:p>
                       <a:pPr algn="l" fontAlgn="t"/>
                       <a:r>
-                        <a:rPr lang="en-US" sz="1200" b="0" i="0" u="none" strike="noStrike">
+                        <a:rPr lang="en-US" sz="1200" b="0" i="0" u="none" strike="noStrike" dirty="0">
                           <a:solidFill>
                             <a:srgbClr val="000000"/>
                           </a:solidFill>
@@ -24854,7 +24902,7 @@
                     <a:p>
                       <a:pPr algn="l" fontAlgn="t"/>
                       <a:r>
-                        <a:rPr lang="en-US" sz="1200" b="0" i="0" u="none" strike="noStrike">
+                        <a:rPr lang="en-US" sz="1200" b="0" i="0" u="none" strike="noStrike" dirty="0">
                           <a:solidFill>
                             <a:srgbClr val="000000"/>
                           </a:solidFill>
@@ -24912,7 +24960,7 @@
                     <a:p>
                       <a:pPr algn="l" fontAlgn="t"/>
                       <a:r>
-                        <a:rPr lang="en-US" sz="1200" b="0" i="0" u="none" strike="noStrike">
+                        <a:rPr lang="en-US" sz="1200" b="0" i="0" u="none" strike="noStrike" dirty="0">
                           <a:solidFill>
                             <a:srgbClr val="000000"/>
                           </a:solidFill>
@@ -25084,7 +25132,7 @@
                     <a:p>
                       <a:pPr algn="l" fontAlgn="t"/>
                       <a:r>
-                        <a:rPr lang="en-US" sz="1200" b="0" i="0" u="none" strike="noStrike">
+                        <a:rPr lang="en-US" sz="1200" b="0" i="0" u="none" strike="noStrike" dirty="0">
                           <a:solidFill>
                             <a:srgbClr val="000000"/>
                           </a:solidFill>
@@ -25200,7 +25248,7 @@
                     <a:p>
                       <a:pPr algn="l" fontAlgn="t"/>
                       <a:r>
-                        <a:rPr lang="en-US" sz="1200" b="0" i="0" u="none" strike="noStrike">
+                        <a:rPr lang="en-US" sz="1200" b="0" i="0" u="none" strike="noStrike" dirty="0">
                           <a:solidFill>
                             <a:srgbClr val="000000"/>
                           </a:solidFill>
@@ -25372,7 +25420,7 @@
                     <a:p>
                       <a:pPr algn="l" fontAlgn="t"/>
                       <a:r>
-                        <a:rPr lang="en-US" sz="1200" b="0" i="0" u="none" strike="noStrike">
+                        <a:rPr lang="en-US" sz="1200" b="0" i="0" u="none" strike="noStrike" dirty="0">
                           <a:solidFill>
                             <a:srgbClr val="000000"/>
                           </a:solidFill>
@@ -25430,7 +25478,7 @@
                     <a:p>
                       <a:pPr algn="l" fontAlgn="t"/>
                       <a:r>
-                        <a:rPr lang="en-US" sz="1200" b="0" i="0" u="none" strike="noStrike">
+                        <a:rPr lang="en-US" sz="1200" b="0" i="0" u="none" strike="noStrike" dirty="0">
                           <a:solidFill>
                             <a:srgbClr val="000000"/>
                           </a:solidFill>
@@ -25488,7 +25536,7 @@
                     <a:p>
                       <a:pPr algn="l" fontAlgn="t"/>
                       <a:r>
-                        <a:rPr lang="en-US" sz="1200" b="0" i="0" u="none" strike="noStrike">
+                        <a:rPr lang="en-US" sz="1200" b="0" i="0" u="none" strike="noStrike" dirty="0" err="1">
                           <a:solidFill>
                             <a:srgbClr val="000000"/>
                           </a:solidFill>
@@ -25498,6 +25546,14 @@
                         </a:rPr>
                         <a:t>testfile</a:t>
                       </a:r>
+                      <a:endParaRPr lang="en-US" sz="1200" b="0" i="0" u="none" strike="noStrike" dirty="0">
+                        <a:solidFill>
+                          <a:srgbClr val="000000"/>
+                        </a:solidFill>
+                        <a:effectLst/>
+                        <a:latin typeface="メイリオ" panose="020B0604030504040204" pitchFamily="50" charset="-128"/>
+                        <a:ea typeface="メイリオ" panose="020B0604030504040204" pitchFamily="50" charset="-128"/>
+                      </a:endParaRPr>
                     </a:p>
                   </a:txBody>
                   <a:tcPr marL="0" marR="0" marT="0" marB="0">
@@ -25660,7 +25716,7 @@
                     <a:p>
                       <a:pPr algn="l" fontAlgn="t"/>
                       <a:r>
-                        <a:rPr lang="en-US" sz="1200" b="0" i="0" u="none" strike="noStrike">
+                        <a:rPr lang="en-US" sz="1200" b="0" i="0" u="none" strike="noStrike" dirty="0">
                           <a:solidFill>
                             <a:srgbClr val="000000"/>
                           </a:solidFill>
@@ -25718,7 +25774,7 @@
                     <a:p>
                       <a:pPr algn="l" fontAlgn="t"/>
                       <a:r>
-                        <a:rPr lang="en-US" sz="1200" b="0" i="0" u="none" strike="noStrike">
+                        <a:rPr lang="en-US" sz="1200" b="0" i="0" u="none" strike="noStrike" dirty="0">
                           <a:solidFill>
                             <a:srgbClr val="000000"/>
                           </a:solidFill>
@@ -25776,7 +25832,7 @@
                     <a:p>
                       <a:pPr algn="l" fontAlgn="t"/>
                       <a:r>
-                        <a:rPr lang="en-US" sz="1200" b="0" i="0" u="none" strike="noStrike">
+                        <a:rPr lang="en-US" sz="1200" b="0" i="0" u="none" strike="noStrike" dirty="0">
                           <a:solidFill>
                             <a:srgbClr val="000000"/>
                           </a:solidFill>
@@ -26006,7 +26062,7 @@
                     <a:p>
                       <a:pPr algn="l" fontAlgn="t"/>
                       <a:r>
-                        <a:rPr lang="en-US" sz="1200" b="0" i="0" u="none" strike="noStrike">
+                        <a:rPr lang="en-US" sz="1200" b="0" i="0" u="none" strike="noStrike" dirty="0">
                           <a:solidFill>
                             <a:srgbClr val="000000"/>
                           </a:solidFill>
@@ -26064,7 +26120,7 @@
                     <a:p>
                       <a:pPr algn="l" fontAlgn="t"/>
                       <a:r>
-                        <a:rPr lang="en-US" sz="1200" b="0" i="0" u="none" strike="noStrike">
+                        <a:rPr lang="en-US" sz="1200" b="0" i="0" u="none" strike="noStrike" dirty="0" err="1">
                           <a:solidFill>
                             <a:srgbClr val="000000"/>
                           </a:solidFill>
@@ -26074,6 +26130,14 @@
                         </a:rPr>
                         <a:t>testfile</a:t>
                       </a:r>
+                      <a:endParaRPr lang="en-US" sz="1200" b="0" i="0" u="none" strike="noStrike" dirty="0">
+                        <a:solidFill>
+                          <a:srgbClr val="000000"/>
+                        </a:solidFill>
+                        <a:effectLst/>
+                        <a:latin typeface="メイリオ" panose="020B0604030504040204" pitchFamily="50" charset="-128"/>
+                        <a:ea typeface="メイリオ" panose="020B0604030504040204" pitchFamily="50" charset="-128"/>
+                      </a:endParaRPr>
                     </a:p>
                   </a:txBody>
                   <a:tcPr marL="0" marR="0" marT="0" marB="0">
@@ -26294,7 +26358,7 @@
                     <a:p>
                       <a:pPr algn="l" fontAlgn="t"/>
                       <a:r>
-                        <a:rPr lang="en-US" sz="1200" b="0" i="0" u="none" strike="noStrike">
+                        <a:rPr lang="en-US" sz="1200" b="0" i="0" u="none" strike="noStrike" dirty="0">
                           <a:solidFill>
                             <a:srgbClr val="000000"/>
                           </a:solidFill>
@@ -26352,7 +26416,7 @@
                     <a:p>
                       <a:pPr algn="l" fontAlgn="t"/>
                       <a:r>
-                        <a:rPr lang="en-US" sz="1200" b="0" i="0" u="none" strike="noStrike">
+                        <a:rPr lang="en-US" sz="1200" b="0" i="0" u="none" strike="noStrike" dirty="0">
                           <a:solidFill>
                             <a:srgbClr val="000000"/>
                           </a:solidFill>
@@ -26582,7 +26646,7 @@
                     <a:p>
                       <a:pPr algn="l" fontAlgn="t"/>
                       <a:r>
-                        <a:rPr lang="en-US" sz="1200" b="0" i="0" u="none" strike="noStrike">
+                        <a:rPr lang="en-US" sz="1200" b="0" i="0" u="none" strike="noStrike" dirty="0">
                           <a:solidFill>
                             <a:srgbClr val="000000"/>
                           </a:solidFill>
@@ -26640,7 +26704,7 @@
                     <a:p>
                       <a:pPr algn="l" fontAlgn="t"/>
                       <a:r>
-                        <a:rPr lang="en-US" sz="1200" b="0" i="0" u="none" strike="noStrike">
+                        <a:rPr lang="en-US" sz="1200" b="0" i="0" u="none" strike="noStrike" dirty="0" err="1">
                           <a:solidFill>
                             <a:srgbClr val="000000"/>
                           </a:solidFill>
@@ -26650,6 +26714,14 @@
                         </a:rPr>
                         <a:t>testmsg_fail</a:t>
                       </a:r>
+                      <a:endParaRPr lang="en-US" sz="1200" b="0" i="0" u="none" strike="noStrike" dirty="0">
+                        <a:solidFill>
+                          <a:srgbClr val="000000"/>
+                        </a:solidFill>
+                        <a:effectLst/>
+                        <a:latin typeface="メイリオ" panose="020B0604030504040204" pitchFamily="50" charset="-128"/>
+                        <a:ea typeface="メイリオ" panose="020B0604030504040204" pitchFamily="50" charset="-128"/>
+                      </a:endParaRPr>
                     </a:p>
                   </a:txBody>
                   <a:tcPr marL="0" marR="0" marT="0" marB="0">
@@ -26870,7 +26942,7 @@
                     <a:p>
                       <a:pPr algn="l" fontAlgn="t"/>
                       <a:r>
-                        <a:rPr lang="en-US" sz="1200" b="0" i="0" u="none" strike="noStrike">
+                        <a:rPr lang="en-US" sz="1200" b="0" i="0" u="none" strike="noStrike" dirty="0">
                           <a:solidFill>
                             <a:srgbClr val="000000"/>
                           </a:solidFill>
@@ -26928,7 +27000,7 @@
                     <a:p>
                       <a:pPr algn="l" fontAlgn="t"/>
                       <a:r>
-                        <a:rPr lang="en-US" sz="1200" b="0" i="0" u="none" strike="noStrike">
+                        <a:rPr lang="en-US" sz="1200" b="0" i="0" u="none" strike="noStrike" dirty="0">
                           <a:solidFill>
                             <a:srgbClr val="000000"/>
                           </a:solidFill>
@@ -27158,7 +27230,7 @@
                     <a:p>
                       <a:pPr algn="l" fontAlgn="t"/>
                       <a:r>
-                        <a:rPr lang="en-US" sz="1200" b="0" i="0" u="none" strike="noStrike">
+                        <a:rPr lang="en-US" sz="1200" b="0" i="0" u="none" strike="noStrike" dirty="0">
                           <a:solidFill>
                             <a:srgbClr val="000000"/>
                           </a:solidFill>
@@ -27216,7 +27288,7 @@
                     <a:p>
                       <a:pPr algn="l" fontAlgn="t"/>
                       <a:r>
-                        <a:rPr lang="en-US" sz="1200" b="0" i="0" u="none" strike="noStrike">
+                        <a:rPr lang="en-US" sz="1200" b="0" i="0" u="none" strike="noStrike" dirty="0">
                           <a:solidFill>
                             <a:srgbClr val="000000"/>
                           </a:solidFill>
@@ -27446,7 +27518,7 @@
                     <a:p>
                       <a:pPr algn="l" fontAlgn="t"/>
                       <a:r>
-                        <a:rPr lang="en-US" sz="1200" b="0" i="0" u="none" strike="noStrike">
+                        <a:rPr lang="en-US" sz="1200" b="0" i="0" u="none" strike="noStrike" dirty="0" smtClean="0">
                           <a:solidFill>
                             <a:srgbClr val="000000"/>
                           </a:solidFill>
@@ -27454,8 +27526,16 @@
                           <a:latin typeface="メイリオ" panose="020B0604030504040204" pitchFamily="50" charset="-128"/>
                           <a:ea typeface="メイリオ" panose="020B0604030504040204" pitchFamily="50" charset="-128"/>
                         </a:rPr>
-                        <a:t>9:remove_file:12:VAR_dir_name_1</a:t>
+                        <a:t>9:remove_file:13:VAR_dir_name_1</a:t>
                       </a:r>
+                      <a:endParaRPr lang="en-US" sz="1200" b="0" i="0" u="none" strike="noStrike" dirty="0">
+                        <a:solidFill>
+                          <a:srgbClr val="000000"/>
+                        </a:solidFill>
+                        <a:effectLst/>
+                        <a:latin typeface="メイリオ" panose="020B0604030504040204" pitchFamily="50" charset="-128"/>
+                        <a:ea typeface="メイリオ" panose="020B0604030504040204" pitchFamily="50" charset="-128"/>
+                      </a:endParaRPr>
                     </a:p>
                   </a:txBody>
                   <a:tcPr marL="0" marR="0" marT="0" marB="0">
@@ -27504,7 +27584,7 @@
                     <a:p>
                       <a:pPr algn="l" fontAlgn="t"/>
                       <a:r>
-                        <a:rPr lang="en-US" sz="1200" b="0" i="0" u="none" strike="noStrike">
+                        <a:rPr lang="en-US" sz="1200" b="0" i="0" u="none" strike="noStrike" dirty="0" err="1">
                           <a:solidFill>
                             <a:srgbClr val="000000"/>
                           </a:solidFill>
@@ -27514,6 +27594,14 @@
                         </a:rPr>
                         <a:t>testfile</a:t>
                       </a:r>
+                      <a:endParaRPr lang="en-US" sz="1200" b="0" i="0" u="none" strike="noStrike" dirty="0">
+                        <a:solidFill>
+                          <a:srgbClr val="000000"/>
+                        </a:solidFill>
+                        <a:effectLst/>
+                        <a:latin typeface="メイリオ" panose="020B0604030504040204" pitchFamily="50" charset="-128"/>
+                        <a:ea typeface="メイリオ" panose="020B0604030504040204" pitchFamily="50" charset="-128"/>
+                      </a:endParaRPr>
                     </a:p>
                   </a:txBody>
                   <a:tcPr marL="0" marR="0" marT="0" marB="0">
@@ -27659,7 +27747,7 @@
       </p:grpSpPr>
       <p:pic>
         <p:nvPicPr>
-          <p:cNvPr id="7" name="図 6"/>
+          <p:cNvPr id="5" name="図 4"/>
           <p:cNvPicPr>
             <a:picLocks noChangeAspect="1"/>
           </p:cNvPicPr>
@@ -27673,8 +27761,8 @@
         </p:blipFill>
         <p:spPr>
           <a:xfrm>
-            <a:off x="875753" y="2573284"/>
-            <a:ext cx="6562029" cy="3968386"/>
+            <a:off x="840120" y="2579737"/>
+            <a:ext cx="6597662" cy="3967200"/>
           </a:xfrm>
           <a:prstGeom prst="rect">
             <a:avLst/>
@@ -27718,11 +27806,7 @@
             </a:r>
             <a:r>
               <a:rPr lang="en-US" altLang="ja-JP" dirty="0" smtClean="0"/>
-              <a:t>(</a:t>
-            </a:r>
-            <a:r>
-              <a:rPr lang="en-US" altLang="ja-JP" dirty="0" smtClean="0"/>
-              <a:t>1/7)</a:t>
+              <a:t>(1/7)</a:t>
             </a:r>
             <a:endParaRPr lang="ja-JP" altLang="en-US" dirty="0"/>
           </a:p>
@@ -27892,8 +27976,8 @@
         </p:nvSpPr>
         <p:spPr bwMode="auto">
           <a:xfrm>
-            <a:off x="5837443" y="2866193"/>
-            <a:ext cx="1600339" cy="98484"/>
+            <a:off x="5960889" y="3007947"/>
+            <a:ext cx="1325421" cy="127398"/>
           </a:xfrm>
           <a:prstGeom prst="roundRect">
             <a:avLst>
@@ -27936,10 +28020,10 @@
         </p:nvGrpSpPr>
         <p:grpSpPr>
           <a:xfrm>
-            <a:off x="3980501" y="4292522"/>
-            <a:ext cx="1756992" cy="1214978"/>
-            <a:chOff x="4101807" y="4206986"/>
-            <a:chExt cx="1756992" cy="1214978"/>
+            <a:off x="4040780" y="4712860"/>
+            <a:ext cx="1749373" cy="1214978"/>
+            <a:chOff x="4162086" y="4627324"/>
+            <a:chExt cx="1749373" cy="1214978"/>
           </a:xfrm>
         </p:grpSpPr>
         <p:sp>
@@ -27950,7 +28034,7 @@
           </p:nvSpPr>
           <p:spPr>
             <a:xfrm rot="20650565" flipH="1">
-              <a:off x="4189631" y="4206986"/>
+              <a:off x="4242291" y="4627324"/>
               <a:ext cx="1669168" cy="1214978"/>
             </a:xfrm>
             <a:prstGeom prst="swooshArrow">
@@ -28011,7 +28095,7 @@
           </p:nvSpPr>
           <p:spPr bwMode="auto">
             <a:xfrm rot="50776">
-              <a:off x="4101807" y="4506157"/>
+              <a:off x="4162086" y="4918574"/>
               <a:ext cx="1166785" cy="321838"/>
             </a:xfrm>
             <a:prstGeom prst="flowChartAlternateProcess">
@@ -28060,8 +28144,8 @@
         </p:nvSpPr>
         <p:spPr bwMode="auto">
           <a:xfrm>
-            <a:off x="5837443" y="4269657"/>
-            <a:ext cx="1600339" cy="1122177"/>
+            <a:off x="5923085" y="5046719"/>
+            <a:ext cx="1514698" cy="1122177"/>
           </a:xfrm>
           <a:prstGeom prst="roundRect">
             <a:avLst>
@@ -28105,7 +28189,7 @@
         <p:spPr bwMode="auto">
           <a:xfrm>
             <a:off x="866382" y="6316433"/>
-            <a:ext cx="609188" cy="225237"/>
+            <a:ext cx="455801" cy="242340"/>
           </a:xfrm>
           <a:prstGeom prst="roundRect">
             <a:avLst>
@@ -28148,13 +28232,13 @@
         </p:nvSpPr>
         <p:spPr bwMode="auto">
           <a:xfrm>
-            <a:off x="6781426" y="5391835"/>
+            <a:off x="7079129" y="4609940"/>
             <a:ext cx="237985" cy="268430"/>
           </a:xfrm>
           <a:prstGeom prst="wedgeEllipseCallout">
             <a:avLst>
-              <a:gd name="adj1" fmla="val 3529"/>
-              <a:gd name="adj2" fmla="val -104688"/>
+              <a:gd name="adj1" fmla="val 15727"/>
+              <a:gd name="adj2" fmla="val 117003"/>
             </a:avLst>
           </a:prstGeom>
           <a:solidFill>
@@ -28639,7 +28723,7 @@
         </p:nvSpPr>
         <p:spPr bwMode="auto">
           <a:xfrm>
-            <a:off x="1493465" y="6262826"/>
+            <a:off x="1387640" y="6318973"/>
             <a:ext cx="237985" cy="268430"/>
           </a:xfrm>
           <a:prstGeom prst="wedgeEllipseCallout">
@@ -28698,7 +28782,7 @@
         </p:nvSpPr>
         <p:spPr bwMode="auto">
           <a:xfrm>
-            <a:off x="5610641" y="2163648"/>
+            <a:off x="5627752" y="2252534"/>
             <a:ext cx="383091" cy="369438"/>
           </a:xfrm>
           <a:prstGeom prst="wedgeEllipseCallout">
@@ -28757,7 +28841,7 @@
         </p:nvSpPr>
         <p:spPr bwMode="auto">
           <a:xfrm>
-            <a:off x="3632518" y="6021360"/>
+            <a:off x="3615726" y="6180739"/>
             <a:ext cx="4756011" cy="295073"/>
           </a:xfrm>
           <a:prstGeom prst="roundRect">
@@ -28868,6 +28952,30 @@
           <a:chExt cx="0" cy="0"/>
         </a:xfrm>
       </p:grpSpPr>
+      <p:pic>
+        <p:nvPicPr>
+          <p:cNvPr id="5" name="図 4"/>
+          <p:cNvPicPr>
+            <a:picLocks noChangeAspect="1"/>
+          </p:cNvPicPr>
+          <p:nvPr/>
+        </p:nvPicPr>
+        <p:blipFill>
+          <a:blip r:embed="rId3"/>
+          <a:stretch>
+            <a:fillRect/>
+          </a:stretch>
+        </p:blipFill>
+        <p:spPr>
+          <a:xfrm>
+            <a:off x="270952" y="1628750"/>
+            <a:ext cx="8601122" cy="4550400"/>
+          </a:xfrm>
+          <a:prstGeom prst="rect">
+            <a:avLst/>
+          </a:prstGeom>
+        </p:spPr>
+      </p:pic>
       <p:sp>
         <p:nvSpPr>
           <p:cNvPr id="2" name="タイトル 1"/>
@@ -28905,11 +29013,7 @@
             </a:r>
             <a:r>
               <a:rPr lang="en-US" altLang="ja-JP" dirty="0" smtClean="0"/>
-              <a:t>(</a:t>
-            </a:r>
-            <a:r>
-              <a:rPr lang="en-US" altLang="ja-JP" dirty="0" smtClean="0"/>
-              <a:t>2/7)</a:t>
+              <a:t>(2/7)</a:t>
             </a:r>
             <a:endParaRPr lang="ja-JP" altLang="en-US" dirty="0"/>
           </a:p>
@@ -28972,30 +29076,6 @@
           </a:p>
         </p:txBody>
       </p:sp>
-      <p:pic>
-        <p:nvPicPr>
-          <p:cNvPr id="4" name="図 3"/>
-          <p:cNvPicPr>
-            <a:picLocks noChangeAspect="1"/>
-          </p:cNvPicPr>
-          <p:nvPr/>
-        </p:nvPicPr>
-        <p:blipFill>
-          <a:blip r:embed="rId3"/>
-          <a:stretch>
-            <a:fillRect/>
-          </a:stretch>
-        </p:blipFill>
-        <p:spPr>
-          <a:xfrm>
-            <a:off x="251400" y="1652856"/>
-            <a:ext cx="8568112" cy="4548862"/>
-          </a:xfrm>
-          <a:prstGeom prst="rect">
-            <a:avLst/>
-          </a:prstGeom>
-        </p:spPr>
-      </p:pic>
       <p:sp>
         <p:nvSpPr>
           <p:cNvPr id="18" name="角丸四角形 17"/>
@@ -29004,7 +29084,7 @@
         </p:nvSpPr>
         <p:spPr bwMode="auto">
           <a:xfrm>
-            <a:off x="467430" y="4509150"/>
+            <a:off x="395420" y="4603201"/>
             <a:ext cx="6048840" cy="1324671"/>
           </a:xfrm>
           <a:prstGeom prst="roundRect">
@@ -29235,7 +29315,7 @@
       </p:grpSpPr>
       <p:pic>
         <p:nvPicPr>
-          <p:cNvPr id="3" name="図 2"/>
+          <p:cNvPr id="4" name="図 3"/>
           <p:cNvPicPr>
             <a:picLocks noChangeAspect="1"/>
           </p:cNvPicPr>
@@ -29249,8 +29329,8 @@
         </p:blipFill>
         <p:spPr>
           <a:xfrm>
-            <a:off x="179512" y="2087327"/>
-            <a:ext cx="8808750" cy="3447227"/>
+            <a:off x="145124" y="2024731"/>
+            <a:ext cx="8857229" cy="3448800"/>
           </a:xfrm>
           <a:prstGeom prst="rect">
             <a:avLst/>
@@ -29294,11 +29374,7 @@
             </a:r>
             <a:r>
               <a:rPr lang="en-US" altLang="ja-JP" dirty="0" smtClean="0"/>
-              <a:t>(</a:t>
-            </a:r>
-            <a:r>
-              <a:rPr lang="en-US" altLang="ja-JP" dirty="0" smtClean="0"/>
-              <a:t>3/7)</a:t>
+              <a:t>(3/7)</a:t>
             </a:r>
             <a:endParaRPr lang="ja-JP" altLang="en-US" dirty="0"/>
           </a:p>
@@ -29510,7 +29586,7 @@
       </p:grpSpPr>
       <p:pic>
         <p:nvPicPr>
-          <p:cNvPr id="9" name="図 8"/>
+          <p:cNvPr id="3" name="図 2"/>
           <p:cNvPicPr>
             <a:picLocks noChangeAspect="1"/>
           </p:cNvPicPr>
@@ -29524,8 +29600,8 @@
         </p:blipFill>
         <p:spPr>
           <a:xfrm>
-            <a:off x="181646" y="1627499"/>
-            <a:ext cx="8577192" cy="3467532"/>
+            <a:off x="179512" y="1609649"/>
+            <a:ext cx="8569190" cy="3466800"/>
           </a:xfrm>
           <a:prstGeom prst="rect">
             <a:avLst/>
@@ -29569,11 +29645,7 @@
             </a:r>
             <a:r>
               <a:rPr lang="en-US" altLang="ja-JP" dirty="0" smtClean="0"/>
-              <a:t>(</a:t>
-            </a:r>
-            <a:r>
-              <a:rPr lang="en-US" altLang="ja-JP" dirty="0" smtClean="0"/>
-              <a:t>4/7)</a:t>
+              <a:t>(4/7)</a:t>
             </a:r>
             <a:endParaRPr lang="ja-JP" altLang="en-US" dirty="0"/>
           </a:p>
@@ -29644,7 +29716,7 @@
         </p:nvSpPr>
         <p:spPr bwMode="auto">
           <a:xfrm>
-            <a:off x="323410" y="3284980"/>
+            <a:off x="613196" y="3028835"/>
             <a:ext cx="887888" cy="698411"/>
           </a:xfrm>
           <a:prstGeom prst="roundRect">
@@ -29696,7 +29768,7 @@
         </p:blipFill>
         <p:spPr>
           <a:xfrm>
-            <a:off x="372207" y="4399902"/>
+            <a:off x="179512" y="4374561"/>
             <a:ext cx="2464934" cy="1390257"/>
           </a:xfrm>
           <a:prstGeom prst="rect">
@@ -29722,7 +29794,7 @@
         </p:nvSpPr>
         <p:spPr bwMode="auto">
           <a:xfrm>
-            <a:off x="179512" y="3912858"/>
+            <a:off x="310108" y="3691913"/>
             <a:ext cx="360050" cy="648090"/>
           </a:xfrm>
           <a:prstGeom prst="curvedRightArrow">
@@ -29869,7 +29941,7 @@
         </p:nvSpPr>
         <p:spPr bwMode="auto">
           <a:xfrm>
-            <a:off x="6732300" y="4149100"/>
+            <a:off x="6780542" y="4399902"/>
             <a:ext cx="1080150" cy="250803"/>
           </a:xfrm>
           <a:prstGeom prst="roundRect">
@@ -29913,7 +29985,7 @@
         </p:nvSpPr>
         <p:spPr bwMode="auto">
           <a:xfrm>
-            <a:off x="7164360" y="3159579"/>
+            <a:off x="7247447" y="3333296"/>
             <a:ext cx="360050" cy="197412"/>
           </a:xfrm>
           <a:prstGeom prst="roundRect">
@@ -29957,8 +30029,8 @@
         </p:nvCxnSpPr>
         <p:spPr bwMode="auto">
           <a:xfrm flipH="1" flipV="1">
-            <a:off x="1403560" y="3644950"/>
-            <a:ext cx="5184720" cy="504150"/>
+            <a:off x="1574718" y="3432002"/>
+            <a:ext cx="5144753" cy="1011617"/>
           </a:xfrm>
           <a:prstGeom prst="straightConnector1">
             <a:avLst/>
@@ -29999,7 +30071,7 @@
         </p:nvSpPr>
         <p:spPr bwMode="auto">
           <a:xfrm>
-            <a:off x="3725598" y="2983536"/>
+            <a:off x="3831687" y="2969594"/>
             <a:ext cx="2948855" cy="746909"/>
           </a:xfrm>
           <a:prstGeom prst="roundRect">
@@ -30139,7 +30211,7 @@
       </p:grpSpPr>
       <p:pic>
         <p:nvPicPr>
-          <p:cNvPr id="9" name="図 8"/>
+          <p:cNvPr id="13" name="図 12"/>
           <p:cNvPicPr>
             <a:picLocks noChangeAspect="1"/>
           </p:cNvPicPr>
@@ -30153,8 +30225,8 @@
         </p:blipFill>
         <p:spPr>
           <a:xfrm>
-            <a:off x="179512" y="1524519"/>
-            <a:ext cx="8577192" cy="3467532"/>
+            <a:off x="179512" y="1609649"/>
+            <a:ext cx="8569190" cy="3466800"/>
           </a:xfrm>
           <a:prstGeom prst="rect">
             <a:avLst/>
@@ -30198,11 +30270,7 @@
             </a:r>
             <a:r>
               <a:rPr lang="en-US" altLang="ja-JP" dirty="0" smtClean="0"/>
-              <a:t>(</a:t>
-            </a:r>
-            <a:r>
-              <a:rPr lang="en-US" altLang="ja-JP" dirty="0" smtClean="0"/>
-              <a:t>5/7)</a:t>
+              <a:t>(5/7)</a:t>
             </a:r>
             <a:endParaRPr lang="ja-JP" altLang="en-US" dirty="0"/>
           </a:p>
@@ -30273,7 +30341,7 @@
         </p:nvSpPr>
         <p:spPr bwMode="auto">
           <a:xfrm>
-            <a:off x="1259540" y="3730445"/>
+            <a:off x="1686938" y="3539829"/>
             <a:ext cx="1224170" cy="338441"/>
           </a:xfrm>
           <a:prstGeom prst="roundRect">
@@ -30317,8 +30385,8 @@
         </p:nvSpPr>
         <p:spPr bwMode="auto">
           <a:xfrm rot="2120693">
-            <a:off x="694244" y="3660790"/>
-            <a:ext cx="360050" cy="450862"/>
+            <a:off x="1182445" y="3533613"/>
+            <a:ext cx="360050" cy="614089"/>
           </a:xfrm>
           <a:prstGeom prst="curvedRightArrow">
             <a:avLst/>
@@ -30500,7 +30568,7 @@
         </p:nvSpPr>
         <p:spPr bwMode="auto">
           <a:xfrm>
-            <a:off x="6654590" y="3859283"/>
+            <a:off x="6800755" y="3990872"/>
             <a:ext cx="1080150" cy="250803"/>
           </a:xfrm>
           <a:prstGeom prst="roundRect">
@@ -30544,7 +30612,7 @@
         </p:nvSpPr>
         <p:spPr bwMode="auto">
           <a:xfrm>
-            <a:off x="7175503" y="3060873"/>
+            <a:off x="7234653" y="3338599"/>
             <a:ext cx="360050" cy="197412"/>
           </a:xfrm>
           <a:prstGeom prst="roundRect">
@@ -30588,8 +30656,8 @@
         </p:nvCxnSpPr>
         <p:spPr bwMode="auto">
           <a:xfrm flipH="1" flipV="1">
-            <a:off x="2699740" y="3912858"/>
-            <a:ext cx="3954850" cy="156028"/>
+            <a:off x="2911108" y="3840657"/>
+            <a:ext cx="3886052" cy="150216"/>
           </a:xfrm>
           <a:prstGeom prst="straightConnector1">
             <a:avLst/>
@@ -30630,7 +30698,7 @@
         </p:nvSpPr>
         <p:spPr bwMode="auto">
           <a:xfrm>
-            <a:off x="3725598" y="2983536"/>
+            <a:off x="3851900" y="2941815"/>
             <a:ext cx="2948855" cy="746909"/>
           </a:xfrm>
           <a:prstGeom prst="roundRect">
@@ -30753,7 +30821,7 @@
         </p:blipFill>
         <p:spPr>
           <a:xfrm>
-            <a:off x="683582" y="4174246"/>
+            <a:off x="395420" y="4174246"/>
             <a:ext cx="2336201" cy="2644271"/>
           </a:xfrm>
           <a:prstGeom prst="rect">
@@ -30810,7 +30878,7 @@
       </p:grpSpPr>
       <p:pic>
         <p:nvPicPr>
-          <p:cNvPr id="9" name="図 8"/>
+          <p:cNvPr id="3" name="図 2"/>
           <p:cNvPicPr>
             <a:picLocks noChangeAspect="1"/>
           </p:cNvPicPr>
@@ -30824,8 +30892,8 @@
         </p:blipFill>
         <p:spPr>
           <a:xfrm>
-            <a:off x="179512" y="1524519"/>
-            <a:ext cx="8577192" cy="3467532"/>
+            <a:off x="269333" y="1649541"/>
+            <a:ext cx="8604360" cy="3466800"/>
           </a:xfrm>
           <a:prstGeom prst="rect">
             <a:avLst/>
@@ -30948,8 +31016,8 @@
         </p:nvSpPr>
         <p:spPr bwMode="auto">
           <a:xfrm>
-            <a:off x="2541896" y="3763849"/>
-            <a:ext cx="805934" cy="338441"/>
+            <a:off x="2971962" y="3911728"/>
+            <a:ext cx="879937" cy="338441"/>
           </a:xfrm>
           <a:prstGeom prst="roundRect">
             <a:avLst>
@@ -31030,13 +31098,7 @@
               <a:rPr lang="en-US" altLang="ja-JP" sz="1400" dirty="0" smtClean="0">
                 <a:latin typeface="+mn-ea"/>
               </a:rPr>
-              <a:t>Conductor </a:t>
-            </a:r>
-            <a:r>
-              <a:rPr lang="en-US" altLang="ja-JP" sz="1400" dirty="0" smtClean="0">
-                <a:latin typeface="+mn-ea"/>
-              </a:rPr>
-              <a:t>end</a:t>
+              <a:t>Conductor end</a:t>
             </a:r>
             <a:r>
               <a:rPr lang="ja-JP" altLang="en-US" sz="1400" dirty="0" smtClean="0">
@@ -31105,8 +31167,8 @@
         </p:nvSpPr>
         <p:spPr bwMode="auto">
           <a:xfrm>
-            <a:off x="6654590" y="3859283"/>
-            <a:ext cx="1080150" cy="250803"/>
+            <a:off x="6948330" y="4446354"/>
+            <a:ext cx="1146460" cy="250803"/>
           </a:xfrm>
           <a:prstGeom prst="roundRect">
             <a:avLst>
@@ -31149,7 +31211,7 @@
         </p:nvSpPr>
         <p:spPr bwMode="auto">
           <a:xfrm>
-            <a:off x="7175503" y="3060873"/>
+            <a:off x="7374690" y="3686916"/>
             <a:ext cx="360050" cy="197412"/>
           </a:xfrm>
           <a:prstGeom prst="roundRect">
@@ -31193,8 +31255,8 @@
         </p:nvCxnSpPr>
         <p:spPr bwMode="auto">
           <a:xfrm flipH="1" flipV="1">
-            <a:off x="3419840" y="3933070"/>
-            <a:ext cx="3234750" cy="135816"/>
+            <a:off x="3851900" y="4173312"/>
+            <a:ext cx="3096430" cy="356076"/>
           </a:xfrm>
           <a:prstGeom prst="straightConnector1">
             <a:avLst/>
@@ -31299,13 +31361,7 @@
               <a:rPr lang="en-US" altLang="ja-JP" sz="1400" dirty="0">
                 <a:latin typeface="+mn-ea"/>
               </a:rPr>
-              <a:t>Conductor </a:t>
-            </a:r>
-            <a:r>
-              <a:rPr lang="en-US" altLang="ja-JP" sz="1400" dirty="0">
-                <a:latin typeface="+mn-ea"/>
-              </a:rPr>
-              <a:t>end</a:t>
+              <a:t>Conductor end</a:t>
             </a:r>
             <a:r>
               <a:rPr lang="ja-JP" altLang="en-US" sz="1400" dirty="0" smtClean="0">
@@ -31344,8 +31400,8 @@
         </p:nvCxnSpPr>
         <p:spPr bwMode="auto">
           <a:xfrm flipH="1" flipV="1">
-            <a:off x="5868180" y="3686916"/>
-            <a:ext cx="786410" cy="381970"/>
+            <a:off x="6012200" y="3770978"/>
+            <a:ext cx="919314" cy="739605"/>
           </a:xfrm>
           <a:prstGeom prst="straightConnector1">
             <a:avLst/>
@@ -31386,7 +31442,7 @@
         </p:nvSpPr>
         <p:spPr bwMode="auto">
           <a:xfrm>
-            <a:off x="5649300" y="3262291"/>
+            <a:off x="5791895" y="3290063"/>
             <a:ext cx="938980" cy="338441"/>
           </a:xfrm>
           <a:prstGeom prst="roundRect">
@@ -31461,7 +31517,7 @@
       </p:grpSpPr>
       <p:pic>
         <p:nvPicPr>
-          <p:cNvPr id="9" name="図 8"/>
+          <p:cNvPr id="18" name="図 17"/>
           <p:cNvPicPr>
             <a:picLocks noChangeAspect="1"/>
           </p:cNvPicPr>
@@ -31475,8 +31531,8 @@
         </p:blipFill>
         <p:spPr>
           <a:xfrm>
-            <a:off x="179512" y="1524519"/>
-            <a:ext cx="8577192" cy="3467532"/>
+            <a:off x="269333" y="1517893"/>
+            <a:ext cx="8604360" cy="3466800"/>
           </a:xfrm>
           <a:prstGeom prst="rect">
             <a:avLst/>
@@ -31588,50 +31644,6 @@
               <a:t>を作成してください</a:t>
             </a:r>
             <a:endParaRPr lang="en-US" altLang="ja-JP" sz="1800" dirty="0" smtClean="0"/>
-          </a:p>
-        </p:txBody>
-      </p:sp>
-      <p:sp>
-        <p:nvSpPr>
-          <p:cNvPr id="7" name="角丸四角形 6"/>
-          <p:cNvSpPr/>
-          <p:nvPr/>
-        </p:nvSpPr>
-        <p:spPr bwMode="auto">
-          <a:xfrm>
-            <a:off x="4598744" y="3114128"/>
-            <a:ext cx="981274" cy="575117"/>
-          </a:xfrm>
-          <a:prstGeom prst="roundRect">
-            <a:avLst>
-              <a:gd name="adj" fmla="val 5764"/>
-            </a:avLst>
-          </a:prstGeom>
-          <a:noFill/>
-          <a:ln w="28575">
-            <a:solidFill>
-              <a:srgbClr val="FF0000"/>
-            </a:solidFill>
-          </a:ln>
-          <a:effectLst/>
-          <a:extLst/>
-        </p:spPr>
-        <p:txBody>
-          <a:bodyPr rot="0" spcFirstLastPara="0" vertOverflow="overflow" horzOverflow="overflow" vert="horz" wrap="none" lIns="72000" tIns="72000" rIns="72000" bIns="72000" numCol="1" spcCol="0" rtlCol="0" fromWordArt="0" anchor="ctr" anchorCtr="0" forceAA="0" compatLnSpc="1">
-            <a:prstTxWarp prst="textNoShape">
-              <a:avLst/>
-            </a:prstTxWarp>
-            <a:noAutofit/>
-          </a:bodyPr>
-          <a:lstStyle/>
-          <a:p>
-            <a:pPr algn="ctr"/>
-            <a:endParaRPr kumimoji="1" lang="ja-JP" altLang="en-US" sz="1400" b="1" dirty="0" smtClean="0">
-              <a:solidFill>
-                <a:srgbClr val="FF0000"/>
-              </a:solidFill>
-              <a:latin typeface="+mn-ea"/>
-            </a:endParaRPr>
           </a:p>
         </p:txBody>
       </p:sp>
@@ -31773,8 +31785,8 @@
         </p:nvSpPr>
         <p:spPr bwMode="auto">
           <a:xfrm>
-            <a:off x="6654590" y="3859283"/>
-            <a:ext cx="1080150" cy="250803"/>
+            <a:off x="6948330" y="4293121"/>
+            <a:ext cx="1268065" cy="283040"/>
           </a:xfrm>
           <a:prstGeom prst="roundRect">
             <a:avLst>
@@ -31809,50 +31821,6 @@
           </a:p>
         </p:txBody>
       </p:sp>
-      <p:sp>
-        <p:nvSpPr>
-          <p:cNvPr id="16" name="角丸四角形 15"/>
-          <p:cNvSpPr/>
-          <p:nvPr/>
-        </p:nvSpPr>
-        <p:spPr bwMode="auto">
-          <a:xfrm>
-            <a:off x="7175503" y="3060873"/>
-            <a:ext cx="360050" cy="197412"/>
-          </a:xfrm>
-          <a:prstGeom prst="roundRect">
-            <a:avLst>
-              <a:gd name="adj" fmla="val 5764"/>
-            </a:avLst>
-          </a:prstGeom>
-          <a:noFill/>
-          <a:ln w="28575">
-            <a:solidFill>
-              <a:srgbClr val="FF0000"/>
-            </a:solidFill>
-          </a:ln>
-          <a:effectLst/>
-          <a:extLst/>
-        </p:spPr>
-        <p:txBody>
-          <a:bodyPr rot="0" spcFirstLastPara="0" vertOverflow="overflow" horzOverflow="overflow" vert="horz" wrap="none" lIns="72000" tIns="72000" rIns="72000" bIns="72000" numCol="1" spcCol="0" rtlCol="0" fromWordArt="0" anchor="ctr" anchorCtr="0" forceAA="0" compatLnSpc="1">
-            <a:prstTxWarp prst="textNoShape">
-              <a:avLst/>
-            </a:prstTxWarp>
-            <a:noAutofit/>
-          </a:bodyPr>
-          <a:lstStyle/>
-          <a:p>
-            <a:pPr algn="ctr"/>
-            <a:endParaRPr kumimoji="1" lang="ja-JP" altLang="en-US" sz="1400" b="1" dirty="0" smtClean="0">
-              <a:solidFill>
-                <a:srgbClr val="FF0000"/>
-              </a:solidFill>
-              <a:latin typeface="+mn-ea"/>
-            </a:endParaRPr>
-          </a:p>
-        </p:txBody>
-      </p:sp>
       <p:cxnSp>
         <p:nvCxnSpPr>
           <p:cNvPr id="11" name="直線矢印コネクタ 10"/>
@@ -31861,8 +31829,8 @@
         </p:nvCxnSpPr>
         <p:spPr bwMode="auto">
           <a:xfrm flipH="1" flipV="1">
-            <a:off x="2699740" y="3912858"/>
-            <a:ext cx="3954850" cy="156028"/>
+            <a:off x="2848014" y="3995288"/>
+            <a:ext cx="4062421" cy="373487"/>
           </a:xfrm>
           <a:prstGeom prst="straightConnector1">
             <a:avLst/>
@@ -31903,7 +31871,7 @@
         </p:nvSpPr>
         <p:spPr bwMode="auto">
           <a:xfrm>
-            <a:off x="3660271" y="2078266"/>
+            <a:off x="3851900" y="1924343"/>
             <a:ext cx="2948855" cy="746909"/>
           </a:xfrm>
           <a:prstGeom prst="roundRect">
@@ -32018,8 +31986,8 @@
         </p:nvSpPr>
         <p:spPr bwMode="auto">
           <a:xfrm>
-            <a:off x="2483710" y="3114128"/>
-            <a:ext cx="792110" cy="575117"/>
+            <a:off x="2732480" y="3007125"/>
+            <a:ext cx="776745" cy="652221"/>
           </a:xfrm>
           <a:prstGeom prst="roundRect">
             <a:avLst>
@@ -32096,7 +32064,7 @@
         </p:nvSpPr>
         <p:spPr bwMode="auto">
           <a:xfrm rot="2120693">
-            <a:off x="1709254" y="3173058"/>
+            <a:off x="2026795" y="3309771"/>
             <a:ext cx="360050" cy="1206173"/>
           </a:xfrm>
           <a:prstGeom prst="curvedRightArrow">
@@ -32124,6 +32092,94 @@
           <a:p>
             <a:pPr algn="ctr"/>
             <a:endParaRPr kumimoji="1" lang="ja-JP" altLang="en-US" b="1" dirty="0" smtClean="0">
+              <a:latin typeface="+mn-ea"/>
+            </a:endParaRPr>
+          </a:p>
+        </p:txBody>
+      </p:sp>
+      <p:sp>
+        <p:nvSpPr>
+          <p:cNvPr id="19" name="角丸四角形 18"/>
+          <p:cNvSpPr/>
+          <p:nvPr/>
+        </p:nvSpPr>
+        <p:spPr bwMode="auto">
+          <a:xfrm>
+            <a:off x="7342600" y="3578732"/>
+            <a:ext cx="360050" cy="197412"/>
+          </a:xfrm>
+          <a:prstGeom prst="roundRect">
+            <a:avLst>
+              <a:gd name="adj" fmla="val 5764"/>
+            </a:avLst>
+          </a:prstGeom>
+          <a:noFill/>
+          <a:ln w="28575">
+            <a:solidFill>
+              <a:srgbClr val="FF0000"/>
+            </a:solidFill>
+          </a:ln>
+          <a:effectLst/>
+          <a:extLst/>
+        </p:spPr>
+        <p:txBody>
+          <a:bodyPr rot="0" spcFirstLastPara="0" vertOverflow="overflow" horzOverflow="overflow" vert="horz" wrap="none" lIns="72000" tIns="72000" rIns="72000" bIns="72000" numCol="1" spcCol="0" rtlCol="0" fromWordArt="0" anchor="ctr" anchorCtr="0" forceAA="0" compatLnSpc="1">
+            <a:prstTxWarp prst="textNoShape">
+              <a:avLst/>
+            </a:prstTxWarp>
+            <a:noAutofit/>
+          </a:bodyPr>
+          <a:lstStyle/>
+          <a:p>
+            <a:pPr algn="ctr"/>
+            <a:endParaRPr kumimoji="1" lang="ja-JP" altLang="en-US" sz="1400" b="1" dirty="0" smtClean="0">
+              <a:solidFill>
+                <a:srgbClr val="FF0000"/>
+              </a:solidFill>
+              <a:latin typeface="+mn-ea"/>
+            </a:endParaRPr>
+          </a:p>
+        </p:txBody>
+      </p:sp>
+      <p:sp>
+        <p:nvSpPr>
+          <p:cNvPr id="21" name="角丸四角形 20"/>
+          <p:cNvSpPr/>
+          <p:nvPr/>
+        </p:nvSpPr>
+        <p:spPr bwMode="auto">
+          <a:xfrm>
+            <a:off x="4827464" y="2937115"/>
+            <a:ext cx="754626" cy="722231"/>
+          </a:xfrm>
+          <a:prstGeom prst="roundRect">
+            <a:avLst>
+              <a:gd name="adj" fmla="val 5764"/>
+            </a:avLst>
+          </a:prstGeom>
+          <a:noFill/>
+          <a:ln w="28575">
+            <a:solidFill>
+              <a:srgbClr val="FF0000"/>
+            </a:solidFill>
+          </a:ln>
+          <a:effectLst/>
+          <a:extLst/>
+        </p:spPr>
+        <p:txBody>
+          <a:bodyPr rot="0" spcFirstLastPara="0" vertOverflow="overflow" horzOverflow="overflow" vert="horz" wrap="none" lIns="72000" tIns="72000" rIns="72000" bIns="72000" numCol="1" spcCol="0" rtlCol="0" fromWordArt="0" anchor="ctr" anchorCtr="0" forceAA="0" compatLnSpc="1">
+            <a:prstTxWarp prst="textNoShape">
+              <a:avLst/>
+            </a:prstTxWarp>
+            <a:noAutofit/>
+          </a:bodyPr>
+          <a:lstStyle/>
+          <a:p>
+            <a:pPr algn="ctr"/>
+            <a:endParaRPr kumimoji="1" lang="ja-JP" altLang="en-US" sz="1400" b="1" dirty="0" smtClean="0">
+              <a:solidFill>
+                <a:srgbClr val="FF0000"/>
+              </a:solidFill>
               <a:latin typeface="+mn-ea"/>
             </a:endParaRPr>
           </a:p>
@@ -35792,8 +35848,8 @@
         </p:nvSpPr>
         <p:spPr bwMode="auto">
           <a:xfrm>
-            <a:off x="4813786" y="5816837"/>
-            <a:ext cx="811944" cy="178813"/>
+            <a:off x="4890018" y="5840715"/>
+            <a:ext cx="449172" cy="154935"/>
           </a:xfrm>
           <a:prstGeom prst="roundRect">
             <a:avLst>
@@ -35836,7 +35892,7 @@
         </p:nvSpPr>
         <p:spPr bwMode="auto">
           <a:xfrm>
-            <a:off x="5713302" y="5766682"/>
+            <a:off x="5426762" y="5788691"/>
             <a:ext cx="237985" cy="268430"/>
           </a:xfrm>
           <a:prstGeom prst="wedgeEllipseCallout">
@@ -35999,7 +36055,7 @@
       </p:grpSpPr>
       <p:pic>
         <p:nvPicPr>
-          <p:cNvPr id="3" name="図 2"/>
+          <p:cNvPr id="9" name="図 8"/>
           <p:cNvPicPr>
             <a:picLocks noChangeAspect="1"/>
           </p:cNvPicPr>
@@ -36013,8 +36069,8 @@
         </p:blipFill>
         <p:spPr>
           <a:xfrm>
-            <a:off x="384051" y="2008710"/>
-            <a:ext cx="5772169" cy="2307079"/>
+            <a:off x="467430" y="2204830"/>
+            <a:ext cx="5827563" cy="2307600"/>
           </a:xfrm>
           <a:prstGeom prst="rect">
             <a:avLst/>
@@ -36082,6 +36138,10 @@
           </a:bodyPr>
           <a:lstStyle/>
           <a:p>
+            <a:pPr>
+              <a:buFont typeface="Wingdings" panose="05000000000000000000" pitchFamily="2" charset="2"/>
+              <a:buChar char="l"/>
+            </a:pPr>
             <a:r>
               <a:rPr lang="en-US" altLang="ja-JP" b="1" dirty="0" smtClean="0"/>
               <a:t>Conductor</a:t>
@@ -36095,42 +36155,67 @@
               <a:t>確認</a:t>
             </a:r>
             <a:endParaRPr lang="en-US" altLang="ja-JP" b="1" dirty="0" smtClean="0"/>
-          </a:p>
-          <a:p>
-            <a:pPr lvl="1"/>
-            <a:r>
-              <a:rPr lang="ja-JP" altLang="en-US" dirty="0"/>
-              <a:t> </a:t>
-            </a:r>
-            <a:r>
-              <a:rPr lang="ja-JP" altLang="en-US" dirty="0" smtClean="0"/>
-              <a:t>実行中または実行完了した</a:t>
-            </a:r>
-            <a:r>
-              <a:rPr lang="en-US" altLang="ja-JP" dirty="0" smtClean="0"/>
-              <a:t>Movement</a:t>
-            </a:r>
-            <a:r>
-              <a:rPr lang="ja-JP" altLang="en-US" dirty="0" smtClean="0"/>
-              <a:t>を選択すると、</a:t>
-            </a:r>
-            <a:endParaRPr lang="en-US" altLang="ja-JP" dirty="0" smtClean="0"/>
           </a:p>
           <a:p>
             <a:pPr marL="180000" lvl="1" indent="0">
               <a:buNone/>
             </a:pPr>
             <a:r>
+              <a:rPr lang="ja-JP" altLang="en-US" dirty="0" smtClean="0"/>
+              <a:t>実行中または実行完了した</a:t>
+            </a:r>
+            <a:r>
+              <a:rPr lang="en-US" altLang="ja-JP" dirty="0" smtClean="0"/>
+              <a:t>Movement</a:t>
+            </a:r>
+            <a:r>
+              <a:rPr lang="ja-JP" altLang="en-US" dirty="0" smtClean="0"/>
+              <a:t>を選択</a:t>
+            </a:r>
+            <a:r>
+              <a:rPr lang="ja-JP" altLang="en-US" dirty="0"/>
+              <a:t>し</a:t>
+            </a:r>
+            <a:r>
+              <a:rPr lang="ja-JP" altLang="en-US" dirty="0" smtClean="0"/>
+              <a:t>、</a:t>
+            </a:r>
+            <a:endParaRPr lang="en-US" altLang="ja-JP" dirty="0" smtClean="0"/>
+          </a:p>
+          <a:p>
+            <a:pPr marL="180000" lvl="1" indent="0">
+              <a:buNone/>
+            </a:pPr>
+            <a:r>
+              <a:rPr lang="en-US" altLang="ja-JP" dirty="0" smtClean="0"/>
+              <a:t>Done</a:t>
+            </a:r>
+            <a:r>
+              <a:rPr lang="ja-JP" altLang="en-US" dirty="0"/>
+              <a:t>のアイコンまたは右側の</a:t>
+            </a:r>
+            <a:r>
               <a:rPr lang="en-US" altLang="ja-JP" dirty="0"/>
-              <a:t> </a:t>
-            </a:r>
-            <a:r>
-              <a:rPr lang="en-US" altLang="ja-JP" dirty="0" smtClean="0"/>
-              <a:t> </a:t>
+              <a:t>Operation status</a:t>
+            </a:r>
+            <a:r>
+              <a:rPr lang="ja-JP" altLang="en-US" dirty="0"/>
+              <a:t>をクリックする</a:t>
             </a:r>
             <a:r>
               <a:rPr lang="ja-JP" altLang="en-US" dirty="0" smtClean="0"/>
-              <a:t> 対象作業ステータスや、ログを確認できる画面</a:t>
+              <a:t>と</a:t>
+            </a:r>
+            <a:r>
+              <a:rPr lang="en-US" altLang="ja-JP" dirty="0"/>
+              <a:t/>
+            </a:r>
+            <a:br>
+              <a:rPr lang="en-US" altLang="ja-JP" dirty="0"/>
+            </a:br>
+            <a:r>
+              <a:rPr lang="ja-JP" altLang="en-US" dirty="0" smtClean="0"/>
+              <a:t>対象作業ステータスや、ログを確認できる画面</a:t>
             </a:r>
             <a:r>
               <a:rPr lang="ja-JP" altLang="en-US" dirty="0"/>
@@ -36158,8 +36243,8 @@
         </p:nvSpPr>
         <p:spPr bwMode="auto">
           <a:xfrm>
-            <a:off x="1259540" y="2708900"/>
-            <a:ext cx="1008140" cy="288040"/>
+            <a:off x="5400411" y="3260718"/>
+            <a:ext cx="626878" cy="156150"/>
           </a:xfrm>
           <a:prstGeom prst="roundRect">
             <a:avLst>
@@ -36201,9 +36286,9 @@
           <p:nvPr/>
         </p:nvSpPr>
         <p:spPr>
-          <a:xfrm rot="3036422">
-            <a:off x="2300494" y="2094502"/>
-            <a:ext cx="2849415" cy="2460542"/>
+          <a:xfrm rot="21104936" flipV="1">
+            <a:off x="1879936" y="2631530"/>
+            <a:ext cx="3400627" cy="1915517"/>
           </a:xfrm>
           <a:prstGeom prst="swooshArrow">
             <a:avLst>
@@ -36257,7 +36342,7 @@
       </p:sp>
       <p:pic>
         <p:nvPicPr>
-          <p:cNvPr id="4" name="図 3"/>
+          <p:cNvPr id="7" name="図 6"/>
           <p:cNvPicPr>
             <a:picLocks noChangeAspect="1"/>
           </p:cNvPicPr>
@@ -36271,24 +36356,143 @@
         </p:blipFill>
         <p:spPr>
           <a:xfrm>
-            <a:off x="5694797" y="3115053"/>
-            <a:ext cx="2992505" cy="3450135"/>
+            <a:off x="5713850" y="3492540"/>
+            <a:ext cx="2988000" cy="1832930"/>
           </a:xfrm>
           <a:prstGeom prst="rect">
             <a:avLst/>
           </a:prstGeom>
-          <a:ln>
+        </p:spPr>
+      </p:pic>
+      <p:sp>
+        <p:nvSpPr>
+          <p:cNvPr id="14" name="角丸四角形 13"/>
+          <p:cNvSpPr/>
+          <p:nvPr/>
+        </p:nvSpPr>
+        <p:spPr bwMode="auto">
+          <a:xfrm>
+            <a:off x="1547580" y="2723181"/>
+            <a:ext cx="216030" cy="177653"/>
+          </a:xfrm>
+          <a:prstGeom prst="roundRect">
+            <a:avLst>
+              <a:gd name="adj" fmla="val 5764"/>
+            </a:avLst>
+          </a:prstGeom>
+          <a:noFill/>
+          <a:ln w="28575">
+            <a:solidFill>
+              <a:srgbClr val="FF0000"/>
+            </a:solidFill>
+          </a:ln>
+          <a:effectLst/>
+          <a:extLst/>
+        </p:spPr>
+        <p:txBody>
+          <a:bodyPr rot="0" spcFirstLastPara="0" vertOverflow="overflow" horzOverflow="overflow" vert="horz" wrap="none" lIns="72000" tIns="72000" rIns="72000" bIns="72000" numCol="1" spcCol="0" rtlCol="0" fromWordArt="0" anchor="ctr" anchorCtr="0" forceAA="0" compatLnSpc="1">
+            <a:prstTxWarp prst="textNoShape">
+              <a:avLst/>
+            </a:prstTxWarp>
+            <a:noAutofit/>
+          </a:bodyPr>
+          <a:lstStyle/>
+          <a:p>
+            <a:pPr algn="ctr"/>
+            <a:endParaRPr kumimoji="1" lang="ja-JP" altLang="en-US" sz="1400" b="1" dirty="0" smtClean="0">
+              <a:solidFill>
+                <a:srgbClr val="FF0000"/>
+              </a:solidFill>
+              <a:latin typeface="+mn-ea"/>
+            </a:endParaRPr>
+          </a:p>
+        </p:txBody>
+      </p:sp>
+      <p:pic>
+        <p:nvPicPr>
+          <p:cNvPr id="11" name="図 10"/>
+          <p:cNvPicPr>
+            <a:picLocks noChangeAspect="1"/>
+          </p:cNvPicPr>
+          <p:nvPr/>
+        </p:nvPicPr>
+        <p:blipFill>
+          <a:blip r:embed="rId5"/>
+          <a:stretch>
+            <a:fillRect/>
+          </a:stretch>
+        </p:blipFill>
+        <p:spPr>
+          <a:xfrm>
+            <a:off x="5713851" y="5642481"/>
+            <a:ext cx="2988000" cy="1064219"/>
+          </a:xfrm>
+          <a:prstGeom prst="rect">
+            <a:avLst/>
+          </a:prstGeom>
+        </p:spPr>
+      </p:pic>
+      <p:sp>
+        <p:nvSpPr>
+          <p:cNvPr id="18" name="図形 17"/>
+          <p:cNvSpPr/>
+          <p:nvPr/>
+        </p:nvSpPr>
+        <p:spPr>
+          <a:xfrm rot="3134953">
+            <a:off x="6129028" y="3283047"/>
+            <a:ext cx="642465" cy="470275"/>
+          </a:xfrm>
+          <a:prstGeom prst="swooshArrow">
+            <a:avLst>
+              <a:gd name="adj1" fmla="val 6903"/>
+              <a:gd name="adj2" fmla="val 25000"/>
+            </a:avLst>
+          </a:prstGeom>
+          <a:solidFill>
+            <a:srgbClr val="FF0000"/>
+          </a:solidFill>
+          <a:ln w="28575">
             <a:noFill/>
           </a:ln>
-          <a:effectLst>
-            <a:outerShdw blurRad="292100" dist="139700" dir="2700000" algn="tl" rotWithShape="0">
-              <a:srgbClr val="333333">
-                <a:alpha val="65000"/>
-              </a:srgbClr>
-            </a:outerShdw>
-          </a:effectLst>
         </p:spPr>
-      </p:pic>
+        <p:style>
+          <a:lnRef idx="0">
+            <a:schemeClr val="accent1">
+              <a:hueOff val="0"/>
+              <a:satOff val="0"/>
+              <a:lumOff val="0"/>
+              <a:alphaOff val="0"/>
+            </a:schemeClr>
+          </a:lnRef>
+          <a:fillRef idx="1">
+            <a:schemeClr val="accent1">
+              <a:tint val="40000"/>
+              <a:hueOff val="0"/>
+              <a:satOff val="0"/>
+              <a:lumOff val="0"/>
+              <a:alphaOff val="0"/>
+            </a:schemeClr>
+          </a:fillRef>
+          <a:effectRef idx="0">
+            <a:schemeClr val="accent1">
+              <a:tint val="40000"/>
+              <a:hueOff val="0"/>
+              <a:satOff val="0"/>
+              <a:lumOff val="0"/>
+              <a:alphaOff val="0"/>
+            </a:schemeClr>
+          </a:effectRef>
+          <a:fontRef idx="minor">
+            <a:schemeClr val="dk1">
+              <a:hueOff val="0"/>
+              <a:satOff val="0"/>
+              <a:lumOff val="0"/>
+              <a:alphaOff val="0"/>
+            </a:schemeClr>
+          </a:fontRef>
+        </p:style>
+      </p:sp>
     </p:spTree>
     <p:extLst>
       <p:ext uri="{BB962C8B-B14F-4D97-AF65-F5344CB8AC3E}">
@@ -36365,21 +36569,22 @@
       </p:grpSpPr>
       <p:pic>
         <p:nvPicPr>
-          <p:cNvPr id="7" name="図 6"/>
+          <p:cNvPr id="4" name="図 3"/>
           <p:cNvPicPr>
             <a:picLocks noChangeAspect="1"/>
           </p:cNvPicPr>
           <p:nvPr/>
         </p:nvPicPr>
-        <p:blipFill rotWithShape="1">
+        <p:blipFill>
           <a:blip r:embed="rId2"/>
-          <a:srcRect l="303" t="1007" b="-1"/>
-          <a:stretch/>
+          <a:stretch>
+            <a:fillRect/>
+          </a:stretch>
         </p:blipFill>
         <p:spPr>
           <a:xfrm>
-            <a:off x="387843" y="2079051"/>
-            <a:ext cx="8366847" cy="3817258"/>
+            <a:off x="320859" y="1989867"/>
+            <a:ext cx="8425169" cy="3816000"/>
           </a:xfrm>
           <a:prstGeom prst="rect">
             <a:avLst/>
@@ -36697,8 +36902,8 @@
         </p:nvSpPr>
         <p:spPr bwMode="auto">
           <a:xfrm>
-            <a:off x="4860040" y="3213290"/>
-            <a:ext cx="792110" cy="935809"/>
+            <a:off x="3707880" y="2888896"/>
+            <a:ext cx="576080" cy="719780"/>
           </a:xfrm>
           <a:prstGeom prst="rect">
             <a:avLst/>
@@ -40411,30 +40616,6 @@
           </a:p>
         </p:txBody>
       </p:sp>
-      <p:pic>
-        <p:nvPicPr>
-          <p:cNvPr id="6" name="図 5"/>
-          <p:cNvPicPr>
-            <a:picLocks noChangeAspect="1"/>
-          </p:cNvPicPr>
-          <p:nvPr/>
-        </p:nvPicPr>
-        <p:blipFill>
-          <a:blip r:embed="rId3"/>
-          <a:stretch>
-            <a:fillRect/>
-          </a:stretch>
-        </p:blipFill>
-        <p:spPr>
-          <a:xfrm>
-            <a:off x="4829513" y="5085230"/>
-            <a:ext cx="4134000" cy="1669672"/>
-          </a:xfrm>
-          <a:prstGeom prst="rect">
-            <a:avLst/>
-          </a:prstGeom>
-        </p:spPr>
-      </p:pic>
       <p:sp>
         <p:nvSpPr>
           <p:cNvPr id="8" name="コンテンツ プレースホルダー 2"/>
@@ -40649,6 +40830,30 @@
           </a:p>
         </p:txBody>
       </p:sp>
+      <p:pic>
+        <p:nvPicPr>
+          <p:cNvPr id="3" name="図 2"/>
+          <p:cNvPicPr>
+            <a:picLocks noChangeAspect="1"/>
+          </p:cNvPicPr>
+          <p:nvPr/>
+        </p:nvPicPr>
+        <p:blipFill>
+          <a:blip r:embed="rId3"/>
+          <a:stretch>
+            <a:fillRect/>
+          </a:stretch>
+        </p:blipFill>
+        <p:spPr>
+          <a:xfrm>
+            <a:off x="4588506" y="5148000"/>
+            <a:ext cx="4176579" cy="1562769"/>
+          </a:xfrm>
+          <a:prstGeom prst="rect">
+            <a:avLst/>
+          </a:prstGeom>
+        </p:spPr>
+      </p:pic>
     </p:spTree>
     <p:extLst>
       <p:ext uri="{BB962C8B-B14F-4D97-AF65-F5344CB8AC3E}">

--- a/asset/Learn_ja/ITA-Conductor_practice_ja.pptx
+++ b/asset/Learn_ja/ITA-Conductor_practice_ja.pptx
@@ -330,7 +330,7 @@
               <a:rPr kumimoji="1" lang="ja-JP" altLang="en-US" smtClean="0">
                 <a:ea typeface="メイリオ" panose="020B0604030504040204" pitchFamily="50" charset="-128"/>
               </a:rPr>
-              <a:t>2021/5/24</a:t>
+              <a:t>2021/9/16</a:t>
             </a:fld>
             <a:endParaRPr kumimoji="1" lang="ja-JP" altLang="en-US" dirty="0">
               <a:ea typeface="メイリオ" panose="020B0604030504040204" pitchFamily="50" charset="-128"/>
@@ -476,7 +476,7 @@
             <a:fld id="{4B26993D-C081-44EB-B0F5-A9F467792B62}" type="datetimeFigureOut">
               <a:rPr lang="ja-JP" altLang="en-US" smtClean="0"/>
               <a:pPr/>
-              <a:t>2021/5/24</a:t>
+              <a:t>2021/9/16</a:t>
             </a:fld>
             <a:endParaRPr lang="ja-JP" altLang="en-US" dirty="0"/>
           </a:p>
@@ -4377,7 +4377,7 @@
           <a:p>
             <a:fld id="{56F9016B-CCA6-43BE-8BEE-59565A35F4F7}" type="datetimeFigureOut">
               <a:rPr kumimoji="1" lang="ja-JP" altLang="en-US" smtClean="0"/>
-              <a:t>2021/5/24</a:t>
+              <a:t>2021/9/16</a:t>
             </a:fld>
             <a:endParaRPr kumimoji="1" lang="ja-JP" altLang="en-US"/>
           </a:p>
@@ -4579,7 +4579,7 @@
           <a:p>
             <a:fld id="{56F9016B-CCA6-43BE-8BEE-59565A35F4F7}" type="datetimeFigureOut">
               <a:rPr kumimoji="1" lang="ja-JP" altLang="en-US" smtClean="0"/>
-              <a:t>2021/5/24</a:t>
+              <a:t>2021/9/16</a:t>
             </a:fld>
             <a:endParaRPr kumimoji="1" lang="ja-JP" altLang="en-US"/>
           </a:p>
@@ -4825,7 +4825,7 @@
           <a:p>
             <a:fld id="{56F9016B-CCA6-43BE-8BEE-59565A35F4F7}" type="datetimeFigureOut">
               <a:rPr kumimoji="1" lang="ja-JP" altLang="en-US" smtClean="0"/>
-              <a:t>2021/5/24</a:t>
+              <a:t>2021/9/16</a:t>
             </a:fld>
             <a:endParaRPr kumimoji="1" lang="ja-JP" altLang="en-US"/>
           </a:p>
@@ -5121,7 +5121,7 @@
           <a:p>
             <a:fld id="{56F9016B-CCA6-43BE-8BEE-59565A35F4F7}" type="datetimeFigureOut">
               <a:rPr kumimoji="1" lang="ja-JP" altLang="en-US" smtClean="0"/>
-              <a:t>2021/5/24</a:t>
+              <a:t>2021/9/16</a:t>
             </a:fld>
             <a:endParaRPr kumimoji="1" lang="ja-JP" altLang="en-US"/>
           </a:p>
@@ -5552,7 +5552,7 @@
           <a:p>
             <a:fld id="{56F9016B-CCA6-43BE-8BEE-59565A35F4F7}" type="datetimeFigureOut">
               <a:rPr kumimoji="1" lang="ja-JP" altLang="en-US" smtClean="0"/>
-              <a:t>2021/5/24</a:t>
+              <a:t>2021/9/16</a:t>
             </a:fld>
             <a:endParaRPr kumimoji="1" lang="ja-JP" altLang="en-US"/>
           </a:p>
@@ -5670,7 +5670,7 @@
           <a:p>
             <a:fld id="{56F9016B-CCA6-43BE-8BEE-59565A35F4F7}" type="datetimeFigureOut">
               <a:rPr kumimoji="1" lang="ja-JP" altLang="en-US" smtClean="0"/>
-              <a:t>2021/5/24</a:t>
+              <a:t>2021/9/16</a:t>
             </a:fld>
             <a:endParaRPr kumimoji="1" lang="ja-JP" altLang="en-US"/>
           </a:p>
@@ -5765,7 +5765,7 @@
           <a:p>
             <a:fld id="{56F9016B-CCA6-43BE-8BEE-59565A35F4F7}" type="datetimeFigureOut">
               <a:rPr kumimoji="1" lang="ja-JP" altLang="en-US" smtClean="0"/>
-              <a:t>2021/5/24</a:t>
+              <a:t>2021/9/16</a:t>
             </a:fld>
             <a:endParaRPr kumimoji="1" lang="ja-JP" altLang="en-US"/>
           </a:p>
@@ -6074,7 +6074,7 @@
           <a:p>
             <a:fld id="{56F9016B-CCA6-43BE-8BEE-59565A35F4F7}" type="datetimeFigureOut">
               <a:rPr kumimoji="1" lang="ja-JP" altLang="en-US" smtClean="0"/>
-              <a:t>2021/5/24</a:t>
+              <a:t>2021/9/16</a:t>
             </a:fld>
             <a:endParaRPr kumimoji="1" lang="ja-JP" altLang="en-US"/>
           </a:p>
@@ -6327,7 +6327,7 @@
           <a:p>
             <a:fld id="{56F9016B-CCA6-43BE-8BEE-59565A35F4F7}" type="datetimeFigureOut">
               <a:rPr kumimoji="1" lang="ja-JP" altLang="en-US" smtClean="0"/>
-              <a:t>2021/5/24</a:t>
+              <a:t>2021/9/16</a:t>
             </a:fld>
             <a:endParaRPr kumimoji="1" lang="ja-JP" altLang="en-US"/>
           </a:p>
@@ -6604,7 +6604,7 @@
           <a:p>
             <a:fld id="{56F9016B-CCA6-43BE-8BEE-59565A35F4F7}" type="datetimeFigureOut">
               <a:rPr kumimoji="1" lang="ja-JP" altLang="en-US" smtClean="0"/>
-              <a:t>2021/5/24</a:t>
+              <a:t>2021/9/16</a:t>
             </a:fld>
             <a:endParaRPr kumimoji="1" lang="ja-JP" altLang="en-US"/>
           </a:p>
@@ -6816,7 +6816,7 @@
           <a:p>
             <a:fld id="{56F9016B-CCA6-43BE-8BEE-59565A35F4F7}" type="datetimeFigureOut">
               <a:rPr kumimoji="1" lang="ja-JP" altLang="en-US" smtClean="0"/>
-              <a:t>2021/5/24</a:t>
+              <a:t>2021/9/16</a:t>
             </a:fld>
             <a:endParaRPr kumimoji="1" lang="ja-JP" altLang="en-US"/>
           </a:p>
@@ -9875,7 +9875,7 @@
           <a:p>
             <a:fld id="{56F9016B-CCA6-43BE-8BEE-59565A35F4F7}" type="datetimeFigureOut">
               <a:rPr kumimoji="1" lang="ja-JP" altLang="en-US" smtClean="0"/>
-              <a:t>2021/5/24</a:t>
+              <a:t>2021/9/16</a:t>
             </a:fld>
             <a:endParaRPr kumimoji="1" lang="ja-JP" altLang="en-US"/>
           </a:p>
@@ -10312,19 +10312,15 @@
               <a:t>Exastro</a:t>
             </a:r>
             <a:r>
-              <a:rPr lang="en-US" altLang="ja-JP"/>
-              <a:t> IT Automation </a:t>
-            </a:r>
-            <a:r>
-              <a:rPr lang="en-US" altLang="ja-JP"/>
-              <a:t>Version </a:t>
-            </a:r>
-            <a:r>
-              <a:rPr lang="en-US" altLang="ja-JP" smtClean="0"/>
-              <a:t>1.7.1</a:t>
+              <a:rPr lang="en-US" altLang="ja-JP" dirty="0"/>
+              <a:t> IT Automation Version </a:t>
+            </a:r>
+            <a:r>
+              <a:rPr lang="en-US" altLang="ja-JP" dirty="0" smtClean="0"/>
+              <a:t>1.8</a:t>
             </a:r>
             <a:br>
-              <a:rPr lang="en-US" altLang="ja-JP" smtClean="0"/>
+              <a:rPr lang="en-US" altLang="ja-JP" dirty="0" smtClean="0"/>
             </a:br>
             <a:r>
               <a:rPr lang="en-US" altLang="ja-JP" dirty="0" err="1" smtClean="0"/>
@@ -10975,7 +10971,7 @@
       </p:grpSpPr>
       <p:pic>
         <p:nvPicPr>
-          <p:cNvPr id="3" name="図 2"/>
+          <p:cNvPr id="4" name="図 3"/>
           <p:cNvPicPr>
             <a:picLocks noChangeAspect="1"/>
           </p:cNvPicPr>
@@ -10989,8 +10985,8 @@
         </p:blipFill>
         <p:spPr>
           <a:xfrm>
-            <a:off x="783331" y="2645352"/>
-            <a:ext cx="4433133" cy="1839600"/>
+            <a:off x="683460" y="2712002"/>
+            <a:ext cx="5002923" cy="1670806"/>
           </a:xfrm>
           <a:prstGeom prst="rect">
             <a:avLst/>
@@ -11005,8 +11001,8 @@
         </p:nvSpPr>
         <p:spPr bwMode="auto">
           <a:xfrm>
-            <a:off x="1888231" y="2903954"/>
-            <a:ext cx="3348637" cy="1141805"/>
+            <a:off x="1979640" y="2946885"/>
+            <a:ext cx="3257228" cy="1037542"/>
           </a:xfrm>
           <a:prstGeom prst="roundRect">
             <a:avLst>
@@ -11087,7 +11083,7 @@
         </p:nvSpPr>
         <p:spPr bwMode="auto">
           <a:xfrm>
-            <a:off x="3956743" y="3044351"/>
+            <a:off x="4327561" y="3049939"/>
             <a:ext cx="3132000" cy="2376000"/>
           </a:xfrm>
           <a:prstGeom prst="roundRect">
@@ -11433,8 +11429,8 @@
         </p:nvSpPr>
         <p:spPr bwMode="auto">
           <a:xfrm>
-            <a:off x="1612356" y="4263722"/>
-            <a:ext cx="799344" cy="221230"/>
+            <a:off x="1602983" y="4164461"/>
+            <a:ext cx="951400" cy="218347"/>
           </a:xfrm>
           <a:prstGeom prst="roundRect">
             <a:avLst>
@@ -11477,8 +11473,8 @@
         </p:nvSpPr>
         <p:spPr bwMode="auto">
           <a:xfrm>
-            <a:off x="2531716" y="4245259"/>
-            <a:ext cx="273352" cy="306545"/>
+            <a:off x="2659019" y="4147996"/>
+            <a:ext cx="325351" cy="302550"/>
           </a:xfrm>
           <a:prstGeom prst="wedgeEllipseCallout">
             <a:avLst>
@@ -11535,11 +11531,15 @@
             <a:graphicFrameLocks noGrp="1"/>
           </p:cNvGraphicFramePr>
           <p:nvPr>
-            <p:extLst/>
+            <p:extLst>
+              <p:ext uri="{D42A27DB-BD31-4B8C-83A1-F6EECF244321}">
+                <p14:modId xmlns:p14="http://schemas.microsoft.com/office/powerpoint/2010/main" val="2604584660"/>
+              </p:ext>
+            </p:extLst>
           </p:nvPr>
         </p:nvGraphicFramePr>
         <p:xfrm>
-          <a:off x="4076759" y="3420205"/>
+          <a:off x="4447577" y="3425793"/>
           <a:ext cx="2907348" cy="1920240"/>
         </p:xfrm>
         <a:graphic>
@@ -13292,7 +13292,7 @@
         </p:nvSpPr>
         <p:spPr bwMode="auto">
           <a:xfrm>
-            <a:off x="3970136" y="3001650"/>
+            <a:off x="4340954" y="3007238"/>
             <a:ext cx="301542" cy="312200"/>
           </a:xfrm>
           <a:prstGeom prst="wedgeEllipseCallout">
@@ -16737,6 +16737,30 @@
           <a:chExt cx="0" cy="0"/>
         </a:xfrm>
       </p:grpSpPr>
+      <p:pic>
+        <p:nvPicPr>
+          <p:cNvPr id="5" name="図 4"/>
+          <p:cNvPicPr>
+            <a:picLocks noChangeAspect="1"/>
+          </p:cNvPicPr>
+          <p:nvPr/>
+        </p:nvPicPr>
+        <p:blipFill>
+          <a:blip r:embed="rId3"/>
+          <a:stretch>
+            <a:fillRect/>
+          </a:stretch>
+        </p:blipFill>
+        <p:spPr>
+          <a:xfrm>
+            <a:off x="251400" y="1628750"/>
+            <a:ext cx="8183663" cy="2808390"/>
+          </a:xfrm>
+          <a:prstGeom prst="rect">
+            <a:avLst/>
+          </a:prstGeom>
+        </p:spPr>
+      </p:pic>
       <p:sp>
         <p:nvSpPr>
           <p:cNvPr id="2" name="タイトル 1"/>
@@ -16840,30 +16864,6 @@
           </a:p>
         </p:txBody>
       </p:sp>
-      <p:pic>
-        <p:nvPicPr>
-          <p:cNvPr id="3" name="図 2"/>
-          <p:cNvPicPr>
-            <a:picLocks noChangeAspect="1"/>
-          </p:cNvPicPr>
-          <p:nvPr/>
-        </p:nvPicPr>
-        <p:blipFill>
-          <a:blip r:embed="rId3"/>
-          <a:stretch>
-            <a:fillRect/>
-          </a:stretch>
-        </p:blipFill>
-        <p:spPr>
-          <a:xfrm>
-            <a:off x="240544" y="1556740"/>
-            <a:ext cx="8612829" cy="3121200"/>
-          </a:xfrm>
-          <a:prstGeom prst="rect">
-            <a:avLst/>
-          </a:prstGeom>
-        </p:spPr>
-      </p:pic>
     </p:spTree>
     <p:extLst>
       <p:ext uri="{BB962C8B-B14F-4D97-AF65-F5344CB8AC3E}">
@@ -18675,7 +18675,7 @@
       </p:sp>
       <p:pic>
         <p:nvPicPr>
-          <p:cNvPr id="4" name="図 3"/>
+          <p:cNvPr id="3" name="図 2"/>
           <p:cNvPicPr>
             <a:picLocks noChangeAspect="1"/>
           </p:cNvPicPr>
@@ -18689,8 +18689,8 @@
         </p:blipFill>
         <p:spPr>
           <a:xfrm>
-            <a:off x="323410" y="1772770"/>
-            <a:ext cx="8208505" cy="3272400"/>
+            <a:off x="323410" y="1773835"/>
+            <a:ext cx="8330812" cy="2880400"/>
           </a:xfrm>
           <a:prstGeom prst="rect">
             <a:avLst/>
@@ -20614,6 +20614,30 @@
           <a:chExt cx="0" cy="0"/>
         </a:xfrm>
       </p:grpSpPr>
+      <p:pic>
+        <p:nvPicPr>
+          <p:cNvPr id="3" name="図 2"/>
+          <p:cNvPicPr>
+            <a:picLocks noChangeAspect="1"/>
+          </p:cNvPicPr>
+          <p:nvPr/>
+        </p:nvPicPr>
+        <p:blipFill>
+          <a:blip r:embed="rId3"/>
+          <a:stretch>
+            <a:fillRect/>
+          </a:stretch>
+        </p:blipFill>
+        <p:spPr>
+          <a:xfrm>
+            <a:off x="250922" y="1772770"/>
+            <a:ext cx="8521128" cy="2808390"/>
+          </a:xfrm>
+          <a:prstGeom prst="rect">
+            <a:avLst/>
+          </a:prstGeom>
+        </p:spPr>
+      </p:pic>
       <p:sp>
         <p:nvSpPr>
           <p:cNvPr id="2" name="タイトル 1"/>
@@ -20726,30 +20750,6 @@
           </a:p>
         </p:txBody>
       </p:sp>
-      <p:pic>
-        <p:nvPicPr>
-          <p:cNvPr id="5" name="図 4"/>
-          <p:cNvPicPr>
-            <a:picLocks noChangeAspect="1"/>
-          </p:cNvPicPr>
-          <p:nvPr/>
-        </p:nvPicPr>
-        <p:blipFill>
-          <a:blip r:embed="rId3"/>
-          <a:stretch>
-            <a:fillRect/>
-          </a:stretch>
-        </p:blipFill>
-        <p:spPr>
-          <a:xfrm>
-            <a:off x="250922" y="1772770"/>
-            <a:ext cx="8497180" cy="3034800"/>
-          </a:xfrm>
-          <a:prstGeom prst="rect">
-            <a:avLst/>
-          </a:prstGeom>
-        </p:spPr>
-      </p:pic>
     </p:spTree>
     <p:extLst>
       <p:ext uri="{BB962C8B-B14F-4D97-AF65-F5344CB8AC3E}">
@@ -22998,8 +22998,8 @@
         </p:blipFill>
         <p:spPr>
           <a:xfrm>
-            <a:off x="755470" y="2841756"/>
-            <a:ext cx="5986963" cy="3319200"/>
+            <a:off x="755470" y="2636890"/>
+            <a:ext cx="6356487" cy="3524066"/>
           </a:xfrm>
           <a:prstGeom prst="rect">
             <a:avLst/>
@@ -23206,8 +23206,8 @@
         </p:nvSpPr>
         <p:spPr bwMode="auto">
           <a:xfrm>
-            <a:off x="2031537" y="4364940"/>
-            <a:ext cx="3260564" cy="648964"/>
+            <a:off x="2118668" y="4216632"/>
+            <a:ext cx="3389461" cy="710200"/>
           </a:xfrm>
           <a:prstGeom prst="roundRect">
             <a:avLst>
@@ -23250,8 +23250,8 @@
         </p:nvSpPr>
         <p:spPr bwMode="auto">
           <a:xfrm>
-            <a:off x="2726184" y="5242634"/>
-            <a:ext cx="1022767" cy="262914"/>
+            <a:off x="2878706" y="5180344"/>
+            <a:ext cx="1022767" cy="264936"/>
           </a:xfrm>
           <a:prstGeom prst="roundRect">
             <a:avLst>
@@ -23294,7 +23294,7 @@
         </p:nvSpPr>
         <p:spPr bwMode="auto">
           <a:xfrm>
-            <a:off x="3851900" y="5237118"/>
+            <a:off x="3995920" y="5219064"/>
             <a:ext cx="237985" cy="268430"/>
           </a:xfrm>
           <a:prstGeom prst="wedgeEllipseCallout">
@@ -23353,7 +23353,7 @@
         </p:nvSpPr>
         <p:spPr bwMode="auto">
           <a:xfrm>
-            <a:off x="2339690" y="3975402"/>
+            <a:off x="2339690" y="3842274"/>
             <a:ext cx="301542" cy="312200"/>
           </a:xfrm>
           <a:prstGeom prst="wedgeEllipseCallout">
@@ -24088,7 +24088,7 @@
                     <a:p>
                       <a:pPr algn="l" fontAlgn="t"/>
                       <a:r>
-                        <a:rPr lang="en-US" sz="1200" b="0" i="0" u="none" strike="noStrike">
+                        <a:rPr lang="en-US" sz="1200" b="0" i="0" u="none" strike="noStrike" dirty="0">
                           <a:solidFill>
                             <a:srgbClr val="000000"/>
                           </a:solidFill>
@@ -27747,7 +27747,7 @@
       </p:grpSpPr>
       <p:pic>
         <p:nvPicPr>
-          <p:cNvPr id="5" name="図 4"/>
+          <p:cNvPr id="13" name="図 12"/>
           <p:cNvPicPr>
             <a:picLocks noChangeAspect="1"/>
           </p:cNvPicPr>
@@ -27761,8 +27761,8 @@
         </p:blipFill>
         <p:spPr>
           <a:xfrm>
-            <a:off x="840120" y="2579737"/>
-            <a:ext cx="6597662" cy="3967200"/>
+            <a:off x="357479" y="2770215"/>
+            <a:ext cx="8284063" cy="3729874"/>
           </a:xfrm>
           <a:prstGeom prst="rect">
             <a:avLst/>
@@ -27976,8 +27976,8 @@
         </p:nvSpPr>
         <p:spPr bwMode="auto">
           <a:xfrm>
-            <a:off x="5960889" y="3007947"/>
-            <a:ext cx="1325421" cy="127398"/>
+            <a:off x="6804310" y="3130254"/>
+            <a:ext cx="1837232" cy="154726"/>
           </a:xfrm>
           <a:prstGeom prst="roundRect">
             <a:avLst>
@@ -28020,8 +28020,8 @@
         </p:nvGrpSpPr>
         <p:grpSpPr>
           <a:xfrm>
-            <a:off x="4040780" y="4712860"/>
-            <a:ext cx="1749373" cy="1214978"/>
+            <a:off x="4571513" y="4430999"/>
+            <a:ext cx="1899410" cy="1418688"/>
             <a:chOff x="4162086" y="4627324"/>
             <a:chExt cx="1749373" cy="1214978"/>
           </a:xfrm>
@@ -28144,8 +28144,8 @@
         </p:nvSpPr>
         <p:spPr bwMode="auto">
           <a:xfrm>
-            <a:off x="5923085" y="5046719"/>
-            <a:ext cx="1514698" cy="1122177"/>
+            <a:off x="6804310" y="5094690"/>
+            <a:ext cx="1837232" cy="1086049"/>
           </a:xfrm>
           <a:prstGeom prst="roundRect">
             <a:avLst>
@@ -28188,8 +28188,8 @@
         </p:nvSpPr>
         <p:spPr bwMode="auto">
           <a:xfrm>
-            <a:off x="866382" y="6316433"/>
-            <a:ext cx="455801" cy="242340"/>
+            <a:off x="357479" y="6309400"/>
+            <a:ext cx="639057" cy="165438"/>
           </a:xfrm>
           <a:prstGeom prst="roundRect">
             <a:avLst>
@@ -28232,8 +28232,8 @@
         </p:nvSpPr>
         <p:spPr bwMode="auto">
           <a:xfrm>
-            <a:off x="7079129" y="4609940"/>
-            <a:ext cx="237985" cy="268430"/>
+            <a:off x="8212088" y="4549932"/>
+            <a:ext cx="429454" cy="372448"/>
           </a:xfrm>
           <a:prstGeom prst="wedgeEllipseCallout">
             <a:avLst>
@@ -28723,8 +28723,8 @@
         </p:nvSpPr>
         <p:spPr bwMode="auto">
           <a:xfrm>
-            <a:off x="1387640" y="6318973"/>
-            <a:ext cx="237985" cy="268430"/>
+            <a:off x="1055510" y="6180739"/>
+            <a:ext cx="276040" cy="319350"/>
           </a:xfrm>
           <a:prstGeom prst="wedgeEllipseCallout">
             <a:avLst>
@@ -28782,13 +28782,13 @@
         </p:nvSpPr>
         <p:spPr bwMode="auto">
           <a:xfrm>
-            <a:off x="5627752" y="2252534"/>
+            <a:off x="6421219" y="2669894"/>
             <a:ext cx="383091" cy="369438"/>
           </a:xfrm>
           <a:prstGeom prst="wedgeEllipseCallout">
             <a:avLst>
-              <a:gd name="adj1" fmla="val 81956"/>
-              <a:gd name="adj2" fmla="val 164091"/>
+              <a:gd name="adj1" fmla="val 46290"/>
+              <a:gd name="adj2" fmla="val 90122"/>
             </a:avLst>
           </a:prstGeom>
           <a:solidFill>
@@ -29315,7 +29315,7 @@
       </p:grpSpPr>
       <p:pic>
         <p:nvPicPr>
-          <p:cNvPr id="4" name="図 3"/>
+          <p:cNvPr id="5" name="図 4"/>
           <p:cNvPicPr>
             <a:picLocks noChangeAspect="1"/>
           </p:cNvPicPr>
@@ -29329,8 +29329,8 @@
         </p:blipFill>
         <p:spPr>
           <a:xfrm>
-            <a:off x="145124" y="2024731"/>
-            <a:ext cx="8857229" cy="3448800"/>
+            <a:off x="227191" y="2024731"/>
+            <a:ext cx="8521389" cy="3276529"/>
           </a:xfrm>
           <a:prstGeom prst="rect">
             <a:avLst/>
@@ -29460,8 +29460,8 @@
         </p:nvSpPr>
         <p:spPr bwMode="auto">
           <a:xfrm>
-            <a:off x="395420" y="5157800"/>
-            <a:ext cx="6048840" cy="573062"/>
+            <a:off x="395420" y="5085230"/>
+            <a:ext cx="6048840" cy="614348"/>
           </a:xfrm>
           <a:prstGeom prst="roundRect">
             <a:avLst>
@@ -29586,7 +29586,7 @@
       </p:grpSpPr>
       <p:pic>
         <p:nvPicPr>
-          <p:cNvPr id="3" name="図 2"/>
+          <p:cNvPr id="4" name="図 3"/>
           <p:cNvPicPr>
             <a:picLocks noChangeAspect="1"/>
           </p:cNvPicPr>
@@ -29600,8 +29600,8 @@
         </p:blipFill>
         <p:spPr>
           <a:xfrm>
-            <a:off x="179512" y="1609649"/>
-            <a:ext cx="8569190" cy="3466800"/>
+            <a:off x="185531" y="1609649"/>
+            <a:ext cx="8563172" cy="3537893"/>
           </a:xfrm>
           <a:prstGeom prst="rect">
             <a:avLst/>
@@ -29768,7 +29768,7 @@
         </p:blipFill>
         <p:spPr>
           <a:xfrm>
-            <a:off x="179512" y="4374561"/>
+            <a:off x="179512" y="4366705"/>
             <a:ext cx="2464934" cy="1390257"/>
           </a:xfrm>
           <a:prstGeom prst="rect">
@@ -29873,7 +29873,19 @@
               <a:rPr lang="en-US" altLang="ja-JP" sz="1400" dirty="0" smtClean="0">
                 <a:latin typeface="+mn-ea"/>
               </a:rPr>
-              <a:t>Conductor Brach</a:t>
+              <a:t>Conductor </a:t>
+            </a:r>
+            <a:r>
+              <a:rPr lang="en-US" altLang="ja-JP" sz="1400" dirty="0">
+                <a:latin typeface="+mn-ea"/>
+              </a:rPr>
+              <a:t>b</a:t>
+            </a:r>
+            <a:r>
+              <a:rPr lang="en-US" altLang="ja-JP" sz="1400" dirty="0" smtClean="0">
+                <a:latin typeface="+mn-ea"/>
+              </a:rPr>
+              <a:t>ranch</a:t>
             </a:r>
             <a:r>
               <a:rPr lang="ja-JP" altLang="en-US" sz="1400" dirty="0" smtClean="0">
@@ -29941,8 +29953,8 @@
         </p:nvSpPr>
         <p:spPr bwMode="auto">
           <a:xfrm>
-            <a:off x="6780542" y="4399902"/>
-            <a:ext cx="1080150" cy="250803"/>
+            <a:off x="6588280" y="4399903"/>
+            <a:ext cx="1272412" cy="244718"/>
           </a:xfrm>
           <a:prstGeom prst="roundRect">
             <a:avLst>
@@ -29985,8 +29997,8 @@
         </p:nvSpPr>
         <p:spPr bwMode="auto">
           <a:xfrm>
-            <a:off x="7247447" y="3333296"/>
-            <a:ext cx="360050" cy="197412"/>
+            <a:off x="7020340" y="3373452"/>
+            <a:ext cx="432060" cy="318461"/>
           </a:xfrm>
           <a:prstGeom prst="roundRect">
             <a:avLst>
@@ -30029,8 +30041,8 @@
         </p:nvCxnSpPr>
         <p:spPr bwMode="auto">
           <a:xfrm flipH="1" flipV="1">
-            <a:off x="1574718" y="3432002"/>
-            <a:ext cx="5144753" cy="1011617"/>
+            <a:off x="1574719" y="3432003"/>
+            <a:ext cx="5013561" cy="992490"/>
           </a:xfrm>
           <a:prstGeom prst="straightConnector1">
             <a:avLst/>
@@ -30071,8 +30083,8 @@
         </p:nvSpPr>
         <p:spPr bwMode="auto">
           <a:xfrm>
-            <a:off x="3831687" y="2969594"/>
-            <a:ext cx="2948855" cy="746909"/>
+            <a:off x="3855456" y="3049925"/>
+            <a:ext cx="2876844" cy="746909"/>
           </a:xfrm>
           <a:prstGeom prst="roundRect">
             <a:avLst>
@@ -30135,13 +30147,13 @@
               <a:rPr lang="en-US" altLang="ja-JP" sz="1400" dirty="0">
                 <a:latin typeface="+mn-ea"/>
               </a:rPr>
-              <a:t>Conductor </a:t>
+              <a:t>Conductor b</a:t>
             </a:r>
             <a:r>
               <a:rPr lang="en-US" altLang="ja-JP" sz="1400" dirty="0" smtClean="0">
                 <a:latin typeface="+mn-ea"/>
               </a:rPr>
-              <a:t>Brach</a:t>
+              <a:t>ranch</a:t>
             </a:r>
             <a:r>
               <a:rPr lang="ja-JP" altLang="en-US" sz="1400" dirty="0" smtClean="0">
@@ -30211,7 +30223,7 @@
       </p:grpSpPr>
       <p:pic>
         <p:nvPicPr>
-          <p:cNvPr id="13" name="図 12"/>
+          <p:cNvPr id="17" name="図 16"/>
           <p:cNvPicPr>
             <a:picLocks noChangeAspect="1"/>
           </p:cNvPicPr>
@@ -30225,8 +30237,8 @@
         </p:blipFill>
         <p:spPr>
           <a:xfrm>
-            <a:off x="179512" y="1609649"/>
-            <a:ext cx="8569190" cy="3466800"/>
+            <a:off x="185531" y="1609649"/>
+            <a:ext cx="8563172" cy="3537893"/>
           </a:xfrm>
           <a:prstGeom prst="rect">
             <a:avLst/>
@@ -30341,8 +30353,8 @@
         </p:nvSpPr>
         <p:spPr bwMode="auto">
           <a:xfrm>
-            <a:off x="1686938" y="3539829"/>
-            <a:ext cx="1224170" cy="338441"/>
+            <a:off x="1563521" y="3539829"/>
+            <a:ext cx="1134379" cy="338441"/>
           </a:xfrm>
           <a:prstGeom prst="roundRect">
             <a:avLst>
@@ -30385,7 +30397,7 @@
         </p:nvSpPr>
         <p:spPr bwMode="auto">
           <a:xfrm rot="2120693">
-            <a:off x="1182445" y="3533613"/>
+            <a:off x="1059028" y="3515981"/>
             <a:ext cx="360050" cy="614089"/>
           </a:xfrm>
           <a:prstGeom prst="curvedRightArrow">
@@ -30568,8 +30580,8 @@
         </p:nvSpPr>
         <p:spPr bwMode="auto">
           <a:xfrm>
-            <a:off x="6800755" y="3990872"/>
-            <a:ext cx="1080150" cy="250803"/>
+            <a:off x="6588280" y="3990872"/>
+            <a:ext cx="1292625" cy="201001"/>
           </a:xfrm>
           <a:prstGeom prst="roundRect">
             <a:avLst>
@@ -30612,8 +30624,8 @@
         </p:nvSpPr>
         <p:spPr bwMode="auto">
           <a:xfrm>
-            <a:off x="7234653" y="3338599"/>
-            <a:ext cx="360050" cy="197412"/>
+            <a:off x="7054566" y="3378595"/>
+            <a:ext cx="397833" cy="246948"/>
           </a:xfrm>
           <a:prstGeom prst="roundRect">
             <a:avLst>
@@ -30656,8 +30668,8 @@
         </p:nvCxnSpPr>
         <p:spPr bwMode="auto">
           <a:xfrm flipH="1" flipV="1">
-            <a:off x="2911108" y="3840657"/>
-            <a:ext cx="3886052" cy="150216"/>
+            <a:off x="2771750" y="3878270"/>
+            <a:ext cx="3816530" cy="112603"/>
           </a:xfrm>
           <a:prstGeom prst="straightConnector1">
             <a:avLst/>
@@ -30698,8 +30710,8 @@
         </p:nvSpPr>
         <p:spPr bwMode="auto">
           <a:xfrm>
-            <a:off x="3851900" y="2941815"/>
-            <a:ext cx="2948855" cy="746909"/>
+            <a:off x="3715548" y="2953043"/>
+            <a:ext cx="2880400" cy="746909"/>
           </a:xfrm>
           <a:prstGeom prst="roundRect">
             <a:avLst>
@@ -30762,19 +30774,13 @@
               <a:rPr lang="en-US" altLang="ja-JP" sz="1400" dirty="0">
                 <a:latin typeface="+mn-ea"/>
               </a:rPr>
-              <a:t>Conductor </a:t>
+              <a:t>Conductor c</a:t>
             </a:r>
             <a:r>
               <a:rPr lang="en-US" altLang="ja-JP" sz="1400" dirty="0" smtClean="0">
                 <a:latin typeface="+mn-ea"/>
               </a:rPr>
-              <a:t>Cal</a:t>
-            </a:r>
-            <a:r>
-              <a:rPr lang="en-US" altLang="ja-JP" sz="1400" dirty="0">
-                <a:latin typeface="+mn-ea"/>
-              </a:rPr>
-              <a:t>l</a:t>
+              <a:t>all</a:t>
             </a:r>
             <a:r>
               <a:rPr lang="ja-JP" altLang="en-US" sz="1400" dirty="0" smtClean="0">
@@ -30878,7 +30884,7 @@
       </p:grpSpPr>
       <p:pic>
         <p:nvPicPr>
-          <p:cNvPr id="3" name="図 2"/>
+          <p:cNvPr id="4" name="図 3"/>
           <p:cNvPicPr>
             <a:picLocks noChangeAspect="1"/>
           </p:cNvPicPr>
@@ -30892,8 +30898,8 @@
         </p:blipFill>
         <p:spPr>
           <a:xfrm>
-            <a:off x="269333" y="1649541"/>
-            <a:ext cx="8604360" cy="3466800"/>
+            <a:off x="267846" y="1876196"/>
+            <a:ext cx="8551666" cy="3281043"/>
           </a:xfrm>
           <a:prstGeom prst="rect">
             <a:avLst/>
@@ -31016,8 +31022,8 @@
         </p:nvSpPr>
         <p:spPr bwMode="auto">
           <a:xfrm>
-            <a:off x="2971962" y="3911728"/>
-            <a:ext cx="879937" cy="338441"/>
+            <a:off x="2757619" y="3878417"/>
+            <a:ext cx="933985" cy="399104"/>
           </a:xfrm>
           <a:prstGeom prst="roundRect">
             <a:avLst>
@@ -31060,7 +31066,7 @@
         </p:nvSpPr>
         <p:spPr bwMode="auto">
           <a:xfrm>
-            <a:off x="860635" y="4952086"/>
+            <a:off x="827480" y="5003344"/>
             <a:ext cx="5400750" cy="586953"/>
           </a:xfrm>
           <a:prstGeom prst="roundRect">
@@ -31167,8 +31173,8 @@
         </p:nvSpPr>
         <p:spPr bwMode="auto">
           <a:xfrm>
-            <a:off x="6948330" y="4446354"/>
-            <a:ext cx="1146460" cy="250803"/>
+            <a:off x="6694077" y="4233019"/>
+            <a:ext cx="1262393" cy="263544"/>
           </a:xfrm>
           <a:prstGeom prst="roundRect">
             <a:avLst>
@@ -31211,7 +31217,7 @@
         </p:nvSpPr>
         <p:spPr bwMode="auto">
           <a:xfrm>
-            <a:off x="7374690" y="3686916"/>
+            <a:off x="7161505" y="3782095"/>
             <a:ext cx="360050" cy="197412"/>
           </a:xfrm>
           <a:prstGeom prst="roundRect">
@@ -31255,8 +31261,8 @@
         </p:nvCxnSpPr>
         <p:spPr bwMode="auto">
           <a:xfrm flipH="1" flipV="1">
-            <a:off x="3851900" y="4173312"/>
-            <a:ext cx="3096430" cy="356076"/>
+            <a:off x="3794070" y="4124063"/>
+            <a:ext cx="2857544" cy="153458"/>
           </a:xfrm>
           <a:prstGeom prst="straightConnector1">
             <a:avLst/>
@@ -31297,7 +31303,7 @@
         </p:nvSpPr>
         <p:spPr bwMode="auto">
           <a:xfrm>
-            <a:off x="3705735" y="2098478"/>
+            <a:off x="3674844" y="2265701"/>
             <a:ext cx="2948855" cy="746909"/>
           </a:xfrm>
           <a:prstGeom prst="roundRect">
@@ -31400,8 +31406,8 @@
         </p:nvCxnSpPr>
         <p:spPr bwMode="auto">
           <a:xfrm flipH="1" flipV="1">
-            <a:off x="6012200" y="3770978"/>
-            <a:ext cx="919314" cy="739605"/>
+            <a:off x="6003835" y="3849483"/>
+            <a:ext cx="647779" cy="383536"/>
           </a:xfrm>
           <a:prstGeom prst="straightConnector1">
             <a:avLst/>
@@ -31442,7 +31448,7 @@
         </p:nvSpPr>
         <p:spPr bwMode="auto">
           <a:xfrm>
-            <a:off x="5791895" y="3290063"/>
+            <a:off x="5499517" y="3443654"/>
             <a:ext cx="938980" cy="338441"/>
           </a:xfrm>
           <a:prstGeom prst="roundRect">
@@ -31517,7 +31523,7 @@
       </p:grpSpPr>
       <p:pic>
         <p:nvPicPr>
-          <p:cNvPr id="18" name="図 17"/>
+          <p:cNvPr id="16" name="図 15"/>
           <p:cNvPicPr>
             <a:picLocks noChangeAspect="1"/>
           </p:cNvPicPr>
@@ -31531,8 +31537,8 @@
         </p:blipFill>
         <p:spPr>
           <a:xfrm>
-            <a:off x="269333" y="1517893"/>
-            <a:ext cx="8604360" cy="3466800"/>
+            <a:off x="295680" y="1626044"/>
+            <a:ext cx="8551666" cy="3459186"/>
           </a:xfrm>
           <a:prstGeom prst="rect">
             <a:avLst/>
@@ -31785,8 +31791,8 @@
         </p:nvSpPr>
         <p:spPr bwMode="auto">
           <a:xfrm>
-            <a:off x="6948330" y="4293121"/>
-            <a:ext cx="1268065" cy="283040"/>
+            <a:off x="6707058" y="4561490"/>
+            <a:ext cx="1105392" cy="294093"/>
           </a:xfrm>
           <a:prstGeom prst="roundRect">
             <a:avLst>
@@ -31829,8 +31835,8 @@
         </p:nvCxnSpPr>
         <p:spPr bwMode="auto">
           <a:xfrm flipH="1" flipV="1">
-            <a:off x="2848014" y="3995288"/>
-            <a:ext cx="4062421" cy="373487"/>
+            <a:off x="2702550" y="4005081"/>
+            <a:ext cx="4004508" cy="553070"/>
           </a:xfrm>
           <a:prstGeom prst="straightConnector1">
             <a:avLst/>
@@ -31986,8 +31992,8 @@
         </p:nvSpPr>
         <p:spPr bwMode="auto">
           <a:xfrm>
-            <a:off x="2732480" y="3007125"/>
-            <a:ext cx="776745" cy="652221"/>
+            <a:off x="2765996" y="3088917"/>
+            <a:ext cx="667918" cy="652221"/>
           </a:xfrm>
           <a:prstGeom prst="roundRect">
             <a:avLst>
@@ -32105,7 +32111,7 @@
         </p:nvSpPr>
         <p:spPr bwMode="auto">
           <a:xfrm>
-            <a:off x="7342600" y="3578732"/>
+            <a:off x="7161065" y="3664880"/>
             <a:ext cx="360050" cy="197412"/>
           </a:xfrm>
           <a:prstGeom prst="roundRect">
@@ -32149,8 +32155,8 @@
         </p:nvSpPr>
         <p:spPr bwMode="auto">
           <a:xfrm>
-            <a:off x="4827464" y="2937115"/>
-            <a:ext cx="754626" cy="722231"/>
+            <a:off x="4571513" y="3053913"/>
+            <a:ext cx="648577" cy="722231"/>
           </a:xfrm>
           <a:prstGeom prst="roundRect">
             <a:avLst>
@@ -32400,12 +32406,16 @@
               <a:t>名称」項目内の 「</a:t>
             </a:r>
             <a:r>
-              <a:rPr lang="en-US" altLang="ja-JP" dirty="0"/>
-              <a:t>Conductor_2</a:t>
+              <a:rPr lang="en-US" altLang="ja-JP" dirty="0" smtClean="0"/>
+              <a:t>Conductor_1</a:t>
+            </a:r>
+            <a:r>
+              <a:rPr lang="ja-JP" altLang="en-US" dirty="0" smtClean="0"/>
+              <a:t>」</a:t>
             </a:r>
             <a:r>
               <a:rPr lang="ja-JP" altLang="en-US" dirty="0"/>
-              <a:t>」を</a:t>
+              <a:t>を</a:t>
             </a:r>
             <a:r>
               <a:rPr lang="ja-JP" altLang="en-US" dirty="0" smtClean="0"/>
@@ -32440,7 +32450,7 @@
             </a:r>
             <a:r>
               <a:rPr lang="en-US" altLang="ja-JP" dirty="0" smtClean="0"/>
-              <a:t>operation</a:t>
+              <a:t>operation1</a:t>
             </a:r>
             <a:r>
               <a:rPr lang="ja-JP" altLang="en-US" dirty="0" smtClean="0"/>
@@ -35808,7 +35818,7 @@
       </p:graphicFrame>
       <p:pic>
         <p:nvPicPr>
-          <p:cNvPr id="51" name="図 50"/>
+          <p:cNvPr id="4" name="図 3"/>
           <p:cNvPicPr>
             <a:picLocks noChangeAspect="1"/>
           </p:cNvPicPr>
@@ -35822,22 +35832,12 @@
         </p:blipFill>
         <p:spPr>
           <a:xfrm>
-            <a:off x="4915359" y="3235347"/>
-            <a:ext cx="4129518" cy="2740395"/>
+            <a:off x="4945233" y="3570179"/>
+            <a:ext cx="3997542" cy="2307447"/>
           </a:xfrm>
           <a:prstGeom prst="rect">
             <a:avLst/>
           </a:prstGeom>
-          <a:ln>
-            <a:noFill/>
-          </a:ln>
-          <a:effectLst>
-            <a:outerShdw blurRad="292100" dist="139700" dir="2700000" algn="tl" rotWithShape="0">
-              <a:srgbClr val="333333">
-                <a:alpha val="65000"/>
-              </a:srgbClr>
-            </a:outerShdw>
-          </a:effectLst>
         </p:spPr>
       </p:pic>
       <p:sp>
@@ -35848,8 +35848,8 @@
         </p:nvSpPr>
         <p:spPr bwMode="auto">
           <a:xfrm>
-            <a:off x="4890018" y="5840715"/>
-            <a:ext cx="449172" cy="154935"/>
+            <a:off x="4916056" y="5761973"/>
+            <a:ext cx="346206" cy="115653"/>
           </a:xfrm>
           <a:prstGeom prst="roundRect">
             <a:avLst>
@@ -35892,7 +35892,7 @@
         </p:nvSpPr>
         <p:spPr bwMode="auto">
           <a:xfrm>
-            <a:off x="5426762" y="5788691"/>
+            <a:off x="5346728" y="5657486"/>
             <a:ext cx="237985" cy="268430"/>
           </a:xfrm>
           <a:prstGeom prst="wedgeEllipseCallout">
@@ -36055,7 +36055,7 @@
       </p:grpSpPr>
       <p:pic>
         <p:nvPicPr>
-          <p:cNvPr id="9" name="図 8"/>
+          <p:cNvPr id="3" name="図 2"/>
           <p:cNvPicPr>
             <a:picLocks noChangeAspect="1"/>
           </p:cNvPicPr>
@@ -36070,7 +36070,7 @@
         <p:spPr>
           <a:xfrm>
             <a:off x="467430" y="2204830"/>
-            <a:ext cx="5827563" cy="2307600"/>
+            <a:ext cx="7511409" cy="2952410"/>
           </a:xfrm>
           <a:prstGeom prst="rect">
             <a:avLst/>
@@ -36243,8 +36243,8 @@
         </p:nvSpPr>
         <p:spPr bwMode="auto">
           <a:xfrm>
-            <a:off x="5400411" y="3260718"/>
-            <a:ext cx="626878" cy="156150"/>
+            <a:off x="7061348" y="3068950"/>
+            <a:ext cx="607082" cy="170078"/>
           </a:xfrm>
           <a:prstGeom prst="roundRect">
             <a:avLst>
@@ -36287,7 +36287,7 @@
         </p:nvSpPr>
         <p:spPr>
           <a:xfrm rot="21104936" flipV="1">
-            <a:off x="1879936" y="2631530"/>
+            <a:off x="2049416" y="2894542"/>
             <a:ext cx="3400627" cy="1915517"/>
           </a:xfrm>
           <a:prstGeom prst="swooshArrow">
@@ -36356,7 +36356,7 @@
         </p:blipFill>
         <p:spPr>
           <a:xfrm>
-            <a:off x="5713850" y="3492540"/>
+            <a:off x="5677827" y="3594581"/>
             <a:ext cx="2988000" cy="1832930"/>
           </a:xfrm>
           <a:prstGeom prst="rect">
@@ -36372,8 +36372,8 @@
         </p:nvSpPr>
         <p:spPr bwMode="auto">
           <a:xfrm>
-            <a:off x="1547580" y="2723181"/>
-            <a:ext cx="216030" cy="177653"/>
+            <a:off x="1907630" y="2708900"/>
+            <a:ext cx="360050" cy="411334"/>
           </a:xfrm>
           <a:prstGeom prst="roundRect">
             <a:avLst>
@@ -36439,9 +36439,9 @@
           <p:nvPr/>
         </p:nvSpPr>
         <p:spPr>
-          <a:xfrm rot="3134953">
-            <a:off x="6129028" y="3283047"/>
-            <a:ext cx="642465" cy="470275"/>
+          <a:xfrm rot="4582329">
+            <a:off x="7243582" y="3210554"/>
+            <a:ext cx="588817" cy="470275"/>
           </a:xfrm>
           <a:prstGeom prst="swooshArrow">
             <a:avLst>
@@ -36567,30 +36567,6 @@
           <a:chExt cx="0" cy="0"/>
         </a:xfrm>
       </p:grpSpPr>
-      <p:pic>
-        <p:nvPicPr>
-          <p:cNvPr id="4" name="図 3"/>
-          <p:cNvPicPr>
-            <a:picLocks noChangeAspect="1"/>
-          </p:cNvPicPr>
-          <p:nvPr/>
-        </p:nvPicPr>
-        <p:blipFill>
-          <a:blip r:embed="rId2"/>
-          <a:stretch>
-            <a:fillRect/>
-          </a:stretch>
-        </p:blipFill>
-        <p:spPr>
-          <a:xfrm>
-            <a:off x="320859" y="1989867"/>
-            <a:ext cx="8425169" cy="3816000"/>
-          </a:xfrm>
-          <a:prstGeom prst="rect">
-            <a:avLst/>
-          </a:prstGeom>
-        </p:spPr>
-      </p:pic>
       <p:sp>
         <p:nvSpPr>
           <p:cNvPr id="2" name="タイトル 1"/>
@@ -36894,16 +36870,40 @@
           </a:p>
         </p:txBody>
       </p:sp>
+      <p:pic>
+        <p:nvPicPr>
+          <p:cNvPr id="7" name="図 6"/>
+          <p:cNvPicPr>
+            <a:picLocks noChangeAspect="1"/>
+          </p:cNvPicPr>
+          <p:nvPr/>
+        </p:nvPicPr>
+        <p:blipFill>
+          <a:blip r:embed="rId2"/>
+          <a:stretch>
+            <a:fillRect/>
+          </a:stretch>
+        </p:blipFill>
+        <p:spPr>
+          <a:xfrm>
+            <a:off x="314451" y="2060810"/>
+            <a:ext cx="8513632" cy="4033333"/>
+          </a:xfrm>
+          <a:prstGeom prst="rect">
+            <a:avLst/>
+          </a:prstGeom>
+        </p:spPr>
+      </p:pic>
       <p:sp>
         <p:nvSpPr>
-          <p:cNvPr id="102" name="正方形/長方形 101"/>
+          <p:cNvPr id="8" name="正方形/長方形 7"/>
           <p:cNvSpPr/>
           <p:nvPr/>
         </p:nvSpPr>
         <p:spPr bwMode="auto">
           <a:xfrm>
-            <a:off x="3707880" y="2888896"/>
-            <a:ext cx="576080" cy="719780"/>
+            <a:off x="3659050" y="2825940"/>
+            <a:ext cx="576000" cy="864120"/>
           </a:xfrm>
           <a:prstGeom prst="rect">
             <a:avLst/>
@@ -40832,7 +40832,7 @@
       </p:sp>
       <p:pic>
         <p:nvPicPr>
-          <p:cNvPr id="3" name="図 2"/>
+          <p:cNvPr id="7" name="図 6"/>
           <p:cNvPicPr>
             <a:picLocks noChangeAspect="1"/>
           </p:cNvPicPr>
@@ -40846,8 +40846,8 @@
         </p:blipFill>
         <p:spPr>
           <a:xfrm>
-            <a:off x="4588506" y="5148000"/>
-            <a:ext cx="4176579" cy="1562769"/>
+            <a:off x="4571512" y="5139042"/>
+            <a:ext cx="4504112" cy="1458398"/>
           </a:xfrm>
           <a:prstGeom prst="rect">
             <a:avLst/>

--- a/asset/Learn_ja/ITA-Conductor_practice_ja.pptx
+++ b/asset/Learn_ja/ITA-Conductor_practice_ja.pptx
@@ -32,7 +32,7 @@
     <p:sldId id="715" r:id="rId20"/>
     <p:sldId id="705" r:id="rId21"/>
     <p:sldId id="706" r:id="rId22"/>
-    <p:sldId id="716" r:id="rId23"/>
+    <p:sldId id="723" r:id="rId23"/>
     <p:sldId id="707" r:id="rId24"/>
     <p:sldId id="717" r:id="rId25"/>
     <p:sldId id="718" r:id="rId26"/>
@@ -171,7 +171,7 @@
             <p14:sldId id="715"/>
             <p14:sldId id="705"/>
             <p14:sldId id="706"/>
-            <p14:sldId id="716"/>
+            <p14:sldId id="723"/>
             <p14:sldId id="707"/>
             <p14:sldId id="717"/>
             <p14:sldId id="718"/>
@@ -330,7 +330,7 @@
               <a:rPr kumimoji="1" lang="ja-JP" altLang="en-US" smtClean="0">
                 <a:ea typeface="メイリオ" panose="020B0604030504040204" pitchFamily="50" charset="-128"/>
               </a:rPr>
-              <a:t>2021/9/16</a:t>
+              <a:t>2021/10/7</a:t>
             </a:fld>
             <a:endParaRPr kumimoji="1" lang="ja-JP" altLang="en-US" dirty="0">
               <a:ea typeface="メイリオ" panose="020B0604030504040204" pitchFamily="50" charset="-128"/>
@@ -476,7 +476,7 @@
             <a:fld id="{4B26993D-C081-44EB-B0F5-A9F467792B62}" type="datetimeFigureOut">
               <a:rPr lang="ja-JP" altLang="en-US" smtClean="0"/>
               <a:pPr/>
-              <a:t>2021/9/16</a:t>
+              <a:t>2021/10/7</a:t>
             </a:fld>
             <a:endParaRPr lang="ja-JP" altLang="en-US" dirty="0"/>
           </a:p>
@@ -1423,7 +1423,7 @@
     </p:spTree>
     <p:extLst>
       <p:ext uri="{BB962C8B-B14F-4D97-AF65-F5344CB8AC3E}">
-        <p14:creationId xmlns:p14="http://schemas.microsoft.com/office/powerpoint/2010/main" val="1383163506"/>
+        <p14:creationId xmlns:p14="http://schemas.microsoft.com/office/powerpoint/2010/main" val="626979103"/>
       </p:ext>
     </p:extLst>
   </p:cSld>
@@ -4377,7 +4377,7 @@
           <a:p>
             <a:fld id="{56F9016B-CCA6-43BE-8BEE-59565A35F4F7}" type="datetimeFigureOut">
               <a:rPr kumimoji="1" lang="ja-JP" altLang="en-US" smtClean="0"/>
-              <a:t>2021/9/16</a:t>
+              <a:t>2021/10/7</a:t>
             </a:fld>
             <a:endParaRPr kumimoji="1" lang="ja-JP" altLang="en-US"/>
           </a:p>
@@ -4579,7 +4579,7 @@
           <a:p>
             <a:fld id="{56F9016B-CCA6-43BE-8BEE-59565A35F4F7}" type="datetimeFigureOut">
               <a:rPr kumimoji="1" lang="ja-JP" altLang="en-US" smtClean="0"/>
-              <a:t>2021/9/16</a:t>
+              <a:t>2021/10/7</a:t>
             </a:fld>
             <a:endParaRPr kumimoji="1" lang="ja-JP" altLang="en-US"/>
           </a:p>
@@ -4825,7 +4825,7 @@
           <a:p>
             <a:fld id="{56F9016B-CCA6-43BE-8BEE-59565A35F4F7}" type="datetimeFigureOut">
               <a:rPr kumimoji="1" lang="ja-JP" altLang="en-US" smtClean="0"/>
-              <a:t>2021/9/16</a:t>
+              <a:t>2021/10/7</a:t>
             </a:fld>
             <a:endParaRPr kumimoji="1" lang="ja-JP" altLang="en-US"/>
           </a:p>
@@ -5121,7 +5121,7 @@
           <a:p>
             <a:fld id="{56F9016B-CCA6-43BE-8BEE-59565A35F4F7}" type="datetimeFigureOut">
               <a:rPr kumimoji="1" lang="ja-JP" altLang="en-US" smtClean="0"/>
-              <a:t>2021/9/16</a:t>
+              <a:t>2021/10/7</a:t>
             </a:fld>
             <a:endParaRPr kumimoji="1" lang="ja-JP" altLang="en-US"/>
           </a:p>
@@ -5552,7 +5552,7 @@
           <a:p>
             <a:fld id="{56F9016B-CCA6-43BE-8BEE-59565A35F4F7}" type="datetimeFigureOut">
               <a:rPr kumimoji="1" lang="ja-JP" altLang="en-US" smtClean="0"/>
-              <a:t>2021/9/16</a:t>
+              <a:t>2021/10/7</a:t>
             </a:fld>
             <a:endParaRPr kumimoji="1" lang="ja-JP" altLang="en-US"/>
           </a:p>
@@ -5670,7 +5670,7 @@
           <a:p>
             <a:fld id="{56F9016B-CCA6-43BE-8BEE-59565A35F4F7}" type="datetimeFigureOut">
               <a:rPr kumimoji="1" lang="ja-JP" altLang="en-US" smtClean="0"/>
-              <a:t>2021/9/16</a:t>
+              <a:t>2021/10/7</a:t>
             </a:fld>
             <a:endParaRPr kumimoji="1" lang="ja-JP" altLang="en-US"/>
           </a:p>
@@ -5765,7 +5765,7 @@
           <a:p>
             <a:fld id="{56F9016B-CCA6-43BE-8BEE-59565A35F4F7}" type="datetimeFigureOut">
               <a:rPr kumimoji="1" lang="ja-JP" altLang="en-US" smtClean="0"/>
-              <a:t>2021/9/16</a:t>
+              <a:t>2021/10/7</a:t>
             </a:fld>
             <a:endParaRPr kumimoji="1" lang="ja-JP" altLang="en-US"/>
           </a:p>
@@ -6074,7 +6074,7 @@
           <a:p>
             <a:fld id="{56F9016B-CCA6-43BE-8BEE-59565A35F4F7}" type="datetimeFigureOut">
               <a:rPr kumimoji="1" lang="ja-JP" altLang="en-US" smtClean="0"/>
-              <a:t>2021/9/16</a:t>
+              <a:t>2021/10/7</a:t>
             </a:fld>
             <a:endParaRPr kumimoji="1" lang="ja-JP" altLang="en-US"/>
           </a:p>
@@ -6327,7 +6327,7 @@
           <a:p>
             <a:fld id="{56F9016B-CCA6-43BE-8BEE-59565A35F4F7}" type="datetimeFigureOut">
               <a:rPr kumimoji="1" lang="ja-JP" altLang="en-US" smtClean="0"/>
-              <a:t>2021/9/16</a:t>
+              <a:t>2021/10/7</a:t>
             </a:fld>
             <a:endParaRPr kumimoji="1" lang="ja-JP" altLang="en-US"/>
           </a:p>
@@ -6604,7 +6604,7 @@
           <a:p>
             <a:fld id="{56F9016B-CCA6-43BE-8BEE-59565A35F4F7}" type="datetimeFigureOut">
               <a:rPr kumimoji="1" lang="ja-JP" altLang="en-US" smtClean="0"/>
-              <a:t>2021/9/16</a:t>
+              <a:t>2021/10/7</a:t>
             </a:fld>
             <a:endParaRPr kumimoji="1" lang="ja-JP" altLang="en-US"/>
           </a:p>
@@ -6816,7 +6816,7 @@
           <a:p>
             <a:fld id="{56F9016B-CCA6-43BE-8BEE-59565A35F4F7}" type="datetimeFigureOut">
               <a:rPr kumimoji="1" lang="ja-JP" altLang="en-US" smtClean="0"/>
-              <a:t>2021/9/16</a:t>
+              <a:t>2021/10/7</a:t>
             </a:fld>
             <a:endParaRPr kumimoji="1" lang="ja-JP" altLang="en-US"/>
           </a:p>
@@ -9875,7 +9875,7 @@
           <a:p>
             <a:fld id="{56F9016B-CCA6-43BE-8BEE-59565A35F4F7}" type="datetimeFigureOut">
               <a:rPr kumimoji="1" lang="ja-JP" altLang="en-US" smtClean="0"/>
-              <a:t>2021/9/16</a:t>
+              <a:t>2021/10/7</a:t>
             </a:fld>
             <a:endParaRPr kumimoji="1" lang="ja-JP" altLang="en-US"/>
           </a:p>
@@ -23545,14 +23545,14 @@
           <p:nvPr>
             <p:extLst>
               <p:ext uri="{D42A27DB-BD31-4B8C-83A1-F6EECF244321}">
-                <p14:modId xmlns:p14="http://schemas.microsoft.com/office/powerpoint/2010/main" val="3045119636"/>
+                <p14:modId xmlns:p14="http://schemas.microsoft.com/office/powerpoint/2010/main" val="2411113269"/>
               </p:ext>
             </p:extLst>
           </p:nvPr>
         </p:nvGraphicFramePr>
         <p:xfrm>
-          <a:off x="323410" y="1700760"/>
-          <a:ext cx="8353160" cy="4392612"/>
+          <a:off x="322932" y="1556740"/>
+          <a:ext cx="8353160" cy="4680645"/>
         </p:xfrm>
         <a:graphic>
           <a:graphicData uri="http://schemas.openxmlformats.org/drawingml/2006/table">
@@ -23595,7 +23595,7 @@
                   </a:extLst>
                 </a:gridCol>
               </a:tblGrid>
-              <a:tr h="313758">
+              <a:tr h="312043">
                 <a:tc>
                   <a:txBody>
                     <a:bodyPr/>
@@ -23791,7 +23791,7 @@
                     <a:p>
                       <a:pPr algn="ctr" fontAlgn="ctr"/>
                       <a:r>
-                        <a:rPr lang="ja-JP" altLang="en-US" sz="1200" b="0" i="0" u="none" strike="noStrike">
+                        <a:rPr lang="ja-JP" altLang="en-US" sz="1200" b="0" i="0" u="none" strike="noStrike" dirty="0">
                           <a:solidFill>
                             <a:srgbClr val="FFFFFF"/>
                           </a:solidFill>
@@ -23912,7 +23912,7 @@
                   </a:ext>
                 </a:extLst>
               </a:tr>
-              <a:tr h="313758">
+              <a:tr h="312043">
                 <a:tc>
                   <a:txBody>
                     <a:bodyPr/>
@@ -23972,7 +23972,7 @@
                     <a:p>
                       <a:pPr algn="l" fontAlgn="t"/>
                       <a:r>
-                        <a:rPr lang="en-US" sz="1200" b="0" i="0" u="none" strike="noStrike">
+                        <a:rPr lang="en-US" sz="1200" b="0" i="0" u="none" strike="noStrike" dirty="0">
                           <a:solidFill>
                             <a:srgbClr val="000000"/>
                           </a:solidFill>
@@ -24038,8 +24038,27 @@
                           <a:latin typeface="メイリオ" panose="020B0604030504040204" pitchFamily="50" charset="-128"/>
                           <a:ea typeface="メイリオ" panose="020B0604030504040204" pitchFamily="50" charset="-128"/>
                         </a:rPr>
-                        <a:t>3:copy_file:1:VAR_dir_name_1</a:t>
+                        <a:t>1</a:t>
                       </a:r>
+                      <a:r>
+                        <a:rPr lang="en-US" sz="1200" b="0" i="0" u="none" strike="noStrike" dirty="0" smtClean="0">
+                          <a:solidFill>
+                            <a:srgbClr val="000000"/>
+                          </a:solidFill>
+                          <a:effectLst/>
+                          <a:latin typeface="メイリオ" panose="020B0604030504040204" pitchFamily="50" charset="-128"/>
+                          <a:ea typeface="メイリオ" panose="020B0604030504040204" pitchFamily="50" charset="-128"/>
+                        </a:rPr>
+                        <a:t>:copy_file:1:VAR_dir_name_1</a:t>
+                      </a:r>
+                      <a:endParaRPr lang="en-US" sz="1200" b="0" i="0" u="none" strike="noStrike" dirty="0">
+                        <a:solidFill>
+                          <a:srgbClr val="000000"/>
+                        </a:solidFill>
+                        <a:effectLst/>
+                        <a:latin typeface="メイリオ" panose="020B0604030504040204" pitchFamily="50" charset="-128"/>
+                        <a:ea typeface="メイリオ" panose="020B0604030504040204" pitchFamily="50" charset="-128"/>
+                      </a:endParaRPr>
                     </a:p>
                   </a:txBody>
                   <a:tcPr marL="0" marR="0" marT="0" marB="0">
@@ -24200,7 +24219,7 @@
                   </a:ext>
                 </a:extLst>
               </a:tr>
-              <a:tr h="313758">
+              <a:tr h="312043">
                 <a:tc>
                   <a:txBody>
                     <a:bodyPr/>
@@ -24260,294 +24279,6 @@
                     <a:p>
                       <a:pPr algn="l" fontAlgn="t"/>
                       <a:r>
-                        <a:rPr lang="en-US" sz="1200" b="0" i="0" u="none" strike="noStrike" dirty="0">
-                          <a:solidFill>
-                            <a:srgbClr val="000000"/>
-                          </a:solidFill>
-                          <a:effectLst/>
-                          <a:latin typeface="メイリオ" panose="020B0604030504040204" pitchFamily="50" charset="-128"/>
-                          <a:ea typeface="メイリオ" panose="020B0604030504040204" pitchFamily="50" charset="-128"/>
-                        </a:rPr>
-                        <a:t>1:Testserver</a:t>
-                      </a:r>
-                    </a:p>
-                  </a:txBody>
-                  <a:tcPr marL="0" marR="0" marT="0" marB="0">
-                    <a:lnL w="6350" cap="flat" cmpd="sng" algn="ctr">
-                      <a:solidFill>
-                        <a:srgbClr val="7F7F7F"/>
-                      </a:solidFill>
-                      <a:prstDash val="solid"/>
-                      <a:round/>
-                      <a:headEnd type="none" w="med" len="med"/>
-                      <a:tailEnd type="none" w="med" len="med"/>
-                    </a:lnL>
-                    <a:lnR w="6350" cap="flat" cmpd="sng" algn="ctr">
-                      <a:solidFill>
-                        <a:srgbClr val="7F7F7F"/>
-                      </a:solidFill>
-                      <a:prstDash val="solid"/>
-                      <a:round/>
-                      <a:headEnd type="none" w="med" len="med"/>
-                      <a:tailEnd type="none" w="med" len="med"/>
-                    </a:lnR>
-                    <a:lnT w="6350" cap="flat" cmpd="sng" algn="ctr">
-                      <a:solidFill>
-                        <a:srgbClr val="7F7F7F"/>
-                      </a:solidFill>
-                      <a:prstDash val="solid"/>
-                      <a:round/>
-                      <a:headEnd type="none" w="med" len="med"/>
-                      <a:tailEnd type="none" w="med" len="med"/>
-                    </a:lnT>
-                    <a:lnB w="6350" cap="flat" cmpd="sng" algn="ctr">
-                      <a:solidFill>
-                        <a:srgbClr val="7F7F7F"/>
-                      </a:solidFill>
-                      <a:prstDash val="solid"/>
-                      <a:round/>
-                      <a:headEnd type="none" w="med" len="med"/>
-                      <a:tailEnd type="none" w="med" len="med"/>
-                    </a:lnB>
-                  </a:tcPr>
-                </a:tc>
-                <a:tc>
-                  <a:txBody>
-                    <a:bodyPr/>
-                    <a:lstStyle/>
-                    <a:p>
-                      <a:pPr algn="l" fontAlgn="t"/>
-                      <a:r>
-                        <a:rPr lang="en-US" sz="1200" b="0" i="0" u="none" strike="noStrike" dirty="0">
-                          <a:solidFill>
-                            <a:srgbClr val="000000"/>
-                          </a:solidFill>
-                          <a:effectLst/>
-                          <a:latin typeface="メイリオ" panose="020B0604030504040204" pitchFamily="50" charset="-128"/>
-                          <a:ea typeface="メイリオ" panose="020B0604030504040204" pitchFamily="50" charset="-128"/>
-                        </a:rPr>
-                        <a:t>3:copy_file:2:VAR_file_name</a:t>
-                      </a:r>
-                    </a:p>
-                  </a:txBody>
-                  <a:tcPr marL="0" marR="0" marT="0" marB="0">
-                    <a:lnL w="6350" cap="flat" cmpd="sng" algn="ctr">
-                      <a:solidFill>
-                        <a:srgbClr val="7F7F7F"/>
-                      </a:solidFill>
-                      <a:prstDash val="solid"/>
-                      <a:round/>
-                      <a:headEnd type="none" w="med" len="med"/>
-                      <a:tailEnd type="none" w="med" len="med"/>
-                    </a:lnL>
-                    <a:lnR w="6350" cap="flat" cmpd="sng" algn="ctr">
-                      <a:solidFill>
-                        <a:srgbClr val="7F7F7F"/>
-                      </a:solidFill>
-                      <a:prstDash val="solid"/>
-                      <a:round/>
-                      <a:headEnd type="none" w="med" len="med"/>
-                      <a:tailEnd type="none" w="med" len="med"/>
-                    </a:lnR>
-                    <a:lnT w="6350" cap="flat" cmpd="sng" algn="ctr">
-                      <a:solidFill>
-                        <a:srgbClr val="7F7F7F"/>
-                      </a:solidFill>
-                      <a:prstDash val="solid"/>
-                      <a:round/>
-                      <a:headEnd type="none" w="med" len="med"/>
-                      <a:tailEnd type="none" w="med" len="med"/>
-                    </a:lnT>
-                    <a:lnB w="6350" cap="flat" cmpd="sng" algn="ctr">
-                      <a:solidFill>
-                        <a:srgbClr val="7F7F7F"/>
-                      </a:solidFill>
-                      <a:prstDash val="solid"/>
-                      <a:round/>
-                      <a:headEnd type="none" w="med" len="med"/>
-                      <a:tailEnd type="none" w="med" len="med"/>
-                    </a:lnB>
-                  </a:tcPr>
-                </a:tc>
-                <a:tc>
-                  <a:txBody>
-                    <a:bodyPr/>
-                    <a:lstStyle/>
-                    <a:p>
-                      <a:pPr algn="l" fontAlgn="t"/>
-                      <a:r>
-                        <a:rPr lang="en-US" sz="1200" b="0" i="0" u="none" strike="noStrike">
-                          <a:solidFill>
-                            <a:srgbClr val="000000"/>
-                          </a:solidFill>
-                          <a:effectLst/>
-                          <a:latin typeface="メイリオ" panose="020B0604030504040204" pitchFamily="50" charset="-128"/>
-                          <a:ea typeface="メイリオ" panose="020B0604030504040204" pitchFamily="50" charset="-128"/>
-                        </a:rPr>
-                        <a:t>dir2</a:t>
-                      </a:r>
-                    </a:p>
-                  </a:txBody>
-                  <a:tcPr marL="0" marR="0" marT="0" marB="0">
-                    <a:lnL w="6350" cap="flat" cmpd="sng" algn="ctr">
-                      <a:solidFill>
-                        <a:srgbClr val="7F7F7F"/>
-                      </a:solidFill>
-                      <a:prstDash val="solid"/>
-                      <a:round/>
-                      <a:headEnd type="none" w="med" len="med"/>
-                      <a:tailEnd type="none" w="med" len="med"/>
-                    </a:lnL>
-                    <a:lnR w="6350" cap="flat" cmpd="sng" algn="ctr">
-                      <a:solidFill>
-                        <a:srgbClr val="7F7F7F"/>
-                      </a:solidFill>
-                      <a:prstDash val="solid"/>
-                      <a:round/>
-                      <a:headEnd type="none" w="med" len="med"/>
-                      <a:tailEnd type="none" w="med" len="med"/>
-                    </a:lnR>
-                    <a:lnT w="6350" cap="flat" cmpd="sng" algn="ctr">
-                      <a:solidFill>
-                        <a:srgbClr val="7F7F7F"/>
-                      </a:solidFill>
-                      <a:prstDash val="solid"/>
-                      <a:round/>
-                      <a:headEnd type="none" w="med" len="med"/>
-                      <a:tailEnd type="none" w="med" len="med"/>
-                    </a:lnT>
-                    <a:lnB w="6350" cap="flat" cmpd="sng" algn="ctr">
-                      <a:solidFill>
-                        <a:srgbClr val="7F7F7F"/>
-                      </a:solidFill>
-                      <a:prstDash val="solid"/>
-                      <a:round/>
-                      <a:headEnd type="none" w="med" len="med"/>
-                      <a:tailEnd type="none" w="med" len="med"/>
-                    </a:lnB>
-                  </a:tcPr>
-                </a:tc>
-                <a:tc>
-                  <a:txBody>
-                    <a:bodyPr/>
-                    <a:lstStyle/>
-                    <a:p>
-                      <a:pPr algn="l" fontAlgn="t"/>
-                      <a:endParaRPr lang="en-US" altLang="ja-JP" sz="1200" b="0" i="0" u="none" strike="noStrike" dirty="0">
-                        <a:solidFill>
-                          <a:srgbClr val="000000"/>
-                        </a:solidFill>
-                        <a:effectLst/>
-                        <a:latin typeface="メイリオ" panose="020B0604030504040204" pitchFamily="50" charset="-128"/>
-                        <a:ea typeface="メイリオ" panose="020B0604030504040204" pitchFamily="50" charset="-128"/>
-                      </a:endParaRPr>
-                    </a:p>
-                  </a:txBody>
-                  <a:tcPr marL="0" marR="0" marT="0" marB="0">
-                    <a:lnL w="6350" cap="flat" cmpd="sng" algn="ctr">
-                      <a:solidFill>
-                        <a:srgbClr val="7F7F7F"/>
-                      </a:solidFill>
-                      <a:prstDash val="solid"/>
-                      <a:round/>
-                      <a:headEnd type="none" w="med" len="med"/>
-                      <a:tailEnd type="none" w="med" len="med"/>
-                    </a:lnL>
-                    <a:lnR w="6350" cap="flat" cmpd="sng" algn="ctr">
-                      <a:solidFill>
-                        <a:srgbClr val="7F7F7F"/>
-                      </a:solidFill>
-                      <a:prstDash val="solid"/>
-                      <a:round/>
-                      <a:headEnd type="none" w="med" len="med"/>
-                      <a:tailEnd type="none" w="med" len="med"/>
-                    </a:lnR>
-                    <a:lnT w="6350" cap="flat" cmpd="sng" algn="ctr">
-                      <a:solidFill>
-                        <a:srgbClr val="7F7F7F"/>
-                      </a:solidFill>
-                      <a:prstDash val="solid"/>
-                      <a:round/>
-                      <a:headEnd type="none" w="med" len="med"/>
-                      <a:tailEnd type="none" w="med" len="med"/>
-                    </a:lnT>
-                    <a:lnB w="6350" cap="flat" cmpd="sng" algn="ctr">
-                      <a:solidFill>
-                        <a:srgbClr val="7F7F7F"/>
-                      </a:solidFill>
-                      <a:prstDash val="solid"/>
-                      <a:round/>
-                      <a:headEnd type="none" w="med" len="med"/>
-                      <a:tailEnd type="none" w="med" len="med"/>
-                    </a:lnB>
-                  </a:tcPr>
-                </a:tc>
-                <a:extLst>
-                  <a:ext uri="{0D108BD9-81ED-4DB2-BD59-A6C34878D82A}">
-                    <a16:rowId xmlns:a16="http://schemas.microsoft.com/office/drawing/2014/main" val="2319284856"/>
-                  </a:ext>
-                </a:extLst>
-              </a:tr>
-              <a:tr h="313758">
-                <a:tc>
-                  <a:txBody>
-                    <a:bodyPr/>
-                    <a:lstStyle/>
-                    <a:p>
-                      <a:pPr algn="l" fontAlgn="t"/>
-                      <a:r>
-                        <a:rPr lang="en-US" sz="1200" b="0" i="0" u="none" strike="noStrike" dirty="0">
-                          <a:solidFill>
-                            <a:srgbClr val="000000"/>
-                          </a:solidFill>
-                          <a:effectLst/>
-                          <a:latin typeface="メイリオ" panose="020B0604030504040204" pitchFamily="50" charset="-128"/>
-                          <a:ea typeface="メイリオ" panose="020B0604030504040204" pitchFamily="50" charset="-128"/>
-                        </a:rPr>
-                        <a:t>1:operation1</a:t>
-                      </a:r>
-                    </a:p>
-                  </a:txBody>
-                  <a:tcPr marL="0" marR="0" marT="0" marB="0">
-                    <a:lnL>
-                      <a:noFill/>
-                    </a:lnL>
-                    <a:lnR w="6350" cap="flat" cmpd="sng" algn="ctr">
-                      <a:solidFill>
-                        <a:srgbClr val="7F7F7F"/>
-                      </a:solidFill>
-                      <a:prstDash val="solid"/>
-                      <a:round/>
-                      <a:headEnd type="none" w="med" len="med"/>
-                      <a:tailEnd type="none" w="med" len="med"/>
-                    </a:lnR>
-                    <a:lnT w="6350" cap="flat" cmpd="sng" algn="ctr">
-                      <a:solidFill>
-                        <a:srgbClr val="7F7F7F"/>
-                      </a:solidFill>
-                      <a:prstDash val="solid"/>
-                      <a:round/>
-                      <a:headEnd type="none" w="med" len="med"/>
-                      <a:tailEnd type="none" w="med" len="med"/>
-                    </a:lnT>
-                    <a:lnB w="6350" cap="flat" cmpd="sng" algn="ctr">
-                      <a:solidFill>
-                        <a:srgbClr val="7F7F7F"/>
-                      </a:solidFill>
-                      <a:prstDash val="solid"/>
-                      <a:round/>
-                      <a:headEnd type="none" w="med" len="med"/>
-                      <a:tailEnd type="none" w="med" len="med"/>
-                    </a:lnB>
-                  </a:tcPr>
-                </a:tc>
-                <a:tc>
-                  <a:txBody>
-                    <a:bodyPr/>
-                    <a:lstStyle/>
-                    <a:p>
-                      <a:pPr algn="l" fontAlgn="t"/>
-                      <a:r>
                         <a:rPr lang="en-US" sz="1200" b="0" i="0" u="none" strike="noStrike">
                           <a:solidFill>
                             <a:srgbClr val="000000"/>
@@ -24606,7 +24337,7 @@
                     <a:p>
                       <a:pPr algn="l" fontAlgn="t"/>
                       <a:r>
-                        <a:rPr lang="en-US" sz="1200" b="0" i="0" u="none" strike="noStrike" dirty="0">
+                        <a:rPr lang="en-US" sz="1200" b="0" i="0" u="none" strike="noStrike" dirty="0" smtClean="0">
                           <a:solidFill>
                             <a:srgbClr val="000000"/>
                           </a:solidFill>
@@ -24614,8 +24345,16 @@
                           <a:latin typeface="メイリオ" panose="020B0604030504040204" pitchFamily="50" charset="-128"/>
                           <a:ea typeface="メイリオ" panose="020B0604030504040204" pitchFamily="50" charset="-128"/>
                         </a:rPr>
-                        <a:t>3:copy_file:3:VAR_edit_param_1</a:t>
+                        <a:t>1:copy_file:2:VAR_file_name</a:t>
                       </a:r>
+                      <a:endParaRPr lang="en-US" sz="1200" b="0" i="0" u="none" strike="noStrike" dirty="0">
+                        <a:solidFill>
+                          <a:srgbClr val="000000"/>
+                        </a:solidFill>
+                        <a:effectLst/>
+                        <a:latin typeface="メイリオ" panose="020B0604030504040204" pitchFamily="50" charset="-128"/>
+                        <a:ea typeface="メイリオ" panose="020B0604030504040204" pitchFamily="50" charset="-128"/>
+                      </a:endParaRPr>
                     </a:p>
                   </a:txBody>
                   <a:tcPr marL="0" marR="0" marT="0" marB="0">
@@ -24780,11 +24519,315 @@
                 </a:tc>
                 <a:extLst>
                   <a:ext uri="{0D108BD9-81ED-4DB2-BD59-A6C34878D82A}">
+                    <a16:rowId xmlns:a16="http://schemas.microsoft.com/office/drawing/2014/main" val="2319284856"/>
+                  </a:ext>
+                </a:extLst>
+              </a:tr>
+              <a:tr h="312043">
+                <a:tc>
+                  <a:txBody>
+                    <a:bodyPr/>
+                    <a:lstStyle/>
+                    <a:p>
+                      <a:pPr algn="l" fontAlgn="t"/>
+                      <a:r>
+                        <a:rPr lang="en-US" sz="1200" b="0" i="0" u="none" strike="noStrike" dirty="0">
+                          <a:solidFill>
+                            <a:srgbClr val="000000"/>
+                          </a:solidFill>
+                          <a:effectLst/>
+                          <a:latin typeface="メイリオ" panose="020B0604030504040204" pitchFamily="50" charset="-128"/>
+                          <a:ea typeface="メイリオ" panose="020B0604030504040204" pitchFamily="50" charset="-128"/>
+                        </a:rPr>
+                        <a:t>1:operation1</a:t>
+                      </a:r>
+                    </a:p>
+                  </a:txBody>
+                  <a:tcPr marL="0" marR="0" marT="0" marB="0">
+                    <a:lnL>
+                      <a:noFill/>
+                    </a:lnL>
+                    <a:lnR w="6350" cap="flat" cmpd="sng" algn="ctr">
+                      <a:solidFill>
+                        <a:srgbClr val="7F7F7F"/>
+                      </a:solidFill>
+                      <a:prstDash val="solid"/>
+                      <a:round/>
+                      <a:headEnd type="none" w="med" len="med"/>
+                      <a:tailEnd type="none" w="med" len="med"/>
+                    </a:lnR>
+                    <a:lnT w="6350" cap="flat" cmpd="sng" algn="ctr">
+                      <a:solidFill>
+                        <a:srgbClr val="7F7F7F"/>
+                      </a:solidFill>
+                      <a:prstDash val="solid"/>
+                      <a:round/>
+                      <a:headEnd type="none" w="med" len="med"/>
+                      <a:tailEnd type="none" w="med" len="med"/>
+                    </a:lnT>
+                    <a:lnB w="6350" cap="flat" cmpd="sng" algn="ctr">
+                      <a:solidFill>
+                        <a:srgbClr val="7F7F7F"/>
+                      </a:solidFill>
+                      <a:prstDash val="solid"/>
+                      <a:round/>
+                      <a:headEnd type="none" w="med" len="med"/>
+                      <a:tailEnd type="none" w="med" len="med"/>
+                    </a:lnB>
+                  </a:tcPr>
+                </a:tc>
+                <a:tc>
+                  <a:txBody>
+                    <a:bodyPr/>
+                    <a:lstStyle/>
+                    <a:p>
+                      <a:pPr algn="l" fontAlgn="t"/>
+                      <a:r>
+                        <a:rPr lang="en-US" sz="1200" b="0" i="0" u="none" strike="noStrike" dirty="0">
+                          <a:solidFill>
+                            <a:srgbClr val="000000"/>
+                          </a:solidFill>
+                          <a:effectLst/>
+                          <a:latin typeface="メイリオ" panose="020B0604030504040204" pitchFamily="50" charset="-128"/>
+                          <a:ea typeface="メイリオ" panose="020B0604030504040204" pitchFamily="50" charset="-128"/>
+                        </a:rPr>
+                        <a:t>1:Testserver</a:t>
+                      </a:r>
+                    </a:p>
+                  </a:txBody>
+                  <a:tcPr marL="0" marR="0" marT="0" marB="0">
+                    <a:lnL w="6350" cap="flat" cmpd="sng" algn="ctr">
+                      <a:solidFill>
+                        <a:srgbClr val="7F7F7F"/>
+                      </a:solidFill>
+                      <a:prstDash val="solid"/>
+                      <a:round/>
+                      <a:headEnd type="none" w="med" len="med"/>
+                      <a:tailEnd type="none" w="med" len="med"/>
+                    </a:lnL>
+                    <a:lnR w="6350" cap="flat" cmpd="sng" algn="ctr">
+                      <a:solidFill>
+                        <a:srgbClr val="7F7F7F"/>
+                      </a:solidFill>
+                      <a:prstDash val="solid"/>
+                      <a:round/>
+                      <a:headEnd type="none" w="med" len="med"/>
+                      <a:tailEnd type="none" w="med" len="med"/>
+                    </a:lnR>
+                    <a:lnT w="6350" cap="flat" cmpd="sng" algn="ctr">
+                      <a:solidFill>
+                        <a:srgbClr val="7F7F7F"/>
+                      </a:solidFill>
+                      <a:prstDash val="solid"/>
+                      <a:round/>
+                      <a:headEnd type="none" w="med" len="med"/>
+                      <a:tailEnd type="none" w="med" len="med"/>
+                    </a:lnT>
+                    <a:lnB w="6350" cap="flat" cmpd="sng" algn="ctr">
+                      <a:solidFill>
+                        <a:srgbClr val="7F7F7F"/>
+                      </a:solidFill>
+                      <a:prstDash val="solid"/>
+                      <a:round/>
+                      <a:headEnd type="none" w="med" len="med"/>
+                      <a:tailEnd type="none" w="med" len="med"/>
+                    </a:lnB>
+                  </a:tcPr>
+                </a:tc>
+                <a:tc>
+                  <a:txBody>
+                    <a:bodyPr/>
+                    <a:lstStyle/>
+                    <a:p>
+                      <a:pPr algn="l" fontAlgn="t"/>
+                      <a:r>
+                        <a:rPr lang="en-US" sz="1200" b="0" i="0" u="none" strike="noStrike" dirty="0" smtClean="0">
+                          <a:solidFill>
+                            <a:srgbClr val="000000"/>
+                          </a:solidFill>
+                          <a:effectLst/>
+                          <a:latin typeface="メイリオ" panose="020B0604030504040204" pitchFamily="50" charset="-128"/>
+                          <a:ea typeface="メイリオ" panose="020B0604030504040204" pitchFamily="50" charset="-128"/>
+                        </a:rPr>
+                        <a:t>1:copy_file:3:VAR_dir_name_2</a:t>
+                      </a:r>
+                      <a:endParaRPr lang="en-US" sz="1200" b="0" i="0" u="none" strike="noStrike" dirty="0">
+                        <a:solidFill>
+                          <a:srgbClr val="000000"/>
+                        </a:solidFill>
+                        <a:effectLst/>
+                        <a:latin typeface="メイリオ" panose="020B0604030504040204" pitchFamily="50" charset="-128"/>
+                        <a:ea typeface="メイリオ" panose="020B0604030504040204" pitchFamily="50" charset="-128"/>
+                      </a:endParaRPr>
+                    </a:p>
+                  </a:txBody>
+                  <a:tcPr marL="0" marR="0" marT="0" marB="0">
+                    <a:lnL w="6350" cap="flat" cmpd="sng" algn="ctr">
+                      <a:solidFill>
+                        <a:srgbClr val="7F7F7F"/>
+                      </a:solidFill>
+                      <a:prstDash val="solid"/>
+                      <a:round/>
+                      <a:headEnd type="none" w="med" len="med"/>
+                      <a:tailEnd type="none" w="med" len="med"/>
+                    </a:lnL>
+                    <a:lnR w="6350" cap="flat" cmpd="sng" algn="ctr">
+                      <a:solidFill>
+                        <a:srgbClr val="7F7F7F"/>
+                      </a:solidFill>
+                      <a:prstDash val="solid"/>
+                      <a:round/>
+                      <a:headEnd type="none" w="med" len="med"/>
+                      <a:tailEnd type="none" w="med" len="med"/>
+                    </a:lnR>
+                    <a:lnT w="6350" cap="flat" cmpd="sng" algn="ctr">
+                      <a:solidFill>
+                        <a:srgbClr val="7F7F7F"/>
+                      </a:solidFill>
+                      <a:prstDash val="solid"/>
+                      <a:round/>
+                      <a:headEnd type="none" w="med" len="med"/>
+                      <a:tailEnd type="none" w="med" len="med"/>
+                    </a:lnT>
+                    <a:lnB w="6350" cap="flat" cmpd="sng" algn="ctr">
+                      <a:solidFill>
+                        <a:srgbClr val="7F7F7F"/>
+                      </a:solidFill>
+                      <a:prstDash val="solid"/>
+                      <a:round/>
+                      <a:headEnd type="none" w="med" len="med"/>
+                      <a:tailEnd type="none" w="med" len="med"/>
+                    </a:lnB>
+                  </a:tcPr>
+                </a:tc>
+                <a:tc>
+                  <a:txBody>
+                    <a:bodyPr/>
+                    <a:lstStyle/>
+                    <a:p>
+                      <a:pPr algn="l" fontAlgn="t"/>
+                      <a:r>
+                        <a:rPr lang="en-US" sz="1200" b="0" i="0" u="none" strike="noStrike" dirty="0" smtClean="0">
+                          <a:solidFill>
+                            <a:srgbClr val="000000"/>
+                          </a:solidFill>
+                          <a:effectLst/>
+                          <a:latin typeface="メイリオ" panose="020B0604030504040204" pitchFamily="50" charset="-128"/>
+                          <a:ea typeface="メイリオ" panose="020B0604030504040204" pitchFamily="50" charset="-128"/>
+                        </a:rPr>
+                        <a:t>dir2</a:t>
+                      </a:r>
+                      <a:endParaRPr lang="en-US" sz="1200" b="0" i="0" u="none" strike="noStrike" dirty="0">
+                        <a:solidFill>
+                          <a:srgbClr val="000000"/>
+                        </a:solidFill>
+                        <a:effectLst/>
+                        <a:latin typeface="メイリオ" panose="020B0604030504040204" pitchFamily="50" charset="-128"/>
+                        <a:ea typeface="メイリオ" panose="020B0604030504040204" pitchFamily="50" charset="-128"/>
+                      </a:endParaRPr>
+                    </a:p>
+                  </a:txBody>
+                  <a:tcPr marL="0" marR="0" marT="0" marB="0">
+                    <a:lnL w="6350" cap="flat" cmpd="sng" algn="ctr">
+                      <a:solidFill>
+                        <a:srgbClr val="7F7F7F"/>
+                      </a:solidFill>
+                      <a:prstDash val="solid"/>
+                      <a:round/>
+                      <a:headEnd type="none" w="med" len="med"/>
+                      <a:tailEnd type="none" w="med" len="med"/>
+                    </a:lnL>
+                    <a:lnR w="6350" cap="flat" cmpd="sng" algn="ctr">
+                      <a:solidFill>
+                        <a:srgbClr val="7F7F7F"/>
+                      </a:solidFill>
+                      <a:prstDash val="solid"/>
+                      <a:round/>
+                      <a:headEnd type="none" w="med" len="med"/>
+                      <a:tailEnd type="none" w="med" len="med"/>
+                    </a:lnR>
+                    <a:lnT w="6350" cap="flat" cmpd="sng" algn="ctr">
+                      <a:solidFill>
+                        <a:srgbClr val="7F7F7F"/>
+                      </a:solidFill>
+                      <a:prstDash val="solid"/>
+                      <a:round/>
+                      <a:headEnd type="none" w="med" len="med"/>
+                      <a:tailEnd type="none" w="med" len="med"/>
+                    </a:lnT>
+                    <a:lnB w="6350" cap="flat" cmpd="sng" algn="ctr">
+                      <a:solidFill>
+                        <a:srgbClr val="7F7F7F"/>
+                      </a:solidFill>
+                      <a:prstDash val="solid"/>
+                      <a:round/>
+                      <a:headEnd type="none" w="med" len="med"/>
+                      <a:tailEnd type="none" w="med" len="med"/>
+                    </a:lnB>
+                  </a:tcPr>
+                </a:tc>
+                <a:tc>
+                  <a:txBody>
+                    <a:bodyPr/>
+                    <a:lstStyle/>
+                    <a:p>
+                      <a:pPr algn="l" fontAlgn="t"/>
+                      <a:endParaRPr lang="en-US" altLang="ja-JP" sz="1200" b="0" i="0" u="none" strike="noStrike" dirty="0">
+                        <a:solidFill>
+                          <a:srgbClr val="000000"/>
+                        </a:solidFill>
+                        <a:effectLst/>
+                        <a:latin typeface="メイリオ" panose="020B0604030504040204" pitchFamily="50" charset="-128"/>
+                        <a:ea typeface="メイリオ" panose="020B0604030504040204" pitchFamily="50" charset="-128"/>
+                      </a:endParaRPr>
+                    </a:p>
+                  </a:txBody>
+                  <a:tcPr marL="0" marR="0" marT="0" marB="0">
+                    <a:lnL w="6350" cap="flat" cmpd="sng" algn="ctr">
+                      <a:solidFill>
+                        <a:srgbClr val="7F7F7F"/>
+                      </a:solidFill>
+                      <a:prstDash val="solid"/>
+                      <a:round/>
+                      <a:headEnd type="none" w="med" len="med"/>
+                      <a:tailEnd type="none" w="med" len="med"/>
+                    </a:lnL>
+                    <a:lnR w="6350" cap="flat" cmpd="sng" algn="ctr">
+                      <a:solidFill>
+                        <a:srgbClr val="7F7F7F"/>
+                      </a:solidFill>
+                      <a:prstDash val="solid"/>
+                      <a:round/>
+                      <a:headEnd type="none" w="med" len="med"/>
+                      <a:tailEnd type="none" w="med" len="med"/>
+                    </a:lnR>
+                    <a:lnT w="6350" cap="flat" cmpd="sng" algn="ctr">
+                      <a:solidFill>
+                        <a:srgbClr val="7F7F7F"/>
+                      </a:solidFill>
+                      <a:prstDash val="solid"/>
+                      <a:round/>
+                      <a:headEnd type="none" w="med" len="med"/>
+                      <a:tailEnd type="none" w="med" len="med"/>
+                    </a:lnT>
+                    <a:lnB w="6350" cap="flat" cmpd="sng" algn="ctr">
+                      <a:solidFill>
+                        <a:srgbClr val="7F7F7F"/>
+                      </a:solidFill>
+                      <a:prstDash val="solid"/>
+                      <a:round/>
+                      <a:headEnd type="none" w="med" len="med"/>
+                      <a:tailEnd type="none" w="med" len="med"/>
+                    </a:lnB>
+                  </a:tcPr>
+                </a:tc>
+                <a:extLst>
+                  <a:ext uri="{0D108BD9-81ED-4DB2-BD59-A6C34878D82A}">
                     <a16:rowId xmlns:a16="http://schemas.microsoft.com/office/drawing/2014/main" val="886519206"/>
                   </a:ext>
                 </a:extLst>
               </a:tr>
-              <a:tr h="313758">
+              <a:tr h="312043">
                 <a:tc>
                   <a:txBody>
                     <a:bodyPr/>
@@ -24910,8 +24953,27 @@
                           <a:latin typeface="メイリオ" panose="020B0604030504040204" pitchFamily="50" charset="-128"/>
                           <a:ea typeface="メイリオ" panose="020B0604030504040204" pitchFamily="50" charset="-128"/>
                         </a:rPr>
-                        <a:t>4:create_directory:4:VAR_dir_name_1</a:t>
+                        <a:t>2</a:t>
                       </a:r>
+                      <a:r>
+                        <a:rPr lang="en-US" sz="1200" b="0" i="0" u="none" strike="noStrike" dirty="0" smtClean="0">
+                          <a:solidFill>
+                            <a:srgbClr val="000000"/>
+                          </a:solidFill>
+                          <a:effectLst/>
+                          <a:latin typeface="メイリオ" panose="020B0604030504040204" pitchFamily="50" charset="-128"/>
+                          <a:ea typeface="メイリオ" panose="020B0604030504040204" pitchFamily="50" charset="-128"/>
+                        </a:rPr>
+                        <a:t>:create_directory:4:VAR_dir_name_1</a:t>
+                      </a:r>
+                      <a:endParaRPr lang="en-US" sz="1200" b="0" i="0" u="none" strike="noStrike" dirty="0">
+                        <a:solidFill>
+                          <a:srgbClr val="000000"/>
+                        </a:solidFill>
+                        <a:effectLst/>
+                        <a:latin typeface="メイリオ" panose="020B0604030504040204" pitchFamily="50" charset="-128"/>
+                        <a:ea typeface="メイリオ" panose="020B0604030504040204" pitchFamily="50" charset="-128"/>
+                      </a:endParaRPr>
                     </a:p>
                   </a:txBody>
                   <a:tcPr marL="0" marR="0" marT="0" marB="0">
@@ -25072,7 +25134,311 @@
                   </a:ext>
                 </a:extLst>
               </a:tr>
-              <a:tr h="313758">
+              <a:tr h="312043">
+                <a:tc>
+                  <a:txBody>
+                    <a:bodyPr/>
+                    <a:lstStyle/>
+                    <a:p>
+                      <a:pPr algn="l" fontAlgn="t"/>
+                      <a:r>
+                        <a:rPr lang="en-US" sz="1200" b="0" i="0" u="none" strike="noStrike" dirty="0">
+                          <a:solidFill>
+                            <a:srgbClr val="000000"/>
+                          </a:solidFill>
+                          <a:effectLst/>
+                          <a:latin typeface="メイリオ" panose="020B0604030504040204" pitchFamily="50" charset="-128"/>
+                          <a:ea typeface="メイリオ" panose="020B0604030504040204" pitchFamily="50" charset="-128"/>
+                        </a:rPr>
+                        <a:t>1:operation1</a:t>
+                      </a:r>
+                    </a:p>
+                  </a:txBody>
+                  <a:tcPr marL="0" marR="0" marT="0" marB="0">
+                    <a:lnL>
+                      <a:noFill/>
+                    </a:lnL>
+                    <a:lnR w="6350" cap="flat" cmpd="sng" algn="ctr">
+                      <a:solidFill>
+                        <a:srgbClr val="7F7F7F"/>
+                      </a:solidFill>
+                      <a:prstDash val="solid"/>
+                      <a:round/>
+                      <a:headEnd type="none" w="med" len="med"/>
+                      <a:tailEnd type="none" w="med" len="med"/>
+                    </a:lnR>
+                    <a:lnT w="6350" cap="flat" cmpd="sng" algn="ctr">
+                      <a:solidFill>
+                        <a:srgbClr val="7F7F7F"/>
+                      </a:solidFill>
+                      <a:prstDash val="solid"/>
+                      <a:round/>
+                      <a:headEnd type="none" w="med" len="med"/>
+                      <a:tailEnd type="none" w="med" len="med"/>
+                    </a:lnT>
+                    <a:lnB w="6350" cap="flat" cmpd="sng" algn="ctr">
+                      <a:solidFill>
+                        <a:srgbClr val="7F7F7F"/>
+                      </a:solidFill>
+                      <a:prstDash val="solid"/>
+                      <a:round/>
+                      <a:headEnd type="none" w="med" len="med"/>
+                      <a:tailEnd type="none" w="med" len="med"/>
+                    </a:lnB>
+                  </a:tcPr>
+                </a:tc>
+                <a:tc>
+                  <a:txBody>
+                    <a:bodyPr/>
+                    <a:lstStyle/>
+                    <a:p>
+                      <a:pPr algn="l" fontAlgn="t"/>
+                      <a:r>
+                        <a:rPr lang="en-US" sz="1200" b="0" i="0" u="none" strike="noStrike" dirty="0">
+                          <a:solidFill>
+                            <a:srgbClr val="000000"/>
+                          </a:solidFill>
+                          <a:effectLst/>
+                          <a:latin typeface="メイリオ" panose="020B0604030504040204" pitchFamily="50" charset="-128"/>
+                          <a:ea typeface="メイリオ" panose="020B0604030504040204" pitchFamily="50" charset="-128"/>
+                        </a:rPr>
+                        <a:t>1:Testserver</a:t>
+                      </a:r>
+                    </a:p>
+                  </a:txBody>
+                  <a:tcPr marL="0" marR="0" marT="0" marB="0">
+                    <a:lnL w="6350" cap="flat" cmpd="sng" algn="ctr">
+                      <a:solidFill>
+                        <a:srgbClr val="7F7F7F"/>
+                      </a:solidFill>
+                      <a:prstDash val="solid"/>
+                      <a:round/>
+                      <a:headEnd type="none" w="med" len="med"/>
+                      <a:tailEnd type="none" w="med" len="med"/>
+                    </a:lnL>
+                    <a:lnR w="6350" cap="flat" cmpd="sng" algn="ctr">
+                      <a:solidFill>
+                        <a:srgbClr val="7F7F7F"/>
+                      </a:solidFill>
+                      <a:prstDash val="solid"/>
+                      <a:round/>
+                      <a:headEnd type="none" w="med" len="med"/>
+                      <a:tailEnd type="none" w="med" len="med"/>
+                    </a:lnR>
+                    <a:lnT w="6350" cap="flat" cmpd="sng" algn="ctr">
+                      <a:solidFill>
+                        <a:srgbClr val="7F7F7F"/>
+                      </a:solidFill>
+                      <a:prstDash val="solid"/>
+                      <a:round/>
+                      <a:headEnd type="none" w="med" len="med"/>
+                      <a:tailEnd type="none" w="med" len="med"/>
+                    </a:lnT>
+                    <a:lnB w="6350" cap="flat" cmpd="sng" algn="ctr">
+                      <a:solidFill>
+                        <a:srgbClr val="7F7F7F"/>
+                      </a:solidFill>
+                      <a:prstDash val="solid"/>
+                      <a:round/>
+                      <a:headEnd type="none" w="med" len="med"/>
+                      <a:tailEnd type="none" w="med" len="med"/>
+                    </a:lnB>
+                  </a:tcPr>
+                </a:tc>
+                <a:tc>
+                  <a:txBody>
+                    <a:bodyPr/>
+                    <a:lstStyle/>
+                    <a:p>
+                      <a:pPr algn="l" fontAlgn="t"/>
+                      <a:r>
+                        <a:rPr lang="en-US" sz="1200" b="0" i="0" u="none" strike="noStrike" dirty="0" smtClean="0">
+                          <a:solidFill>
+                            <a:srgbClr val="000000"/>
+                          </a:solidFill>
+                          <a:effectLst/>
+                          <a:latin typeface="メイリオ" panose="020B0604030504040204" pitchFamily="50" charset="-128"/>
+                          <a:ea typeface="メイリオ" panose="020B0604030504040204" pitchFamily="50" charset="-128"/>
+                        </a:rPr>
+                        <a:t>2:create_directory:5:VAR_dir_name_2</a:t>
+                      </a:r>
+                      <a:endParaRPr lang="en-US" sz="1200" b="0" i="0" u="none" strike="noStrike" dirty="0">
+                        <a:solidFill>
+                          <a:srgbClr val="000000"/>
+                        </a:solidFill>
+                        <a:effectLst/>
+                        <a:latin typeface="メイリオ" panose="020B0604030504040204" pitchFamily="50" charset="-128"/>
+                        <a:ea typeface="メイリオ" panose="020B0604030504040204" pitchFamily="50" charset="-128"/>
+                      </a:endParaRPr>
+                    </a:p>
+                  </a:txBody>
+                  <a:tcPr marL="0" marR="0" marT="0" marB="0">
+                    <a:lnL w="6350" cap="flat" cmpd="sng" algn="ctr">
+                      <a:solidFill>
+                        <a:srgbClr val="7F7F7F"/>
+                      </a:solidFill>
+                      <a:prstDash val="solid"/>
+                      <a:round/>
+                      <a:headEnd type="none" w="med" len="med"/>
+                      <a:tailEnd type="none" w="med" len="med"/>
+                    </a:lnL>
+                    <a:lnR w="6350" cap="flat" cmpd="sng" algn="ctr">
+                      <a:solidFill>
+                        <a:srgbClr val="7F7F7F"/>
+                      </a:solidFill>
+                      <a:prstDash val="solid"/>
+                      <a:round/>
+                      <a:headEnd type="none" w="med" len="med"/>
+                      <a:tailEnd type="none" w="med" len="med"/>
+                    </a:lnR>
+                    <a:lnT w="6350" cap="flat" cmpd="sng" algn="ctr">
+                      <a:solidFill>
+                        <a:srgbClr val="7F7F7F"/>
+                      </a:solidFill>
+                      <a:prstDash val="solid"/>
+                      <a:round/>
+                      <a:headEnd type="none" w="med" len="med"/>
+                      <a:tailEnd type="none" w="med" len="med"/>
+                    </a:lnT>
+                    <a:lnB w="6350" cap="flat" cmpd="sng" algn="ctr">
+                      <a:solidFill>
+                        <a:srgbClr val="7F7F7F"/>
+                      </a:solidFill>
+                      <a:prstDash val="solid"/>
+                      <a:round/>
+                      <a:headEnd type="none" w="med" len="med"/>
+                      <a:tailEnd type="none" w="med" len="med"/>
+                    </a:lnB>
+                  </a:tcPr>
+                </a:tc>
+                <a:tc>
+                  <a:txBody>
+                    <a:bodyPr/>
+                    <a:lstStyle/>
+                    <a:p>
+                      <a:pPr algn="l" fontAlgn="t"/>
+                      <a:r>
+                        <a:rPr lang="en-US" sz="1200" b="0" i="0" u="none" strike="noStrike" dirty="0" smtClean="0">
+                          <a:solidFill>
+                            <a:srgbClr val="000000"/>
+                          </a:solidFill>
+                          <a:effectLst/>
+                          <a:latin typeface="メイリオ" panose="020B0604030504040204" pitchFamily="50" charset="-128"/>
+                          <a:ea typeface="メイリオ" panose="020B0604030504040204" pitchFamily="50" charset="-128"/>
+                        </a:rPr>
+                        <a:t>dir2</a:t>
+                      </a:r>
+                      <a:endParaRPr lang="en-US" sz="1200" b="0" i="0" u="none" strike="noStrike" dirty="0">
+                        <a:solidFill>
+                          <a:srgbClr val="000000"/>
+                        </a:solidFill>
+                        <a:effectLst/>
+                        <a:latin typeface="メイリオ" panose="020B0604030504040204" pitchFamily="50" charset="-128"/>
+                        <a:ea typeface="メイリオ" panose="020B0604030504040204" pitchFamily="50" charset="-128"/>
+                      </a:endParaRPr>
+                    </a:p>
+                  </a:txBody>
+                  <a:tcPr marL="0" marR="0" marT="0" marB="0">
+                    <a:lnL w="6350" cap="flat" cmpd="sng" algn="ctr">
+                      <a:solidFill>
+                        <a:srgbClr val="7F7F7F"/>
+                      </a:solidFill>
+                      <a:prstDash val="solid"/>
+                      <a:round/>
+                      <a:headEnd type="none" w="med" len="med"/>
+                      <a:tailEnd type="none" w="med" len="med"/>
+                    </a:lnL>
+                    <a:lnR w="6350" cap="flat" cmpd="sng" algn="ctr">
+                      <a:solidFill>
+                        <a:srgbClr val="7F7F7F"/>
+                      </a:solidFill>
+                      <a:prstDash val="solid"/>
+                      <a:round/>
+                      <a:headEnd type="none" w="med" len="med"/>
+                      <a:tailEnd type="none" w="med" len="med"/>
+                    </a:lnR>
+                    <a:lnT w="6350" cap="flat" cmpd="sng" algn="ctr">
+                      <a:solidFill>
+                        <a:srgbClr val="7F7F7F"/>
+                      </a:solidFill>
+                      <a:prstDash val="solid"/>
+                      <a:round/>
+                      <a:headEnd type="none" w="med" len="med"/>
+                      <a:tailEnd type="none" w="med" len="med"/>
+                    </a:lnT>
+                    <a:lnB w="6350" cap="flat" cmpd="sng" algn="ctr">
+                      <a:solidFill>
+                        <a:srgbClr val="7F7F7F"/>
+                      </a:solidFill>
+                      <a:prstDash val="solid"/>
+                      <a:round/>
+                      <a:headEnd type="none" w="med" len="med"/>
+                      <a:tailEnd type="none" w="med" len="med"/>
+                    </a:lnB>
+                  </a:tcPr>
+                </a:tc>
+                <a:tc>
+                  <a:txBody>
+                    <a:bodyPr/>
+                    <a:lstStyle/>
+                    <a:p>
+                      <a:pPr algn="l" fontAlgn="t"/>
+                      <a:endParaRPr lang="en-US" altLang="ja-JP" sz="1200" b="0" i="0" u="none" strike="noStrike" dirty="0">
+                        <a:solidFill>
+                          <a:srgbClr val="000000"/>
+                        </a:solidFill>
+                        <a:effectLst/>
+                        <a:latin typeface="メイリオ" panose="020B0604030504040204" pitchFamily="50" charset="-128"/>
+                        <a:ea typeface="メイリオ" panose="020B0604030504040204" pitchFamily="50" charset="-128"/>
+                      </a:endParaRPr>
+                    </a:p>
+                  </a:txBody>
+                  <a:tcPr marL="0" marR="0" marT="0" marB="0">
+                    <a:lnL w="6350" cap="flat" cmpd="sng" algn="ctr">
+                      <a:solidFill>
+                        <a:srgbClr val="7F7F7F"/>
+                      </a:solidFill>
+                      <a:prstDash val="solid"/>
+                      <a:round/>
+                      <a:headEnd type="none" w="med" len="med"/>
+                      <a:tailEnd type="none" w="med" len="med"/>
+                    </a:lnL>
+                    <a:lnR w="6350" cap="flat" cmpd="sng" algn="ctr">
+                      <a:solidFill>
+                        <a:srgbClr val="7F7F7F"/>
+                      </a:solidFill>
+                      <a:prstDash val="solid"/>
+                      <a:round/>
+                      <a:headEnd type="none" w="med" len="med"/>
+                      <a:tailEnd type="none" w="med" len="med"/>
+                    </a:lnR>
+                    <a:lnT w="6350" cap="flat" cmpd="sng" algn="ctr">
+                      <a:solidFill>
+                        <a:srgbClr val="7F7F7F"/>
+                      </a:solidFill>
+                      <a:prstDash val="solid"/>
+                      <a:round/>
+                      <a:headEnd type="none" w="med" len="med"/>
+                      <a:tailEnd type="none" w="med" len="med"/>
+                    </a:lnT>
+                    <a:lnB w="6350" cap="flat" cmpd="sng" algn="ctr">
+                      <a:solidFill>
+                        <a:srgbClr val="7F7F7F"/>
+                      </a:solidFill>
+                      <a:prstDash val="solid"/>
+                      <a:round/>
+                      <a:headEnd type="none" w="med" len="med"/>
+                      <a:tailEnd type="none" w="med" len="med"/>
+                    </a:lnB>
+                  </a:tcPr>
+                </a:tc>
+                <a:extLst>
+                  <a:ext uri="{0D108BD9-81ED-4DB2-BD59-A6C34878D82A}">
+                    <a16:rowId xmlns:a16="http://schemas.microsoft.com/office/drawing/2014/main" val="2531621977"/>
+                  </a:ext>
+                </a:extLst>
+              </a:tr>
+              <a:tr h="312043">
                 <a:tc>
                   <a:txBody>
                     <a:bodyPr/>
@@ -25190,7 +25556,7 @@
                     <a:p>
                       <a:pPr algn="l" fontAlgn="t"/>
                       <a:r>
-                        <a:rPr lang="en-US" sz="1200" b="0" i="0" u="none" strike="noStrike" dirty="0">
+                        <a:rPr lang="en-US" sz="1200" b="0" i="0" u="none" strike="noStrike" dirty="0" smtClean="0">
                           <a:solidFill>
                             <a:srgbClr val="000000"/>
                           </a:solidFill>
@@ -25198,8 +25564,16 @@
                           <a:latin typeface="メイリオ" panose="020B0604030504040204" pitchFamily="50" charset="-128"/>
                           <a:ea typeface="メイリオ" panose="020B0604030504040204" pitchFamily="50" charset="-128"/>
                         </a:rPr>
-                        <a:t>5:create_file:5:VAR_dir_name_1</a:t>
+                        <a:t>3:create_file:6:VAR_dir_name_1</a:t>
                       </a:r>
+                      <a:endParaRPr lang="en-US" sz="1200" b="0" i="0" u="none" strike="noStrike" dirty="0">
+                        <a:solidFill>
+                          <a:srgbClr val="000000"/>
+                        </a:solidFill>
+                        <a:effectLst/>
+                        <a:latin typeface="メイリオ" panose="020B0604030504040204" pitchFamily="50" charset="-128"/>
+                        <a:ea typeface="メイリオ" panose="020B0604030504040204" pitchFamily="50" charset="-128"/>
+                      </a:endParaRPr>
                     </a:p>
                   </a:txBody>
                   <a:tcPr marL="0" marR="0" marT="0" marB="0">
@@ -25360,7 +25734,7 @@
                   </a:ext>
                 </a:extLst>
               </a:tr>
-              <a:tr h="313758">
+              <a:tr h="312043">
                 <a:tc>
                   <a:txBody>
                     <a:bodyPr/>
@@ -25478,7 +25852,7 @@
                     <a:p>
                       <a:pPr algn="l" fontAlgn="t"/>
                       <a:r>
-                        <a:rPr lang="en-US" sz="1200" b="0" i="0" u="none" strike="noStrike" dirty="0">
+                        <a:rPr lang="en-US" sz="1200" b="0" i="0" u="none" strike="noStrike" dirty="0" smtClean="0">
                           <a:solidFill>
                             <a:srgbClr val="000000"/>
                           </a:solidFill>
@@ -25486,8 +25860,16 @@
                           <a:latin typeface="メイリオ" panose="020B0604030504040204" pitchFamily="50" charset="-128"/>
                           <a:ea typeface="メイリオ" panose="020B0604030504040204" pitchFamily="50" charset="-128"/>
                         </a:rPr>
-                        <a:t>5:create_file:6:VAR_file_name</a:t>
+                        <a:t>3:create_file:7:VAR_file_name</a:t>
                       </a:r>
+                      <a:endParaRPr lang="en-US" sz="1200" b="0" i="0" u="none" strike="noStrike" dirty="0">
+                        <a:solidFill>
+                          <a:srgbClr val="000000"/>
+                        </a:solidFill>
+                        <a:effectLst/>
+                        <a:latin typeface="メイリオ" panose="020B0604030504040204" pitchFamily="50" charset="-128"/>
+                        <a:ea typeface="メイリオ" panose="020B0604030504040204" pitchFamily="50" charset="-128"/>
+                      </a:endParaRPr>
                     </a:p>
                   </a:txBody>
                   <a:tcPr marL="0" marR="0" marT="0" marB="0">
@@ -25656,7 +26038,7 @@
                   </a:ext>
                 </a:extLst>
               </a:tr>
-              <a:tr h="313758">
+              <a:tr h="312043">
                 <a:tc>
                   <a:txBody>
                     <a:bodyPr/>
@@ -25774,7 +26156,7 @@
                     <a:p>
                       <a:pPr algn="l" fontAlgn="t"/>
                       <a:r>
-                        <a:rPr lang="en-US" sz="1200" b="0" i="0" u="none" strike="noStrike" dirty="0">
+                        <a:rPr lang="en-US" sz="1200" b="0" i="0" u="none" strike="noStrike" dirty="0" smtClean="0">
                           <a:solidFill>
                             <a:srgbClr val="000000"/>
                           </a:solidFill>
@@ -25782,8 +26164,16 @@
                           <a:latin typeface="メイリオ" panose="020B0604030504040204" pitchFamily="50" charset="-128"/>
                           <a:ea typeface="メイリオ" panose="020B0604030504040204" pitchFamily="50" charset="-128"/>
                         </a:rPr>
-                        <a:t>6:edit_file:7:VAR_dir_name_1</a:t>
+                        <a:t>4:edit_file:8:VAR_dir_name_1</a:t>
                       </a:r>
+                      <a:endParaRPr lang="en-US" sz="1200" b="0" i="0" u="none" strike="noStrike" dirty="0">
+                        <a:solidFill>
+                          <a:srgbClr val="000000"/>
+                        </a:solidFill>
+                        <a:effectLst/>
+                        <a:latin typeface="メイリオ" panose="020B0604030504040204" pitchFamily="50" charset="-128"/>
+                        <a:ea typeface="メイリオ" panose="020B0604030504040204" pitchFamily="50" charset="-128"/>
+                      </a:endParaRPr>
                     </a:p>
                   </a:txBody>
                   <a:tcPr marL="0" marR="0" marT="0" marB="0">
@@ -25944,7 +26334,7 @@
                   </a:ext>
                 </a:extLst>
               </a:tr>
-              <a:tr h="313758">
+              <a:tr h="312043">
                 <a:tc>
                   <a:txBody>
                     <a:bodyPr/>
@@ -26062,7 +26452,7 @@
                     <a:p>
                       <a:pPr algn="l" fontAlgn="t"/>
                       <a:r>
-                        <a:rPr lang="en-US" sz="1200" b="0" i="0" u="none" strike="noStrike" dirty="0">
+                        <a:rPr lang="en-US" sz="1200" b="0" i="0" u="none" strike="noStrike" dirty="0" smtClean="0">
                           <a:solidFill>
                             <a:srgbClr val="000000"/>
                           </a:solidFill>
@@ -26070,8 +26460,16 @@
                           <a:latin typeface="メイリオ" panose="020B0604030504040204" pitchFamily="50" charset="-128"/>
                           <a:ea typeface="メイリオ" panose="020B0604030504040204" pitchFamily="50" charset="-128"/>
                         </a:rPr>
-                        <a:t>6:edit_file:8:VAR_file_name</a:t>
+                        <a:t>4:edit_file:9:VAR_file_name</a:t>
                       </a:r>
+                      <a:endParaRPr lang="en-US" sz="1200" b="0" i="0" u="none" strike="noStrike" dirty="0">
+                        <a:solidFill>
+                          <a:srgbClr val="000000"/>
+                        </a:solidFill>
+                        <a:effectLst/>
+                        <a:latin typeface="メイリオ" panose="020B0604030504040204" pitchFamily="50" charset="-128"/>
+                        <a:ea typeface="メイリオ" panose="020B0604030504040204" pitchFamily="50" charset="-128"/>
+                      </a:endParaRPr>
                     </a:p>
                   </a:txBody>
                   <a:tcPr marL="0" marR="0" marT="0" marB="0">
@@ -26240,7 +26638,7 @@
                   </a:ext>
                 </a:extLst>
               </a:tr>
-              <a:tr h="313758">
+              <a:tr h="312043">
                 <a:tc>
                   <a:txBody>
                     <a:bodyPr/>
@@ -26358,7 +26756,7 @@
                     <a:p>
                       <a:pPr algn="l" fontAlgn="t"/>
                       <a:r>
-                        <a:rPr lang="en-US" sz="1200" b="0" i="0" u="none" strike="noStrike" dirty="0">
+                        <a:rPr lang="en-US" sz="1200" b="0" i="0" u="none" strike="noStrike" dirty="0" smtClean="0">
                           <a:solidFill>
                             <a:srgbClr val="000000"/>
                           </a:solidFill>
@@ -26366,8 +26764,16 @@
                           <a:latin typeface="メイリオ" panose="020B0604030504040204" pitchFamily="50" charset="-128"/>
                           <a:ea typeface="メイリオ" panose="020B0604030504040204" pitchFamily="50" charset="-128"/>
                         </a:rPr>
-                        <a:t>6:edit_file:9:VAR_edit_param_1</a:t>
+                        <a:t>4:edit_file:10:VAR_edit_param_1</a:t>
                       </a:r>
+                      <a:endParaRPr lang="en-US" sz="1200" b="0" i="0" u="none" strike="noStrike" dirty="0">
+                        <a:solidFill>
+                          <a:srgbClr val="000000"/>
+                        </a:solidFill>
+                        <a:effectLst/>
+                        <a:latin typeface="メイリオ" panose="020B0604030504040204" pitchFamily="50" charset="-128"/>
+                        <a:ea typeface="メイリオ" panose="020B0604030504040204" pitchFamily="50" charset="-128"/>
+                      </a:endParaRPr>
                     </a:p>
                   </a:txBody>
                   <a:tcPr marL="0" marR="0" marT="0" marB="0">
@@ -26528,7 +26934,7 @@
                   </a:ext>
                 </a:extLst>
               </a:tr>
-              <a:tr h="313758">
+              <a:tr h="312043">
                 <a:tc>
                   <a:txBody>
                     <a:bodyPr/>
@@ -26646,7 +27052,7 @@
                     <a:p>
                       <a:pPr algn="l" fontAlgn="t"/>
                       <a:r>
-                        <a:rPr lang="en-US" sz="1200" b="0" i="0" u="none" strike="noStrike" dirty="0">
+                        <a:rPr lang="en-US" sz="1200" b="0" i="0" u="none" strike="noStrike" dirty="0" smtClean="0">
                           <a:solidFill>
                             <a:srgbClr val="000000"/>
                           </a:solidFill>
@@ -26654,8 +27060,16 @@
                           <a:latin typeface="メイリオ" panose="020B0604030504040204" pitchFamily="50" charset="-128"/>
                           <a:ea typeface="メイリオ" panose="020B0604030504040204" pitchFamily="50" charset="-128"/>
                         </a:rPr>
-                        <a:t>7:forced_termination:10:VAR_message_text</a:t>
+                        <a:t>5:forced_termination:11:VAR_message_text</a:t>
                       </a:r>
+                      <a:endParaRPr lang="en-US" sz="1200" b="0" i="0" u="none" strike="noStrike" dirty="0">
+                        <a:solidFill>
+                          <a:srgbClr val="000000"/>
+                        </a:solidFill>
+                        <a:effectLst/>
+                        <a:latin typeface="メイリオ" panose="020B0604030504040204" pitchFamily="50" charset="-128"/>
+                        <a:ea typeface="メイリオ" panose="020B0604030504040204" pitchFamily="50" charset="-128"/>
+                      </a:endParaRPr>
                     </a:p>
                   </a:txBody>
                   <a:tcPr marL="0" marR="0" marT="0" marB="0">
@@ -26824,7 +27238,7 @@
                   </a:ext>
                 </a:extLst>
               </a:tr>
-              <a:tr h="313758">
+              <a:tr h="312043">
                 <a:tc>
                   <a:txBody>
                     <a:bodyPr/>
@@ -26942,7 +27356,7 @@
                     <a:p>
                       <a:pPr algn="l" fontAlgn="t"/>
                       <a:r>
-                        <a:rPr lang="en-US" sz="1200" b="0" i="0" u="none" strike="noStrike" dirty="0">
+                        <a:rPr lang="en-US" sz="1200" b="0" i="0" u="none" strike="noStrike" dirty="0" smtClean="0">
                           <a:solidFill>
                             <a:srgbClr val="000000"/>
                           </a:solidFill>
@@ -26950,8 +27364,16 @@
                           <a:latin typeface="メイリオ" panose="020B0604030504040204" pitchFamily="50" charset="-128"/>
                           <a:ea typeface="メイリオ" panose="020B0604030504040204" pitchFamily="50" charset="-128"/>
                         </a:rPr>
-                        <a:t>8:remove_directory:11:VAR_dir_name_1</a:t>
+                        <a:t>6:remove_directory:12:VAR_dir_name_1</a:t>
                       </a:r>
+                      <a:endParaRPr lang="en-US" sz="1200" b="0" i="0" u="none" strike="noStrike" dirty="0">
+                        <a:solidFill>
+                          <a:srgbClr val="000000"/>
+                        </a:solidFill>
+                        <a:effectLst/>
+                        <a:latin typeface="メイリオ" panose="020B0604030504040204" pitchFamily="50" charset="-128"/>
+                        <a:ea typeface="メイリオ" panose="020B0604030504040204" pitchFamily="50" charset="-128"/>
+                      </a:endParaRPr>
                     </a:p>
                   </a:txBody>
                   <a:tcPr marL="0" marR="0" marT="0" marB="0">
@@ -27112,7 +27534,7 @@
                   </a:ext>
                 </a:extLst>
               </a:tr>
-              <a:tr h="313758">
+              <a:tr h="312043">
                 <a:tc>
                   <a:txBody>
                     <a:bodyPr/>
@@ -27120,7 +27542,7 @@
                     <a:p>
                       <a:pPr algn="l" fontAlgn="t"/>
                       <a:r>
-                        <a:rPr lang="en-US" sz="1200" b="0" i="0" u="none" strike="noStrike">
+                        <a:rPr lang="en-US" sz="1200" b="0" i="0" u="none" strike="noStrike" dirty="0">
                           <a:solidFill>
                             <a:srgbClr val="000000"/>
                           </a:solidFill>
@@ -27230,7 +27652,7 @@
                     <a:p>
                       <a:pPr algn="l" fontAlgn="t"/>
                       <a:r>
-                        <a:rPr lang="en-US" sz="1200" b="0" i="0" u="none" strike="noStrike" dirty="0">
+                        <a:rPr lang="en-US" sz="1200" b="0" i="0" u="none" strike="noStrike" dirty="0" smtClean="0">
                           <a:solidFill>
                             <a:srgbClr val="000000"/>
                           </a:solidFill>
@@ -27238,8 +27660,16 @@
                           <a:latin typeface="メイリオ" panose="020B0604030504040204" pitchFamily="50" charset="-128"/>
                           <a:ea typeface="メイリオ" panose="020B0604030504040204" pitchFamily="50" charset="-128"/>
                         </a:rPr>
-                        <a:t>9:remove_file:12:VAR_dir_name_1</a:t>
+                        <a:t>7:remove_file:13:VAR_dir_name_1</a:t>
                       </a:r>
+                      <a:endParaRPr lang="en-US" sz="1200" b="0" i="0" u="none" strike="noStrike" dirty="0">
+                        <a:solidFill>
+                          <a:srgbClr val="000000"/>
+                        </a:solidFill>
+                        <a:effectLst/>
+                        <a:latin typeface="メイリオ" panose="020B0604030504040204" pitchFamily="50" charset="-128"/>
+                        <a:ea typeface="メイリオ" panose="020B0604030504040204" pitchFamily="50" charset="-128"/>
+                      </a:endParaRPr>
                     </a:p>
                   </a:txBody>
                   <a:tcPr marL="0" marR="0" marT="0" marB="0">
@@ -27400,7 +27830,7 @@
                   </a:ext>
                 </a:extLst>
               </a:tr>
-              <a:tr h="313758">
+              <a:tr h="312043">
                 <a:tc>
                   <a:txBody>
                     <a:bodyPr/>
@@ -27408,7 +27838,7 @@
                     <a:p>
                       <a:pPr algn="l" fontAlgn="t"/>
                       <a:r>
-                        <a:rPr lang="en-US" sz="1200" b="0" i="0" u="none" strike="noStrike">
+                        <a:rPr lang="en-US" sz="1200" b="0" i="0" u="none" strike="noStrike" dirty="0">
                           <a:solidFill>
                             <a:srgbClr val="000000"/>
                           </a:solidFill>
@@ -27460,7 +27890,7 @@
                     <a:p>
                       <a:pPr algn="l" fontAlgn="t"/>
                       <a:r>
-                        <a:rPr lang="en-US" sz="1200" b="0" i="0" u="none" strike="noStrike">
+                        <a:rPr lang="en-US" sz="1200" b="0" i="0" u="none" strike="noStrike" dirty="0">
                           <a:solidFill>
                             <a:srgbClr val="000000"/>
                           </a:solidFill>
@@ -27526,7 +27956,7 @@
                           <a:latin typeface="メイリオ" panose="020B0604030504040204" pitchFamily="50" charset="-128"/>
                           <a:ea typeface="メイリオ" panose="020B0604030504040204" pitchFamily="50" charset="-128"/>
                         </a:rPr>
-                        <a:t>9:remove_file:13:VAR_dir_name_1</a:t>
+                        <a:t>7:remove_file:14:VAR_file_name_1</a:t>
                       </a:r>
                       <a:endParaRPr lang="en-US" sz="1200" b="0" i="0" u="none" strike="noStrike" dirty="0">
                         <a:solidFill>
@@ -27700,7 +28130,7 @@
                 </a:tc>
                 <a:extLst>
                   <a:ext uri="{0D108BD9-81ED-4DB2-BD59-A6C34878D82A}">
-                    <a16:rowId xmlns:a16="http://schemas.microsoft.com/office/drawing/2014/main" val="3435586688"/>
+                    <a16:rowId xmlns:a16="http://schemas.microsoft.com/office/drawing/2014/main" val="1017723049"/>
                   </a:ext>
                 </a:extLst>
               </a:tr>
@@ -27711,7 +28141,7 @@
     </p:spTree>
     <p:extLst>
       <p:ext uri="{BB962C8B-B14F-4D97-AF65-F5344CB8AC3E}">
-        <p14:creationId xmlns:p14="http://schemas.microsoft.com/office/powerpoint/2010/main" val="4139900743"/>
+        <p14:creationId xmlns:p14="http://schemas.microsoft.com/office/powerpoint/2010/main" val="451161340"/>
       </p:ext>
     </p:extLst>
   </p:cSld>
@@ -39890,8 +40320,8 @@
         </p:nvSpPr>
         <p:spPr>
           <a:xfrm>
-            <a:off x="395420" y="2420788"/>
-            <a:ext cx="6408890" cy="3888308"/>
+            <a:off x="395420" y="2276840"/>
+            <a:ext cx="6408890" cy="4248590"/>
           </a:xfrm>
           <a:prstGeom prst="rect">
             <a:avLst/>
@@ -39909,6 +40339,9 @@
           </a:bodyPr>
           <a:lstStyle/>
           <a:p>
+            <a:endParaRPr lang="en-US" altLang="ja-JP" sz="1400" dirty="0" smtClean="0"/>
+          </a:p>
+          <a:p>
             <a:r>
               <a:rPr lang="en-US" altLang="ja-JP" sz="1400" dirty="0" smtClean="0"/>
               <a:t>- </a:t>
@@ -39927,28 +40360,116 @@
           <a:p>
             <a:r>
               <a:rPr lang="en-US" altLang="ja-JP" sz="1400" dirty="0"/>
-              <a:t>    path=/</a:t>
+              <a:t>    path: /</a:t>
             </a:r>
             <a:r>
               <a:rPr lang="en-US" altLang="ja-JP" sz="1400" dirty="0" err="1"/>
               <a:t>tmp</a:t>
             </a:r>
             <a:r>
+              <a:rPr lang="en-US" altLang="ja-JP" sz="1400" dirty="0"/>
+              <a:t>/{{ </a:t>
+            </a:r>
+            <a:r>
+              <a:rPr lang="en-US" altLang="ja-JP" sz="1400" dirty="0" err="1"/>
+              <a:t>item.dir</a:t>
+            </a:r>
+            <a:r>
+              <a:rPr lang="en-US" altLang="ja-JP" sz="1400" dirty="0"/>
+              <a:t> }}</a:t>
+            </a:r>
+          </a:p>
+          <a:p>
+            <a:r>
+              <a:rPr lang="en-US" altLang="ja-JP" sz="1400" dirty="0"/>
+              <a:t>    state: directory</a:t>
+            </a:r>
+          </a:p>
+          <a:p>
+            <a:r>
+              <a:rPr lang="en-US" altLang="ja-JP" sz="1400" dirty="0"/>
+              <a:t>    mode: </a:t>
+            </a:r>
+            <a:r>
               <a:rPr lang="en-US" altLang="ja-JP" sz="1400" dirty="0" smtClean="0"/>
+              <a:t>0755</a:t>
+            </a:r>
+            <a:endParaRPr lang="en-US" altLang="ja-JP" sz="1400" dirty="0"/>
+          </a:p>
+          <a:p>
+            <a:r>
+              <a:rPr lang="en-US" altLang="ja-JP" sz="1400" dirty="0"/>
+              <a:t>  </a:t>
+            </a:r>
+            <a:r>
+              <a:rPr lang="en-US" altLang="ja-JP" sz="1400" dirty="0" err="1"/>
+              <a:t>with_items</a:t>
+            </a:r>
+            <a:r>
+              <a:rPr lang="en-US" altLang="ja-JP" sz="1400" dirty="0"/>
+              <a:t>:</a:t>
+            </a:r>
+          </a:p>
+          <a:p>
+            <a:r>
+              <a:rPr lang="en-US" altLang="ja-JP" sz="1400" dirty="0"/>
+              <a:t>    - { </a:t>
+            </a:r>
+            <a:r>
+              <a:rPr lang="en-US" altLang="ja-JP" sz="1400" dirty="0" err="1"/>
+              <a:t>dir</a:t>
+            </a:r>
+            <a:r>
+              <a:rPr lang="en-US" altLang="ja-JP" sz="1400" dirty="0"/>
+              <a:t>: "{{ VAR_dir_name_1 }}" }</a:t>
+            </a:r>
+          </a:p>
+          <a:p>
+            <a:r>
+              <a:rPr lang="en-US" altLang="ja-JP" sz="1400" dirty="0"/>
+              <a:t>    - { </a:t>
+            </a:r>
+            <a:r>
+              <a:rPr lang="en-US" altLang="ja-JP" sz="1400" dirty="0" err="1"/>
+              <a:t>dir</a:t>
+            </a:r>
+            <a:r>
+              <a:rPr lang="en-US" altLang="ja-JP" sz="1400" dirty="0"/>
+              <a:t>: "{{ VAR_dir_name_2 }}" </a:t>
+            </a:r>
+            <a:r>
+              <a:rPr lang="en-US" altLang="ja-JP" sz="1400" dirty="0" smtClean="0"/>
+              <a:t>}</a:t>
+            </a:r>
+            <a:endParaRPr lang="en-US" altLang="ja-JP" sz="1400" dirty="0"/>
+          </a:p>
+          <a:p>
+            <a:endParaRPr lang="en-US" altLang="ja-JP" sz="1400" dirty="0" smtClean="0"/>
+          </a:p>
+          <a:p>
+            <a:r>
+              <a:rPr lang="en-US" altLang="ja-JP" sz="1400" dirty="0"/>
+              <a:t>- name: remove directory </a:t>
+            </a:r>
+          </a:p>
+          <a:p>
+            <a:r>
+              <a:rPr lang="en-US" altLang="ja-JP" sz="1400" dirty="0"/>
+              <a:t>  file:</a:t>
+            </a:r>
+          </a:p>
+          <a:p>
+            <a:r>
+              <a:rPr lang="en-US" altLang="ja-JP" sz="1400" dirty="0"/>
+              <a:t>    path=/</a:t>
+            </a:r>
+            <a:r>
+              <a:rPr lang="en-US" altLang="ja-JP" sz="1400" dirty="0" err="1"/>
+              <a:t>tmp</a:t>
+            </a:r>
+            <a:r>
+              <a:rPr lang="en-US" altLang="ja-JP" sz="1400" dirty="0"/>
               <a:t>/{{ VAR_dir_name_1 }}</a:t>
-            </a:r>
-            <a:endParaRPr lang="en-US" altLang="ja-JP" sz="1400" dirty="0"/>
-          </a:p>
-          <a:p>
-            <a:r>
-              <a:rPr lang="en-US" altLang="ja-JP" sz="1400" dirty="0"/>
-              <a:t>    state=directory</a:t>
-            </a:r>
-          </a:p>
-          <a:p>
-            <a:r>
-              <a:rPr lang="en-US" altLang="ja-JP" sz="1400" dirty="0"/>
-              <a:t>    mode=0755</a:t>
             </a:r>
           </a:p>
           <a:p>
@@ -39956,15 +40477,18 @@
               <a:rPr lang="en-US" altLang="ja-JP" sz="1400" dirty="0"/>
               <a:t>    </a:t>
             </a:r>
-          </a:p>
-          <a:p>
             <a:r>
               <a:rPr lang="en-US" altLang="ja-JP" sz="1400" dirty="0" smtClean="0"/>
-              <a:t>- </a:t>
-            </a:r>
+              <a:t>state=absent</a:t>
+            </a:r>
+          </a:p>
+          <a:p>
+            <a:endParaRPr lang="en-US" altLang="ja-JP" sz="1400" dirty="0"/>
+          </a:p>
+          <a:p>
             <a:r>
               <a:rPr lang="en-US" altLang="ja-JP" sz="1400" dirty="0"/>
-              <a:t>name: remove directory </a:t>
+              <a:t>- name: create file</a:t>
             </a:r>
           </a:p>
           <a:p>
@@ -39984,70 +40508,14 @@
             </a:r>
             <a:r>
               <a:rPr lang="en-US" altLang="ja-JP" sz="1400" dirty="0" smtClean="0"/>
-              <a:t>/{{</a:t>
-            </a:r>
-            <a:r>
-              <a:rPr lang="en-US" altLang="ja-JP" sz="1400" dirty="0"/>
-              <a:t>VAR_dir_name_1 </a:t>
+              <a:t>/{{ VAR_dir_name_1 }}/{{ </a:t>
+            </a:r>
+            <a:r>
+              <a:rPr lang="en-US" altLang="ja-JP" sz="1400" dirty="0" err="1" smtClean="0"/>
+              <a:t>VAR_file_name</a:t>
             </a:r>
             <a:r>
               <a:rPr lang="en-US" altLang="ja-JP" sz="1400" dirty="0" smtClean="0"/>
-              <a:t>}}</a:t>
-            </a:r>
-            <a:endParaRPr lang="en-US" altLang="ja-JP" sz="1400" dirty="0"/>
-          </a:p>
-          <a:p>
-            <a:r>
-              <a:rPr lang="en-US" altLang="ja-JP" sz="1400" dirty="0"/>
-              <a:t>    </a:t>
-            </a:r>
-            <a:r>
-              <a:rPr lang="en-US" altLang="ja-JP" sz="1400" dirty="0" smtClean="0"/>
-              <a:t>state=absent</a:t>
-            </a:r>
-          </a:p>
-          <a:p>
-            <a:endParaRPr lang="en-US" altLang="ja-JP" sz="1400" dirty="0"/>
-          </a:p>
-          <a:p>
-            <a:r>
-              <a:rPr lang="en-US" altLang="ja-JP" sz="1400" dirty="0"/>
-              <a:t>- name: create file</a:t>
-            </a:r>
-          </a:p>
-          <a:p>
-            <a:r>
-              <a:rPr lang="en-US" altLang="ja-JP" sz="1400" dirty="0"/>
-              <a:t>  file:</a:t>
-            </a:r>
-          </a:p>
-          <a:p>
-            <a:r>
-              <a:rPr lang="en-US" altLang="ja-JP" sz="1400" dirty="0"/>
-              <a:t>    path=/</a:t>
-            </a:r>
-            <a:r>
-              <a:rPr lang="en-US" altLang="ja-JP" sz="1400" dirty="0" err="1"/>
-              <a:t>tmp</a:t>
-            </a:r>
-            <a:r>
-              <a:rPr lang="en-US" altLang="ja-JP" sz="1400" dirty="0" smtClean="0"/>
-              <a:t>/{{</a:t>
-            </a:r>
-            <a:r>
-              <a:rPr lang="en-US" altLang="ja-JP" sz="1400" dirty="0"/>
-              <a:t>VAR_dir_name_1 </a:t>
-            </a:r>
-            <a:r>
-              <a:rPr lang="en-US" altLang="ja-JP" sz="1400" dirty="0" smtClean="0"/>
-              <a:t>}}/{{</a:t>
-            </a:r>
-            <a:r>
-              <a:rPr lang="en-US" altLang="ja-JP" sz="1400" dirty="0" err="1"/>
-              <a:t>VAR_file_name</a:t>
-            </a:r>
-            <a:r>
-              <a:rPr lang="en-US" altLang="ja-JP" sz="1400" dirty="0"/>
               <a:t> </a:t>
             </a:r>
             <a:r>
@@ -40282,7 +40750,7 @@
         <p:spPr>
           <a:xfrm>
             <a:off x="315878" y="1484730"/>
-            <a:ext cx="6580635" cy="4680418"/>
+            <a:ext cx="6580635" cy="4933786"/>
           </a:xfrm>
           <a:prstGeom prst="rect">
             <a:avLst/>
@@ -40314,31 +40782,15 @@
           <a:p>
             <a:r>
               <a:rPr lang="en-US" altLang="ja-JP" sz="1400" dirty="0"/>
-              <a:t>  </a:t>
-            </a:r>
-            <a:r>
-              <a:rPr lang="en-US" altLang="ja-JP" sz="1400" dirty="0" smtClean="0"/>
-              <a:t>  path</a:t>
-            </a:r>
-            <a:r>
-              <a:rPr lang="en-US" altLang="ja-JP" sz="1400" dirty="0"/>
-              <a:t>=/</a:t>
+              <a:t>    path=/</a:t>
             </a:r>
             <a:r>
               <a:rPr lang="en-US" altLang="ja-JP" sz="1400" dirty="0" err="1"/>
               <a:t>tmp</a:t>
             </a:r>
             <a:r>
-              <a:rPr lang="en-US" altLang="ja-JP" sz="1400" dirty="0" smtClean="0"/>
-              <a:t>/{{</a:t>
-            </a:r>
-            <a:r>
               <a:rPr lang="en-US" altLang="ja-JP" sz="1400" dirty="0"/>
-              <a:t>VAR_dir_name_1 </a:t>
-            </a:r>
-            <a:r>
-              <a:rPr lang="en-US" altLang="ja-JP" sz="1400" dirty="0" smtClean="0"/>
-              <a:t>}}/{{</a:t>
+              <a:t>/{{ VAR_dir_name_1 }}/{{ </a:t>
             </a:r>
             <a:r>
               <a:rPr lang="en-US" altLang="ja-JP" sz="1400" dirty="0" err="1"/>
@@ -40346,31 +40798,26 @@
             </a:r>
             <a:r>
               <a:rPr lang="en-US" altLang="ja-JP" sz="1400" dirty="0"/>
-              <a:t> </a:t>
+              <a:t> }}</a:t>
+            </a:r>
+          </a:p>
+          <a:p>
+            <a:r>
+              <a:rPr lang="en-US" altLang="ja-JP" sz="1400" dirty="0"/>
+              <a:t>    </a:t>
             </a:r>
             <a:r>
               <a:rPr lang="en-US" altLang="ja-JP" sz="1400" dirty="0" smtClean="0"/>
-              <a:t>}}</a:t>
-            </a:r>
+              <a:t>state=absent</a:t>
+            </a:r>
+          </a:p>
+          <a:p>
             <a:endParaRPr lang="en-US" altLang="ja-JP" sz="1400" dirty="0"/>
           </a:p>
           <a:p>
             <a:r>
               <a:rPr lang="en-US" altLang="ja-JP" sz="1400" dirty="0"/>
-              <a:t>    state=absent</a:t>
-            </a:r>
-          </a:p>
-          <a:p>
-            <a:endParaRPr lang="en-US" altLang="ja-JP" sz="1400" dirty="0"/>
-          </a:p>
-          <a:p>
-            <a:r>
-              <a:rPr lang="en-US" altLang="ja-JP" sz="1400" dirty="0" smtClean="0"/>
-              <a:t>- </a:t>
-            </a:r>
-            <a:r>
-              <a:rPr lang="en-US" altLang="ja-JP" sz="1400" dirty="0"/>
-              <a:t>name: copy file</a:t>
+              <a:t>- name: copy file</a:t>
             </a:r>
           </a:p>
           <a:p>
@@ -40390,23 +40837,15 @@
             </a:r>
             <a:r>
               <a:rPr lang="en-US" altLang="ja-JP" sz="1400" dirty="0"/>
-              <a:t>=/</a:t>
+              <a:t>: /</a:t>
             </a:r>
             <a:r>
               <a:rPr lang="en-US" altLang="ja-JP" sz="1400" dirty="0" err="1"/>
               <a:t>tmp</a:t>
             </a:r>
             <a:r>
-              <a:rPr lang="en-US" altLang="ja-JP" sz="1400" dirty="0" smtClean="0"/>
-              <a:t>/{{</a:t>
-            </a:r>
-            <a:r>
               <a:rPr lang="en-US" altLang="ja-JP" sz="1400" dirty="0"/>
-              <a:t>VAR_dir_name_1 </a:t>
-            </a:r>
-            <a:r>
-              <a:rPr lang="en-US" altLang="ja-JP" sz="1400" dirty="0" smtClean="0"/>
-              <a:t>}}/{{</a:t>
+              <a:t>/{{ VAR_dir_name_1 }}/{{ </a:t>
             </a:r>
             <a:r>
               <a:rPr lang="en-US" altLang="ja-JP" sz="1400" dirty="0" err="1"/>
@@ -40414,13 +40853,8 @@
             </a:r>
             <a:r>
               <a:rPr lang="en-US" altLang="ja-JP" sz="1400" dirty="0"/>
-              <a:t> </a:t>
-            </a:r>
-            <a:r>
-              <a:rPr lang="en-US" altLang="ja-JP" sz="1400" dirty="0" smtClean="0"/>
-              <a:t>}}</a:t>
-            </a:r>
-            <a:endParaRPr lang="en-US" altLang="ja-JP" sz="1400" dirty="0"/>
+              <a:t> }}</a:t>
+            </a:r>
           </a:p>
           <a:p>
             <a:r>
@@ -40433,23 +40867,15 @@
             </a:r>
             <a:r>
               <a:rPr lang="en-US" altLang="ja-JP" sz="1400" dirty="0"/>
-              <a:t>=/</a:t>
+              <a:t>: /</a:t>
             </a:r>
             <a:r>
               <a:rPr lang="en-US" altLang="ja-JP" sz="1400" dirty="0" err="1"/>
               <a:t>tmp</a:t>
             </a:r>
             <a:r>
-              <a:rPr lang="en-US" altLang="ja-JP" sz="1400" dirty="0" smtClean="0"/>
-              <a:t>/{{</a:t>
-            </a:r>
-            <a:r>
               <a:rPr lang="en-US" altLang="ja-JP" sz="1400" dirty="0"/>
-              <a:t>VAR_dir_name_2 </a:t>
-            </a:r>
-            <a:r>
-              <a:rPr lang="en-US" altLang="ja-JP" sz="1400" dirty="0" smtClean="0"/>
-              <a:t>}}/{{</a:t>
+              <a:t>/{{ VAR_dir_name_2 }}/{{ </a:t>
             </a:r>
             <a:r>
               <a:rPr lang="en-US" altLang="ja-JP" sz="1400" dirty="0" err="1"/>
@@ -40457,30 +40883,25 @@
             </a:r>
             <a:r>
               <a:rPr lang="en-US" altLang="ja-JP" sz="1400" dirty="0"/>
-              <a:t> </a:t>
-            </a:r>
-            <a:r>
-              <a:rPr lang="en-US" altLang="ja-JP" sz="1400" dirty="0" smtClean="0"/>
-              <a:t>}}</a:t>
-            </a:r>
-            <a:endParaRPr lang="en-US" altLang="ja-JP" sz="1400" dirty="0"/>
+              <a:t> }}</a:t>
+            </a:r>
           </a:p>
           <a:p>
             <a:r>
               <a:rPr lang="en-US" altLang="ja-JP" sz="1400" dirty="0"/>
-              <a:t>    owner=root</a:t>
+              <a:t>    owner: root</a:t>
             </a:r>
           </a:p>
           <a:p>
             <a:r>
               <a:rPr lang="en-US" altLang="ja-JP" sz="1400" dirty="0"/>
-              <a:t>    group=root</a:t>
+              <a:t>    group: root</a:t>
             </a:r>
           </a:p>
           <a:p>
             <a:r>
               <a:rPr lang="en-US" altLang="ja-JP" sz="1400" dirty="0"/>
-              <a:t>    mode=0644</a:t>
+              <a:t>    mode: 0644</a:t>
             </a:r>
           </a:p>
           <a:p>
@@ -40488,15 +40909,30 @@
               <a:rPr lang="en-US" altLang="ja-JP" sz="1400" dirty="0"/>
               <a:t>    </a:t>
             </a:r>
-          </a:p>
-          <a:p>
+            <a:r>
+              <a:rPr lang="en-US" altLang="ja-JP" sz="1400" dirty="0" err="1"/>
+              <a:t>remote_src</a:t>
+            </a:r>
+            <a:r>
+              <a:rPr lang="en-US" altLang="ja-JP" sz="1400" dirty="0"/>
+              <a:t>: </a:t>
+            </a:r>
             <a:r>
               <a:rPr lang="en-US" altLang="ja-JP" sz="1400" dirty="0" smtClean="0"/>
-              <a:t>- </a:t>
-            </a:r>
+              <a:t>yes</a:t>
+            </a:r>
+          </a:p>
+          <a:p>
+            <a:r>
+              <a:rPr lang="en-US" altLang="ja-JP" sz="1400" dirty="0" smtClean="0"/>
+              <a:t>    </a:t>
+            </a:r>
+            <a:endParaRPr lang="en-US" altLang="ja-JP" sz="1400" dirty="0"/>
+          </a:p>
+          <a:p>
             <a:r>
               <a:rPr lang="en-US" altLang="ja-JP" sz="1400" dirty="0"/>
-              <a:t>name: edit file</a:t>
+              <a:t>- name: edit file</a:t>
             </a:r>
           </a:p>
           <a:p>
@@ -40516,23 +40952,15 @@
             </a:r>
             <a:r>
               <a:rPr lang="en-US" altLang="ja-JP" sz="1400" dirty="0"/>
-              <a:t>=/</a:t>
+              <a:t>: /</a:t>
             </a:r>
             <a:r>
               <a:rPr lang="en-US" altLang="ja-JP" sz="1400" dirty="0" err="1"/>
               <a:t>tmp</a:t>
             </a:r>
             <a:r>
-              <a:rPr lang="en-US" altLang="ja-JP" sz="1400" dirty="0" smtClean="0"/>
-              <a:t>/{{</a:t>
-            </a:r>
-            <a:r>
               <a:rPr lang="en-US" altLang="ja-JP" sz="1400" dirty="0"/>
-              <a:t>VAR_dir_name_1 </a:t>
-            </a:r>
-            <a:r>
-              <a:rPr lang="en-US" altLang="ja-JP" sz="1400" dirty="0" smtClean="0"/>
-              <a:t>}}/{{</a:t>
+              <a:t>/{{ VAR_dir_name_1 }}/{{ </a:t>
             </a:r>
             <a:r>
               <a:rPr lang="en-US" altLang="ja-JP" sz="1400" dirty="0" err="1"/>
@@ -40540,47 +40968,26 @@
             </a:r>
             <a:r>
               <a:rPr lang="en-US" altLang="ja-JP" sz="1400" dirty="0"/>
-              <a:t> </a:t>
-            </a:r>
+              <a:t> }}</a:t>
+            </a:r>
+          </a:p>
+          <a:p>
+            <a:r>
+              <a:rPr lang="en-US" altLang="ja-JP" sz="1400" dirty="0"/>
+              <a:t>    content: "{{ VAR_edit_param_1 }}"</a:t>
+            </a:r>
+          </a:p>
+          <a:p>
             <a:r>
               <a:rPr lang="en-US" altLang="ja-JP" sz="1400" dirty="0" smtClean="0"/>
-              <a:t>}}</a:t>
+              <a:t>    </a:t>
             </a:r>
             <a:endParaRPr lang="en-US" altLang="ja-JP" sz="1400" dirty="0"/>
           </a:p>
           <a:p>
             <a:r>
               <a:rPr lang="en-US" altLang="ja-JP" sz="1400" dirty="0"/>
-              <a:t>    content= </a:t>
-            </a:r>
-            <a:r>
-              <a:rPr lang="en-US" altLang="ja-JP" sz="1400" dirty="0" smtClean="0"/>
-              <a:t>{{</a:t>
-            </a:r>
-            <a:r>
-              <a:rPr lang="en-US" altLang="ja-JP" sz="1400" dirty="0"/>
-              <a:t>VAR_edit_param_1 </a:t>
-            </a:r>
-            <a:r>
-              <a:rPr lang="en-US" altLang="ja-JP" sz="1400" dirty="0" smtClean="0"/>
-              <a:t>}}</a:t>
-            </a:r>
-            <a:endParaRPr lang="en-US" altLang="ja-JP" sz="1400" dirty="0"/>
-          </a:p>
-          <a:p>
-            <a:r>
-              <a:rPr lang="en-US" altLang="ja-JP" sz="1400" dirty="0"/>
-              <a:t>    </a:t>
-            </a:r>
-          </a:p>
-          <a:p>
-            <a:r>
-              <a:rPr lang="en-US" altLang="ja-JP" sz="1400" dirty="0" smtClean="0"/>
-              <a:t>- </a:t>
-            </a:r>
-            <a:r>
-              <a:rPr lang="en-US" altLang="ja-JP" sz="1400" dirty="0"/>
-              <a:t>name: forced termination</a:t>
+              <a:t>- name: forced termination</a:t>
             </a:r>
           </a:p>
           <a:p>
@@ -40594,18 +41001,18 @@
             </a:r>
             <a:r>
               <a:rPr lang="en-US" altLang="ja-JP" sz="1400" dirty="0" smtClean="0"/>
-              <a:t>={{</a:t>
-            </a:r>
-            <a:r>
-              <a:rPr lang="en-US" altLang="ja-JP" sz="1400" dirty="0" err="1"/>
+              <a:t>={{ </a:t>
+            </a:r>
+            <a:r>
+              <a:rPr lang="en-US" altLang="ja-JP" sz="1400" dirty="0" err="1" smtClean="0"/>
               <a:t>VAR_message_text</a:t>
             </a:r>
             <a:r>
+              <a:rPr lang="en-US" altLang="ja-JP" sz="1400" dirty="0" smtClean="0"/>
+              <a:t> </a:t>
+            </a:r>
+            <a:r>
               <a:rPr lang="en-US" altLang="ja-JP" sz="1400" dirty="0"/>
-              <a:t> </a:t>
-            </a:r>
-            <a:r>
-              <a:rPr lang="en-US" altLang="ja-JP" sz="1400" dirty="0" smtClean="0"/>
               <a:t>}}</a:t>
             </a:r>
             <a:endParaRPr lang="en-US" altLang="ja-JP" sz="1400" dirty="0">
@@ -40626,16 +41033,24 @@
         </p:nvSpPr>
         <p:spPr bwMode="gray">
           <a:xfrm>
-            <a:off x="7218118" y="4780955"/>
-            <a:ext cx="1843458" cy="304275"/>
+            <a:off x="6872604" y="5015730"/>
+            <a:ext cx="1843458" cy="396345"/>
           </a:xfrm>
           <a:prstGeom prst="rect">
             <a:avLst/>
           </a:prstGeom>
+          <a:ln w="28575">
+            <a:solidFill>
+              <a:schemeClr val="accent6">
+                <a:lumMod val="90000"/>
+                <a:lumOff val="10000"/>
+              </a:schemeClr>
+            </a:solidFill>
+          </a:ln>
         </p:spPr>
         <p:txBody>
           <a:bodyPr vert="horz" lIns="91440" tIns="45720" rIns="91440" bIns="45720" rtlCol="0">
-            <a:normAutofit fontScale="92500" lnSpcReduction="10000"/>
+            <a:normAutofit fontScale="92500" lnSpcReduction="20000"/>
           </a:bodyPr>
           <a:lstStyle>
             <a:lvl1pPr marL="180000" indent="-180000" algn="l" rtl="0" eaLnBrk="1" fontAlgn="base" hangingPunct="0">
@@ -40804,9 +41219,11 @@
             </a:lvl9pPr>
           </a:lstStyle>
           <a:p>
-            <a:pPr>
-              <a:buFont typeface="Wingdings" panose="05000000000000000000" pitchFamily="2" charset="2"/>
-              <a:buChar char="l"/>
+            <a:pPr marL="0" indent="0">
+              <a:lnSpc>
+                <a:spcPct val="150000"/>
+              </a:lnSpc>
+              <a:buNone/>
             </a:pPr>
             <a:r>
               <a:rPr lang="ja-JP" altLang="en-US" sz="1600" b="1" kern="0" dirty="0" smtClean="0">
@@ -40817,7 +41234,18 @@
                   </a:schemeClr>
                 </a:solidFill>
               </a:rPr>
-              <a:t>作成後イメージ</a:t>
+              <a:t>・作成後</a:t>
+            </a:r>
+            <a:r>
+              <a:rPr lang="ja-JP" altLang="en-US" sz="1600" b="1" kern="0" dirty="0" smtClean="0">
+                <a:solidFill>
+                  <a:schemeClr val="accent6">
+                    <a:lumMod val="90000"/>
+                    <a:lumOff val="10000"/>
+                  </a:schemeClr>
+                </a:solidFill>
+              </a:rPr>
+              <a:t>イメージ</a:t>
             </a:r>
             <a:endParaRPr lang="ja-JP" altLang="en-US" sz="1600" b="1" kern="0" dirty="0">
               <a:solidFill>
@@ -40846,8 +41274,8 @@
         </p:blipFill>
         <p:spPr>
           <a:xfrm>
-            <a:off x="4571512" y="5139042"/>
-            <a:ext cx="4504112" cy="1458398"/>
+            <a:off x="4211950" y="5466785"/>
+            <a:ext cx="4504112" cy="1368190"/>
           </a:xfrm>
           <a:prstGeom prst="rect">
             <a:avLst/>

--- a/asset/Learn_ja/ITA-Conductor_practice_ja.pptx
+++ b/asset/Learn_ja/ITA-Conductor_practice_ja.pptx
@@ -330,7 +330,7 @@
               <a:rPr kumimoji="1" lang="ja-JP" altLang="en-US" smtClean="0">
                 <a:ea typeface="メイリオ" panose="020B0604030504040204" pitchFamily="50" charset="-128"/>
               </a:rPr>
-              <a:t>2021/10/7</a:t>
+              <a:t>2021/10/8</a:t>
             </a:fld>
             <a:endParaRPr kumimoji="1" lang="ja-JP" altLang="en-US" dirty="0">
               <a:ea typeface="メイリオ" panose="020B0604030504040204" pitchFamily="50" charset="-128"/>
@@ -476,7 +476,7 @@
             <a:fld id="{4B26993D-C081-44EB-B0F5-A9F467792B62}" type="datetimeFigureOut">
               <a:rPr lang="ja-JP" altLang="en-US" smtClean="0"/>
               <a:pPr/>
-              <a:t>2021/10/7</a:t>
+              <a:t>2021/10/8</a:t>
             </a:fld>
             <a:endParaRPr lang="ja-JP" altLang="en-US" dirty="0"/>
           </a:p>
@@ -4377,7 +4377,7 @@
           <a:p>
             <a:fld id="{56F9016B-CCA6-43BE-8BEE-59565A35F4F7}" type="datetimeFigureOut">
               <a:rPr kumimoji="1" lang="ja-JP" altLang="en-US" smtClean="0"/>
-              <a:t>2021/10/7</a:t>
+              <a:t>2021/10/8</a:t>
             </a:fld>
             <a:endParaRPr kumimoji="1" lang="ja-JP" altLang="en-US"/>
           </a:p>
@@ -4579,7 +4579,7 @@
           <a:p>
             <a:fld id="{56F9016B-CCA6-43BE-8BEE-59565A35F4F7}" type="datetimeFigureOut">
               <a:rPr kumimoji="1" lang="ja-JP" altLang="en-US" smtClean="0"/>
-              <a:t>2021/10/7</a:t>
+              <a:t>2021/10/8</a:t>
             </a:fld>
             <a:endParaRPr kumimoji="1" lang="ja-JP" altLang="en-US"/>
           </a:p>
@@ -4825,7 +4825,7 @@
           <a:p>
             <a:fld id="{56F9016B-CCA6-43BE-8BEE-59565A35F4F7}" type="datetimeFigureOut">
               <a:rPr kumimoji="1" lang="ja-JP" altLang="en-US" smtClean="0"/>
-              <a:t>2021/10/7</a:t>
+              <a:t>2021/10/8</a:t>
             </a:fld>
             <a:endParaRPr kumimoji="1" lang="ja-JP" altLang="en-US"/>
           </a:p>
@@ -5121,7 +5121,7 @@
           <a:p>
             <a:fld id="{56F9016B-CCA6-43BE-8BEE-59565A35F4F7}" type="datetimeFigureOut">
               <a:rPr kumimoji="1" lang="ja-JP" altLang="en-US" smtClean="0"/>
-              <a:t>2021/10/7</a:t>
+              <a:t>2021/10/8</a:t>
             </a:fld>
             <a:endParaRPr kumimoji="1" lang="ja-JP" altLang="en-US"/>
           </a:p>
@@ -5552,7 +5552,7 @@
           <a:p>
             <a:fld id="{56F9016B-CCA6-43BE-8BEE-59565A35F4F7}" type="datetimeFigureOut">
               <a:rPr kumimoji="1" lang="ja-JP" altLang="en-US" smtClean="0"/>
-              <a:t>2021/10/7</a:t>
+              <a:t>2021/10/8</a:t>
             </a:fld>
             <a:endParaRPr kumimoji="1" lang="ja-JP" altLang="en-US"/>
           </a:p>
@@ -5670,7 +5670,7 @@
           <a:p>
             <a:fld id="{56F9016B-CCA6-43BE-8BEE-59565A35F4F7}" type="datetimeFigureOut">
               <a:rPr kumimoji="1" lang="ja-JP" altLang="en-US" smtClean="0"/>
-              <a:t>2021/10/7</a:t>
+              <a:t>2021/10/8</a:t>
             </a:fld>
             <a:endParaRPr kumimoji="1" lang="ja-JP" altLang="en-US"/>
           </a:p>
@@ -5765,7 +5765,7 @@
           <a:p>
             <a:fld id="{56F9016B-CCA6-43BE-8BEE-59565A35F4F7}" type="datetimeFigureOut">
               <a:rPr kumimoji="1" lang="ja-JP" altLang="en-US" smtClean="0"/>
-              <a:t>2021/10/7</a:t>
+              <a:t>2021/10/8</a:t>
             </a:fld>
             <a:endParaRPr kumimoji="1" lang="ja-JP" altLang="en-US"/>
           </a:p>
@@ -6074,7 +6074,7 @@
           <a:p>
             <a:fld id="{56F9016B-CCA6-43BE-8BEE-59565A35F4F7}" type="datetimeFigureOut">
               <a:rPr kumimoji="1" lang="ja-JP" altLang="en-US" smtClean="0"/>
-              <a:t>2021/10/7</a:t>
+              <a:t>2021/10/8</a:t>
             </a:fld>
             <a:endParaRPr kumimoji="1" lang="ja-JP" altLang="en-US"/>
           </a:p>
@@ -6327,7 +6327,7 @@
           <a:p>
             <a:fld id="{56F9016B-CCA6-43BE-8BEE-59565A35F4F7}" type="datetimeFigureOut">
               <a:rPr kumimoji="1" lang="ja-JP" altLang="en-US" smtClean="0"/>
-              <a:t>2021/10/7</a:t>
+              <a:t>2021/10/8</a:t>
             </a:fld>
             <a:endParaRPr kumimoji="1" lang="ja-JP" altLang="en-US"/>
           </a:p>
@@ -6604,7 +6604,7 @@
           <a:p>
             <a:fld id="{56F9016B-CCA6-43BE-8BEE-59565A35F4F7}" type="datetimeFigureOut">
               <a:rPr kumimoji="1" lang="ja-JP" altLang="en-US" smtClean="0"/>
-              <a:t>2021/10/7</a:t>
+              <a:t>2021/10/8</a:t>
             </a:fld>
             <a:endParaRPr kumimoji="1" lang="ja-JP" altLang="en-US"/>
           </a:p>
@@ -6816,7 +6816,7 @@
           <a:p>
             <a:fld id="{56F9016B-CCA6-43BE-8BEE-59565A35F4F7}" type="datetimeFigureOut">
               <a:rPr kumimoji="1" lang="ja-JP" altLang="en-US" smtClean="0"/>
-              <a:t>2021/10/7</a:t>
+              <a:t>2021/10/8</a:t>
             </a:fld>
             <a:endParaRPr kumimoji="1" lang="ja-JP" altLang="en-US"/>
           </a:p>
@@ -9875,7 +9875,7 @@
           <a:p>
             <a:fld id="{56F9016B-CCA6-43BE-8BEE-59565A35F4F7}" type="datetimeFigureOut">
               <a:rPr kumimoji="1" lang="ja-JP" altLang="en-US" smtClean="0"/>
-              <a:t>2021/10/7</a:t>
+              <a:t>2021/10/8</a:t>
             </a:fld>
             <a:endParaRPr kumimoji="1" lang="ja-JP" altLang="en-US"/>
           </a:p>
@@ -34849,13 +34849,13 @@
           <p:nvPr>
             <p:extLst>
               <p:ext uri="{D42A27DB-BD31-4B8C-83A1-F6EECF244321}">
-                <p14:modId xmlns:p14="http://schemas.microsoft.com/office/powerpoint/2010/main" val="52550035"/>
+                <p14:modId xmlns:p14="http://schemas.microsoft.com/office/powerpoint/2010/main" val="3204201610"/>
               </p:ext>
             </p:extLst>
           </p:nvPr>
         </p:nvGraphicFramePr>
         <p:xfrm>
-          <a:off x="2025808" y="6002226"/>
+          <a:off x="2005427" y="6001747"/>
           <a:ext cx="2560689" cy="548640"/>
         </p:xfrm>
         <a:graphic>
@@ -35337,13 +35337,13 @@
           <p:nvPr>
             <p:extLst>
               <p:ext uri="{D42A27DB-BD31-4B8C-83A1-F6EECF244321}">
-                <p14:modId xmlns:p14="http://schemas.microsoft.com/office/powerpoint/2010/main" val="2448958971"/>
+                <p14:modId xmlns:p14="http://schemas.microsoft.com/office/powerpoint/2010/main" val="926736404"/>
               </p:ext>
             </p:extLst>
           </p:nvPr>
         </p:nvGraphicFramePr>
         <p:xfrm>
-          <a:off x="2112269" y="4591776"/>
+          <a:off x="2050373" y="4591776"/>
           <a:ext cx="2561800" cy="548640"/>
         </p:xfrm>
         <a:graphic>
@@ -40516,11 +40516,7 @@
             </a:r>
             <a:r>
               <a:rPr lang="en-US" altLang="ja-JP" sz="1400" dirty="0" smtClean="0"/>
-              <a:t> </a:t>
-            </a:r>
-            <a:r>
-              <a:rPr lang="en-US" altLang="ja-JP" sz="1400" dirty="0" smtClean="0"/>
-              <a:t>}}</a:t>
+              <a:t> }}</a:t>
             </a:r>
           </a:p>
           <a:p>
@@ -41234,18 +41230,7 @@
                   </a:schemeClr>
                 </a:solidFill>
               </a:rPr>
-              <a:t>・作成後</a:t>
-            </a:r>
-            <a:r>
-              <a:rPr lang="ja-JP" altLang="en-US" sz="1600" b="1" kern="0" dirty="0" smtClean="0">
-                <a:solidFill>
-                  <a:schemeClr val="accent6">
-                    <a:lumMod val="90000"/>
-                    <a:lumOff val="10000"/>
-                  </a:schemeClr>
-                </a:solidFill>
-              </a:rPr>
-              <a:t>イメージ</a:t>
+              <a:t>・作成後イメージ</a:t>
             </a:r>
             <a:endParaRPr lang="ja-JP" altLang="en-US" sz="1600" b="1" kern="0" dirty="0">
               <a:solidFill>

--- a/asset/Learn_ja/ITA-Conductor_practice_ja.pptx
+++ b/asset/Learn_ja/ITA-Conductor_practice_ja.pptx
@@ -330,7 +330,7 @@
               <a:rPr kumimoji="1" lang="ja-JP" altLang="en-US" smtClean="0">
                 <a:ea typeface="メイリオ" panose="020B0604030504040204" pitchFamily="50" charset="-128"/>
               </a:rPr>
-              <a:t>2021/10/8</a:t>
+              <a:t>2022/1/28</a:t>
             </a:fld>
             <a:endParaRPr kumimoji="1" lang="ja-JP" altLang="en-US" dirty="0">
               <a:ea typeface="メイリオ" panose="020B0604030504040204" pitchFamily="50" charset="-128"/>
@@ -476,7 +476,7 @@
             <a:fld id="{4B26993D-C081-44EB-B0F5-A9F467792B62}" type="datetimeFigureOut">
               <a:rPr lang="ja-JP" altLang="en-US" smtClean="0"/>
               <a:pPr/>
-              <a:t>2021/10/8</a:t>
+              <a:t>2022/1/28</a:t>
             </a:fld>
             <a:endParaRPr lang="ja-JP" altLang="en-US" dirty="0"/>
           </a:p>
@@ -4377,7 +4377,7 @@
           <a:p>
             <a:fld id="{56F9016B-CCA6-43BE-8BEE-59565A35F4F7}" type="datetimeFigureOut">
               <a:rPr kumimoji="1" lang="ja-JP" altLang="en-US" smtClean="0"/>
-              <a:t>2021/10/8</a:t>
+              <a:t>2022/1/28</a:t>
             </a:fld>
             <a:endParaRPr kumimoji="1" lang="ja-JP" altLang="en-US"/>
           </a:p>
@@ -4579,7 +4579,7 @@
           <a:p>
             <a:fld id="{56F9016B-CCA6-43BE-8BEE-59565A35F4F7}" type="datetimeFigureOut">
               <a:rPr kumimoji="1" lang="ja-JP" altLang="en-US" smtClean="0"/>
-              <a:t>2021/10/8</a:t>
+              <a:t>2022/1/28</a:t>
             </a:fld>
             <a:endParaRPr kumimoji="1" lang="ja-JP" altLang="en-US"/>
           </a:p>
@@ -4825,7 +4825,7 @@
           <a:p>
             <a:fld id="{56F9016B-CCA6-43BE-8BEE-59565A35F4F7}" type="datetimeFigureOut">
               <a:rPr kumimoji="1" lang="ja-JP" altLang="en-US" smtClean="0"/>
-              <a:t>2021/10/8</a:t>
+              <a:t>2022/1/28</a:t>
             </a:fld>
             <a:endParaRPr kumimoji="1" lang="ja-JP" altLang="en-US"/>
           </a:p>
@@ -5121,7 +5121,7 @@
           <a:p>
             <a:fld id="{56F9016B-CCA6-43BE-8BEE-59565A35F4F7}" type="datetimeFigureOut">
               <a:rPr kumimoji="1" lang="ja-JP" altLang="en-US" smtClean="0"/>
-              <a:t>2021/10/8</a:t>
+              <a:t>2022/1/28</a:t>
             </a:fld>
             <a:endParaRPr kumimoji="1" lang="ja-JP" altLang="en-US"/>
           </a:p>
@@ -5552,7 +5552,7 @@
           <a:p>
             <a:fld id="{56F9016B-CCA6-43BE-8BEE-59565A35F4F7}" type="datetimeFigureOut">
               <a:rPr kumimoji="1" lang="ja-JP" altLang="en-US" smtClean="0"/>
-              <a:t>2021/10/8</a:t>
+              <a:t>2022/1/28</a:t>
             </a:fld>
             <a:endParaRPr kumimoji="1" lang="ja-JP" altLang="en-US"/>
           </a:p>
@@ -5670,7 +5670,7 @@
           <a:p>
             <a:fld id="{56F9016B-CCA6-43BE-8BEE-59565A35F4F7}" type="datetimeFigureOut">
               <a:rPr kumimoji="1" lang="ja-JP" altLang="en-US" smtClean="0"/>
-              <a:t>2021/10/8</a:t>
+              <a:t>2022/1/28</a:t>
             </a:fld>
             <a:endParaRPr kumimoji="1" lang="ja-JP" altLang="en-US"/>
           </a:p>
@@ -5765,7 +5765,7 @@
           <a:p>
             <a:fld id="{56F9016B-CCA6-43BE-8BEE-59565A35F4F7}" type="datetimeFigureOut">
               <a:rPr kumimoji="1" lang="ja-JP" altLang="en-US" smtClean="0"/>
-              <a:t>2021/10/8</a:t>
+              <a:t>2022/1/28</a:t>
             </a:fld>
             <a:endParaRPr kumimoji="1" lang="ja-JP" altLang="en-US"/>
           </a:p>
@@ -6074,7 +6074,7 @@
           <a:p>
             <a:fld id="{56F9016B-CCA6-43BE-8BEE-59565A35F4F7}" type="datetimeFigureOut">
               <a:rPr kumimoji="1" lang="ja-JP" altLang="en-US" smtClean="0"/>
-              <a:t>2021/10/8</a:t>
+              <a:t>2022/1/28</a:t>
             </a:fld>
             <a:endParaRPr kumimoji="1" lang="ja-JP" altLang="en-US"/>
           </a:p>
@@ -6327,7 +6327,7 @@
           <a:p>
             <a:fld id="{56F9016B-CCA6-43BE-8BEE-59565A35F4F7}" type="datetimeFigureOut">
               <a:rPr kumimoji="1" lang="ja-JP" altLang="en-US" smtClean="0"/>
-              <a:t>2021/10/8</a:t>
+              <a:t>2022/1/28</a:t>
             </a:fld>
             <a:endParaRPr kumimoji="1" lang="ja-JP" altLang="en-US"/>
           </a:p>
@@ -6604,7 +6604,7 @@
           <a:p>
             <a:fld id="{56F9016B-CCA6-43BE-8BEE-59565A35F4F7}" type="datetimeFigureOut">
               <a:rPr kumimoji="1" lang="ja-JP" altLang="en-US" smtClean="0"/>
-              <a:t>2021/10/8</a:t>
+              <a:t>2022/1/28</a:t>
             </a:fld>
             <a:endParaRPr kumimoji="1" lang="ja-JP" altLang="en-US"/>
           </a:p>
@@ -6816,7 +6816,7 @@
           <a:p>
             <a:fld id="{56F9016B-CCA6-43BE-8BEE-59565A35F4F7}" type="datetimeFigureOut">
               <a:rPr kumimoji="1" lang="ja-JP" altLang="en-US" smtClean="0"/>
-              <a:t>2021/10/8</a:t>
+              <a:t>2022/1/28</a:t>
             </a:fld>
             <a:endParaRPr kumimoji="1" lang="ja-JP" altLang="en-US"/>
           </a:p>
@@ -9875,7 +9875,7 @@
           <a:p>
             <a:fld id="{56F9016B-CCA6-43BE-8BEE-59565A35F4F7}" type="datetimeFigureOut">
               <a:rPr kumimoji="1" lang="ja-JP" altLang="en-US" smtClean="0"/>
-              <a:t>2021/10/8</a:t>
+              <a:t>2022/1/28</a:t>
             </a:fld>
             <a:endParaRPr kumimoji="1" lang="ja-JP" altLang="en-US"/>
           </a:p>
@@ -10313,11 +10313,19 @@
             </a:r>
             <a:r>
               <a:rPr lang="en-US" altLang="ja-JP" dirty="0"/>
-              <a:t> IT Automation Version </a:t>
+              <a:t> IT Automation </a:t>
+            </a:r>
+            <a:r>
+              <a:rPr lang="en-US" altLang="ja-JP"/>
+              <a:t>Version </a:t>
+            </a:r>
+            <a:r>
+              <a:rPr lang="en-US" altLang="ja-JP" smtClean="0"/>
+              <a:t>1.9</a:t>
             </a:r>
             <a:r>
               <a:rPr lang="en-US" altLang="ja-JP" dirty="0" smtClean="0"/>
-              <a:t>1.8</a:t>
+              <a:t/>
             </a:r>
             <a:br>
               <a:rPr lang="en-US" altLang="ja-JP" dirty="0" smtClean="0"/>
@@ -16903,7 +16911,7 @@
       </p:grpSpPr>
       <p:pic>
         <p:nvPicPr>
-          <p:cNvPr id="3" name="図 2"/>
+          <p:cNvPr id="4" name="図 3"/>
           <p:cNvPicPr>
             <a:picLocks noChangeAspect="1"/>
           </p:cNvPicPr>
@@ -16917,8 +16925,8 @@
         </p:blipFill>
         <p:spPr>
           <a:xfrm>
-            <a:off x="751667" y="2398166"/>
-            <a:ext cx="5902663" cy="3783600"/>
+            <a:off x="751666" y="2393128"/>
+            <a:ext cx="6942153" cy="3788637"/>
           </a:xfrm>
           <a:prstGeom prst="rect">
             <a:avLst/>
@@ -17140,8 +17148,8 @@
         </p:nvSpPr>
         <p:spPr bwMode="auto">
           <a:xfrm>
-            <a:off x="1908901" y="3911602"/>
-            <a:ext cx="1726969" cy="732832"/>
+            <a:off x="2412335" y="4085696"/>
+            <a:ext cx="791475" cy="724475"/>
           </a:xfrm>
           <a:prstGeom prst="roundRect">
             <a:avLst>
@@ -17184,7 +17192,7 @@
         </p:nvSpPr>
         <p:spPr bwMode="auto">
           <a:xfrm>
-            <a:off x="3275820" y="4878935"/>
+            <a:off x="4283960" y="5034102"/>
             <a:ext cx="237985" cy="268430"/>
           </a:xfrm>
           <a:prstGeom prst="wedgeEllipseCallout">
@@ -17243,7 +17251,7 @@
         </p:nvSpPr>
         <p:spPr bwMode="auto">
           <a:xfrm>
-            <a:off x="4127229" y="2709756"/>
+            <a:off x="6121130" y="3399743"/>
             <a:ext cx="2376330" cy="1295323"/>
           </a:xfrm>
           <a:prstGeom prst="roundRect">
@@ -17307,13 +17315,13 @@
         </p:nvSpPr>
         <p:spPr bwMode="auto">
           <a:xfrm>
-            <a:off x="3976458" y="2553656"/>
+            <a:off x="5970359" y="3243643"/>
             <a:ext cx="301542" cy="312200"/>
           </a:xfrm>
           <a:prstGeom prst="wedgeEllipseCallout">
             <a:avLst>
-              <a:gd name="adj1" fmla="val -438957"/>
-              <a:gd name="adj2" fmla="val 423080"/>
+              <a:gd name="adj1" fmla="val -389011"/>
+              <a:gd name="adj2" fmla="val 219781"/>
             </a:avLst>
           </a:prstGeom>
           <a:solidFill>
@@ -17367,13 +17375,13 @@
           <p:nvPr>
             <p:extLst>
               <p:ext uri="{D42A27DB-BD31-4B8C-83A1-F6EECF244321}">
-                <p14:modId xmlns:p14="http://schemas.microsoft.com/office/powerpoint/2010/main" val="3233388920"/>
+                <p14:modId xmlns:p14="http://schemas.microsoft.com/office/powerpoint/2010/main" val="2159712649"/>
               </p:ext>
             </p:extLst>
           </p:nvPr>
         </p:nvGraphicFramePr>
         <p:xfrm>
-          <a:off x="4213873" y="3050806"/>
+          <a:off x="6207774" y="3740793"/>
           <a:ext cx="2203041" cy="822960"/>
         </p:xfrm>
         <a:graphic>
@@ -18491,8 +18499,52 @@
         </p:nvSpPr>
         <p:spPr bwMode="auto">
           <a:xfrm>
-            <a:off x="2304000" y="4896000"/>
-            <a:ext cx="792190" cy="268430"/>
+            <a:off x="3074154" y="5176850"/>
+            <a:ext cx="1137795" cy="251365"/>
+          </a:xfrm>
+          <a:prstGeom prst="roundRect">
+            <a:avLst>
+              <a:gd name="adj" fmla="val 5764"/>
+            </a:avLst>
+          </a:prstGeom>
+          <a:noFill/>
+          <a:ln w="28575">
+            <a:solidFill>
+              <a:srgbClr val="FF0000"/>
+            </a:solidFill>
+          </a:ln>
+          <a:effectLst/>
+          <a:extLst/>
+        </p:spPr>
+        <p:txBody>
+          <a:bodyPr rot="0" spcFirstLastPara="0" vertOverflow="overflow" horzOverflow="overflow" vert="horz" wrap="none" lIns="72000" tIns="72000" rIns="72000" bIns="72000" numCol="1" spcCol="0" rtlCol="0" fromWordArt="0" anchor="ctr" anchorCtr="0" forceAA="0" compatLnSpc="1">
+            <a:prstTxWarp prst="textNoShape">
+              <a:avLst/>
+            </a:prstTxWarp>
+            <a:noAutofit/>
+          </a:bodyPr>
+          <a:lstStyle/>
+          <a:p>
+            <a:pPr algn="ctr"/>
+            <a:endParaRPr kumimoji="1" lang="ja-JP" altLang="en-US" sz="1400" b="1" dirty="0" smtClean="0">
+              <a:solidFill>
+                <a:srgbClr val="FF0000"/>
+              </a:solidFill>
+              <a:latin typeface="+mn-ea"/>
+            </a:endParaRPr>
+          </a:p>
+        </p:txBody>
+      </p:sp>
+      <p:sp>
+        <p:nvSpPr>
+          <p:cNvPr id="17" name="角丸四角形 16"/>
+          <p:cNvSpPr/>
+          <p:nvPr/>
+        </p:nvSpPr>
+        <p:spPr bwMode="auto">
+          <a:xfrm>
+            <a:off x="3976458" y="4085696"/>
+            <a:ext cx="955592" cy="724475"/>
           </a:xfrm>
           <a:prstGeom prst="roundRect">
             <a:avLst>
@@ -18681,16 +18733,15 @@
           </p:cNvPicPr>
           <p:nvPr/>
         </p:nvPicPr>
-        <p:blipFill>
+        <p:blipFill rotWithShape="1">
           <a:blip r:embed="rId3"/>
-          <a:stretch>
-            <a:fillRect/>
-          </a:stretch>
+          <a:srcRect r="33442"/>
+          <a:stretch/>
         </p:blipFill>
         <p:spPr>
           <a:xfrm>
             <a:off x="323410" y="1773835"/>
-            <a:ext cx="8330812" cy="2880400"/>
+            <a:ext cx="5544770" cy="2880400"/>
           </a:xfrm>
           <a:prstGeom prst="rect">
             <a:avLst/>
@@ -18736,7 +18787,7 @@
       </p:grpSpPr>
       <p:pic>
         <p:nvPicPr>
-          <p:cNvPr id="4" name="図 3"/>
+          <p:cNvPr id="3" name="図 2"/>
           <p:cNvPicPr>
             <a:picLocks noChangeAspect="1"/>
           </p:cNvPicPr>
@@ -18750,8 +18801,8 @@
         </p:blipFill>
         <p:spPr>
           <a:xfrm>
-            <a:off x="485068" y="2351444"/>
-            <a:ext cx="6420821" cy="3038400"/>
+            <a:off x="251400" y="2548817"/>
+            <a:ext cx="6658200" cy="3021635"/>
           </a:xfrm>
           <a:prstGeom prst="rect">
             <a:avLst/>
@@ -18782,16 +18833,16 @@
               <a:t>.5</a:t>
             </a:r>
             <a:r>
-              <a:rPr lang="ja-JP" altLang="en-US" dirty="0"/>
+              <a:rPr lang="ja-JP" altLang="en-US"/>
               <a:t>　</a:t>
             </a:r>
             <a:r>
-              <a:rPr lang="en-US" altLang="ja-JP" dirty="0"/>
-              <a:t>Movement</a:t>
-            </a:r>
-            <a:r>
-              <a:rPr lang="ja-JP" altLang="en-US" dirty="0"/>
-              <a:t>詳細の</a:t>
+              <a:rPr lang="en-US" altLang="ja-JP"/>
+              <a:t>Movement-Playbook</a:t>
+            </a:r>
+            <a:r>
+              <a:rPr lang="ja-JP" altLang="en-US"/>
+              <a:t>紐付の</a:t>
             </a:r>
             <a:r>
               <a:rPr lang="ja-JP" altLang="en-US" dirty="0" smtClean="0"/>
@@ -18832,12 +18883,16 @@
               <a:buChar char="l"/>
             </a:pPr>
             <a:r>
-              <a:rPr lang="en-US" altLang="ja-JP" b="1" dirty="0" smtClean="0"/>
-              <a:t>Movement</a:t>
+              <a:rPr lang="en-US" altLang="ja-JP" b="1" smtClean="0"/>
+              <a:t>Movement-Playbook</a:t>
+            </a:r>
+            <a:r>
+              <a:rPr lang="ja-JP" altLang="en-US" b="1" smtClean="0"/>
+              <a:t>紐付の</a:t>
             </a:r>
             <a:r>
               <a:rPr lang="ja-JP" altLang="en-US" b="1" dirty="0" smtClean="0"/>
-              <a:t>詳細の登録</a:t>
+              <a:t>登録</a:t>
             </a:r>
             <a:endParaRPr lang="en-US" altLang="ja-JP" b="1" dirty="0" smtClean="0"/>
           </a:p>
@@ -18975,8 +19030,8 @@
         </p:nvSpPr>
         <p:spPr bwMode="auto">
           <a:xfrm>
-            <a:off x="1619590" y="3727956"/>
-            <a:ext cx="2604894" cy="558793"/>
+            <a:off x="1749577" y="4152344"/>
+            <a:ext cx="3786792" cy="698575"/>
           </a:xfrm>
           <a:prstGeom prst="roundRect">
             <a:avLst>
@@ -19019,8 +19074,8 @@
         </p:nvSpPr>
         <p:spPr bwMode="auto">
           <a:xfrm>
-            <a:off x="2198638" y="4591925"/>
-            <a:ext cx="870380" cy="201412"/>
+            <a:off x="2511949" y="5206583"/>
+            <a:ext cx="1080150" cy="170438"/>
           </a:xfrm>
           <a:prstGeom prst="roundRect">
             <a:avLst>
@@ -19063,8 +19118,8 @@
         </p:nvSpPr>
         <p:spPr bwMode="auto">
           <a:xfrm>
-            <a:off x="3136589" y="4550757"/>
-            <a:ext cx="237985" cy="268430"/>
+            <a:off x="3682545" y="5072368"/>
+            <a:ext cx="270000" cy="268430"/>
           </a:xfrm>
           <a:prstGeom prst="wedgeEllipseCallout">
             <a:avLst>
@@ -19114,911 +19169,6 @@
           </a:p>
         </p:txBody>
       </p:sp>
-      <p:sp>
-        <p:nvSpPr>
-          <p:cNvPr id="59" name="角丸四角形 58"/>
-          <p:cNvSpPr/>
-          <p:nvPr/>
-        </p:nvSpPr>
-        <p:spPr bwMode="auto">
-          <a:xfrm>
-            <a:off x="651321" y="4819188"/>
-            <a:ext cx="4022357" cy="1952454"/>
-          </a:xfrm>
-          <a:prstGeom prst="roundRect">
-            <a:avLst>
-              <a:gd name="adj" fmla="val 4712"/>
-            </a:avLst>
-          </a:prstGeom>
-          <a:solidFill>
-            <a:schemeClr val="bg1"/>
-          </a:solidFill>
-          <a:ln w="28575">
-            <a:solidFill>
-              <a:srgbClr val="FF0000"/>
-            </a:solidFill>
-          </a:ln>
-          <a:effectLst/>
-          <a:extLst/>
-        </p:spPr>
-        <p:txBody>
-          <a:bodyPr rot="0" spcFirstLastPara="0" vertOverflow="overflow" horzOverflow="overflow" vert="horz" wrap="none" lIns="72000" tIns="72000" rIns="72000" bIns="72000" numCol="1" spcCol="0" rtlCol="0" fromWordArt="0" anchor="t" anchorCtr="0" forceAA="0" compatLnSpc="1">
-            <a:prstTxWarp prst="textNoShape">
-              <a:avLst/>
-            </a:prstTxWarp>
-            <a:noAutofit/>
-          </a:bodyPr>
-          <a:lstStyle/>
-          <a:p>
-            <a:pPr algn="ctr"/>
-            <a:r>
-              <a:rPr lang="ja-JP" altLang="en-US" sz="1400" dirty="0" smtClean="0">
-                <a:latin typeface="+mn-ea"/>
-              </a:rPr>
-              <a:t>項目へ</a:t>
-            </a:r>
-            <a:r>
-              <a:rPr kumimoji="1" lang="ja-JP" altLang="en-US" sz="1400" dirty="0" smtClean="0">
-                <a:latin typeface="+mn-ea"/>
-              </a:rPr>
-              <a:t>値を</a:t>
-            </a:r>
-            <a:r>
-              <a:rPr lang="ja-JP" altLang="en-US" sz="1400" dirty="0">
-                <a:latin typeface="+mn-ea"/>
-              </a:rPr>
-              <a:t>設定</a:t>
-            </a:r>
-            <a:r>
-              <a:rPr kumimoji="1" lang="ja-JP" altLang="en-US" sz="1400" dirty="0" smtClean="0">
-                <a:latin typeface="+mn-ea"/>
-              </a:rPr>
-              <a:t>する</a:t>
-            </a:r>
-          </a:p>
-        </p:txBody>
-      </p:sp>
-      <p:sp>
-        <p:nvSpPr>
-          <p:cNvPr id="60" name="円形吹き出し 59"/>
-          <p:cNvSpPr/>
-          <p:nvPr/>
-        </p:nvSpPr>
-        <p:spPr bwMode="auto">
-          <a:xfrm>
-            <a:off x="3953219" y="4450557"/>
-            <a:ext cx="272014" cy="342780"/>
-          </a:xfrm>
-          <a:prstGeom prst="wedgeEllipseCallout">
-            <a:avLst>
-              <a:gd name="adj1" fmla="val -51010"/>
-              <a:gd name="adj2" fmla="val -149018"/>
-            </a:avLst>
-          </a:prstGeom>
-          <a:solidFill>
-            <a:srgbClr val="FF0000"/>
-          </a:solidFill>
-          <a:ln w="28575">
-            <a:noFill/>
-          </a:ln>
-          <a:effectLst/>
-          <a:extLst/>
-        </p:spPr>
-        <p:style>
-          <a:lnRef idx="3">
-            <a:schemeClr val="lt1"/>
-          </a:lnRef>
-          <a:fillRef idx="1">
-            <a:schemeClr val="accent2"/>
-          </a:fillRef>
-          <a:effectRef idx="1">
-            <a:schemeClr val="accent2"/>
-          </a:effectRef>
-          <a:fontRef idx="minor">
-            <a:schemeClr val="lt1"/>
-          </a:fontRef>
-        </p:style>
-        <p:txBody>
-          <a:bodyPr rot="0" spcFirstLastPara="0" vertOverflow="overflow" horzOverflow="overflow" vert="horz" wrap="none" lIns="72000" tIns="72000" rIns="72000" bIns="72000" numCol="1" spcCol="0" rtlCol="0" fromWordArt="0" anchor="ctr" anchorCtr="1" forceAA="0" compatLnSpc="1">
-            <a:prstTxWarp prst="textNoShape">
-              <a:avLst/>
-            </a:prstTxWarp>
-            <a:noAutofit/>
-          </a:bodyPr>
-          <a:lstStyle/>
-          <a:p>
-            <a:pPr algn="ctr"/>
-            <a:r>
-              <a:rPr kumimoji="1" lang="ja-JP" altLang="en-US" sz="1400" b="1" dirty="0" smtClean="0">
-                <a:latin typeface="+mn-ea"/>
-              </a:rPr>
-              <a:t>１</a:t>
-            </a:r>
-          </a:p>
-        </p:txBody>
-      </p:sp>
-      <p:graphicFrame>
-        <p:nvGraphicFramePr>
-          <p:cNvPr id="61" name="表 60"/>
-          <p:cNvGraphicFramePr>
-            <a:graphicFrameLocks noGrp="1"/>
-          </p:cNvGraphicFramePr>
-          <p:nvPr>
-            <p:extLst>
-              <p:ext uri="{D42A27DB-BD31-4B8C-83A1-F6EECF244321}">
-                <p14:modId xmlns:p14="http://schemas.microsoft.com/office/powerpoint/2010/main" val="2375724538"/>
-              </p:ext>
-            </p:extLst>
-          </p:nvPr>
-        </p:nvGraphicFramePr>
-        <p:xfrm>
-          <a:off x="764671" y="5163152"/>
-          <a:ext cx="3810774" cy="1463040"/>
-        </p:xfrm>
-        <a:graphic>
-          <a:graphicData uri="http://schemas.openxmlformats.org/drawingml/2006/table">
-            <a:tbl>
-              <a:tblPr firstRow="1" bandRow="1">
-                <a:tableStyleId>{5C22544A-7EE6-4342-B048-85BDC9FD1C3A}</a:tableStyleId>
-              </a:tblPr>
-              <a:tblGrid>
-                <a:gridCol w="2394686">
-                  <a:extLst>
-                    <a:ext uri="{9D8B030D-6E8A-4147-A177-3AD203B41FA5}">
-                      <a16:colId xmlns:a16="http://schemas.microsoft.com/office/drawing/2014/main" val="2883640048"/>
-                    </a:ext>
-                  </a:extLst>
-                </a:gridCol>
-                <a:gridCol w="1416088">
-                  <a:extLst>
-                    <a:ext uri="{9D8B030D-6E8A-4147-A177-3AD203B41FA5}">
-                      <a16:colId xmlns:a16="http://schemas.microsoft.com/office/drawing/2014/main" val="1123245703"/>
-                    </a:ext>
-                  </a:extLst>
-                </a:gridCol>
-              </a:tblGrid>
-              <a:tr h="270234">
-                <a:tc>
-                  <a:txBody>
-                    <a:bodyPr/>
-                    <a:lstStyle/>
-                    <a:p>
-                      <a:pPr algn="ctr"/>
-                      <a:r>
-                        <a:rPr kumimoji="1" lang="ja-JP" altLang="en-US" sz="1200" dirty="0" smtClean="0">
-                          <a:solidFill>
-                            <a:schemeClr val="bg1"/>
-                          </a:solidFill>
-                          <a:latin typeface="+mn-lt"/>
-                        </a:rPr>
-                        <a:t>項目</a:t>
-                      </a:r>
-                      <a:endParaRPr kumimoji="1" lang="ja-JP" altLang="en-US" sz="1200" dirty="0">
-                        <a:solidFill>
-                          <a:schemeClr val="bg1"/>
-                        </a:solidFill>
-                        <a:latin typeface="+mn-lt"/>
-                      </a:endParaRPr>
-                    </a:p>
-                  </a:txBody>
-                  <a:tcPr>
-                    <a:lnL w="12700" cap="flat" cmpd="sng" algn="ctr">
-                      <a:solidFill>
-                        <a:schemeClr val="bg1">
-                          <a:lumMod val="85000"/>
-                        </a:schemeClr>
-                      </a:solidFill>
-                      <a:prstDash val="solid"/>
-                      <a:round/>
-                      <a:headEnd type="none" w="med" len="med"/>
-                      <a:tailEnd type="none" w="med" len="med"/>
-                    </a:lnL>
-                    <a:lnR w="12700" cap="flat" cmpd="sng" algn="ctr">
-                      <a:solidFill>
-                        <a:schemeClr val="bg1">
-                          <a:lumMod val="85000"/>
-                        </a:schemeClr>
-                      </a:solidFill>
-                      <a:prstDash val="solid"/>
-                      <a:round/>
-                      <a:headEnd type="none" w="med" len="med"/>
-                      <a:tailEnd type="none" w="med" len="med"/>
-                    </a:lnR>
-                    <a:lnT w="12700" cap="flat" cmpd="sng" algn="ctr">
-                      <a:solidFill>
-                        <a:schemeClr val="bg1">
-                          <a:lumMod val="85000"/>
-                        </a:schemeClr>
-                      </a:solidFill>
-                      <a:prstDash val="solid"/>
-                      <a:round/>
-                      <a:headEnd type="none" w="med" len="med"/>
-                      <a:tailEnd type="none" w="med" len="med"/>
-                    </a:lnT>
-                    <a:lnB w="12700" cap="flat" cmpd="sng" algn="ctr">
-                      <a:solidFill>
-                        <a:schemeClr val="bg1">
-                          <a:lumMod val="85000"/>
-                        </a:schemeClr>
-                      </a:solidFill>
-                      <a:prstDash val="solid"/>
-                      <a:round/>
-                      <a:headEnd type="none" w="med" len="med"/>
-                      <a:tailEnd type="none" w="med" len="med"/>
-                    </a:lnB>
-                    <a:lnTlToBr w="12700" cmpd="sng">
-                      <a:noFill/>
-                      <a:prstDash val="solid"/>
-                    </a:lnTlToBr>
-                    <a:lnBlToTr w="12700" cmpd="sng">
-                      <a:noFill/>
-                      <a:prstDash val="solid"/>
-                    </a:lnBlToTr>
-                    <a:solidFill>
-                      <a:schemeClr val="accent6"/>
-                    </a:solidFill>
-                  </a:tcPr>
-                </a:tc>
-                <a:tc>
-                  <a:txBody>
-                    <a:bodyPr/>
-                    <a:lstStyle/>
-                    <a:p>
-                      <a:pPr algn="ctr"/>
-                      <a:r>
-                        <a:rPr kumimoji="1" lang="ja-JP" altLang="en-US" sz="1200" dirty="0" smtClean="0">
-                          <a:solidFill>
-                            <a:schemeClr val="bg1"/>
-                          </a:solidFill>
-                          <a:latin typeface="+mn-lt"/>
-                        </a:rPr>
-                        <a:t>値</a:t>
-                      </a:r>
-                      <a:endParaRPr kumimoji="1" lang="ja-JP" altLang="en-US" sz="1200" dirty="0">
-                        <a:solidFill>
-                          <a:schemeClr val="bg1"/>
-                        </a:solidFill>
-                        <a:latin typeface="+mn-lt"/>
-                      </a:endParaRPr>
-                    </a:p>
-                  </a:txBody>
-                  <a:tcPr>
-                    <a:lnL w="12700" cap="flat" cmpd="sng" algn="ctr">
-                      <a:solidFill>
-                        <a:schemeClr val="bg1">
-                          <a:lumMod val="85000"/>
-                        </a:schemeClr>
-                      </a:solidFill>
-                      <a:prstDash val="solid"/>
-                      <a:round/>
-                      <a:headEnd type="none" w="med" len="med"/>
-                      <a:tailEnd type="none" w="med" len="med"/>
-                    </a:lnL>
-                    <a:lnR w="12700" cap="flat" cmpd="sng" algn="ctr">
-                      <a:solidFill>
-                        <a:schemeClr val="bg1">
-                          <a:lumMod val="85000"/>
-                        </a:schemeClr>
-                      </a:solidFill>
-                      <a:prstDash val="solid"/>
-                      <a:round/>
-                      <a:headEnd type="none" w="med" len="med"/>
-                      <a:tailEnd type="none" w="med" len="med"/>
-                    </a:lnR>
-                    <a:lnT w="12700" cap="flat" cmpd="sng" algn="ctr">
-                      <a:solidFill>
-                        <a:schemeClr val="bg1">
-                          <a:lumMod val="85000"/>
-                        </a:schemeClr>
-                      </a:solidFill>
-                      <a:prstDash val="solid"/>
-                      <a:round/>
-                      <a:headEnd type="none" w="med" len="med"/>
-                      <a:tailEnd type="none" w="med" len="med"/>
-                    </a:lnT>
-                    <a:lnB w="12700" cap="flat" cmpd="sng" algn="ctr">
-                      <a:solidFill>
-                        <a:schemeClr val="bg1">
-                          <a:lumMod val="85000"/>
-                        </a:schemeClr>
-                      </a:solidFill>
-                      <a:prstDash val="solid"/>
-                      <a:round/>
-                      <a:headEnd type="none" w="med" len="med"/>
-                      <a:tailEnd type="none" w="med" len="med"/>
-                    </a:lnB>
-                    <a:lnTlToBr w="12700" cmpd="sng">
-                      <a:noFill/>
-                      <a:prstDash val="solid"/>
-                    </a:lnTlToBr>
-                    <a:lnBlToTr w="12700" cmpd="sng">
-                      <a:noFill/>
-                      <a:prstDash val="solid"/>
-                    </a:lnBlToTr>
-                    <a:solidFill>
-                      <a:schemeClr val="accent6"/>
-                    </a:solidFill>
-                  </a:tcPr>
-                </a:tc>
-                <a:extLst>
-                  <a:ext uri="{0D108BD9-81ED-4DB2-BD59-A6C34878D82A}">
-                    <a16:rowId xmlns:a16="http://schemas.microsoft.com/office/drawing/2014/main" val="2458714703"/>
-                  </a:ext>
-                </a:extLst>
-              </a:tr>
-              <a:tr h="270234">
-                <a:tc>
-                  <a:txBody>
-                    <a:bodyPr/>
-                    <a:lstStyle/>
-                    <a:p>
-                      <a:r>
-                        <a:rPr kumimoji="1" lang="en-US" altLang="ja-JP" sz="1200" b="1" dirty="0" smtClean="0">
-                          <a:solidFill>
-                            <a:schemeClr val="tx1"/>
-                          </a:solidFill>
-                          <a:latin typeface="+mn-lt"/>
-                        </a:rPr>
-                        <a:t>Movement</a:t>
-                      </a:r>
-                      <a:endParaRPr kumimoji="1" lang="ja-JP" altLang="en-US" sz="1200" b="1" dirty="0">
-                        <a:solidFill>
-                          <a:schemeClr val="tx1"/>
-                        </a:solidFill>
-                        <a:latin typeface="+mn-lt"/>
-                      </a:endParaRPr>
-                    </a:p>
-                  </a:txBody>
-                  <a:tcPr>
-                    <a:lnL w="12700" cap="flat" cmpd="sng" algn="ctr">
-                      <a:solidFill>
-                        <a:schemeClr val="bg1">
-                          <a:lumMod val="85000"/>
-                        </a:schemeClr>
-                      </a:solidFill>
-                      <a:prstDash val="solid"/>
-                      <a:round/>
-                      <a:headEnd type="none" w="med" len="med"/>
-                      <a:tailEnd type="none" w="med" len="med"/>
-                    </a:lnL>
-                    <a:lnR w="12700" cap="flat" cmpd="sng" algn="ctr">
-                      <a:solidFill>
-                        <a:schemeClr val="bg1">
-                          <a:lumMod val="85000"/>
-                        </a:schemeClr>
-                      </a:solidFill>
-                      <a:prstDash val="solid"/>
-                      <a:round/>
-                      <a:headEnd type="none" w="med" len="med"/>
-                      <a:tailEnd type="none" w="med" len="med"/>
-                    </a:lnR>
-                    <a:lnT w="12700" cap="flat" cmpd="sng" algn="ctr">
-                      <a:solidFill>
-                        <a:schemeClr val="bg1">
-                          <a:lumMod val="85000"/>
-                        </a:schemeClr>
-                      </a:solidFill>
-                      <a:prstDash val="solid"/>
-                      <a:round/>
-                      <a:headEnd type="none" w="med" len="med"/>
-                      <a:tailEnd type="none" w="med" len="med"/>
-                    </a:lnT>
-                    <a:lnB w="12700" cap="flat" cmpd="sng" algn="ctr">
-                      <a:solidFill>
-                        <a:schemeClr val="bg1">
-                          <a:lumMod val="85000"/>
-                        </a:schemeClr>
-                      </a:solidFill>
-                      <a:prstDash val="solid"/>
-                      <a:round/>
-                      <a:headEnd type="none" w="med" len="med"/>
-                      <a:tailEnd type="none" w="med" len="med"/>
-                    </a:lnB>
-                    <a:lnTlToBr w="12700" cmpd="sng">
-                      <a:noFill/>
-                      <a:prstDash val="solid"/>
-                    </a:lnTlToBr>
-                    <a:lnBlToTr w="12700" cmpd="sng">
-                      <a:noFill/>
-                      <a:prstDash val="solid"/>
-                    </a:lnBlToTr>
-                    <a:solidFill>
-                      <a:schemeClr val="bg1"/>
-                    </a:solidFill>
-                  </a:tcPr>
-                </a:tc>
-                <a:tc>
-                  <a:txBody>
-                    <a:bodyPr/>
-                    <a:lstStyle/>
-                    <a:p>
-                      <a:r>
-                        <a:rPr kumimoji="1" lang="ja-JP" altLang="en-US" sz="1200" dirty="0" smtClean="0">
-                          <a:solidFill>
-                            <a:schemeClr val="tx1"/>
-                          </a:solidFill>
-                          <a:latin typeface="+mn-lt"/>
-                        </a:rPr>
-                        <a:t>作成した</a:t>
-                      </a:r>
-                      <a:r>
-                        <a:rPr kumimoji="1" lang="en-US" altLang="ja-JP" sz="1200" dirty="0" smtClean="0">
-                          <a:solidFill>
-                            <a:schemeClr val="tx1"/>
-                          </a:solidFill>
-                          <a:latin typeface="+mn-lt"/>
-                        </a:rPr>
-                        <a:t>Movement</a:t>
-                      </a:r>
-                      <a:r>
-                        <a:rPr kumimoji="1" lang="ja-JP" altLang="en-US" sz="1200" dirty="0" smtClean="0">
-                          <a:solidFill>
-                            <a:schemeClr val="tx1"/>
-                          </a:solidFill>
-                          <a:latin typeface="+mn-lt"/>
-                        </a:rPr>
-                        <a:t>を選択</a:t>
-                      </a:r>
-                      <a:endParaRPr kumimoji="1" lang="ja-JP" altLang="en-US" sz="1200" dirty="0">
-                        <a:solidFill>
-                          <a:schemeClr val="tx1"/>
-                        </a:solidFill>
-                        <a:latin typeface="+mn-lt"/>
-                      </a:endParaRPr>
-                    </a:p>
-                  </a:txBody>
-                  <a:tcPr>
-                    <a:lnL w="12700" cap="flat" cmpd="sng" algn="ctr">
-                      <a:solidFill>
-                        <a:schemeClr val="bg1">
-                          <a:lumMod val="85000"/>
-                        </a:schemeClr>
-                      </a:solidFill>
-                      <a:prstDash val="solid"/>
-                      <a:round/>
-                      <a:headEnd type="none" w="med" len="med"/>
-                      <a:tailEnd type="none" w="med" len="med"/>
-                    </a:lnL>
-                    <a:lnR w="12700" cap="flat" cmpd="sng" algn="ctr">
-                      <a:solidFill>
-                        <a:schemeClr val="bg1">
-                          <a:lumMod val="85000"/>
-                        </a:schemeClr>
-                      </a:solidFill>
-                      <a:prstDash val="solid"/>
-                      <a:round/>
-                      <a:headEnd type="none" w="med" len="med"/>
-                      <a:tailEnd type="none" w="med" len="med"/>
-                    </a:lnR>
-                    <a:lnT w="12700" cap="flat" cmpd="sng" algn="ctr">
-                      <a:solidFill>
-                        <a:schemeClr val="bg1">
-                          <a:lumMod val="85000"/>
-                        </a:schemeClr>
-                      </a:solidFill>
-                      <a:prstDash val="solid"/>
-                      <a:round/>
-                      <a:headEnd type="none" w="med" len="med"/>
-                      <a:tailEnd type="none" w="med" len="med"/>
-                    </a:lnT>
-                    <a:lnB w="12700" cap="flat" cmpd="sng" algn="ctr">
-                      <a:solidFill>
-                        <a:schemeClr val="bg1">
-                          <a:lumMod val="85000"/>
-                        </a:schemeClr>
-                      </a:solidFill>
-                      <a:prstDash val="solid"/>
-                      <a:round/>
-                      <a:headEnd type="none" w="med" len="med"/>
-                      <a:tailEnd type="none" w="med" len="med"/>
-                    </a:lnB>
-                    <a:lnTlToBr w="12700" cmpd="sng">
-                      <a:noFill/>
-                      <a:prstDash val="solid"/>
-                    </a:lnTlToBr>
-                    <a:lnBlToTr w="12700" cmpd="sng">
-                      <a:noFill/>
-                      <a:prstDash val="solid"/>
-                    </a:lnBlToTr>
-                    <a:solidFill>
-                      <a:schemeClr val="bg1"/>
-                    </a:solidFill>
-                  </a:tcPr>
-                </a:tc>
-                <a:extLst>
-                  <a:ext uri="{0D108BD9-81ED-4DB2-BD59-A6C34878D82A}">
-                    <a16:rowId xmlns:a16="http://schemas.microsoft.com/office/drawing/2014/main" val="4029950975"/>
-                  </a:ext>
-                </a:extLst>
-              </a:tr>
-              <a:tr h="270234">
-                <a:tc>
-                  <a:txBody>
-                    <a:bodyPr/>
-                    <a:lstStyle/>
-                    <a:p>
-                      <a:r>
-                        <a:rPr lang="en-US" altLang="ja-JP" sz="1200" b="1" dirty="0" smtClean="0"/>
-                        <a:t>Playbook</a:t>
-                      </a:r>
-                      <a:r>
-                        <a:rPr kumimoji="1" lang="ja-JP" altLang="en-US" sz="1200" b="1" dirty="0" smtClean="0">
-                          <a:solidFill>
-                            <a:schemeClr val="tx1"/>
-                          </a:solidFill>
-                          <a:latin typeface="+mn-lt"/>
-                        </a:rPr>
-                        <a:t>素材</a:t>
-                      </a:r>
-                      <a:endParaRPr kumimoji="1" lang="ja-JP" altLang="en-US" sz="1200" b="1" dirty="0">
-                        <a:solidFill>
-                          <a:schemeClr val="tx1"/>
-                        </a:solidFill>
-                        <a:latin typeface="+mn-lt"/>
-                      </a:endParaRPr>
-                    </a:p>
-                  </a:txBody>
-                  <a:tcPr>
-                    <a:lnL w="12700" cap="flat" cmpd="sng" algn="ctr">
-                      <a:solidFill>
-                        <a:schemeClr val="bg1">
-                          <a:lumMod val="85000"/>
-                        </a:schemeClr>
-                      </a:solidFill>
-                      <a:prstDash val="solid"/>
-                      <a:round/>
-                      <a:headEnd type="none" w="med" len="med"/>
-                      <a:tailEnd type="none" w="med" len="med"/>
-                    </a:lnL>
-                    <a:lnR w="12700" cap="flat" cmpd="sng" algn="ctr">
-                      <a:solidFill>
-                        <a:schemeClr val="bg1">
-                          <a:lumMod val="85000"/>
-                        </a:schemeClr>
-                      </a:solidFill>
-                      <a:prstDash val="solid"/>
-                      <a:round/>
-                      <a:headEnd type="none" w="med" len="med"/>
-                      <a:tailEnd type="none" w="med" len="med"/>
-                    </a:lnR>
-                    <a:lnT w="12700" cap="flat" cmpd="sng" algn="ctr">
-                      <a:solidFill>
-                        <a:schemeClr val="bg1">
-                          <a:lumMod val="85000"/>
-                        </a:schemeClr>
-                      </a:solidFill>
-                      <a:prstDash val="solid"/>
-                      <a:round/>
-                      <a:headEnd type="none" w="med" len="med"/>
-                      <a:tailEnd type="none" w="med" len="med"/>
-                    </a:lnT>
-                    <a:lnB w="12700" cap="flat" cmpd="sng" algn="ctr">
-                      <a:solidFill>
-                        <a:schemeClr val="bg1">
-                          <a:lumMod val="85000"/>
-                        </a:schemeClr>
-                      </a:solidFill>
-                      <a:prstDash val="solid"/>
-                      <a:round/>
-                      <a:headEnd type="none" w="med" len="med"/>
-                      <a:tailEnd type="none" w="med" len="med"/>
-                    </a:lnB>
-                    <a:lnTlToBr w="12700" cmpd="sng">
-                      <a:noFill/>
-                      <a:prstDash val="solid"/>
-                    </a:lnTlToBr>
-                    <a:lnBlToTr w="12700" cmpd="sng">
-                      <a:noFill/>
-                      <a:prstDash val="solid"/>
-                    </a:lnBlToTr>
-                    <a:solidFill>
-                      <a:schemeClr val="bg1"/>
-                    </a:solidFill>
-                  </a:tcPr>
-                </a:tc>
-                <a:tc>
-                  <a:txBody>
-                    <a:bodyPr/>
-                    <a:lstStyle/>
-                    <a:p>
-                      <a:pPr marL="0" marR="0" lvl="0" indent="0" algn="l" defTabSz="914400" rtl="0" eaLnBrk="1" fontAlgn="auto" latinLnBrk="0" hangingPunct="1">
-                        <a:lnSpc>
-                          <a:spcPct val="100000"/>
-                        </a:lnSpc>
-                        <a:spcBef>
-                          <a:spcPts val="0"/>
-                        </a:spcBef>
-                        <a:spcAft>
-                          <a:spcPts val="0"/>
-                        </a:spcAft>
-                        <a:buClrTx/>
-                        <a:buSzTx/>
-                        <a:buFontTx/>
-                        <a:buNone/>
-                        <a:tabLst/>
-                        <a:defRPr/>
-                      </a:pPr>
-                      <a:r>
-                        <a:rPr lang="ja-JP" altLang="en-US" sz="1200" dirty="0" smtClean="0">
-                          <a:solidFill>
-                            <a:schemeClr val="tx1"/>
-                          </a:solidFill>
-                          <a:latin typeface="+mn-lt"/>
-                        </a:rPr>
-                        <a:t>登録した</a:t>
-                      </a:r>
-                      <a:r>
-                        <a:rPr lang="en-US" altLang="ja-JP" sz="1200" dirty="0" smtClean="0">
-                          <a:solidFill>
-                            <a:schemeClr val="tx1"/>
-                          </a:solidFill>
-                          <a:latin typeface="+mn-lt"/>
-                        </a:rPr>
-                        <a:t>Playbook</a:t>
-                      </a:r>
-                      <a:r>
-                        <a:rPr lang="ja-JP" altLang="en-US" sz="1200" dirty="0" smtClean="0">
-                          <a:solidFill>
-                            <a:schemeClr val="tx1"/>
-                          </a:solidFill>
-                          <a:latin typeface="+mn-lt"/>
-                        </a:rPr>
-                        <a:t>を選択</a:t>
-                      </a:r>
-                      <a:endParaRPr lang="en-US" altLang="ja-JP" sz="1200" dirty="0" smtClean="0">
-                        <a:solidFill>
-                          <a:schemeClr val="tx1"/>
-                        </a:solidFill>
-                        <a:latin typeface="+mn-lt"/>
-                      </a:endParaRPr>
-                    </a:p>
-                  </a:txBody>
-                  <a:tcPr>
-                    <a:lnL w="12700" cap="flat" cmpd="sng" algn="ctr">
-                      <a:solidFill>
-                        <a:schemeClr val="bg1">
-                          <a:lumMod val="85000"/>
-                        </a:schemeClr>
-                      </a:solidFill>
-                      <a:prstDash val="solid"/>
-                      <a:round/>
-                      <a:headEnd type="none" w="med" len="med"/>
-                      <a:tailEnd type="none" w="med" len="med"/>
-                    </a:lnL>
-                    <a:lnR w="12700" cap="flat" cmpd="sng" algn="ctr">
-                      <a:solidFill>
-                        <a:schemeClr val="bg1">
-                          <a:lumMod val="85000"/>
-                        </a:schemeClr>
-                      </a:solidFill>
-                      <a:prstDash val="solid"/>
-                      <a:round/>
-                      <a:headEnd type="none" w="med" len="med"/>
-                      <a:tailEnd type="none" w="med" len="med"/>
-                    </a:lnR>
-                    <a:lnT w="12700" cap="flat" cmpd="sng" algn="ctr">
-                      <a:solidFill>
-                        <a:schemeClr val="bg1">
-                          <a:lumMod val="85000"/>
-                        </a:schemeClr>
-                      </a:solidFill>
-                      <a:prstDash val="solid"/>
-                      <a:round/>
-                      <a:headEnd type="none" w="med" len="med"/>
-                      <a:tailEnd type="none" w="med" len="med"/>
-                    </a:lnT>
-                    <a:lnB w="12700" cap="flat" cmpd="sng" algn="ctr">
-                      <a:solidFill>
-                        <a:schemeClr val="bg1">
-                          <a:lumMod val="85000"/>
-                        </a:schemeClr>
-                      </a:solidFill>
-                      <a:prstDash val="solid"/>
-                      <a:round/>
-                      <a:headEnd type="none" w="med" len="med"/>
-                      <a:tailEnd type="none" w="med" len="med"/>
-                    </a:lnB>
-                    <a:lnTlToBr w="12700" cmpd="sng">
-                      <a:noFill/>
-                      <a:prstDash val="solid"/>
-                    </a:lnTlToBr>
-                    <a:lnBlToTr w="12700" cmpd="sng">
-                      <a:noFill/>
-                      <a:prstDash val="solid"/>
-                    </a:lnBlToTr>
-                    <a:solidFill>
-                      <a:schemeClr val="bg1"/>
-                    </a:solidFill>
-                  </a:tcPr>
-                </a:tc>
-                <a:extLst>
-                  <a:ext uri="{0D108BD9-81ED-4DB2-BD59-A6C34878D82A}">
-                    <a16:rowId xmlns:a16="http://schemas.microsoft.com/office/drawing/2014/main" val="1438549284"/>
-                  </a:ext>
-                </a:extLst>
-              </a:tr>
-              <a:tr h="270234">
-                <a:tc>
-                  <a:txBody>
-                    <a:bodyPr/>
-                    <a:lstStyle/>
-                    <a:p>
-                      <a:r>
-                        <a:rPr kumimoji="1" lang="ja-JP" altLang="en-US" sz="1200" b="1" dirty="0" smtClean="0">
-                          <a:solidFill>
-                            <a:schemeClr val="tx1"/>
-                          </a:solidFill>
-                          <a:latin typeface="+mn-lt"/>
-                        </a:rPr>
-                        <a:t>インクルード順序</a:t>
-                      </a:r>
-                      <a:endParaRPr kumimoji="1" lang="ja-JP" altLang="en-US" sz="1200" b="1" dirty="0">
-                        <a:solidFill>
-                          <a:schemeClr val="tx1"/>
-                        </a:solidFill>
-                        <a:latin typeface="+mn-lt"/>
-                      </a:endParaRPr>
-                    </a:p>
-                  </a:txBody>
-                  <a:tcPr>
-                    <a:lnL w="12700" cap="flat" cmpd="sng" algn="ctr">
-                      <a:solidFill>
-                        <a:schemeClr val="bg1">
-                          <a:lumMod val="85000"/>
-                        </a:schemeClr>
-                      </a:solidFill>
-                      <a:prstDash val="solid"/>
-                      <a:round/>
-                      <a:headEnd type="none" w="med" len="med"/>
-                      <a:tailEnd type="none" w="med" len="med"/>
-                    </a:lnL>
-                    <a:lnR w="12700" cap="flat" cmpd="sng" algn="ctr">
-                      <a:solidFill>
-                        <a:schemeClr val="bg1">
-                          <a:lumMod val="85000"/>
-                        </a:schemeClr>
-                      </a:solidFill>
-                      <a:prstDash val="solid"/>
-                      <a:round/>
-                      <a:headEnd type="none" w="med" len="med"/>
-                      <a:tailEnd type="none" w="med" len="med"/>
-                    </a:lnR>
-                    <a:lnT w="12700" cap="flat" cmpd="sng" algn="ctr">
-                      <a:solidFill>
-                        <a:schemeClr val="bg1">
-                          <a:lumMod val="85000"/>
-                        </a:schemeClr>
-                      </a:solidFill>
-                      <a:prstDash val="solid"/>
-                      <a:round/>
-                      <a:headEnd type="none" w="med" len="med"/>
-                      <a:tailEnd type="none" w="med" len="med"/>
-                    </a:lnT>
-                    <a:lnB w="12700" cap="flat" cmpd="sng" algn="ctr">
-                      <a:solidFill>
-                        <a:schemeClr val="bg1">
-                          <a:lumMod val="85000"/>
-                        </a:schemeClr>
-                      </a:solidFill>
-                      <a:prstDash val="solid"/>
-                      <a:round/>
-                      <a:headEnd type="none" w="med" len="med"/>
-                      <a:tailEnd type="none" w="med" len="med"/>
-                    </a:lnB>
-                    <a:lnTlToBr w="12700" cmpd="sng">
-                      <a:noFill/>
-                      <a:prstDash val="solid"/>
-                    </a:lnTlToBr>
-                    <a:lnBlToTr w="12700" cmpd="sng">
-                      <a:noFill/>
-                      <a:prstDash val="solid"/>
-                    </a:lnBlToTr>
-                    <a:solidFill>
-                      <a:schemeClr val="bg1"/>
-                    </a:solidFill>
-                  </a:tcPr>
-                </a:tc>
-                <a:tc>
-                  <a:txBody>
-                    <a:bodyPr/>
-                    <a:lstStyle/>
-                    <a:p>
-                      <a:pPr marL="0" marR="0" lvl="0" indent="0" algn="l" defTabSz="914400" rtl="0" eaLnBrk="1" fontAlgn="auto" latinLnBrk="0" hangingPunct="1">
-                        <a:lnSpc>
-                          <a:spcPct val="100000"/>
-                        </a:lnSpc>
-                        <a:spcBef>
-                          <a:spcPts val="0"/>
-                        </a:spcBef>
-                        <a:spcAft>
-                          <a:spcPts val="0"/>
-                        </a:spcAft>
-                        <a:buClrTx/>
-                        <a:buSzTx/>
-                        <a:buFontTx/>
-                        <a:buNone/>
-                        <a:tabLst/>
-                        <a:defRPr/>
-                      </a:pPr>
-                      <a:r>
-                        <a:rPr lang="en-US" altLang="ja-JP" sz="1200" dirty="0" smtClean="0">
-                          <a:solidFill>
-                            <a:schemeClr val="tx1"/>
-                          </a:solidFill>
-                          <a:latin typeface="+mn-lt"/>
-                        </a:rPr>
-                        <a:t>1</a:t>
-                      </a:r>
-                    </a:p>
-                  </a:txBody>
-                  <a:tcPr>
-                    <a:lnL w="12700" cap="flat" cmpd="sng" algn="ctr">
-                      <a:solidFill>
-                        <a:schemeClr val="bg1">
-                          <a:lumMod val="85000"/>
-                        </a:schemeClr>
-                      </a:solidFill>
-                      <a:prstDash val="solid"/>
-                      <a:round/>
-                      <a:headEnd type="none" w="med" len="med"/>
-                      <a:tailEnd type="none" w="med" len="med"/>
-                    </a:lnL>
-                    <a:lnR w="12700" cap="flat" cmpd="sng" algn="ctr">
-                      <a:solidFill>
-                        <a:schemeClr val="bg1">
-                          <a:lumMod val="85000"/>
-                        </a:schemeClr>
-                      </a:solidFill>
-                      <a:prstDash val="solid"/>
-                      <a:round/>
-                      <a:headEnd type="none" w="med" len="med"/>
-                      <a:tailEnd type="none" w="med" len="med"/>
-                    </a:lnR>
-                    <a:lnT w="12700" cap="flat" cmpd="sng" algn="ctr">
-                      <a:solidFill>
-                        <a:schemeClr val="bg1">
-                          <a:lumMod val="85000"/>
-                        </a:schemeClr>
-                      </a:solidFill>
-                      <a:prstDash val="solid"/>
-                      <a:round/>
-                      <a:headEnd type="none" w="med" len="med"/>
-                      <a:tailEnd type="none" w="med" len="med"/>
-                    </a:lnT>
-                    <a:lnB w="12700" cap="flat" cmpd="sng" algn="ctr">
-                      <a:solidFill>
-                        <a:schemeClr val="bg1">
-                          <a:lumMod val="85000"/>
-                        </a:schemeClr>
-                      </a:solidFill>
-                      <a:prstDash val="solid"/>
-                      <a:round/>
-                      <a:headEnd type="none" w="med" len="med"/>
-                      <a:tailEnd type="none" w="med" len="med"/>
-                    </a:lnB>
-                    <a:lnTlToBr w="12700" cmpd="sng">
-                      <a:noFill/>
-                      <a:prstDash val="solid"/>
-                    </a:lnTlToBr>
-                    <a:lnBlToTr w="12700" cmpd="sng">
-                      <a:noFill/>
-                      <a:prstDash val="solid"/>
-                    </a:lnBlToTr>
-                    <a:solidFill>
-                      <a:schemeClr val="bg1"/>
-                    </a:solidFill>
-                  </a:tcPr>
-                </a:tc>
-                <a:extLst>
-                  <a:ext uri="{0D108BD9-81ED-4DB2-BD59-A6C34878D82A}">
-                    <a16:rowId xmlns:a16="http://schemas.microsoft.com/office/drawing/2014/main" val="1397881556"/>
-                  </a:ext>
-                </a:extLst>
-              </a:tr>
-            </a:tbl>
-          </a:graphicData>
-        </a:graphic>
-      </p:graphicFrame>
       <p:sp>
         <p:nvSpPr>
           <p:cNvPr id="25" name="角丸四角形 24"/>
@@ -20577,6 +19727,911 @@
           </p:txBody>
         </p:sp>
       </p:grpSp>
+      <p:sp>
+        <p:nvSpPr>
+          <p:cNvPr id="59" name="角丸四角形 58"/>
+          <p:cNvSpPr/>
+          <p:nvPr/>
+        </p:nvSpPr>
+        <p:spPr bwMode="auto">
+          <a:xfrm>
+            <a:off x="4970309" y="2100728"/>
+            <a:ext cx="4022357" cy="1952454"/>
+          </a:xfrm>
+          <a:prstGeom prst="roundRect">
+            <a:avLst>
+              <a:gd name="adj" fmla="val 4712"/>
+            </a:avLst>
+          </a:prstGeom>
+          <a:solidFill>
+            <a:schemeClr val="bg1"/>
+          </a:solidFill>
+          <a:ln w="28575">
+            <a:solidFill>
+              <a:srgbClr val="FF0000"/>
+            </a:solidFill>
+          </a:ln>
+          <a:effectLst/>
+          <a:extLst/>
+        </p:spPr>
+        <p:txBody>
+          <a:bodyPr rot="0" spcFirstLastPara="0" vertOverflow="overflow" horzOverflow="overflow" vert="horz" wrap="none" lIns="72000" tIns="72000" rIns="72000" bIns="72000" numCol="1" spcCol="0" rtlCol="0" fromWordArt="0" anchor="t" anchorCtr="0" forceAA="0" compatLnSpc="1">
+            <a:prstTxWarp prst="textNoShape">
+              <a:avLst/>
+            </a:prstTxWarp>
+            <a:noAutofit/>
+          </a:bodyPr>
+          <a:lstStyle/>
+          <a:p>
+            <a:pPr algn="ctr"/>
+            <a:r>
+              <a:rPr lang="ja-JP" altLang="en-US" sz="1400" dirty="0" smtClean="0">
+                <a:latin typeface="+mn-ea"/>
+              </a:rPr>
+              <a:t>項目へ</a:t>
+            </a:r>
+            <a:r>
+              <a:rPr kumimoji="1" lang="ja-JP" altLang="en-US" sz="1400" dirty="0" smtClean="0">
+                <a:latin typeface="+mn-ea"/>
+              </a:rPr>
+              <a:t>値を</a:t>
+            </a:r>
+            <a:r>
+              <a:rPr lang="ja-JP" altLang="en-US" sz="1400" dirty="0">
+                <a:latin typeface="+mn-ea"/>
+              </a:rPr>
+              <a:t>設定</a:t>
+            </a:r>
+            <a:r>
+              <a:rPr kumimoji="1" lang="ja-JP" altLang="en-US" sz="1400" dirty="0" smtClean="0">
+                <a:latin typeface="+mn-ea"/>
+              </a:rPr>
+              <a:t>する</a:t>
+            </a:r>
+          </a:p>
+        </p:txBody>
+      </p:sp>
+      <p:sp>
+        <p:nvSpPr>
+          <p:cNvPr id="60" name="円形吹き出し 59"/>
+          <p:cNvSpPr/>
+          <p:nvPr/>
+        </p:nvSpPr>
+        <p:spPr bwMode="auto">
+          <a:xfrm>
+            <a:off x="4834302" y="2197889"/>
+            <a:ext cx="272014" cy="273600"/>
+          </a:xfrm>
+          <a:prstGeom prst="wedgeEllipseCallout">
+            <a:avLst>
+              <a:gd name="adj1" fmla="val -354048"/>
+              <a:gd name="adj2" fmla="val 659477"/>
+            </a:avLst>
+          </a:prstGeom>
+          <a:solidFill>
+            <a:srgbClr val="FF0000"/>
+          </a:solidFill>
+          <a:ln w="28575">
+            <a:noFill/>
+          </a:ln>
+          <a:effectLst/>
+          <a:extLst/>
+        </p:spPr>
+        <p:style>
+          <a:lnRef idx="3">
+            <a:schemeClr val="lt1"/>
+          </a:lnRef>
+          <a:fillRef idx="1">
+            <a:schemeClr val="accent2"/>
+          </a:fillRef>
+          <a:effectRef idx="1">
+            <a:schemeClr val="accent2"/>
+          </a:effectRef>
+          <a:fontRef idx="minor">
+            <a:schemeClr val="lt1"/>
+          </a:fontRef>
+        </p:style>
+        <p:txBody>
+          <a:bodyPr rot="0" spcFirstLastPara="0" vertOverflow="overflow" horzOverflow="overflow" vert="horz" wrap="none" lIns="72000" tIns="72000" rIns="72000" bIns="72000" numCol="1" spcCol="0" rtlCol="0" fromWordArt="0" anchor="ctr" anchorCtr="1" forceAA="0" compatLnSpc="1">
+            <a:prstTxWarp prst="textNoShape">
+              <a:avLst/>
+            </a:prstTxWarp>
+            <a:noAutofit/>
+          </a:bodyPr>
+          <a:lstStyle/>
+          <a:p>
+            <a:pPr algn="ctr"/>
+            <a:r>
+              <a:rPr kumimoji="1" lang="ja-JP" altLang="en-US" sz="1400" b="1" dirty="0" smtClean="0">
+                <a:latin typeface="+mn-ea"/>
+              </a:rPr>
+              <a:t>１</a:t>
+            </a:r>
+          </a:p>
+        </p:txBody>
+      </p:sp>
+      <p:graphicFrame>
+        <p:nvGraphicFramePr>
+          <p:cNvPr id="61" name="表 60"/>
+          <p:cNvGraphicFramePr>
+            <a:graphicFrameLocks noGrp="1"/>
+          </p:cNvGraphicFramePr>
+          <p:nvPr>
+            <p:extLst>
+              <p:ext uri="{D42A27DB-BD31-4B8C-83A1-F6EECF244321}">
+                <p14:modId xmlns:p14="http://schemas.microsoft.com/office/powerpoint/2010/main" val="1280769211"/>
+              </p:ext>
+            </p:extLst>
+          </p:nvPr>
+        </p:nvGraphicFramePr>
+        <p:xfrm>
+          <a:off x="5083659" y="2444692"/>
+          <a:ext cx="3810774" cy="1463040"/>
+        </p:xfrm>
+        <a:graphic>
+          <a:graphicData uri="http://schemas.openxmlformats.org/drawingml/2006/table">
+            <a:tbl>
+              <a:tblPr firstRow="1" bandRow="1">
+                <a:tableStyleId>{5C22544A-7EE6-4342-B048-85BDC9FD1C3A}</a:tableStyleId>
+              </a:tblPr>
+              <a:tblGrid>
+                <a:gridCol w="2394686">
+                  <a:extLst>
+                    <a:ext uri="{9D8B030D-6E8A-4147-A177-3AD203B41FA5}">
+                      <a16:colId xmlns:a16="http://schemas.microsoft.com/office/drawing/2014/main" val="2883640048"/>
+                    </a:ext>
+                  </a:extLst>
+                </a:gridCol>
+                <a:gridCol w="1416088">
+                  <a:extLst>
+                    <a:ext uri="{9D8B030D-6E8A-4147-A177-3AD203B41FA5}">
+                      <a16:colId xmlns:a16="http://schemas.microsoft.com/office/drawing/2014/main" val="1123245703"/>
+                    </a:ext>
+                  </a:extLst>
+                </a:gridCol>
+              </a:tblGrid>
+              <a:tr h="270234">
+                <a:tc>
+                  <a:txBody>
+                    <a:bodyPr/>
+                    <a:lstStyle/>
+                    <a:p>
+                      <a:pPr algn="ctr"/>
+                      <a:r>
+                        <a:rPr kumimoji="1" lang="ja-JP" altLang="en-US" sz="1200" dirty="0" smtClean="0">
+                          <a:solidFill>
+                            <a:schemeClr val="bg1"/>
+                          </a:solidFill>
+                          <a:latin typeface="+mn-lt"/>
+                        </a:rPr>
+                        <a:t>項目</a:t>
+                      </a:r>
+                      <a:endParaRPr kumimoji="1" lang="ja-JP" altLang="en-US" sz="1200" dirty="0">
+                        <a:solidFill>
+                          <a:schemeClr val="bg1"/>
+                        </a:solidFill>
+                        <a:latin typeface="+mn-lt"/>
+                      </a:endParaRPr>
+                    </a:p>
+                  </a:txBody>
+                  <a:tcPr>
+                    <a:lnL w="12700" cap="flat" cmpd="sng" algn="ctr">
+                      <a:solidFill>
+                        <a:schemeClr val="bg1">
+                          <a:lumMod val="85000"/>
+                        </a:schemeClr>
+                      </a:solidFill>
+                      <a:prstDash val="solid"/>
+                      <a:round/>
+                      <a:headEnd type="none" w="med" len="med"/>
+                      <a:tailEnd type="none" w="med" len="med"/>
+                    </a:lnL>
+                    <a:lnR w="12700" cap="flat" cmpd="sng" algn="ctr">
+                      <a:solidFill>
+                        <a:schemeClr val="bg1">
+                          <a:lumMod val="85000"/>
+                        </a:schemeClr>
+                      </a:solidFill>
+                      <a:prstDash val="solid"/>
+                      <a:round/>
+                      <a:headEnd type="none" w="med" len="med"/>
+                      <a:tailEnd type="none" w="med" len="med"/>
+                    </a:lnR>
+                    <a:lnT w="12700" cap="flat" cmpd="sng" algn="ctr">
+                      <a:solidFill>
+                        <a:schemeClr val="bg1">
+                          <a:lumMod val="85000"/>
+                        </a:schemeClr>
+                      </a:solidFill>
+                      <a:prstDash val="solid"/>
+                      <a:round/>
+                      <a:headEnd type="none" w="med" len="med"/>
+                      <a:tailEnd type="none" w="med" len="med"/>
+                    </a:lnT>
+                    <a:lnB w="12700" cap="flat" cmpd="sng" algn="ctr">
+                      <a:solidFill>
+                        <a:schemeClr val="bg1">
+                          <a:lumMod val="85000"/>
+                        </a:schemeClr>
+                      </a:solidFill>
+                      <a:prstDash val="solid"/>
+                      <a:round/>
+                      <a:headEnd type="none" w="med" len="med"/>
+                      <a:tailEnd type="none" w="med" len="med"/>
+                    </a:lnB>
+                    <a:lnTlToBr w="12700" cmpd="sng">
+                      <a:noFill/>
+                      <a:prstDash val="solid"/>
+                    </a:lnTlToBr>
+                    <a:lnBlToTr w="12700" cmpd="sng">
+                      <a:noFill/>
+                      <a:prstDash val="solid"/>
+                    </a:lnBlToTr>
+                    <a:solidFill>
+                      <a:schemeClr val="accent6"/>
+                    </a:solidFill>
+                  </a:tcPr>
+                </a:tc>
+                <a:tc>
+                  <a:txBody>
+                    <a:bodyPr/>
+                    <a:lstStyle/>
+                    <a:p>
+                      <a:pPr algn="ctr"/>
+                      <a:r>
+                        <a:rPr kumimoji="1" lang="ja-JP" altLang="en-US" sz="1200" dirty="0" smtClean="0">
+                          <a:solidFill>
+                            <a:schemeClr val="bg1"/>
+                          </a:solidFill>
+                          <a:latin typeface="+mn-lt"/>
+                        </a:rPr>
+                        <a:t>値</a:t>
+                      </a:r>
+                      <a:endParaRPr kumimoji="1" lang="ja-JP" altLang="en-US" sz="1200" dirty="0">
+                        <a:solidFill>
+                          <a:schemeClr val="bg1"/>
+                        </a:solidFill>
+                        <a:latin typeface="+mn-lt"/>
+                      </a:endParaRPr>
+                    </a:p>
+                  </a:txBody>
+                  <a:tcPr>
+                    <a:lnL w="12700" cap="flat" cmpd="sng" algn="ctr">
+                      <a:solidFill>
+                        <a:schemeClr val="bg1">
+                          <a:lumMod val="85000"/>
+                        </a:schemeClr>
+                      </a:solidFill>
+                      <a:prstDash val="solid"/>
+                      <a:round/>
+                      <a:headEnd type="none" w="med" len="med"/>
+                      <a:tailEnd type="none" w="med" len="med"/>
+                    </a:lnL>
+                    <a:lnR w="12700" cap="flat" cmpd="sng" algn="ctr">
+                      <a:solidFill>
+                        <a:schemeClr val="bg1">
+                          <a:lumMod val="85000"/>
+                        </a:schemeClr>
+                      </a:solidFill>
+                      <a:prstDash val="solid"/>
+                      <a:round/>
+                      <a:headEnd type="none" w="med" len="med"/>
+                      <a:tailEnd type="none" w="med" len="med"/>
+                    </a:lnR>
+                    <a:lnT w="12700" cap="flat" cmpd="sng" algn="ctr">
+                      <a:solidFill>
+                        <a:schemeClr val="bg1">
+                          <a:lumMod val="85000"/>
+                        </a:schemeClr>
+                      </a:solidFill>
+                      <a:prstDash val="solid"/>
+                      <a:round/>
+                      <a:headEnd type="none" w="med" len="med"/>
+                      <a:tailEnd type="none" w="med" len="med"/>
+                    </a:lnT>
+                    <a:lnB w="12700" cap="flat" cmpd="sng" algn="ctr">
+                      <a:solidFill>
+                        <a:schemeClr val="bg1">
+                          <a:lumMod val="85000"/>
+                        </a:schemeClr>
+                      </a:solidFill>
+                      <a:prstDash val="solid"/>
+                      <a:round/>
+                      <a:headEnd type="none" w="med" len="med"/>
+                      <a:tailEnd type="none" w="med" len="med"/>
+                    </a:lnB>
+                    <a:lnTlToBr w="12700" cmpd="sng">
+                      <a:noFill/>
+                      <a:prstDash val="solid"/>
+                    </a:lnTlToBr>
+                    <a:lnBlToTr w="12700" cmpd="sng">
+                      <a:noFill/>
+                      <a:prstDash val="solid"/>
+                    </a:lnBlToTr>
+                    <a:solidFill>
+                      <a:schemeClr val="accent6"/>
+                    </a:solidFill>
+                  </a:tcPr>
+                </a:tc>
+                <a:extLst>
+                  <a:ext uri="{0D108BD9-81ED-4DB2-BD59-A6C34878D82A}">
+                    <a16:rowId xmlns:a16="http://schemas.microsoft.com/office/drawing/2014/main" val="2458714703"/>
+                  </a:ext>
+                </a:extLst>
+              </a:tr>
+              <a:tr h="270234">
+                <a:tc>
+                  <a:txBody>
+                    <a:bodyPr/>
+                    <a:lstStyle/>
+                    <a:p>
+                      <a:r>
+                        <a:rPr kumimoji="1" lang="en-US" altLang="ja-JP" sz="1200" b="1" dirty="0" smtClean="0">
+                          <a:solidFill>
+                            <a:schemeClr val="tx1"/>
+                          </a:solidFill>
+                          <a:latin typeface="+mn-lt"/>
+                        </a:rPr>
+                        <a:t>Movement</a:t>
+                      </a:r>
+                      <a:endParaRPr kumimoji="1" lang="ja-JP" altLang="en-US" sz="1200" b="1" dirty="0">
+                        <a:solidFill>
+                          <a:schemeClr val="tx1"/>
+                        </a:solidFill>
+                        <a:latin typeface="+mn-lt"/>
+                      </a:endParaRPr>
+                    </a:p>
+                  </a:txBody>
+                  <a:tcPr>
+                    <a:lnL w="12700" cap="flat" cmpd="sng" algn="ctr">
+                      <a:solidFill>
+                        <a:schemeClr val="bg1">
+                          <a:lumMod val="85000"/>
+                        </a:schemeClr>
+                      </a:solidFill>
+                      <a:prstDash val="solid"/>
+                      <a:round/>
+                      <a:headEnd type="none" w="med" len="med"/>
+                      <a:tailEnd type="none" w="med" len="med"/>
+                    </a:lnL>
+                    <a:lnR w="12700" cap="flat" cmpd="sng" algn="ctr">
+                      <a:solidFill>
+                        <a:schemeClr val="bg1">
+                          <a:lumMod val="85000"/>
+                        </a:schemeClr>
+                      </a:solidFill>
+                      <a:prstDash val="solid"/>
+                      <a:round/>
+                      <a:headEnd type="none" w="med" len="med"/>
+                      <a:tailEnd type="none" w="med" len="med"/>
+                    </a:lnR>
+                    <a:lnT w="12700" cap="flat" cmpd="sng" algn="ctr">
+                      <a:solidFill>
+                        <a:schemeClr val="bg1">
+                          <a:lumMod val="85000"/>
+                        </a:schemeClr>
+                      </a:solidFill>
+                      <a:prstDash val="solid"/>
+                      <a:round/>
+                      <a:headEnd type="none" w="med" len="med"/>
+                      <a:tailEnd type="none" w="med" len="med"/>
+                    </a:lnT>
+                    <a:lnB w="12700" cap="flat" cmpd="sng" algn="ctr">
+                      <a:solidFill>
+                        <a:schemeClr val="bg1">
+                          <a:lumMod val="85000"/>
+                        </a:schemeClr>
+                      </a:solidFill>
+                      <a:prstDash val="solid"/>
+                      <a:round/>
+                      <a:headEnd type="none" w="med" len="med"/>
+                      <a:tailEnd type="none" w="med" len="med"/>
+                    </a:lnB>
+                    <a:lnTlToBr w="12700" cmpd="sng">
+                      <a:noFill/>
+                      <a:prstDash val="solid"/>
+                    </a:lnTlToBr>
+                    <a:lnBlToTr w="12700" cmpd="sng">
+                      <a:noFill/>
+                      <a:prstDash val="solid"/>
+                    </a:lnBlToTr>
+                    <a:solidFill>
+                      <a:schemeClr val="bg1"/>
+                    </a:solidFill>
+                  </a:tcPr>
+                </a:tc>
+                <a:tc>
+                  <a:txBody>
+                    <a:bodyPr/>
+                    <a:lstStyle/>
+                    <a:p>
+                      <a:r>
+                        <a:rPr kumimoji="1" lang="ja-JP" altLang="en-US" sz="1200" dirty="0" smtClean="0">
+                          <a:solidFill>
+                            <a:schemeClr val="tx1"/>
+                          </a:solidFill>
+                          <a:latin typeface="+mn-lt"/>
+                        </a:rPr>
+                        <a:t>作成した</a:t>
+                      </a:r>
+                      <a:r>
+                        <a:rPr kumimoji="1" lang="en-US" altLang="ja-JP" sz="1200" dirty="0" smtClean="0">
+                          <a:solidFill>
+                            <a:schemeClr val="tx1"/>
+                          </a:solidFill>
+                          <a:latin typeface="+mn-lt"/>
+                        </a:rPr>
+                        <a:t>Movement</a:t>
+                      </a:r>
+                      <a:r>
+                        <a:rPr kumimoji="1" lang="ja-JP" altLang="en-US" sz="1200" dirty="0" smtClean="0">
+                          <a:solidFill>
+                            <a:schemeClr val="tx1"/>
+                          </a:solidFill>
+                          <a:latin typeface="+mn-lt"/>
+                        </a:rPr>
+                        <a:t>を選択</a:t>
+                      </a:r>
+                      <a:endParaRPr kumimoji="1" lang="ja-JP" altLang="en-US" sz="1200" dirty="0">
+                        <a:solidFill>
+                          <a:schemeClr val="tx1"/>
+                        </a:solidFill>
+                        <a:latin typeface="+mn-lt"/>
+                      </a:endParaRPr>
+                    </a:p>
+                  </a:txBody>
+                  <a:tcPr>
+                    <a:lnL w="12700" cap="flat" cmpd="sng" algn="ctr">
+                      <a:solidFill>
+                        <a:schemeClr val="bg1">
+                          <a:lumMod val="85000"/>
+                        </a:schemeClr>
+                      </a:solidFill>
+                      <a:prstDash val="solid"/>
+                      <a:round/>
+                      <a:headEnd type="none" w="med" len="med"/>
+                      <a:tailEnd type="none" w="med" len="med"/>
+                    </a:lnL>
+                    <a:lnR w="12700" cap="flat" cmpd="sng" algn="ctr">
+                      <a:solidFill>
+                        <a:schemeClr val="bg1">
+                          <a:lumMod val="85000"/>
+                        </a:schemeClr>
+                      </a:solidFill>
+                      <a:prstDash val="solid"/>
+                      <a:round/>
+                      <a:headEnd type="none" w="med" len="med"/>
+                      <a:tailEnd type="none" w="med" len="med"/>
+                    </a:lnR>
+                    <a:lnT w="12700" cap="flat" cmpd="sng" algn="ctr">
+                      <a:solidFill>
+                        <a:schemeClr val="bg1">
+                          <a:lumMod val="85000"/>
+                        </a:schemeClr>
+                      </a:solidFill>
+                      <a:prstDash val="solid"/>
+                      <a:round/>
+                      <a:headEnd type="none" w="med" len="med"/>
+                      <a:tailEnd type="none" w="med" len="med"/>
+                    </a:lnT>
+                    <a:lnB w="12700" cap="flat" cmpd="sng" algn="ctr">
+                      <a:solidFill>
+                        <a:schemeClr val="bg1">
+                          <a:lumMod val="85000"/>
+                        </a:schemeClr>
+                      </a:solidFill>
+                      <a:prstDash val="solid"/>
+                      <a:round/>
+                      <a:headEnd type="none" w="med" len="med"/>
+                      <a:tailEnd type="none" w="med" len="med"/>
+                    </a:lnB>
+                    <a:lnTlToBr w="12700" cmpd="sng">
+                      <a:noFill/>
+                      <a:prstDash val="solid"/>
+                    </a:lnTlToBr>
+                    <a:lnBlToTr w="12700" cmpd="sng">
+                      <a:noFill/>
+                      <a:prstDash val="solid"/>
+                    </a:lnBlToTr>
+                    <a:solidFill>
+                      <a:schemeClr val="bg1"/>
+                    </a:solidFill>
+                  </a:tcPr>
+                </a:tc>
+                <a:extLst>
+                  <a:ext uri="{0D108BD9-81ED-4DB2-BD59-A6C34878D82A}">
+                    <a16:rowId xmlns:a16="http://schemas.microsoft.com/office/drawing/2014/main" val="4029950975"/>
+                  </a:ext>
+                </a:extLst>
+              </a:tr>
+              <a:tr h="270234">
+                <a:tc>
+                  <a:txBody>
+                    <a:bodyPr/>
+                    <a:lstStyle/>
+                    <a:p>
+                      <a:r>
+                        <a:rPr lang="en-US" altLang="ja-JP" sz="1200" b="1" dirty="0" smtClean="0"/>
+                        <a:t>Playbook</a:t>
+                      </a:r>
+                      <a:r>
+                        <a:rPr kumimoji="1" lang="ja-JP" altLang="en-US" sz="1200" b="1" dirty="0" smtClean="0">
+                          <a:solidFill>
+                            <a:schemeClr val="tx1"/>
+                          </a:solidFill>
+                          <a:latin typeface="+mn-lt"/>
+                        </a:rPr>
+                        <a:t>素材</a:t>
+                      </a:r>
+                      <a:endParaRPr kumimoji="1" lang="ja-JP" altLang="en-US" sz="1200" b="1" dirty="0">
+                        <a:solidFill>
+                          <a:schemeClr val="tx1"/>
+                        </a:solidFill>
+                        <a:latin typeface="+mn-lt"/>
+                      </a:endParaRPr>
+                    </a:p>
+                  </a:txBody>
+                  <a:tcPr>
+                    <a:lnL w="12700" cap="flat" cmpd="sng" algn="ctr">
+                      <a:solidFill>
+                        <a:schemeClr val="bg1">
+                          <a:lumMod val="85000"/>
+                        </a:schemeClr>
+                      </a:solidFill>
+                      <a:prstDash val="solid"/>
+                      <a:round/>
+                      <a:headEnd type="none" w="med" len="med"/>
+                      <a:tailEnd type="none" w="med" len="med"/>
+                    </a:lnL>
+                    <a:lnR w="12700" cap="flat" cmpd="sng" algn="ctr">
+                      <a:solidFill>
+                        <a:schemeClr val="bg1">
+                          <a:lumMod val="85000"/>
+                        </a:schemeClr>
+                      </a:solidFill>
+                      <a:prstDash val="solid"/>
+                      <a:round/>
+                      <a:headEnd type="none" w="med" len="med"/>
+                      <a:tailEnd type="none" w="med" len="med"/>
+                    </a:lnR>
+                    <a:lnT w="12700" cap="flat" cmpd="sng" algn="ctr">
+                      <a:solidFill>
+                        <a:schemeClr val="bg1">
+                          <a:lumMod val="85000"/>
+                        </a:schemeClr>
+                      </a:solidFill>
+                      <a:prstDash val="solid"/>
+                      <a:round/>
+                      <a:headEnd type="none" w="med" len="med"/>
+                      <a:tailEnd type="none" w="med" len="med"/>
+                    </a:lnT>
+                    <a:lnB w="12700" cap="flat" cmpd="sng" algn="ctr">
+                      <a:solidFill>
+                        <a:schemeClr val="bg1">
+                          <a:lumMod val="85000"/>
+                        </a:schemeClr>
+                      </a:solidFill>
+                      <a:prstDash val="solid"/>
+                      <a:round/>
+                      <a:headEnd type="none" w="med" len="med"/>
+                      <a:tailEnd type="none" w="med" len="med"/>
+                    </a:lnB>
+                    <a:lnTlToBr w="12700" cmpd="sng">
+                      <a:noFill/>
+                      <a:prstDash val="solid"/>
+                    </a:lnTlToBr>
+                    <a:lnBlToTr w="12700" cmpd="sng">
+                      <a:noFill/>
+                      <a:prstDash val="solid"/>
+                    </a:lnBlToTr>
+                    <a:solidFill>
+                      <a:schemeClr val="bg1"/>
+                    </a:solidFill>
+                  </a:tcPr>
+                </a:tc>
+                <a:tc>
+                  <a:txBody>
+                    <a:bodyPr/>
+                    <a:lstStyle/>
+                    <a:p>
+                      <a:pPr marL="0" marR="0" lvl="0" indent="0" algn="l" defTabSz="914400" rtl="0" eaLnBrk="1" fontAlgn="auto" latinLnBrk="0" hangingPunct="1">
+                        <a:lnSpc>
+                          <a:spcPct val="100000"/>
+                        </a:lnSpc>
+                        <a:spcBef>
+                          <a:spcPts val="0"/>
+                        </a:spcBef>
+                        <a:spcAft>
+                          <a:spcPts val="0"/>
+                        </a:spcAft>
+                        <a:buClrTx/>
+                        <a:buSzTx/>
+                        <a:buFontTx/>
+                        <a:buNone/>
+                        <a:tabLst/>
+                        <a:defRPr/>
+                      </a:pPr>
+                      <a:r>
+                        <a:rPr lang="ja-JP" altLang="en-US" sz="1200" dirty="0" smtClean="0">
+                          <a:solidFill>
+                            <a:schemeClr val="tx1"/>
+                          </a:solidFill>
+                          <a:latin typeface="+mn-lt"/>
+                        </a:rPr>
+                        <a:t>登録した</a:t>
+                      </a:r>
+                      <a:r>
+                        <a:rPr lang="en-US" altLang="ja-JP" sz="1200" dirty="0" smtClean="0">
+                          <a:solidFill>
+                            <a:schemeClr val="tx1"/>
+                          </a:solidFill>
+                          <a:latin typeface="+mn-lt"/>
+                        </a:rPr>
+                        <a:t>Playbook</a:t>
+                      </a:r>
+                      <a:r>
+                        <a:rPr lang="ja-JP" altLang="en-US" sz="1200" dirty="0" smtClean="0">
+                          <a:solidFill>
+                            <a:schemeClr val="tx1"/>
+                          </a:solidFill>
+                          <a:latin typeface="+mn-lt"/>
+                        </a:rPr>
+                        <a:t>を選択</a:t>
+                      </a:r>
+                      <a:endParaRPr lang="en-US" altLang="ja-JP" sz="1200" dirty="0" smtClean="0">
+                        <a:solidFill>
+                          <a:schemeClr val="tx1"/>
+                        </a:solidFill>
+                        <a:latin typeface="+mn-lt"/>
+                      </a:endParaRPr>
+                    </a:p>
+                  </a:txBody>
+                  <a:tcPr>
+                    <a:lnL w="12700" cap="flat" cmpd="sng" algn="ctr">
+                      <a:solidFill>
+                        <a:schemeClr val="bg1">
+                          <a:lumMod val="85000"/>
+                        </a:schemeClr>
+                      </a:solidFill>
+                      <a:prstDash val="solid"/>
+                      <a:round/>
+                      <a:headEnd type="none" w="med" len="med"/>
+                      <a:tailEnd type="none" w="med" len="med"/>
+                    </a:lnL>
+                    <a:lnR w="12700" cap="flat" cmpd="sng" algn="ctr">
+                      <a:solidFill>
+                        <a:schemeClr val="bg1">
+                          <a:lumMod val="85000"/>
+                        </a:schemeClr>
+                      </a:solidFill>
+                      <a:prstDash val="solid"/>
+                      <a:round/>
+                      <a:headEnd type="none" w="med" len="med"/>
+                      <a:tailEnd type="none" w="med" len="med"/>
+                    </a:lnR>
+                    <a:lnT w="12700" cap="flat" cmpd="sng" algn="ctr">
+                      <a:solidFill>
+                        <a:schemeClr val="bg1">
+                          <a:lumMod val="85000"/>
+                        </a:schemeClr>
+                      </a:solidFill>
+                      <a:prstDash val="solid"/>
+                      <a:round/>
+                      <a:headEnd type="none" w="med" len="med"/>
+                      <a:tailEnd type="none" w="med" len="med"/>
+                    </a:lnT>
+                    <a:lnB w="12700" cap="flat" cmpd="sng" algn="ctr">
+                      <a:solidFill>
+                        <a:schemeClr val="bg1">
+                          <a:lumMod val="85000"/>
+                        </a:schemeClr>
+                      </a:solidFill>
+                      <a:prstDash val="solid"/>
+                      <a:round/>
+                      <a:headEnd type="none" w="med" len="med"/>
+                      <a:tailEnd type="none" w="med" len="med"/>
+                    </a:lnB>
+                    <a:lnTlToBr w="12700" cmpd="sng">
+                      <a:noFill/>
+                      <a:prstDash val="solid"/>
+                    </a:lnTlToBr>
+                    <a:lnBlToTr w="12700" cmpd="sng">
+                      <a:noFill/>
+                      <a:prstDash val="solid"/>
+                    </a:lnBlToTr>
+                    <a:solidFill>
+                      <a:schemeClr val="bg1"/>
+                    </a:solidFill>
+                  </a:tcPr>
+                </a:tc>
+                <a:extLst>
+                  <a:ext uri="{0D108BD9-81ED-4DB2-BD59-A6C34878D82A}">
+                    <a16:rowId xmlns:a16="http://schemas.microsoft.com/office/drawing/2014/main" val="1438549284"/>
+                  </a:ext>
+                </a:extLst>
+              </a:tr>
+              <a:tr h="270234">
+                <a:tc>
+                  <a:txBody>
+                    <a:bodyPr/>
+                    <a:lstStyle/>
+                    <a:p>
+                      <a:r>
+                        <a:rPr kumimoji="1" lang="ja-JP" altLang="en-US" sz="1200" b="1" dirty="0" smtClean="0">
+                          <a:solidFill>
+                            <a:schemeClr val="tx1"/>
+                          </a:solidFill>
+                          <a:latin typeface="+mn-lt"/>
+                        </a:rPr>
+                        <a:t>インクルード順序</a:t>
+                      </a:r>
+                      <a:endParaRPr kumimoji="1" lang="ja-JP" altLang="en-US" sz="1200" b="1" dirty="0">
+                        <a:solidFill>
+                          <a:schemeClr val="tx1"/>
+                        </a:solidFill>
+                        <a:latin typeface="+mn-lt"/>
+                      </a:endParaRPr>
+                    </a:p>
+                  </a:txBody>
+                  <a:tcPr>
+                    <a:lnL w="12700" cap="flat" cmpd="sng" algn="ctr">
+                      <a:solidFill>
+                        <a:schemeClr val="bg1">
+                          <a:lumMod val="85000"/>
+                        </a:schemeClr>
+                      </a:solidFill>
+                      <a:prstDash val="solid"/>
+                      <a:round/>
+                      <a:headEnd type="none" w="med" len="med"/>
+                      <a:tailEnd type="none" w="med" len="med"/>
+                    </a:lnL>
+                    <a:lnR w="12700" cap="flat" cmpd="sng" algn="ctr">
+                      <a:solidFill>
+                        <a:schemeClr val="bg1">
+                          <a:lumMod val="85000"/>
+                        </a:schemeClr>
+                      </a:solidFill>
+                      <a:prstDash val="solid"/>
+                      <a:round/>
+                      <a:headEnd type="none" w="med" len="med"/>
+                      <a:tailEnd type="none" w="med" len="med"/>
+                    </a:lnR>
+                    <a:lnT w="12700" cap="flat" cmpd="sng" algn="ctr">
+                      <a:solidFill>
+                        <a:schemeClr val="bg1">
+                          <a:lumMod val="85000"/>
+                        </a:schemeClr>
+                      </a:solidFill>
+                      <a:prstDash val="solid"/>
+                      <a:round/>
+                      <a:headEnd type="none" w="med" len="med"/>
+                      <a:tailEnd type="none" w="med" len="med"/>
+                    </a:lnT>
+                    <a:lnB w="12700" cap="flat" cmpd="sng" algn="ctr">
+                      <a:solidFill>
+                        <a:schemeClr val="bg1">
+                          <a:lumMod val="85000"/>
+                        </a:schemeClr>
+                      </a:solidFill>
+                      <a:prstDash val="solid"/>
+                      <a:round/>
+                      <a:headEnd type="none" w="med" len="med"/>
+                      <a:tailEnd type="none" w="med" len="med"/>
+                    </a:lnB>
+                    <a:lnTlToBr w="12700" cmpd="sng">
+                      <a:noFill/>
+                      <a:prstDash val="solid"/>
+                    </a:lnTlToBr>
+                    <a:lnBlToTr w="12700" cmpd="sng">
+                      <a:noFill/>
+                      <a:prstDash val="solid"/>
+                    </a:lnBlToTr>
+                    <a:solidFill>
+                      <a:schemeClr val="bg1"/>
+                    </a:solidFill>
+                  </a:tcPr>
+                </a:tc>
+                <a:tc>
+                  <a:txBody>
+                    <a:bodyPr/>
+                    <a:lstStyle/>
+                    <a:p>
+                      <a:pPr marL="0" marR="0" lvl="0" indent="0" algn="l" defTabSz="914400" rtl="0" eaLnBrk="1" fontAlgn="auto" latinLnBrk="0" hangingPunct="1">
+                        <a:lnSpc>
+                          <a:spcPct val="100000"/>
+                        </a:lnSpc>
+                        <a:spcBef>
+                          <a:spcPts val="0"/>
+                        </a:spcBef>
+                        <a:spcAft>
+                          <a:spcPts val="0"/>
+                        </a:spcAft>
+                        <a:buClrTx/>
+                        <a:buSzTx/>
+                        <a:buFontTx/>
+                        <a:buNone/>
+                        <a:tabLst/>
+                        <a:defRPr/>
+                      </a:pPr>
+                      <a:r>
+                        <a:rPr lang="en-US" altLang="ja-JP" sz="1200" dirty="0" smtClean="0">
+                          <a:solidFill>
+                            <a:schemeClr val="tx1"/>
+                          </a:solidFill>
+                          <a:latin typeface="+mn-lt"/>
+                        </a:rPr>
+                        <a:t>1</a:t>
+                      </a:r>
+                    </a:p>
+                  </a:txBody>
+                  <a:tcPr>
+                    <a:lnL w="12700" cap="flat" cmpd="sng" algn="ctr">
+                      <a:solidFill>
+                        <a:schemeClr val="bg1">
+                          <a:lumMod val="85000"/>
+                        </a:schemeClr>
+                      </a:solidFill>
+                      <a:prstDash val="solid"/>
+                      <a:round/>
+                      <a:headEnd type="none" w="med" len="med"/>
+                      <a:tailEnd type="none" w="med" len="med"/>
+                    </a:lnL>
+                    <a:lnR w="12700" cap="flat" cmpd="sng" algn="ctr">
+                      <a:solidFill>
+                        <a:schemeClr val="bg1">
+                          <a:lumMod val="85000"/>
+                        </a:schemeClr>
+                      </a:solidFill>
+                      <a:prstDash val="solid"/>
+                      <a:round/>
+                      <a:headEnd type="none" w="med" len="med"/>
+                      <a:tailEnd type="none" w="med" len="med"/>
+                    </a:lnR>
+                    <a:lnT w="12700" cap="flat" cmpd="sng" algn="ctr">
+                      <a:solidFill>
+                        <a:schemeClr val="bg1">
+                          <a:lumMod val="85000"/>
+                        </a:schemeClr>
+                      </a:solidFill>
+                      <a:prstDash val="solid"/>
+                      <a:round/>
+                      <a:headEnd type="none" w="med" len="med"/>
+                      <a:tailEnd type="none" w="med" len="med"/>
+                    </a:lnT>
+                    <a:lnB w="12700" cap="flat" cmpd="sng" algn="ctr">
+                      <a:solidFill>
+                        <a:schemeClr val="bg1">
+                          <a:lumMod val="85000"/>
+                        </a:schemeClr>
+                      </a:solidFill>
+                      <a:prstDash val="solid"/>
+                      <a:round/>
+                      <a:headEnd type="none" w="med" len="med"/>
+                      <a:tailEnd type="none" w="med" len="med"/>
+                    </a:lnB>
+                    <a:lnTlToBr w="12700" cmpd="sng">
+                      <a:noFill/>
+                      <a:prstDash val="solid"/>
+                    </a:lnTlToBr>
+                    <a:lnBlToTr w="12700" cmpd="sng">
+                      <a:noFill/>
+                      <a:prstDash val="solid"/>
+                    </a:lnBlToTr>
+                    <a:solidFill>
+                      <a:schemeClr val="bg1"/>
+                    </a:solidFill>
+                  </a:tcPr>
+                </a:tc>
+                <a:extLst>
+                  <a:ext uri="{0D108BD9-81ED-4DB2-BD59-A6C34878D82A}">
+                    <a16:rowId xmlns:a16="http://schemas.microsoft.com/office/drawing/2014/main" val="1397881556"/>
+                  </a:ext>
+                </a:extLst>
+              </a:tr>
+            </a:tbl>
+          </a:graphicData>
+        </a:graphic>
+      </p:graphicFrame>
     </p:spTree>
     <p:extLst>
       <p:ext uri="{BB962C8B-B14F-4D97-AF65-F5344CB8AC3E}">
@@ -20662,16 +20717,16 @@
               <a:t>.5</a:t>
             </a:r>
             <a:r>
-              <a:rPr lang="ja-JP" altLang="en-US" dirty="0"/>
+              <a:rPr lang="ja-JP" altLang="en-US"/>
               <a:t>　</a:t>
             </a:r>
             <a:r>
-              <a:rPr lang="en-US" altLang="ja-JP" dirty="0"/>
-              <a:t>Movement</a:t>
-            </a:r>
-            <a:r>
-              <a:rPr lang="ja-JP" altLang="en-US" dirty="0"/>
-              <a:t>詳細の</a:t>
+              <a:rPr lang="en-US" altLang="ja-JP"/>
+              <a:t>Movement-Playbook</a:t>
+            </a:r>
+            <a:r>
+              <a:rPr lang="ja-JP" altLang="en-US"/>
+              <a:t>紐付の</a:t>
             </a:r>
             <a:r>
               <a:rPr lang="ja-JP" altLang="en-US" dirty="0" smtClean="0"/>
@@ -20716,12 +20771,16 @@
               <a:buChar char="l"/>
             </a:pPr>
             <a:r>
-              <a:rPr lang="en-US" altLang="ja-JP" b="1" dirty="0" smtClean="0"/>
-              <a:t>Movement</a:t>
+              <a:rPr lang="en-US" altLang="ja-JP" b="1"/>
+              <a:t>Movement-Playbook</a:t>
+            </a:r>
+            <a:r>
+              <a:rPr lang="ja-JP" altLang="en-US" b="1"/>
+              <a:t>紐付の</a:t>
             </a:r>
             <a:r>
               <a:rPr lang="ja-JP" altLang="en-US" b="1" dirty="0" smtClean="0"/>
-              <a:t>詳細の登録</a:t>
+              <a:t>登録</a:t>
             </a:r>
             <a:r>
               <a:rPr lang="en-US" altLang="ja-JP" b="1" dirty="0"/>
@@ -20789,7 +20848,7 @@
       </p:grpSpPr>
       <p:pic>
         <p:nvPicPr>
-          <p:cNvPr id="6" name="図 5"/>
+          <p:cNvPr id="3" name="図 2"/>
           <p:cNvPicPr>
             <a:picLocks noChangeAspect="1"/>
           </p:cNvPicPr>
@@ -20803,8 +20862,8 @@
         </p:blipFill>
         <p:spPr>
           <a:xfrm>
-            <a:off x="404364" y="2403695"/>
-            <a:ext cx="5893385" cy="3481200"/>
+            <a:off x="186072" y="2403696"/>
+            <a:ext cx="7842408" cy="3315252"/>
           </a:xfrm>
           <a:prstGeom prst="rect">
             <a:avLst/>
@@ -21015,8 +21074,8 @@
         </p:nvSpPr>
         <p:spPr bwMode="auto">
           <a:xfrm>
-            <a:off x="1700160" y="3924341"/>
-            <a:ext cx="2373902" cy="703059"/>
+            <a:off x="1785848" y="4161711"/>
+            <a:ext cx="4946452" cy="777477"/>
           </a:xfrm>
           <a:prstGeom prst="roundRect">
             <a:avLst>
@@ -21059,8 +21118,8 @@
         </p:nvSpPr>
         <p:spPr bwMode="auto">
           <a:xfrm>
-            <a:off x="2398406" y="4892653"/>
-            <a:ext cx="896519" cy="268430"/>
+            <a:off x="2615695" y="5325755"/>
+            <a:ext cx="1236205" cy="270000"/>
           </a:xfrm>
           <a:prstGeom prst="roundRect">
             <a:avLst>
@@ -21103,8 +21162,8 @@
         </p:nvSpPr>
         <p:spPr bwMode="auto">
           <a:xfrm>
-            <a:off x="3428475" y="4892653"/>
-            <a:ext cx="237985" cy="268430"/>
+            <a:off x="3972276" y="5190755"/>
+            <a:ext cx="270000" cy="270000"/>
           </a:xfrm>
           <a:prstGeom prst="wedgeEllipseCallout">
             <a:avLst>
@@ -21162,7 +21221,7 @@
         </p:nvSpPr>
         <p:spPr bwMode="auto">
           <a:xfrm>
-            <a:off x="4074062" y="5051350"/>
+            <a:off x="5823744" y="2348846"/>
             <a:ext cx="3002823" cy="1667090"/>
           </a:xfrm>
           <a:prstGeom prst="roundRect">
@@ -21226,13 +21285,13 @@
         </p:nvSpPr>
         <p:spPr bwMode="auto">
           <a:xfrm>
-            <a:off x="4074062" y="5004983"/>
-            <a:ext cx="301542" cy="312200"/>
+            <a:off x="5693853" y="2241456"/>
+            <a:ext cx="270000" cy="270000"/>
           </a:xfrm>
           <a:prstGeom prst="wedgeEllipseCallout">
             <a:avLst>
-              <a:gd name="adj1" fmla="val -45291"/>
-              <a:gd name="adj2" fmla="val -225299"/>
+              <a:gd name="adj1" fmla="val -324359"/>
+              <a:gd name="adj2" fmla="val 661432"/>
             </a:avLst>
           </a:prstGeom>
           <a:solidFill>
@@ -21286,13 +21345,13 @@
           <p:nvPr>
             <p:extLst>
               <p:ext uri="{D42A27DB-BD31-4B8C-83A1-F6EECF244321}">
-                <p14:modId xmlns:p14="http://schemas.microsoft.com/office/powerpoint/2010/main" val="2500005608"/>
+                <p14:modId xmlns:p14="http://schemas.microsoft.com/office/powerpoint/2010/main" val="886128628"/>
               </p:ext>
             </p:extLst>
           </p:nvPr>
         </p:nvGraphicFramePr>
         <p:xfrm>
-          <a:off x="4190728" y="5393278"/>
+          <a:off x="5940410" y="2690774"/>
           <a:ext cx="2769489" cy="1280160"/>
         </p:xfrm>
         <a:graphic>
@@ -22036,7 +22095,7 @@
         </p:nvSpPr>
         <p:spPr bwMode="auto">
           <a:xfrm>
-            <a:off x="566536" y="5844308"/>
+            <a:off x="5669889" y="5821111"/>
             <a:ext cx="3293624" cy="576000"/>
           </a:xfrm>
           <a:prstGeom prst="roundRect">
@@ -22112,7 +22171,7 @@
         </p:nvGrpSpPr>
         <p:grpSpPr>
           <a:xfrm>
-            <a:off x="333919" y="5618952"/>
+            <a:off x="5437272" y="5595755"/>
             <a:ext cx="565503" cy="549789"/>
             <a:chOff x="162795" y="3812178"/>
             <a:chExt cx="565503" cy="549789"/>
@@ -22843,18 +22902,14 @@
               <a:buAutoNum type="arabicPeriod"/>
             </a:pPr>
             <a:r>
-              <a:rPr lang="en-US" altLang="ja-JP" sz="2000" dirty="0" smtClean="0"/>
-              <a:t>Movement</a:t>
-            </a:r>
-            <a:r>
-              <a:rPr lang="ja-JP" altLang="en-US" sz="2000" dirty="0"/>
-              <a:t>詳細の</a:t>
-            </a:r>
-            <a:r>
-              <a:rPr lang="ja-JP" altLang="en-US" sz="2000" dirty="0" smtClean="0"/>
-              <a:t>登録</a:t>
-            </a:r>
-            <a:endParaRPr lang="en-US" altLang="ja-JP" sz="2000" dirty="0" smtClean="0"/>
+              <a:rPr lang="en-US" altLang="ja-JP" sz="2000"/>
+              <a:t>Movement-Playbook</a:t>
+            </a:r>
+            <a:r>
+              <a:rPr lang="ja-JP" altLang="en-US" sz="2000" smtClean="0"/>
+              <a:t>紐付の登録</a:t>
+            </a:r>
+            <a:endParaRPr lang="en-US" altLang="ja-JP" sz="2000" smtClean="0"/>
           </a:p>
           <a:p>
             <a:pPr marL="800100" lvl="1" indent="-342900">
@@ -22862,26 +22917,18 @@
               <a:buAutoNum type="arabicPeriod"/>
             </a:pPr>
             <a:r>
-              <a:rPr lang="ja-JP" altLang="en-US" sz="2000" dirty="0" smtClean="0"/>
-              <a:t>オペレーション</a:t>
-            </a:r>
-            <a:r>
-              <a:rPr lang="ja-JP" altLang="en-US" sz="2000" dirty="0"/>
-              <a:t>に関連付く</a:t>
-            </a:r>
-            <a:r>
-              <a:rPr lang="en-US" altLang="ja-JP" sz="2000" dirty="0"/>
+              <a:rPr lang="ja-JP" altLang="en-US" sz="2000" smtClean="0"/>
+              <a:t>オペレーションに関連付く</a:t>
+            </a:r>
+            <a:r>
+              <a:rPr lang="en-US" altLang="ja-JP" sz="2000" smtClean="0"/>
               <a:t>Movement</a:t>
             </a:r>
             <a:r>
-              <a:rPr lang="ja-JP" altLang="en-US" sz="2000" dirty="0"/>
-              <a:t>とホストの</a:t>
-            </a:r>
-            <a:r>
-              <a:rPr lang="ja-JP" altLang="en-US" sz="2000" dirty="0" smtClean="0"/>
-              <a:t>登録</a:t>
-            </a:r>
-            <a:endParaRPr lang="en-US" altLang="ja-JP" sz="2000" dirty="0" smtClean="0"/>
+              <a:rPr lang="ja-JP" altLang="en-US" sz="2000" smtClean="0"/>
+              <a:t>とホストの登録</a:t>
+            </a:r>
+            <a:endParaRPr lang="en-US" altLang="ja-JP" sz="2000" smtClean="0"/>
           </a:p>
           <a:p>
             <a:pPr marL="800100" lvl="1" indent="-342900">
@@ -22889,8 +22936,12 @@
               <a:buAutoNum type="arabicPeriod"/>
             </a:pPr>
             <a:r>
+              <a:rPr lang="ja-JP" altLang="en-US" sz="2000" smtClean="0"/>
+              <a:t>代入値</a:t>
+            </a:r>
+            <a:r>
               <a:rPr lang="ja-JP" altLang="en-US" sz="2000" dirty="0" smtClean="0"/>
-              <a:t>代入値管理</a:t>
+              <a:t>管理</a:t>
             </a:r>
             <a:endParaRPr lang="en-US" altLang="ja-JP" sz="2000" dirty="0" smtClean="0"/>
           </a:p>
@@ -22984,7 +23035,7 @@
       </p:grpSpPr>
       <p:pic>
         <p:nvPicPr>
-          <p:cNvPr id="4" name="図 3"/>
+          <p:cNvPr id="12" name="図 11"/>
           <p:cNvPicPr>
             <a:picLocks noChangeAspect="1"/>
           </p:cNvPicPr>
@@ -22998,8 +23049,8 @@
         </p:blipFill>
         <p:spPr>
           <a:xfrm>
-            <a:off x="755470" y="2636890"/>
-            <a:ext cx="6356487" cy="3524066"/>
+            <a:off x="186073" y="2403697"/>
+            <a:ext cx="7122308" cy="3351986"/>
           </a:xfrm>
           <a:prstGeom prst="rect">
             <a:avLst/>
@@ -23206,8 +23257,8 @@
         </p:nvSpPr>
         <p:spPr bwMode="auto">
           <a:xfrm>
-            <a:off x="2118668" y="4216632"/>
-            <a:ext cx="3389461" cy="710200"/>
+            <a:off x="1666065" y="4005080"/>
+            <a:ext cx="4090846" cy="1087228"/>
           </a:xfrm>
           <a:prstGeom prst="roundRect">
             <a:avLst>
@@ -23250,8 +23301,8 @@
         </p:nvSpPr>
         <p:spPr bwMode="auto">
           <a:xfrm>
-            <a:off x="2878706" y="5180344"/>
-            <a:ext cx="1022767" cy="264936"/>
+            <a:off x="2411700" y="5410173"/>
+            <a:ext cx="1089880" cy="226216"/>
           </a:xfrm>
           <a:prstGeom prst="roundRect">
             <a:avLst>
@@ -23294,8 +23345,8 @@
         </p:nvSpPr>
         <p:spPr bwMode="auto">
           <a:xfrm>
-            <a:off x="3995920" y="5219064"/>
-            <a:ext cx="237985" cy="268430"/>
+            <a:off x="3635870" y="5275958"/>
+            <a:ext cx="270000" cy="268430"/>
           </a:xfrm>
           <a:prstGeom prst="wedgeEllipseCallout">
             <a:avLst>
@@ -23347,19 +23398,1015 @@
       </p:sp>
       <p:sp>
         <p:nvSpPr>
+          <p:cNvPr id="9" name="角丸四角形 8"/>
+          <p:cNvSpPr/>
+          <p:nvPr/>
+        </p:nvSpPr>
+        <p:spPr bwMode="auto">
+          <a:xfrm>
+            <a:off x="5960690" y="3076139"/>
+            <a:ext cx="3002823" cy="1857882"/>
+          </a:xfrm>
+          <a:prstGeom prst="roundRect">
+            <a:avLst>
+              <a:gd name="adj" fmla="val 4712"/>
+            </a:avLst>
+          </a:prstGeom>
+          <a:solidFill>
+            <a:schemeClr val="bg1"/>
+          </a:solidFill>
+          <a:ln w="28575">
+            <a:solidFill>
+              <a:srgbClr val="FF0000"/>
+            </a:solidFill>
+          </a:ln>
+          <a:effectLst/>
+          <a:extLst/>
+        </p:spPr>
+        <p:txBody>
+          <a:bodyPr rot="0" spcFirstLastPara="0" vertOverflow="overflow" horzOverflow="overflow" vert="horz" wrap="none" lIns="72000" tIns="72000" rIns="72000" bIns="72000" numCol="1" spcCol="0" rtlCol="0" fromWordArt="0" anchor="t" anchorCtr="0" forceAA="0" compatLnSpc="1">
+            <a:prstTxWarp prst="textNoShape">
+              <a:avLst/>
+            </a:prstTxWarp>
+            <a:noAutofit/>
+          </a:bodyPr>
+          <a:lstStyle/>
+          <a:p>
+            <a:pPr algn="ctr"/>
+            <a:r>
+              <a:rPr lang="ja-JP" altLang="en-US" sz="1400" dirty="0" smtClean="0">
+                <a:latin typeface="+mn-ea"/>
+              </a:rPr>
+              <a:t>項目へ</a:t>
+            </a:r>
+            <a:r>
+              <a:rPr kumimoji="1" lang="ja-JP" altLang="en-US" sz="1400" dirty="0" smtClean="0">
+                <a:latin typeface="+mn-ea"/>
+              </a:rPr>
+              <a:t>値を</a:t>
+            </a:r>
+            <a:r>
+              <a:rPr lang="ja-JP" altLang="en-US" sz="1400" dirty="0">
+                <a:latin typeface="+mn-ea"/>
+              </a:rPr>
+              <a:t>設定</a:t>
+            </a:r>
+            <a:r>
+              <a:rPr kumimoji="1" lang="ja-JP" altLang="en-US" sz="1400" dirty="0" smtClean="0">
+                <a:latin typeface="+mn-ea"/>
+              </a:rPr>
+              <a:t>する</a:t>
+            </a:r>
+          </a:p>
+        </p:txBody>
+      </p:sp>
+      <p:graphicFrame>
+        <p:nvGraphicFramePr>
+          <p:cNvPr id="10" name="表 9"/>
+          <p:cNvGraphicFramePr>
+            <a:graphicFrameLocks noGrp="1"/>
+          </p:cNvGraphicFramePr>
+          <p:nvPr>
+            <p:extLst>
+              <p:ext uri="{D42A27DB-BD31-4B8C-83A1-F6EECF244321}">
+                <p14:modId xmlns:p14="http://schemas.microsoft.com/office/powerpoint/2010/main" val="3776001934"/>
+              </p:ext>
+            </p:extLst>
+          </p:nvPr>
+        </p:nvGraphicFramePr>
+        <p:xfrm>
+          <a:off x="6077356" y="3418067"/>
+          <a:ext cx="2769489" cy="1371600"/>
+        </p:xfrm>
+        <a:graphic>
+          <a:graphicData uri="http://schemas.openxmlformats.org/drawingml/2006/table">
+            <a:tbl>
+              <a:tblPr firstRow="1" bandRow="1">
+                <a:tableStyleId>{5C22544A-7EE6-4342-B048-85BDC9FD1C3A}</a:tableStyleId>
+              </a:tblPr>
+              <a:tblGrid>
+                <a:gridCol w="1545319">
+                  <a:extLst>
+                    <a:ext uri="{9D8B030D-6E8A-4147-A177-3AD203B41FA5}">
+                      <a16:colId xmlns:a16="http://schemas.microsoft.com/office/drawing/2014/main" val="2883640048"/>
+                    </a:ext>
+                  </a:extLst>
+                </a:gridCol>
+                <a:gridCol w="1224170">
+                  <a:extLst>
+                    <a:ext uri="{9D8B030D-6E8A-4147-A177-3AD203B41FA5}">
+                      <a16:colId xmlns:a16="http://schemas.microsoft.com/office/drawing/2014/main" val="1123245703"/>
+                    </a:ext>
+                  </a:extLst>
+                </a:gridCol>
+              </a:tblGrid>
+              <a:tr h="270234">
+                <a:tc>
+                  <a:txBody>
+                    <a:bodyPr/>
+                    <a:lstStyle/>
+                    <a:p>
+                      <a:pPr algn="ctr"/>
+                      <a:r>
+                        <a:rPr kumimoji="1" lang="ja-JP" altLang="en-US" sz="1200" dirty="0" smtClean="0">
+                          <a:solidFill>
+                            <a:schemeClr val="bg1"/>
+                          </a:solidFill>
+                          <a:latin typeface="+mn-lt"/>
+                        </a:rPr>
+                        <a:t>項目</a:t>
+                      </a:r>
+                      <a:endParaRPr kumimoji="1" lang="ja-JP" altLang="en-US" sz="1200" dirty="0">
+                        <a:solidFill>
+                          <a:schemeClr val="bg1"/>
+                        </a:solidFill>
+                        <a:latin typeface="+mn-lt"/>
+                      </a:endParaRPr>
+                    </a:p>
+                  </a:txBody>
+                  <a:tcPr>
+                    <a:lnL w="12700" cap="flat" cmpd="sng" algn="ctr">
+                      <a:solidFill>
+                        <a:schemeClr val="bg1">
+                          <a:lumMod val="85000"/>
+                        </a:schemeClr>
+                      </a:solidFill>
+                      <a:prstDash val="solid"/>
+                      <a:round/>
+                      <a:headEnd type="none" w="med" len="med"/>
+                      <a:tailEnd type="none" w="med" len="med"/>
+                    </a:lnL>
+                    <a:lnR w="12700" cap="flat" cmpd="sng" algn="ctr">
+                      <a:solidFill>
+                        <a:schemeClr val="bg1">
+                          <a:lumMod val="85000"/>
+                        </a:schemeClr>
+                      </a:solidFill>
+                      <a:prstDash val="solid"/>
+                      <a:round/>
+                      <a:headEnd type="none" w="med" len="med"/>
+                      <a:tailEnd type="none" w="med" len="med"/>
+                    </a:lnR>
+                    <a:lnT w="12700" cap="flat" cmpd="sng" algn="ctr">
+                      <a:solidFill>
+                        <a:schemeClr val="bg1">
+                          <a:lumMod val="85000"/>
+                        </a:schemeClr>
+                      </a:solidFill>
+                      <a:prstDash val="solid"/>
+                      <a:round/>
+                      <a:headEnd type="none" w="med" len="med"/>
+                      <a:tailEnd type="none" w="med" len="med"/>
+                    </a:lnT>
+                    <a:lnB w="12700" cap="flat" cmpd="sng" algn="ctr">
+                      <a:solidFill>
+                        <a:schemeClr val="bg1">
+                          <a:lumMod val="85000"/>
+                        </a:schemeClr>
+                      </a:solidFill>
+                      <a:prstDash val="solid"/>
+                      <a:round/>
+                      <a:headEnd type="none" w="med" len="med"/>
+                      <a:tailEnd type="none" w="med" len="med"/>
+                    </a:lnB>
+                    <a:lnTlToBr w="12700" cmpd="sng">
+                      <a:noFill/>
+                      <a:prstDash val="solid"/>
+                    </a:lnTlToBr>
+                    <a:lnBlToTr w="12700" cmpd="sng">
+                      <a:noFill/>
+                      <a:prstDash val="solid"/>
+                    </a:lnBlToTr>
+                    <a:solidFill>
+                      <a:schemeClr val="accent6"/>
+                    </a:solidFill>
+                  </a:tcPr>
+                </a:tc>
+                <a:tc>
+                  <a:txBody>
+                    <a:bodyPr/>
+                    <a:lstStyle/>
+                    <a:p>
+                      <a:pPr algn="ctr"/>
+                      <a:r>
+                        <a:rPr kumimoji="1" lang="ja-JP" altLang="en-US" sz="1200" dirty="0" smtClean="0">
+                          <a:solidFill>
+                            <a:schemeClr val="bg1"/>
+                          </a:solidFill>
+                          <a:latin typeface="+mn-lt"/>
+                        </a:rPr>
+                        <a:t>値</a:t>
+                      </a:r>
+                      <a:endParaRPr kumimoji="1" lang="ja-JP" altLang="en-US" sz="1200" dirty="0">
+                        <a:solidFill>
+                          <a:schemeClr val="bg1"/>
+                        </a:solidFill>
+                        <a:latin typeface="+mn-lt"/>
+                      </a:endParaRPr>
+                    </a:p>
+                  </a:txBody>
+                  <a:tcPr>
+                    <a:lnL w="12700" cap="flat" cmpd="sng" algn="ctr">
+                      <a:solidFill>
+                        <a:schemeClr val="bg1">
+                          <a:lumMod val="85000"/>
+                        </a:schemeClr>
+                      </a:solidFill>
+                      <a:prstDash val="solid"/>
+                      <a:round/>
+                      <a:headEnd type="none" w="med" len="med"/>
+                      <a:tailEnd type="none" w="med" len="med"/>
+                    </a:lnL>
+                    <a:lnR w="12700" cap="flat" cmpd="sng" algn="ctr">
+                      <a:solidFill>
+                        <a:schemeClr val="bg1">
+                          <a:lumMod val="85000"/>
+                        </a:schemeClr>
+                      </a:solidFill>
+                      <a:prstDash val="solid"/>
+                      <a:round/>
+                      <a:headEnd type="none" w="med" len="med"/>
+                      <a:tailEnd type="none" w="med" len="med"/>
+                    </a:lnR>
+                    <a:lnT w="12700" cap="flat" cmpd="sng" algn="ctr">
+                      <a:solidFill>
+                        <a:schemeClr val="bg1">
+                          <a:lumMod val="85000"/>
+                        </a:schemeClr>
+                      </a:solidFill>
+                      <a:prstDash val="solid"/>
+                      <a:round/>
+                      <a:headEnd type="none" w="med" len="med"/>
+                      <a:tailEnd type="none" w="med" len="med"/>
+                    </a:lnT>
+                    <a:lnB w="12700" cap="flat" cmpd="sng" algn="ctr">
+                      <a:solidFill>
+                        <a:schemeClr val="bg1">
+                          <a:lumMod val="85000"/>
+                        </a:schemeClr>
+                      </a:solidFill>
+                      <a:prstDash val="solid"/>
+                      <a:round/>
+                      <a:headEnd type="none" w="med" len="med"/>
+                      <a:tailEnd type="none" w="med" len="med"/>
+                    </a:lnB>
+                    <a:lnTlToBr w="12700" cmpd="sng">
+                      <a:noFill/>
+                      <a:prstDash val="solid"/>
+                    </a:lnTlToBr>
+                    <a:lnBlToTr w="12700" cmpd="sng">
+                      <a:noFill/>
+                      <a:prstDash val="solid"/>
+                    </a:lnBlToTr>
+                    <a:solidFill>
+                      <a:schemeClr val="accent6"/>
+                    </a:solidFill>
+                  </a:tcPr>
+                </a:tc>
+                <a:extLst>
+                  <a:ext uri="{0D108BD9-81ED-4DB2-BD59-A6C34878D82A}">
+                    <a16:rowId xmlns:a16="http://schemas.microsoft.com/office/drawing/2014/main" val="2458714703"/>
+                  </a:ext>
+                </a:extLst>
+              </a:tr>
+              <a:tr h="270234">
+                <a:tc>
+                  <a:txBody>
+                    <a:bodyPr/>
+                    <a:lstStyle/>
+                    <a:p>
+                      <a:r>
+                        <a:rPr kumimoji="1" lang="ja-JP" altLang="en-US" sz="1200" b="1" dirty="0" smtClean="0">
+                          <a:solidFill>
+                            <a:schemeClr val="tx1"/>
+                          </a:solidFill>
+                          <a:latin typeface="+mn-lt"/>
+                        </a:rPr>
+                        <a:t>オペレーション</a:t>
+                      </a:r>
+                      <a:endParaRPr kumimoji="1" lang="ja-JP" altLang="en-US" sz="1200" b="1" dirty="0">
+                        <a:solidFill>
+                          <a:schemeClr val="tx1"/>
+                        </a:solidFill>
+                        <a:latin typeface="+mn-lt"/>
+                      </a:endParaRPr>
+                    </a:p>
+                  </a:txBody>
+                  <a:tcPr>
+                    <a:lnL w="12700" cap="flat" cmpd="sng" algn="ctr">
+                      <a:solidFill>
+                        <a:schemeClr val="bg1">
+                          <a:lumMod val="85000"/>
+                        </a:schemeClr>
+                      </a:solidFill>
+                      <a:prstDash val="solid"/>
+                      <a:round/>
+                      <a:headEnd type="none" w="med" len="med"/>
+                      <a:tailEnd type="none" w="med" len="med"/>
+                    </a:lnL>
+                    <a:lnR w="12700" cap="flat" cmpd="sng" algn="ctr">
+                      <a:solidFill>
+                        <a:schemeClr val="bg1">
+                          <a:lumMod val="85000"/>
+                        </a:schemeClr>
+                      </a:solidFill>
+                      <a:prstDash val="solid"/>
+                      <a:round/>
+                      <a:headEnd type="none" w="med" len="med"/>
+                      <a:tailEnd type="none" w="med" len="med"/>
+                    </a:lnR>
+                    <a:lnT w="12700" cap="flat" cmpd="sng" algn="ctr">
+                      <a:solidFill>
+                        <a:schemeClr val="bg1">
+                          <a:lumMod val="85000"/>
+                        </a:schemeClr>
+                      </a:solidFill>
+                      <a:prstDash val="solid"/>
+                      <a:round/>
+                      <a:headEnd type="none" w="med" len="med"/>
+                      <a:tailEnd type="none" w="med" len="med"/>
+                    </a:lnT>
+                    <a:lnB w="12700" cap="flat" cmpd="sng" algn="ctr">
+                      <a:solidFill>
+                        <a:schemeClr val="bg1">
+                          <a:lumMod val="85000"/>
+                        </a:schemeClr>
+                      </a:solidFill>
+                      <a:prstDash val="solid"/>
+                      <a:round/>
+                      <a:headEnd type="none" w="med" len="med"/>
+                      <a:tailEnd type="none" w="med" len="med"/>
+                    </a:lnB>
+                    <a:lnTlToBr w="12700" cmpd="sng">
+                      <a:noFill/>
+                      <a:prstDash val="solid"/>
+                    </a:lnTlToBr>
+                    <a:lnBlToTr w="12700" cmpd="sng">
+                      <a:noFill/>
+                      <a:prstDash val="solid"/>
+                    </a:lnBlToTr>
+                    <a:solidFill>
+                      <a:schemeClr val="bg1"/>
+                    </a:solidFill>
+                  </a:tcPr>
+                </a:tc>
+                <a:tc>
+                  <a:txBody>
+                    <a:bodyPr/>
+                    <a:lstStyle/>
+                    <a:p>
+                      <a:r>
+                        <a:rPr kumimoji="1" lang="en-US" altLang="ja-JP" sz="1200" dirty="0" smtClean="0">
+                          <a:solidFill>
+                            <a:schemeClr val="tx1"/>
+                          </a:solidFill>
+                          <a:latin typeface="+mn-lt"/>
+                        </a:rPr>
+                        <a:t>operation1</a:t>
+                      </a:r>
+                      <a:endParaRPr kumimoji="1" lang="ja-JP" altLang="en-US" sz="1200" dirty="0">
+                        <a:solidFill>
+                          <a:schemeClr val="tx1"/>
+                        </a:solidFill>
+                        <a:latin typeface="+mn-lt"/>
+                      </a:endParaRPr>
+                    </a:p>
+                  </a:txBody>
+                  <a:tcPr>
+                    <a:lnL w="12700" cap="flat" cmpd="sng" algn="ctr">
+                      <a:solidFill>
+                        <a:schemeClr val="bg1">
+                          <a:lumMod val="85000"/>
+                        </a:schemeClr>
+                      </a:solidFill>
+                      <a:prstDash val="solid"/>
+                      <a:round/>
+                      <a:headEnd type="none" w="med" len="med"/>
+                      <a:tailEnd type="none" w="med" len="med"/>
+                    </a:lnL>
+                    <a:lnR w="12700" cap="flat" cmpd="sng" algn="ctr">
+                      <a:solidFill>
+                        <a:schemeClr val="bg1">
+                          <a:lumMod val="85000"/>
+                        </a:schemeClr>
+                      </a:solidFill>
+                      <a:prstDash val="solid"/>
+                      <a:round/>
+                      <a:headEnd type="none" w="med" len="med"/>
+                      <a:tailEnd type="none" w="med" len="med"/>
+                    </a:lnR>
+                    <a:lnT w="12700" cap="flat" cmpd="sng" algn="ctr">
+                      <a:solidFill>
+                        <a:schemeClr val="bg1">
+                          <a:lumMod val="85000"/>
+                        </a:schemeClr>
+                      </a:solidFill>
+                      <a:prstDash val="solid"/>
+                      <a:round/>
+                      <a:headEnd type="none" w="med" len="med"/>
+                      <a:tailEnd type="none" w="med" len="med"/>
+                    </a:lnT>
+                    <a:lnB w="12700" cap="flat" cmpd="sng" algn="ctr">
+                      <a:solidFill>
+                        <a:schemeClr val="bg1">
+                          <a:lumMod val="85000"/>
+                        </a:schemeClr>
+                      </a:solidFill>
+                      <a:prstDash val="solid"/>
+                      <a:round/>
+                      <a:headEnd type="none" w="med" len="med"/>
+                      <a:tailEnd type="none" w="med" len="med"/>
+                    </a:lnB>
+                    <a:lnTlToBr w="12700" cmpd="sng">
+                      <a:noFill/>
+                      <a:prstDash val="solid"/>
+                    </a:lnTlToBr>
+                    <a:lnBlToTr w="12700" cmpd="sng">
+                      <a:noFill/>
+                      <a:prstDash val="solid"/>
+                    </a:lnBlToTr>
+                    <a:solidFill>
+                      <a:schemeClr val="bg1"/>
+                    </a:solidFill>
+                  </a:tcPr>
+                </a:tc>
+                <a:extLst>
+                  <a:ext uri="{0D108BD9-81ED-4DB2-BD59-A6C34878D82A}">
+                    <a16:rowId xmlns:a16="http://schemas.microsoft.com/office/drawing/2014/main" val="4029950975"/>
+                  </a:ext>
+                </a:extLst>
+              </a:tr>
+              <a:tr h="270234">
+                <a:tc>
+                  <a:txBody>
+                    <a:bodyPr/>
+                    <a:lstStyle/>
+                    <a:p>
+                      <a:r>
+                        <a:rPr kumimoji="1" lang="en-US" altLang="ja-JP" sz="1200" b="1" dirty="0" smtClean="0">
+                          <a:solidFill>
+                            <a:schemeClr val="tx1"/>
+                          </a:solidFill>
+                          <a:latin typeface="+mn-lt"/>
+                        </a:rPr>
+                        <a:t>Movement</a:t>
+                      </a:r>
+                      <a:endParaRPr kumimoji="1" lang="ja-JP" altLang="en-US" sz="1200" b="1" dirty="0">
+                        <a:solidFill>
+                          <a:schemeClr val="tx1"/>
+                        </a:solidFill>
+                        <a:latin typeface="+mn-lt"/>
+                      </a:endParaRPr>
+                    </a:p>
+                  </a:txBody>
+                  <a:tcPr>
+                    <a:lnL w="12700" cap="flat" cmpd="sng" algn="ctr">
+                      <a:solidFill>
+                        <a:schemeClr val="bg1">
+                          <a:lumMod val="85000"/>
+                        </a:schemeClr>
+                      </a:solidFill>
+                      <a:prstDash val="solid"/>
+                      <a:round/>
+                      <a:headEnd type="none" w="med" len="med"/>
+                      <a:tailEnd type="none" w="med" len="med"/>
+                    </a:lnL>
+                    <a:lnR w="12700" cap="flat" cmpd="sng" algn="ctr">
+                      <a:solidFill>
+                        <a:schemeClr val="bg1">
+                          <a:lumMod val="85000"/>
+                        </a:schemeClr>
+                      </a:solidFill>
+                      <a:prstDash val="solid"/>
+                      <a:round/>
+                      <a:headEnd type="none" w="med" len="med"/>
+                      <a:tailEnd type="none" w="med" len="med"/>
+                    </a:lnR>
+                    <a:lnT w="12700" cap="flat" cmpd="sng" algn="ctr">
+                      <a:solidFill>
+                        <a:schemeClr val="bg1">
+                          <a:lumMod val="85000"/>
+                        </a:schemeClr>
+                      </a:solidFill>
+                      <a:prstDash val="solid"/>
+                      <a:round/>
+                      <a:headEnd type="none" w="med" len="med"/>
+                      <a:tailEnd type="none" w="med" len="med"/>
+                    </a:lnT>
+                    <a:lnB w="12700" cap="flat" cmpd="sng" algn="ctr">
+                      <a:solidFill>
+                        <a:schemeClr val="bg1">
+                          <a:lumMod val="85000"/>
+                        </a:schemeClr>
+                      </a:solidFill>
+                      <a:prstDash val="solid"/>
+                      <a:round/>
+                      <a:headEnd type="none" w="med" len="med"/>
+                      <a:tailEnd type="none" w="med" len="med"/>
+                    </a:lnB>
+                    <a:lnTlToBr w="12700" cmpd="sng">
+                      <a:noFill/>
+                      <a:prstDash val="solid"/>
+                    </a:lnTlToBr>
+                    <a:lnBlToTr w="12700" cmpd="sng">
+                      <a:noFill/>
+                      <a:prstDash val="solid"/>
+                    </a:lnBlToTr>
+                    <a:solidFill>
+                      <a:schemeClr val="bg1"/>
+                    </a:solidFill>
+                  </a:tcPr>
+                </a:tc>
+                <a:tc>
+                  <a:txBody>
+                    <a:bodyPr/>
+                    <a:lstStyle/>
+                    <a:p>
+                      <a:pPr marL="0" marR="0" lvl="0" indent="0" algn="l" defTabSz="914400" rtl="0" eaLnBrk="1" fontAlgn="auto" latinLnBrk="0" hangingPunct="1">
+                        <a:lnSpc>
+                          <a:spcPct val="100000"/>
+                        </a:lnSpc>
+                        <a:spcBef>
+                          <a:spcPts val="0"/>
+                        </a:spcBef>
+                        <a:spcAft>
+                          <a:spcPts val="0"/>
+                        </a:spcAft>
+                        <a:buClrTx/>
+                        <a:buSzTx/>
+                        <a:buFontTx/>
+                        <a:buNone/>
+                        <a:tabLst/>
+                        <a:defRPr/>
+                      </a:pPr>
+                      <a:r>
+                        <a:rPr lang="ja-JP" altLang="en-US" sz="1200" smtClean="0">
+                          <a:solidFill>
+                            <a:schemeClr val="tx1"/>
+                          </a:solidFill>
+                          <a:latin typeface="+mn-lt"/>
+                        </a:rPr>
+                        <a:t>次頁参照</a:t>
+                      </a:r>
+                      <a:endParaRPr lang="en-US" altLang="ja-JP" sz="1200" dirty="0" smtClean="0">
+                        <a:solidFill>
+                          <a:schemeClr val="tx1"/>
+                        </a:solidFill>
+                        <a:latin typeface="+mn-lt"/>
+                      </a:endParaRPr>
+                    </a:p>
+                  </a:txBody>
+                  <a:tcPr>
+                    <a:lnL w="12700" cap="flat" cmpd="sng" algn="ctr">
+                      <a:solidFill>
+                        <a:schemeClr val="bg1">
+                          <a:lumMod val="85000"/>
+                        </a:schemeClr>
+                      </a:solidFill>
+                      <a:prstDash val="solid"/>
+                      <a:round/>
+                      <a:headEnd type="none" w="med" len="med"/>
+                      <a:tailEnd type="none" w="med" len="med"/>
+                    </a:lnL>
+                    <a:lnR w="12700" cap="flat" cmpd="sng" algn="ctr">
+                      <a:solidFill>
+                        <a:schemeClr val="bg1">
+                          <a:lumMod val="85000"/>
+                        </a:schemeClr>
+                      </a:solidFill>
+                      <a:prstDash val="solid"/>
+                      <a:round/>
+                      <a:headEnd type="none" w="med" len="med"/>
+                      <a:tailEnd type="none" w="med" len="med"/>
+                    </a:lnR>
+                    <a:lnT w="12700" cap="flat" cmpd="sng" algn="ctr">
+                      <a:solidFill>
+                        <a:schemeClr val="bg1">
+                          <a:lumMod val="85000"/>
+                        </a:schemeClr>
+                      </a:solidFill>
+                      <a:prstDash val="solid"/>
+                      <a:round/>
+                      <a:headEnd type="none" w="med" len="med"/>
+                      <a:tailEnd type="none" w="med" len="med"/>
+                    </a:lnT>
+                    <a:lnB w="12700" cap="flat" cmpd="sng" algn="ctr">
+                      <a:solidFill>
+                        <a:schemeClr val="bg1">
+                          <a:lumMod val="85000"/>
+                        </a:schemeClr>
+                      </a:solidFill>
+                      <a:prstDash val="solid"/>
+                      <a:round/>
+                      <a:headEnd type="none" w="med" len="med"/>
+                      <a:tailEnd type="none" w="med" len="med"/>
+                    </a:lnB>
+                    <a:lnTlToBr w="12700" cmpd="sng">
+                      <a:noFill/>
+                      <a:prstDash val="solid"/>
+                    </a:lnTlToBr>
+                    <a:lnBlToTr w="12700" cmpd="sng">
+                      <a:noFill/>
+                      <a:prstDash val="solid"/>
+                    </a:lnBlToTr>
+                    <a:solidFill>
+                      <a:schemeClr val="bg1"/>
+                    </a:solidFill>
+                  </a:tcPr>
+                </a:tc>
+                <a:extLst>
+                  <a:ext uri="{0D108BD9-81ED-4DB2-BD59-A6C34878D82A}">
+                    <a16:rowId xmlns:a16="http://schemas.microsoft.com/office/drawing/2014/main" val="1438549284"/>
+                  </a:ext>
+                </a:extLst>
+              </a:tr>
+              <a:tr h="270234">
+                <a:tc>
+                  <a:txBody>
+                    <a:bodyPr/>
+                    <a:lstStyle/>
+                    <a:p>
+                      <a:r>
+                        <a:rPr kumimoji="1" lang="ja-JP" altLang="en-US" sz="1200" b="1" dirty="0" smtClean="0">
+                          <a:solidFill>
+                            <a:schemeClr val="tx1"/>
+                          </a:solidFill>
+                          <a:latin typeface="+mn-lt"/>
+                        </a:rPr>
+                        <a:t>ホスト</a:t>
+                      </a:r>
+                      <a:endParaRPr kumimoji="1" lang="ja-JP" altLang="en-US" sz="1200" b="1" dirty="0">
+                        <a:solidFill>
+                          <a:schemeClr val="tx1"/>
+                        </a:solidFill>
+                        <a:latin typeface="+mn-lt"/>
+                      </a:endParaRPr>
+                    </a:p>
+                  </a:txBody>
+                  <a:tcPr>
+                    <a:lnL w="12700" cap="flat" cmpd="sng" algn="ctr">
+                      <a:solidFill>
+                        <a:schemeClr val="bg1">
+                          <a:lumMod val="85000"/>
+                        </a:schemeClr>
+                      </a:solidFill>
+                      <a:prstDash val="solid"/>
+                      <a:round/>
+                      <a:headEnd type="none" w="med" len="med"/>
+                      <a:tailEnd type="none" w="med" len="med"/>
+                    </a:lnL>
+                    <a:lnR w="12700" cap="flat" cmpd="sng" algn="ctr">
+                      <a:solidFill>
+                        <a:schemeClr val="bg1">
+                          <a:lumMod val="85000"/>
+                        </a:schemeClr>
+                      </a:solidFill>
+                      <a:prstDash val="solid"/>
+                      <a:round/>
+                      <a:headEnd type="none" w="med" len="med"/>
+                      <a:tailEnd type="none" w="med" len="med"/>
+                    </a:lnR>
+                    <a:lnT w="12700" cap="flat" cmpd="sng" algn="ctr">
+                      <a:solidFill>
+                        <a:schemeClr val="bg1">
+                          <a:lumMod val="85000"/>
+                        </a:schemeClr>
+                      </a:solidFill>
+                      <a:prstDash val="solid"/>
+                      <a:round/>
+                      <a:headEnd type="none" w="med" len="med"/>
+                      <a:tailEnd type="none" w="med" len="med"/>
+                    </a:lnT>
+                    <a:lnB w="12700" cap="flat" cmpd="sng" algn="ctr">
+                      <a:solidFill>
+                        <a:schemeClr val="bg1">
+                          <a:lumMod val="85000"/>
+                        </a:schemeClr>
+                      </a:solidFill>
+                      <a:prstDash val="solid"/>
+                      <a:round/>
+                      <a:headEnd type="none" w="med" len="med"/>
+                      <a:tailEnd type="none" w="med" len="med"/>
+                    </a:lnB>
+                    <a:lnTlToBr w="12700" cmpd="sng">
+                      <a:noFill/>
+                      <a:prstDash val="solid"/>
+                    </a:lnTlToBr>
+                    <a:lnBlToTr w="12700" cmpd="sng">
+                      <a:noFill/>
+                      <a:prstDash val="solid"/>
+                    </a:lnBlToTr>
+                    <a:solidFill>
+                      <a:schemeClr val="bg1"/>
+                    </a:solidFill>
+                  </a:tcPr>
+                </a:tc>
+                <a:tc>
+                  <a:txBody>
+                    <a:bodyPr/>
+                    <a:lstStyle/>
+                    <a:p>
+                      <a:pPr marL="0" marR="0" lvl="0" indent="0" algn="l" defTabSz="914400" rtl="0" eaLnBrk="1" fontAlgn="auto" latinLnBrk="0" hangingPunct="1">
+                        <a:lnSpc>
+                          <a:spcPct val="100000"/>
+                        </a:lnSpc>
+                        <a:spcBef>
+                          <a:spcPts val="0"/>
+                        </a:spcBef>
+                        <a:spcAft>
+                          <a:spcPts val="0"/>
+                        </a:spcAft>
+                        <a:buClrTx/>
+                        <a:buSzTx/>
+                        <a:buFontTx/>
+                        <a:buNone/>
+                        <a:tabLst/>
+                        <a:defRPr/>
+                      </a:pPr>
+                      <a:r>
+                        <a:rPr lang="en-US" altLang="ja-JP" sz="1200" dirty="0" err="1" smtClean="0">
+                          <a:solidFill>
+                            <a:schemeClr val="tx1"/>
+                          </a:solidFill>
+                          <a:latin typeface="+mn-lt"/>
+                        </a:rPr>
+                        <a:t>testserver</a:t>
+                      </a:r>
+                      <a:endParaRPr lang="en-US" altLang="ja-JP" sz="1200" dirty="0" smtClean="0">
+                        <a:solidFill>
+                          <a:schemeClr val="tx1"/>
+                        </a:solidFill>
+                        <a:latin typeface="+mn-lt"/>
+                      </a:endParaRPr>
+                    </a:p>
+                  </a:txBody>
+                  <a:tcPr>
+                    <a:lnL w="12700" cap="flat" cmpd="sng" algn="ctr">
+                      <a:solidFill>
+                        <a:schemeClr val="bg1">
+                          <a:lumMod val="85000"/>
+                        </a:schemeClr>
+                      </a:solidFill>
+                      <a:prstDash val="solid"/>
+                      <a:round/>
+                      <a:headEnd type="none" w="med" len="med"/>
+                      <a:tailEnd type="none" w="med" len="med"/>
+                    </a:lnL>
+                    <a:lnR w="12700" cap="flat" cmpd="sng" algn="ctr">
+                      <a:solidFill>
+                        <a:schemeClr val="bg1">
+                          <a:lumMod val="85000"/>
+                        </a:schemeClr>
+                      </a:solidFill>
+                      <a:prstDash val="solid"/>
+                      <a:round/>
+                      <a:headEnd type="none" w="med" len="med"/>
+                      <a:tailEnd type="none" w="med" len="med"/>
+                    </a:lnR>
+                    <a:lnT w="12700" cap="flat" cmpd="sng" algn="ctr">
+                      <a:solidFill>
+                        <a:schemeClr val="bg1">
+                          <a:lumMod val="85000"/>
+                        </a:schemeClr>
+                      </a:solidFill>
+                      <a:prstDash val="solid"/>
+                      <a:round/>
+                      <a:headEnd type="none" w="med" len="med"/>
+                      <a:tailEnd type="none" w="med" len="med"/>
+                    </a:lnT>
+                    <a:lnB w="12700" cap="flat" cmpd="sng" algn="ctr">
+                      <a:solidFill>
+                        <a:schemeClr val="bg1">
+                          <a:lumMod val="85000"/>
+                        </a:schemeClr>
+                      </a:solidFill>
+                      <a:prstDash val="solid"/>
+                      <a:round/>
+                      <a:headEnd type="none" w="med" len="med"/>
+                      <a:tailEnd type="none" w="med" len="med"/>
+                    </a:lnB>
+                    <a:lnTlToBr w="12700" cmpd="sng">
+                      <a:noFill/>
+                      <a:prstDash val="solid"/>
+                    </a:lnTlToBr>
+                    <a:lnBlToTr w="12700" cmpd="sng">
+                      <a:noFill/>
+                      <a:prstDash val="solid"/>
+                    </a:lnBlToTr>
+                    <a:solidFill>
+                      <a:schemeClr val="bg1"/>
+                    </a:solidFill>
+                  </a:tcPr>
+                </a:tc>
+                <a:extLst>
+                  <a:ext uri="{0D108BD9-81ED-4DB2-BD59-A6C34878D82A}">
+                    <a16:rowId xmlns:a16="http://schemas.microsoft.com/office/drawing/2014/main" val="1397881556"/>
+                  </a:ext>
+                </a:extLst>
+              </a:tr>
+              <a:tr h="270234">
+                <a:tc>
+                  <a:txBody>
+                    <a:bodyPr/>
+                    <a:lstStyle/>
+                    <a:p>
+                      <a:r>
+                        <a:rPr kumimoji="1" lang="ja-JP" altLang="en-US" sz="1200" b="1" smtClean="0">
+                          <a:solidFill>
+                            <a:schemeClr val="tx1"/>
+                          </a:solidFill>
+                          <a:latin typeface="+mn-lt"/>
+                        </a:rPr>
+                        <a:t>変数名</a:t>
+                      </a:r>
+                      <a:endParaRPr kumimoji="1" lang="ja-JP" altLang="en-US" sz="1200" b="1" dirty="0">
+                        <a:solidFill>
+                          <a:schemeClr val="tx1"/>
+                        </a:solidFill>
+                        <a:latin typeface="+mn-lt"/>
+                      </a:endParaRPr>
+                    </a:p>
+                  </a:txBody>
+                  <a:tcPr>
+                    <a:lnL w="12700" cap="flat" cmpd="sng" algn="ctr">
+                      <a:solidFill>
+                        <a:schemeClr val="bg1">
+                          <a:lumMod val="85000"/>
+                        </a:schemeClr>
+                      </a:solidFill>
+                      <a:prstDash val="solid"/>
+                      <a:round/>
+                      <a:headEnd type="none" w="med" len="med"/>
+                      <a:tailEnd type="none" w="med" len="med"/>
+                    </a:lnL>
+                    <a:lnR w="12700" cap="flat" cmpd="sng" algn="ctr">
+                      <a:solidFill>
+                        <a:schemeClr val="bg1">
+                          <a:lumMod val="85000"/>
+                        </a:schemeClr>
+                      </a:solidFill>
+                      <a:prstDash val="solid"/>
+                      <a:round/>
+                      <a:headEnd type="none" w="med" len="med"/>
+                      <a:tailEnd type="none" w="med" len="med"/>
+                    </a:lnR>
+                    <a:lnT w="12700" cap="flat" cmpd="sng" algn="ctr">
+                      <a:solidFill>
+                        <a:schemeClr val="bg1">
+                          <a:lumMod val="85000"/>
+                        </a:schemeClr>
+                      </a:solidFill>
+                      <a:prstDash val="solid"/>
+                      <a:round/>
+                      <a:headEnd type="none" w="med" len="med"/>
+                      <a:tailEnd type="none" w="med" len="med"/>
+                    </a:lnT>
+                    <a:lnB w="12700" cap="flat" cmpd="sng" algn="ctr">
+                      <a:solidFill>
+                        <a:schemeClr val="bg1">
+                          <a:lumMod val="85000"/>
+                        </a:schemeClr>
+                      </a:solidFill>
+                      <a:prstDash val="solid"/>
+                      <a:round/>
+                      <a:headEnd type="none" w="med" len="med"/>
+                      <a:tailEnd type="none" w="med" len="med"/>
+                    </a:lnB>
+                    <a:lnTlToBr w="12700" cmpd="sng">
+                      <a:noFill/>
+                      <a:prstDash val="solid"/>
+                    </a:lnTlToBr>
+                    <a:lnBlToTr w="12700" cmpd="sng">
+                      <a:noFill/>
+                      <a:prstDash val="solid"/>
+                    </a:lnBlToTr>
+                    <a:solidFill>
+                      <a:schemeClr val="bg1"/>
+                    </a:solidFill>
+                  </a:tcPr>
+                </a:tc>
+                <a:tc>
+                  <a:txBody>
+                    <a:bodyPr/>
+                    <a:lstStyle/>
+                    <a:p>
+                      <a:pPr marL="0" marR="0" lvl="0" indent="0" algn="l" defTabSz="914400" rtl="0" eaLnBrk="1" fontAlgn="auto" latinLnBrk="0" hangingPunct="1">
+                        <a:lnSpc>
+                          <a:spcPct val="100000"/>
+                        </a:lnSpc>
+                        <a:spcBef>
+                          <a:spcPts val="0"/>
+                        </a:spcBef>
+                        <a:spcAft>
+                          <a:spcPts val="0"/>
+                        </a:spcAft>
+                        <a:buClrTx/>
+                        <a:buSzTx/>
+                        <a:buFontTx/>
+                        <a:buNone/>
+                        <a:tabLst/>
+                        <a:defRPr/>
+                      </a:pPr>
+                      <a:r>
+                        <a:rPr lang="ja-JP" altLang="en-US" sz="1200" smtClean="0">
+                          <a:solidFill>
+                            <a:schemeClr val="tx1"/>
+                          </a:solidFill>
+                          <a:latin typeface="+mn-lt"/>
+                        </a:rPr>
+                        <a:t>次頁参照</a:t>
+                      </a:r>
+                      <a:endParaRPr lang="en-US" altLang="ja-JP" sz="1200" dirty="0" smtClean="0">
+                        <a:solidFill>
+                          <a:schemeClr val="tx1"/>
+                        </a:solidFill>
+                        <a:latin typeface="+mn-lt"/>
+                      </a:endParaRPr>
+                    </a:p>
+                  </a:txBody>
+                  <a:tcPr>
+                    <a:lnL w="12700" cap="flat" cmpd="sng" algn="ctr">
+                      <a:solidFill>
+                        <a:schemeClr val="bg1">
+                          <a:lumMod val="85000"/>
+                        </a:schemeClr>
+                      </a:solidFill>
+                      <a:prstDash val="solid"/>
+                      <a:round/>
+                      <a:headEnd type="none" w="med" len="med"/>
+                      <a:tailEnd type="none" w="med" len="med"/>
+                    </a:lnL>
+                    <a:lnR w="12700" cap="flat" cmpd="sng" algn="ctr">
+                      <a:solidFill>
+                        <a:schemeClr val="bg1">
+                          <a:lumMod val="85000"/>
+                        </a:schemeClr>
+                      </a:solidFill>
+                      <a:prstDash val="solid"/>
+                      <a:round/>
+                      <a:headEnd type="none" w="med" len="med"/>
+                      <a:tailEnd type="none" w="med" len="med"/>
+                    </a:lnR>
+                    <a:lnT w="12700" cap="flat" cmpd="sng" algn="ctr">
+                      <a:solidFill>
+                        <a:schemeClr val="bg1">
+                          <a:lumMod val="85000"/>
+                        </a:schemeClr>
+                      </a:solidFill>
+                      <a:prstDash val="solid"/>
+                      <a:round/>
+                      <a:headEnd type="none" w="med" len="med"/>
+                      <a:tailEnd type="none" w="med" len="med"/>
+                    </a:lnT>
+                    <a:lnB w="12700" cap="flat" cmpd="sng" algn="ctr">
+                      <a:solidFill>
+                        <a:schemeClr val="bg1">
+                          <a:lumMod val="85000"/>
+                        </a:schemeClr>
+                      </a:solidFill>
+                      <a:prstDash val="solid"/>
+                      <a:round/>
+                      <a:headEnd type="none" w="med" len="med"/>
+                      <a:tailEnd type="none" w="med" len="med"/>
+                    </a:lnB>
+                    <a:lnTlToBr w="12700" cmpd="sng">
+                      <a:noFill/>
+                      <a:prstDash val="solid"/>
+                    </a:lnTlToBr>
+                    <a:lnBlToTr w="12700" cmpd="sng">
+                      <a:noFill/>
+                      <a:prstDash val="solid"/>
+                    </a:lnBlToTr>
+                    <a:solidFill>
+                      <a:schemeClr val="bg1"/>
+                    </a:solidFill>
+                  </a:tcPr>
+                </a:tc>
+                <a:extLst>
+                  <a:ext uri="{0D108BD9-81ED-4DB2-BD59-A6C34878D82A}">
+                    <a16:rowId xmlns:a16="http://schemas.microsoft.com/office/drawing/2014/main" val="777304224"/>
+                  </a:ext>
+                </a:extLst>
+              </a:tr>
+            </a:tbl>
+          </a:graphicData>
+        </a:graphic>
+      </p:graphicFrame>
+      <p:sp>
+        <p:nvSpPr>
           <p:cNvPr id="60" name="円形吹き出し 59"/>
           <p:cNvSpPr/>
           <p:nvPr/>
         </p:nvSpPr>
         <p:spPr bwMode="auto">
           <a:xfrm>
-            <a:off x="2339690" y="3842274"/>
-            <a:ext cx="301542" cy="312200"/>
+            <a:off x="5809919" y="2934903"/>
+            <a:ext cx="270000" cy="270000"/>
           </a:xfrm>
           <a:prstGeom prst="wedgeEllipseCallout">
             <a:avLst>
-              <a:gd name="adj1" fmla="val -118796"/>
-              <a:gd name="adj2" fmla="val 81270"/>
+              <a:gd name="adj1" fmla="val -204858"/>
+              <a:gd name="adj2" fmla="val 355559"/>
             </a:avLst>
           </a:prstGeom>
           <a:solidFill>
@@ -23545,14 +24592,14 @@
           <p:nvPr>
             <p:extLst>
               <p:ext uri="{D42A27DB-BD31-4B8C-83A1-F6EECF244321}">
-                <p14:modId xmlns:p14="http://schemas.microsoft.com/office/powerpoint/2010/main" val="2411113269"/>
+                <p14:modId xmlns:p14="http://schemas.microsoft.com/office/powerpoint/2010/main" val="3558144074"/>
               </p:ext>
             </p:extLst>
           </p:nvPr>
         </p:nvGraphicFramePr>
         <p:xfrm>
           <a:off x="322932" y="1556740"/>
-          <a:ext cx="8353160" cy="4680645"/>
+          <a:ext cx="8419217" cy="4680645"/>
         </p:xfrm>
         <a:graphic>
           <a:graphicData uri="http://schemas.openxmlformats.org/drawingml/2006/table">
@@ -23573,7 +24620,7 @@
                     </a:ext>
                   </a:extLst>
                 </a:gridCol>
-                <a:gridCol w="3500167">
+                <a:gridCol w="3566224">
                   <a:extLst>
                     <a:ext uri="{9D8B030D-6E8A-4147-A177-3AD203B41FA5}">
                       <a16:colId xmlns:a16="http://schemas.microsoft.com/office/drawing/2014/main" val="4081310854"/>
@@ -23616,8 +24663,16 @@
                     </a:p>
                   </a:txBody>
                   <a:tcPr marL="0" marR="0" marT="0" marB="0" anchor="ctr">
-                    <a:lnL>
-                      <a:noFill/>
+                    <a:lnL w="12700" cap="flat" cmpd="sng" algn="ctr">
+                      <a:solidFill>
+                        <a:schemeClr val="bg1">
+                          <a:lumMod val="50000"/>
+                        </a:schemeClr>
+                      </a:solidFill>
+                      <a:prstDash val="solid"/>
+                      <a:round/>
+                      <a:headEnd type="none" w="med" len="med"/>
+                      <a:tailEnd type="none" w="med" len="med"/>
                     </a:lnL>
                     <a:lnR w="6350" cap="flat" cmpd="sng" algn="ctr">
                       <a:solidFill>
@@ -23628,9 +24683,11 @@
                       <a:headEnd type="none" w="med" len="med"/>
                       <a:tailEnd type="none" w="med" len="med"/>
                     </a:lnR>
-                    <a:lnT w="6350" cap="flat" cmpd="sng" algn="ctr">
-                      <a:solidFill>
-                        <a:srgbClr val="7F7F7F"/>
+                    <a:lnT w="12700" cap="flat" cmpd="sng" algn="ctr">
+                      <a:solidFill>
+                        <a:schemeClr val="bg1">
+                          <a:lumMod val="50000"/>
+                        </a:schemeClr>
                       </a:solidFill>
                       <a:prstDash val="solid"/>
                       <a:round/>
@@ -23689,9 +24746,11 @@
                       <a:headEnd type="none" w="med" len="med"/>
                       <a:tailEnd type="none" w="med" len="med"/>
                     </a:lnR>
-                    <a:lnT w="6350" cap="flat" cmpd="sng" algn="ctr">
-                      <a:solidFill>
-                        <a:srgbClr val="7F7F7F"/>
+                    <a:lnT w="12700" cap="flat" cmpd="sng" algn="ctr">
+                      <a:solidFill>
+                        <a:schemeClr val="bg1">
+                          <a:lumMod val="50000"/>
+                        </a:schemeClr>
                       </a:solidFill>
                       <a:prstDash val="solid"/>
                       <a:round/>
@@ -23761,9 +24820,11 @@
                       <a:headEnd type="none" w="med" len="med"/>
                       <a:tailEnd type="none" w="med" len="med"/>
                     </a:lnR>
-                    <a:lnT w="6350" cap="flat" cmpd="sng" algn="ctr">
-                      <a:solidFill>
-                        <a:srgbClr val="7F7F7F"/>
+                    <a:lnT w="12700" cap="flat" cmpd="sng" algn="ctr">
+                      <a:solidFill>
+                        <a:schemeClr val="bg1">
+                          <a:lumMod val="50000"/>
+                        </a:schemeClr>
                       </a:solidFill>
                       <a:prstDash val="solid"/>
                       <a:round/>
@@ -23822,9 +24883,11 @@
                       <a:headEnd type="none" w="med" len="med"/>
                       <a:tailEnd type="none" w="med" len="med"/>
                     </a:lnR>
-                    <a:lnT w="6350" cap="flat" cmpd="sng" algn="ctr">
-                      <a:solidFill>
-                        <a:srgbClr val="7F7F7F"/>
+                    <a:lnT w="12700" cap="flat" cmpd="sng" algn="ctr">
+                      <a:solidFill>
+                        <a:schemeClr val="bg1">
+                          <a:lumMod val="50000"/>
+                        </a:schemeClr>
                       </a:solidFill>
                       <a:prstDash val="solid"/>
                       <a:round/>
@@ -23874,18 +24937,22 @@
                       <a:headEnd type="none" w="med" len="med"/>
                       <a:tailEnd type="none" w="med" len="med"/>
                     </a:lnL>
-                    <a:lnR w="6350" cap="flat" cmpd="sng" algn="ctr">
-                      <a:solidFill>
-                        <a:srgbClr val="7F7F7F"/>
+                    <a:lnR w="12700" cap="flat" cmpd="sng" algn="ctr">
+                      <a:solidFill>
+                        <a:schemeClr val="bg1">
+                          <a:lumMod val="50000"/>
+                        </a:schemeClr>
                       </a:solidFill>
                       <a:prstDash val="solid"/>
                       <a:round/>
                       <a:headEnd type="none" w="med" len="med"/>
                       <a:tailEnd type="none" w="med" len="med"/>
                     </a:lnR>
-                    <a:lnT w="6350" cap="flat" cmpd="sng" algn="ctr">
-                      <a:solidFill>
-                        <a:srgbClr val="7F7F7F"/>
+                    <a:lnT w="12700" cap="flat" cmpd="sng" algn="ctr">
+                      <a:solidFill>
+                        <a:schemeClr val="bg1">
+                          <a:lumMod val="50000"/>
+                        </a:schemeClr>
                       </a:solidFill>
                       <a:prstDash val="solid"/>
                       <a:round/>
@@ -23932,9 +24999,17 @@
                       </a:r>
                     </a:p>
                   </a:txBody>
-                  <a:tcPr marL="0" marR="0" marT="0" marB="0">
-                    <a:lnL>
-                      <a:noFill/>
+                  <a:tcPr anchor="ctr">
+                    <a:lnL w="12700" cap="flat" cmpd="sng" algn="ctr">
+                      <a:solidFill>
+                        <a:schemeClr val="bg1">
+                          <a:lumMod val="50000"/>
+                        </a:schemeClr>
+                      </a:solidFill>
+                      <a:prstDash val="solid"/>
+                      <a:round/>
+                      <a:headEnd type="none" w="med" len="med"/>
+                      <a:tailEnd type="none" w="med" len="med"/>
                     </a:lnL>
                     <a:lnR w="6350" cap="flat" cmpd="sng" algn="ctr">
                       <a:solidFill>
@@ -23984,7 +25059,7 @@
                       </a:r>
                     </a:p>
                   </a:txBody>
-                  <a:tcPr marL="0" marR="0" marT="0" marB="0">
+                  <a:tcPr anchor="ctr">
                     <a:lnL w="6350" cap="flat" cmpd="sng" algn="ctr">
                       <a:solidFill>
                         <a:srgbClr val="7F7F7F"/>
@@ -24061,7 +25136,7 @@
                       </a:endParaRPr>
                     </a:p>
                   </a:txBody>
-                  <a:tcPr marL="0" marR="0" marT="0" marB="0">
+                  <a:tcPr anchor="ctr">
                     <a:lnL w="6350" cap="flat" cmpd="sng" algn="ctr">
                       <a:solidFill>
                         <a:srgbClr val="7F7F7F"/>
@@ -24119,7 +25194,7 @@
                       </a:r>
                     </a:p>
                   </a:txBody>
-                  <a:tcPr marL="0" marR="0" marT="0" marB="0">
+                  <a:tcPr anchor="ctr">
                     <a:lnL w="6350" cap="flat" cmpd="sng" algn="ctr">
                       <a:solidFill>
                         <a:srgbClr val="7F7F7F"/>
@@ -24174,7 +25249,7 @@
                       </a:endParaRPr>
                     </a:p>
                   </a:txBody>
-                  <a:tcPr marL="0" marR="0" marT="0" marB="0">
+                  <a:tcPr anchor="ctr">
                     <a:lnL w="6350" cap="flat" cmpd="sng" algn="ctr">
                       <a:solidFill>
                         <a:srgbClr val="7F7F7F"/>
@@ -24184,9 +25259,11 @@
                       <a:headEnd type="none" w="med" len="med"/>
                       <a:tailEnd type="none" w="med" len="med"/>
                     </a:lnL>
-                    <a:lnR w="6350" cap="flat" cmpd="sng" algn="ctr">
-                      <a:solidFill>
-                        <a:srgbClr val="7F7F7F"/>
+                    <a:lnR w="12700" cap="flat" cmpd="sng" algn="ctr">
+                      <a:solidFill>
+                        <a:schemeClr val="bg1">
+                          <a:lumMod val="50000"/>
+                        </a:schemeClr>
                       </a:solidFill>
                       <a:prstDash val="solid"/>
                       <a:round/>
@@ -24239,9 +25316,17 @@
                       </a:r>
                     </a:p>
                   </a:txBody>
-                  <a:tcPr marL="0" marR="0" marT="0" marB="0">
-                    <a:lnL>
-                      <a:noFill/>
+                  <a:tcPr anchor="ctr">
+                    <a:lnL w="12700" cap="flat" cmpd="sng" algn="ctr">
+                      <a:solidFill>
+                        <a:schemeClr val="bg1">
+                          <a:lumMod val="50000"/>
+                        </a:schemeClr>
+                      </a:solidFill>
+                      <a:prstDash val="solid"/>
+                      <a:round/>
+                      <a:headEnd type="none" w="med" len="med"/>
+                      <a:tailEnd type="none" w="med" len="med"/>
                     </a:lnL>
                     <a:lnR w="6350" cap="flat" cmpd="sng" algn="ctr">
                       <a:solidFill>
@@ -24291,7 +25376,7 @@
                       </a:r>
                     </a:p>
                   </a:txBody>
-                  <a:tcPr marL="0" marR="0" marT="0" marB="0">
+                  <a:tcPr anchor="ctr">
                     <a:lnL w="6350" cap="flat" cmpd="sng" algn="ctr">
                       <a:solidFill>
                         <a:srgbClr val="7F7F7F"/>
@@ -24357,7 +25442,7 @@
                       </a:endParaRPr>
                     </a:p>
                   </a:txBody>
-                  <a:tcPr marL="0" marR="0" marT="0" marB="0">
+                  <a:tcPr anchor="ctr">
                     <a:lnL w="6350" cap="flat" cmpd="sng" algn="ctr">
                       <a:solidFill>
                         <a:srgbClr val="7F7F7F"/>
@@ -24423,7 +25508,7 @@
                       </a:endParaRPr>
                     </a:p>
                   </a:txBody>
-                  <a:tcPr marL="0" marR="0" marT="0" marB="0">
+                  <a:tcPr anchor="ctr">
                     <a:lnL w="6350" cap="flat" cmpd="sng" algn="ctr">
                       <a:solidFill>
                         <a:srgbClr val="7F7F7F"/>
@@ -24478,7 +25563,7 @@
                       </a:endParaRPr>
                     </a:p>
                   </a:txBody>
-                  <a:tcPr marL="0" marR="0" marT="0" marB="0">
+                  <a:tcPr anchor="ctr">
                     <a:lnL w="6350" cap="flat" cmpd="sng" algn="ctr">
                       <a:solidFill>
                         <a:srgbClr val="7F7F7F"/>
@@ -24488,9 +25573,11 @@
                       <a:headEnd type="none" w="med" len="med"/>
                       <a:tailEnd type="none" w="med" len="med"/>
                     </a:lnL>
-                    <a:lnR w="6350" cap="flat" cmpd="sng" algn="ctr">
-                      <a:solidFill>
-                        <a:srgbClr val="7F7F7F"/>
+                    <a:lnR w="12700" cap="flat" cmpd="sng" algn="ctr">
+                      <a:solidFill>
+                        <a:schemeClr val="bg1">
+                          <a:lumMod val="50000"/>
+                        </a:schemeClr>
                       </a:solidFill>
                       <a:prstDash val="solid"/>
                       <a:round/>
@@ -24543,9 +25630,17 @@
                       </a:r>
                     </a:p>
                   </a:txBody>
-                  <a:tcPr marL="0" marR="0" marT="0" marB="0">
-                    <a:lnL>
-                      <a:noFill/>
+                  <a:tcPr anchor="ctr">
+                    <a:lnL w="12700" cap="flat" cmpd="sng" algn="ctr">
+                      <a:solidFill>
+                        <a:schemeClr val="bg1">
+                          <a:lumMod val="50000"/>
+                        </a:schemeClr>
+                      </a:solidFill>
+                      <a:prstDash val="solid"/>
+                      <a:round/>
+                      <a:headEnd type="none" w="med" len="med"/>
+                      <a:tailEnd type="none" w="med" len="med"/>
                     </a:lnL>
                     <a:lnR w="6350" cap="flat" cmpd="sng" algn="ctr">
                       <a:solidFill>
@@ -24595,7 +25690,7 @@
                       </a:r>
                     </a:p>
                   </a:txBody>
-                  <a:tcPr marL="0" marR="0" marT="0" marB="0">
+                  <a:tcPr anchor="ctr">
                     <a:lnL w="6350" cap="flat" cmpd="sng" algn="ctr">
                       <a:solidFill>
                         <a:srgbClr val="7F7F7F"/>
@@ -24661,7 +25756,7 @@
                       </a:endParaRPr>
                     </a:p>
                   </a:txBody>
-                  <a:tcPr marL="0" marR="0" marT="0" marB="0">
+                  <a:tcPr anchor="ctr">
                     <a:lnL w="6350" cap="flat" cmpd="sng" algn="ctr">
                       <a:solidFill>
                         <a:srgbClr val="7F7F7F"/>
@@ -24727,7 +25822,7 @@
                       </a:endParaRPr>
                     </a:p>
                   </a:txBody>
-                  <a:tcPr marL="0" marR="0" marT="0" marB="0">
+                  <a:tcPr anchor="ctr">
                     <a:lnL w="6350" cap="flat" cmpd="sng" algn="ctr">
                       <a:solidFill>
                         <a:srgbClr val="7F7F7F"/>
@@ -24782,7 +25877,7 @@
                       </a:endParaRPr>
                     </a:p>
                   </a:txBody>
-                  <a:tcPr marL="0" marR="0" marT="0" marB="0">
+                  <a:tcPr anchor="ctr">
                     <a:lnL w="6350" cap="flat" cmpd="sng" algn="ctr">
                       <a:solidFill>
                         <a:srgbClr val="7F7F7F"/>
@@ -24792,9 +25887,11 @@
                       <a:headEnd type="none" w="med" len="med"/>
                       <a:tailEnd type="none" w="med" len="med"/>
                     </a:lnL>
-                    <a:lnR w="6350" cap="flat" cmpd="sng" algn="ctr">
-                      <a:solidFill>
-                        <a:srgbClr val="7F7F7F"/>
+                    <a:lnR w="12700" cap="flat" cmpd="sng" algn="ctr">
+                      <a:solidFill>
+                        <a:schemeClr val="bg1">
+                          <a:lumMod val="50000"/>
+                        </a:schemeClr>
                       </a:solidFill>
                       <a:prstDash val="solid"/>
                       <a:round/>
@@ -24847,9 +25944,17 @@
                       </a:r>
                     </a:p>
                   </a:txBody>
-                  <a:tcPr marL="0" marR="0" marT="0" marB="0">
-                    <a:lnL>
-                      <a:noFill/>
+                  <a:tcPr anchor="ctr">
+                    <a:lnL w="12700" cap="flat" cmpd="sng" algn="ctr">
+                      <a:solidFill>
+                        <a:schemeClr val="bg1">
+                          <a:lumMod val="50000"/>
+                        </a:schemeClr>
+                      </a:solidFill>
+                      <a:prstDash val="solid"/>
+                      <a:round/>
+                      <a:headEnd type="none" w="med" len="med"/>
+                      <a:tailEnd type="none" w="med" len="med"/>
                     </a:lnL>
                     <a:lnR w="6350" cap="flat" cmpd="sng" algn="ctr">
                       <a:solidFill>
@@ -24899,7 +26004,7 @@
                       </a:r>
                     </a:p>
                   </a:txBody>
-                  <a:tcPr marL="0" marR="0" marT="0" marB="0">
+                  <a:tcPr anchor="ctr">
                     <a:lnL w="6350" cap="flat" cmpd="sng" algn="ctr">
                       <a:solidFill>
                         <a:srgbClr val="7F7F7F"/>
@@ -24976,7 +26081,7 @@
                       </a:endParaRPr>
                     </a:p>
                   </a:txBody>
-                  <a:tcPr marL="0" marR="0" marT="0" marB="0">
+                  <a:tcPr anchor="ctr">
                     <a:lnL w="6350" cap="flat" cmpd="sng" algn="ctr">
                       <a:solidFill>
                         <a:srgbClr val="7F7F7F"/>
@@ -25034,7 +26139,7 @@
                       </a:r>
                     </a:p>
                   </a:txBody>
-                  <a:tcPr marL="0" marR="0" marT="0" marB="0">
+                  <a:tcPr anchor="ctr">
                     <a:lnL w="6350" cap="flat" cmpd="sng" algn="ctr">
                       <a:solidFill>
                         <a:srgbClr val="7F7F7F"/>
@@ -25089,7 +26194,7 @@
                       </a:endParaRPr>
                     </a:p>
                   </a:txBody>
-                  <a:tcPr marL="0" marR="0" marT="0" marB="0">
+                  <a:tcPr anchor="ctr">
                     <a:lnL w="6350" cap="flat" cmpd="sng" algn="ctr">
                       <a:solidFill>
                         <a:srgbClr val="7F7F7F"/>
@@ -25099,9 +26204,11 @@
                       <a:headEnd type="none" w="med" len="med"/>
                       <a:tailEnd type="none" w="med" len="med"/>
                     </a:lnL>
-                    <a:lnR w="6350" cap="flat" cmpd="sng" algn="ctr">
-                      <a:solidFill>
-                        <a:srgbClr val="7F7F7F"/>
+                    <a:lnR w="12700" cap="flat" cmpd="sng" algn="ctr">
+                      <a:solidFill>
+                        <a:schemeClr val="bg1">
+                          <a:lumMod val="50000"/>
+                        </a:schemeClr>
                       </a:solidFill>
                       <a:prstDash val="solid"/>
                       <a:round/>
@@ -25154,9 +26261,17 @@
                       </a:r>
                     </a:p>
                   </a:txBody>
-                  <a:tcPr marL="0" marR="0" marT="0" marB="0">
-                    <a:lnL>
-                      <a:noFill/>
+                  <a:tcPr anchor="ctr">
+                    <a:lnL w="12700" cap="flat" cmpd="sng" algn="ctr">
+                      <a:solidFill>
+                        <a:schemeClr val="bg1">
+                          <a:lumMod val="50000"/>
+                        </a:schemeClr>
+                      </a:solidFill>
+                      <a:prstDash val="solid"/>
+                      <a:round/>
+                      <a:headEnd type="none" w="med" len="med"/>
+                      <a:tailEnd type="none" w="med" len="med"/>
                     </a:lnL>
                     <a:lnR w="6350" cap="flat" cmpd="sng" algn="ctr">
                       <a:solidFill>
@@ -25206,7 +26321,7 @@
                       </a:r>
                     </a:p>
                   </a:txBody>
-                  <a:tcPr marL="0" marR="0" marT="0" marB="0">
+                  <a:tcPr anchor="ctr">
                     <a:lnL w="6350" cap="flat" cmpd="sng" algn="ctr">
                       <a:solidFill>
                         <a:srgbClr val="7F7F7F"/>
@@ -25272,7 +26387,7 @@
                       </a:endParaRPr>
                     </a:p>
                   </a:txBody>
-                  <a:tcPr marL="0" marR="0" marT="0" marB="0">
+                  <a:tcPr anchor="ctr">
                     <a:lnL w="6350" cap="flat" cmpd="sng" algn="ctr">
                       <a:solidFill>
                         <a:srgbClr val="7F7F7F"/>
@@ -25338,7 +26453,7 @@
                       </a:endParaRPr>
                     </a:p>
                   </a:txBody>
-                  <a:tcPr marL="0" marR="0" marT="0" marB="0">
+                  <a:tcPr anchor="ctr">
                     <a:lnL w="6350" cap="flat" cmpd="sng" algn="ctr">
                       <a:solidFill>
                         <a:srgbClr val="7F7F7F"/>
@@ -25393,7 +26508,7 @@
                       </a:endParaRPr>
                     </a:p>
                   </a:txBody>
-                  <a:tcPr marL="0" marR="0" marT="0" marB="0">
+                  <a:tcPr anchor="ctr">
                     <a:lnL w="6350" cap="flat" cmpd="sng" algn="ctr">
                       <a:solidFill>
                         <a:srgbClr val="7F7F7F"/>
@@ -25403,9 +26518,11 @@
                       <a:headEnd type="none" w="med" len="med"/>
                       <a:tailEnd type="none" w="med" len="med"/>
                     </a:lnL>
-                    <a:lnR w="6350" cap="flat" cmpd="sng" algn="ctr">
-                      <a:solidFill>
-                        <a:srgbClr val="7F7F7F"/>
+                    <a:lnR w="12700" cap="flat" cmpd="sng" algn="ctr">
+                      <a:solidFill>
+                        <a:schemeClr val="bg1">
+                          <a:lumMod val="50000"/>
+                        </a:schemeClr>
                       </a:solidFill>
                       <a:prstDash val="solid"/>
                       <a:round/>
@@ -25458,9 +26575,17 @@
                       </a:r>
                     </a:p>
                   </a:txBody>
-                  <a:tcPr marL="0" marR="0" marT="0" marB="0">
-                    <a:lnL>
-                      <a:noFill/>
+                  <a:tcPr anchor="ctr">
+                    <a:lnL w="12700" cap="flat" cmpd="sng" algn="ctr">
+                      <a:solidFill>
+                        <a:schemeClr val="bg1">
+                          <a:lumMod val="50000"/>
+                        </a:schemeClr>
+                      </a:solidFill>
+                      <a:prstDash val="solid"/>
+                      <a:round/>
+                      <a:headEnd type="none" w="med" len="med"/>
+                      <a:tailEnd type="none" w="med" len="med"/>
                     </a:lnL>
                     <a:lnR w="6350" cap="flat" cmpd="sng" algn="ctr">
                       <a:solidFill>
@@ -25510,7 +26635,7 @@
                       </a:r>
                     </a:p>
                   </a:txBody>
-                  <a:tcPr marL="0" marR="0" marT="0" marB="0">
+                  <a:tcPr anchor="ctr">
                     <a:lnL w="6350" cap="flat" cmpd="sng" algn="ctr">
                       <a:solidFill>
                         <a:srgbClr val="7F7F7F"/>
@@ -25576,7 +26701,7 @@
                       </a:endParaRPr>
                     </a:p>
                   </a:txBody>
-                  <a:tcPr marL="0" marR="0" marT="0" marB="0">
+                  <a:tcPr anchor="ctr">
                     <a:lnL w="6350" cap="flat" cmpd="sng" algn="ctr">
                       <a:solidFill>
                         <a:srgbClr val="7F7F7F"/>
@@ -25634,7 +26759,7 @@
                       </a:r>
                     </a:p>
                   </a:txBody>
-                  <a:tcPr marL="0" marR="0" marT="0" marB="0">
+                  <a:tcPr anchor="ctr">
                     <a:lnL w="6350" cap="flat" cmpd="sng" algn="ctr">
                       <a:solidFill>
                         <a:srgbClr val="7F7F7F"/>
@@ -25689,7 +26814,7 @@
                       </a:endParaRPr>
                     </a:p>
                   </a:txBody>
-                  <a:tcPr marL="0" marR="0" marT="0" marB="0">
+                  <a:tcPr anchor="ctr">
                     <a:lnL w="6350" cap="flat" cmpd="sng" algn="ctr">
                       <a:solidFill>
                         <a:srgbClr val="7F7F7F"/>
@@ -25699,9 +26824,11 @@
                       <a:headEnd type="none" w="med" len="med"/>
                       <a:tailEnd type="none" w="med" len="med"/>
                     </a:lnL>
-                    <a:lnR w="6350" cap="flat" cmpd="sng" algn="ctr">
-                      <a:solidFill>
-                        <a:srgbClr val="7F7F7F"/>
+                    <a:lnR w="12700" cap="flat" cmpd="sng" algn="ctr">
+                      <a:solidFill>
+                        <a:schemeClr val="bg1">
+                          <a:lumMod val="50000"/>
+                        </a:schemeClr>
                       </a:solidFill>
                       <a:prstDash val="solid"/>
                       <a:round/>
@@ -25754,9 +26881,17 @@
                       </a:r>
                     </a:p>
                   </a:txBody>
-                  <a:tcPr marL="0" marR="0" marT="0" marB="0">
-                    <a:lnL>
-                      <a:noFill/>
+                  <a:tcPr anchor="ctr">
+                    <a:lnL w="12700" cap="flat" cmpd="sng" algn="ctr">
+                      <a:solidFill>
+                        <a:schemeClr val="bg1">
+                          <a:lumMod val="50000"/>
+                        </a:schemeClr>
+                      </a:solidFill>
+                      <a:prstDash val="solid"/>
+                      <a:round/>
+                      <a:headEnd type="none" w="med" len="med"/>
+                      <a:tailEnd type="none" w="med" len="med"/>
                     </a:lnL>
                     <a:lnR w="6350" cap="flat" cmpd="sng" algn="ctr">
                       <a:solidFill>
@@ -25806,7 +26941,7 @@
                       </a:r>
                     </a:p>
                   </a:txBody>
-                  <a:tcPr marL="0" marR="0" marT="0" marB="0">
+                  <a:tcPr anchor="ctr">
                     <a:lnL w="6350" cap="flat" cmpd="sng" algn="ctr">
                       <a:solidFill>
                         <a:srgbClr val="7F7F7F"/>
@@ -25872,7 +27007,7 @@
                       </a:endParaRPr>
                     </a:p>
                   </a:txBody>
-                  <a:tcPr marL="0" marR="0" marT="0" marB="0">
+                  <a:tcPr anchor="ctr">
                     <a:lnL w="6350" cap="flat" cmpd="sng" algn="ctr">
                       <a:solidFill>
                         <a:srgbClr val="7F7F7F"/>
@@ -25938,7 +27073,7 @@
                       </a:endParaRPr>
                     </a:p>
                   </a:txBody>
-                  <a:tcPr marL="0" marR="0" marT="0" marB="0">
+                  <a:tcPr anchor="ctr">
                     <a:lnL w="6350" cap="flat" cmpd="sng" algn="ctr">
                       <a:solidFill>
                         <a:srgbClr val="7F7F7F"/>
@@ -25993,7 +27128,7 @@
                       </a:endParaRPr>
                     </a:p>
                   </a:txBody>
-                  <a:tcPr marL="0" marR="0" marT="0" marB="0">
+                  <a:tcPr anchor="ctr">
                     <a:lnL w="6350" cap="flat" cmpd="sng" algn="ctr">
                       <a:solidFill>
                         <a:srgbClr val="7F7F7F"/>
@@ -26003,9 +27138,11 @@
                       <a:headEnd type="none" w="med" len="med"/>
                       <a:tailEnd type="none" w="med" len="med"/>
                     </a:lnL>
-                    <a:lnR w="6350" cap="flat" cmpd="sng" algn="ctr">
-                      <a:solidFill>
-                        <a:srgbClr val="7F7F7F"/>
+                    <a:lnR w="12700" cap="flat" cmpd="sng" algn="ctr">
+                      <a:solidFill>
+                        <a:schemeClr val="bg1">
+                          <a:lumMod val="50000"/>
+                        </a:schemeClr>
                       </a:solidFill>
                       <a:prstDash val="solid"/>
                       <a:round/>
@@ -26058,9 +27195,17 @@
                       </a:r>
                     </a:p>
                   </a:txBody>
-                  <a:tcPr marL="0" marR="0" marT="0" marB="0">
-                    <a:lnL>
-                      <a:noFill/>
+                  <a:tcPr anchor="ctr">
+                    <a:lnL w="12700" cap="flat" cmpd="sng" algn="ctr">
+                      <a:solidFill>
+                        <a:schemeClr val="bg1">
+                          <a:lumMod val="50000"/>
+                        </a:schemeClr>
+                      </a:solidFill>
+                      <a:prstDash val="solid"/>
+                      <a:round/>
+                      <a:headEnd type="none" w="med" len="med"/>
+                      <a:tailEnd type="none" w="med" len="med"/>
                     </a:lnL>
                     <a:lnR w="6350" cap="flat" cmpd="sng" algn="ctr">
                       <a:solidFill>
@@ -26110,7 +27255,7 @@
                       </a:r>
                     </a:p>
                   </a:txBody>
-                  <a:tcPr marL="0" marR="0" marT="0" marB="0">
+                  <a:tcPr anchor="ctr">
                     <a:lnL w="6350" cap="flat" cmpd="sng" algn="ctr">
                       <a:solidFill>
                         <a:srgbClr val="7F7F7F"/>
@@ -26176,7 +27321,7 @@
                       </a:endParaRPr>
                     </a:p>
                   </a:txBody>
-                  <a:tcPr marL="0" marR="0" marT="0" marB="0">
+                  <a:tcPr anchor="ctr">
                     <a:lnL w="6350" cap="flat" cmpd="sng" algn="ctr">
                       <a:solidFill>
                         <a:srgbClr val="7F7F7F"/>
@@ -26234,7 +27379,7 @@
                       </a:r>
                     </a:p>
                   </a:txBody>
-                  <a:tcPr marL="0" marR="0" marT="0" marB="0">
+                  <a:tcPr anchor="ctr">
                     <a:lnL w="6350" cap="flat" cmpd="sng" algn="ctr">
                       <a:solidFill>
                         <a:srgbClr val="7F7F7F"/>
@@ -26289,7 +27434,7 @@
                       </a:endParaRPr>
                     </a:p>
                   </a:txBody>
-                  <a:tcPr marL="0" marR="0" marT="0" marB="0">
+                  <a:tcPr anchor="ctr">
                     <a:lnL w="6350" cap="flat" cmpd="sng" algn="ctr">
                       <a:solidFill>
                         <a:srgbClr val="7F7F7F"/>
@@ -26299,9 +27444,11 @@
                       <a:headEnd type="none" w="med" len="med"/>
                       <a:tailEnd type="none" w="med" len="med"/>
                     </a:lnL>
-                    <a:lnR w="6350" cap="flat" cmpd="sng" algn="ctr">
-                      <a:solidFill>
-                        <a:srgbClr val="7F7F7F"/>
+                    <a:lnR w="12700" cap="flat" cmpd="sng" algn="ctr">
+                      <a:solidFill>
+                        <a:schemeClr val="bg1">
+                          <a:lumMod val="50000"/>
+                        </a:schemeClr>
                       </a:solidFill>
                       <a:prstDash val="solid"/>
                       <a:round/>
@@ -26354,9 +27501,17 @@
                       </a:r>
                     </a:p>
                   </a:txBody>
-                  <a:tcPr marL="0" marR="0" marT="0" marB="0">
-                    <a:lnL>
-                      <a:noFill/>
+                  <a:tcPr anchor="ctr">
+                    <a:lnL w="12700" cap="flat" cmpd="sng" algn="ctr">
+                      <a:solidFill>
+                        <a:schemeClr val="bg1">
+                          <a:lumMod val="50000"/>
+                        </a:schemeClr>
+                      </a:solidFill>
+                      <a:prstDash val="solid"/>
+                      <a:round/>
+                      <a:headEnd type="none" w="med" len="med"/>
+                      <a:tailEnd type="none" w="med" len="med"/>
                     </a:lnL>
                     <a:lnR w="6350" cap="flat" cmpd="sng" algn="ctr">
                       <a:solidFill>
@@ -26406,7 +27561,7 @@
                       </a:r>
                     </a:p>
                   </a:txBody>
-                  <a:tcPr marL="0" marR="0" marT="0" marB="0">
+                  <a:tcPr anchor="ctr">
                     <a:lnL w="6350" cap="flat" cmpd="sng" algn="ctr">
                       <a:solidFill>
                         <a:srgbClr val="7F7F7F"/>
@@ -26472,7 +27627,7 @@
                       </a:endParaRPr>
                     </a:p>
                   </a:txBody>
-                  <a:tcPr marL="0" marR="0" marT="0" marB="0">
+                  <a:tcPr anchor="ctr">
                     <a:lnL w="6350" cap="flat" cmpd="sng" algn="ctr">
                       <a:solidFill>
                         <a:srgbClr val="7F7F7F"/>
@@ -26538,7 +27693,7 @@
                       </a:endParaRPr>
                     </a:p>
                   </a:txBody>
-                  <a:tcPr marL="0" marR="0" marT="0" marB="0">
+                  <a:tcPr anchor="ctr">
                     <a:lnL w="6350" cap="flat" cmpd="sng" algn="ctr">
                       <a:solidFill>
                         <a:srgbClr val="7F7F7F"/>
@@ -26593,7 +27748,7 @@
                       </a:endParaRPr>
                     </a:p>
                   </a:txBody>
-                  <a:tcPr marL="0" marR="0" marT="0" marB="0">
+                  <a:tcPr anchor="ctr">
                     <a:lnL w="6350" cap="flat" cmpd="sng" algn="ctr">
                       <a:solidFill>
                         <a:srgbClr val="7F7F7F"/>
@@ -26603,9 +27758,11 @@
                       <a:headEnd type="none" w="med" len="med"/>
                       <a:tailEnd type="none" w="med" len="med"/>
                     </a:lnL>
-                    <a:lnR w="6350" cap="flat" cmpd="sng" algn="ctr">
-                      <a:solidFill>
-                        <a:srgbClr val="7F7F7F"/>
+                    <a:lnR w="12700" cap="flat" cmpd="sng" algn="ctr">
+                      <a:solidFill>
+                        <a:schemeClr val="bg1">
+                          <a:lumMod val="50000"/>
+                        </a:schemeClr>
                       </a:solidFill>
                       <a:prstDash val="solid"/>
                       <a:round/>
@@ -26658,9 +27815,17 @@
                       </a:r>
                     </a:p>
                   </a:txBody>
-                  <a:tcPr marL="0" marR="0" marT="0" marB="0">
-                    <a:lnL>
-                      <a:noFill/>
+                  <a:tcPr anchor="ctr">
+                    <a:lnL w="12700" cap="flat" cmpd="sng" algn="ctr">
+                      <a:solidFill>
+                        <a:schemeClr val="bg1">
+                          <a:lumMod val="50000"/>
+                        </a:schemeClr>
+                      </a:solidFill>
+                      <a:prstDash val="solid"/>
+                      <a:round/>
+                      <a:headEnd type="none" w="med" len="med"/>
+                      <a:tailEnd type="none" w="med" len="med"/>
                     </a:lnL>
                     <a:lnR w="6350" cap="flat" cmpd="sng" algn="ctr">
                       <a:solidFill>
@@ -26710,7 +27875,7 @@
                       </a:r>
                     </a:p>
                   </a:txBody>
-                  <a:tcPr marL="0" marR="0" marT="0" marB="0">
+                  <a:tcPr anchor="ctr">
                     <a:lnL w="6350" cap="flat" cmpd="sng" algn="ctr">
                       <a:solidFill>
                         <a:srgbClr val="7F7F7F"/>
@@ -26776,7 +27941,7 @@
                       </a:endParaRPr>
                     </a:p>
                   </a:txBody>
-                  <a:tcPr marL="0" marR="0" marT="0" marB="0">
+                  <a:tcPr anchor="ctr">
                     <a:lnL w="6350" cap="flat" cmpd="sng" algn="ctr">
                       <a:solidFill>
                         <a:srgbClr val="7F7F7F"/>
@@ -26834,7 +27999,7 @@
                       </a:r>
                     </a:p>
                   </a:txBody>
-                  <a:tcPr marL="0" marR="0" marT="0" marB="0">
+                  <a:tcPr anchor="ctr">
                     <a:lnL w="6350" cap="flat" cmpd="sng" algn="ctr">
                       <a:solidFill>
                         <a:srgbClr val="7F7F7F"/>
@@ -26889,7 +28054,7 @@
                       </a:endParaRPr>
                     </a:p>
                   </a:txBody>
-                  <a:tcPr marL="0" marR="0" marT="0" marB="0">
+                  <a:tcPr anchor="ctr">
                     <a:lnL w="6350" cap="flat" cmpd="sng" algn="ctr">
                       <a:solidFill>
                         <a:srgbClr val="7F7F7F"/>
@@ -26899,9 +28064,11 @@
                       <a:headEnd type="none" w="med" len="med"/>
                       <a:tailEnd type="none" w="med" len="med"/>
                     </a:lnL>
-                    <a:lnR w="6350" cap="flat" cmpd="sng" algn="ctr">
-                      <a:solidFill>
-                        <a:srgbClr val="7F7F7F"/>
+                    <a:lnR w="12700" cap="flat" cmpd="sng" algn="ctr">
+                      <a:solidFill>
+                        <a:schemeClr val="bg1">
+                          <a:lumMod val="50000"/>
+                        </a:schemeClr>
                       </a:solidFill>
                       <a:prstDash val="solid"/>
                       <a:round/>
@@ -26954,9 +28121,17 @@
                       </a:r>
                     </a:p>
                   </a:txBody>
-                  <a:tcPr marL="0" marR="0" marT="0" marB="0">
-                    <a:lnL>
-                      <a:noFill/>
+                  <a:tcPr anchor="ctr">
+                    <a:lnL w="12700" cap="flat" cmpd="sng" algn="ctr">
+                      <a:solidFill>
+                        <a:schemeClr val="bg1">
+                          <a:lumMod val="50000"/>
+                        </a:schemeClr>
+                      </a:solidFill>
+                      <a:prstDash val="solid"/>
+                      <a:round/>
+                      <a:headEnd type="none" w="med" len="med"/>
+                      <a:tailEnd type="none" w="med" len="med"/>
                     </a:lnL>
                     <a:lnR w="6350" cap="flat" cmpd="sng" algn="ctr">
                       <a:solidFill>
@@ -27006,7 +28181,7 @@
                       </a:r>
                     </a:p>
                   </a:txBody>
-                  <a:tcPr marL="0" marR="0" marT="0" marB="0">
+                  <a:tcPr anchor="ctr">
                     <a:lnL w="6350" cap="flat" cmpd="sng" algn="ctr">
                       <a:solidFill>
                         <a:srgbClr val="7F7F7F"/>
@@ -27072,7 +28247,7 @@
                       </a:endParaRPr>
                     </a:p>
                   </a:txBody>
-                  <a:tcPr marL="0" marR="0" marT="0" marB="0">
+                  <a:tcPr anchor="ctr">
                     <a:lnL w="6350" cap="flat" cmpd="sng" algn="ctr">
                       <a:solidFill>
                         <a:srgbClr val="7F7F7F"/>
@@ -27138,7 +28313,7 @@
                       </a:endParaRPr>
                     </a:p>
                   </a:txBody>
-                  <a:tcPr marL="0" marR="0" marT="0" marB="0">
+                  <a:tcPr anchor="ctr">
                     <a:lnL w="6350" cap="flat" cmpd="sng" algn="ctr">
                       <a:solidFill>
                         <a:srgbClr val="7F7F7F"/>
@@ -27193,7 +28368,7 @@
                       </a:endParaRPr>
                     </a:p>
                   </a:txBody>
-                  <a:tcPr marL="0" marR="0" marT="0" marB="0">
+                  <a:tcPr anchor="ctr">
                     <a:lnL w="6350" cap="flat" cmpd="sng" algn="ctr">
                       <a:solidFill>
                         <a:srgbClr val="7F7F7F"/>
@@ -27203,9 +28378,11 @@
                       <a:headEnd type="none" w="med" len="med"/>
                       <a:tailEnd type="none" w="med" len="med"/>
                     </a:lnL>
-                    <a:lnR w="6350" cap="flat" cmpd="sng" algn="ctr">
-                      <a:solidFill>
-                        <a:srgbClr val="7F7F7F"/>
+                    <a:lnR w="12700" cap="flat" cmpd="sng" algn="ctr">
+                      <a:solidFill>
+                        <a:schemeClr val="bg1">
+                          <a:lumMod val="50000"/>
+                        </a:schemeClr>
                       </a:solidFill>
                       <a:prstDash val="solid"/>
                       <a:round/>
@@ -27258,9 +28435,17 @@
                       </a:r>
                     </a:p>
                   </a:txBody>
-                  <a:tcPr marL="0" marR="0" marT="0" marB="0">
-                    <a:lnL>
-                      <a:noFill/>
+                  <a:tcPr anchor="ctr">
+                    <a:lnL w="12700" cap="flat" cmpd="sng" algn="ctr">
+                      <a:solidFill>
+                        <a:schemeClr val="bg1">
+                          <a:lumMod val="50000"/>
+                        </a:schemeClr>
+                      </a:solidFill>
+                      <a:prstDash val="solid"/>
+                      <a:round/>
+                      <a:headEnd type="none" w="med" len="med"/>
+                      <a:tailEnd type="none" w="med" len="med"/>
                     </a:lnL>
                     <a:lnR w="6350" cap="flat" cmpd="sng" algn="ctr">
                       <a:solidFill>
@@ -27310,7 +28495,7 @@
                       </a:r>
                     </a:p>
                   </a:txBody>
-                  <a:tcPr marL="0" marR="0" marT="0" marB="0">
+                  <a:tcPr anchor="ctr">
                     <a:lnL w="6350" cap="flat" cmpd="sng" algn="ctr">
                       <a:solidFill>
                         <a:srgbClr val="7F7F7F"/>
@@ -27376,7 +28561,7 @@
                       </a:endParaRPr>
                     </a:p>
                   </a:txBody>
-                  <a:tcPr marL="0" marR="0" marT="0" marB="0">
+                  <a:tcPr anchor="ctr">
                     <a:lnL w="6350" cap="flat" cmpd="sng" algn="ctr">
                       <a:solidFill>
                         <a:srgbClr val="7F7F7F"/>
@@ -27434,7 +28619,7 @@
                       </a:r>
                     </a:p>
                   </a:txBody>
-                  <a:tcPr marL="0" marR="0" marT="0" marB="0">
+                  <a:tcPr anchor="ctr">
                     <a:lnL w="6350" cap="flat" cmpd="sng" algn="ctr">
                       <a:solidFill>
                         <a:srgbClr val="7F7F7F"/>
@@ -27489,7 +28674,7 @@
                       </a:endParaRPr>
                     </a:p>
                   </a:txBody>
-                  <a:tcPr marL="0" marR="0" marT="0" marB="0">
+                  <a:tcPr anchor="ctr">
                     <a:lnL w="6350" cap="flat" cmpd="sng" algn="ctr">
                       <a:solidFill>
                         <a:srgbClr val="7F7F7F"/>
@@ -27499,9 +28684,11 @@
                       <a:headEnd type="none" w="med" len="med"/>
                       <a:tailEnd type="none" w="med" len="med"/>
                     </a:lnL>
-                    <a:lnR w="6350" cap="flat" cmpd="sng" algn="ctr">
-                      <a:solidFill>
-                        <a:srgbClr val="7F7F7F"/>
+                    <a:lnR w="12700" cap="flat" cmpd="sng" algn="ctr">
+                      <a:solidFill>
+                        <a:schemeClr val="bg1">
+                          <a:lumMod val="50000"/>
+                        </a:schemeClr>
                       </a:solidFill>
                       <a:prstDash val="solid"/>
                       <a:round/>
@@ -27554,9 +28741,17 @@
                       </a:r>
                     </a:p>
                   </a:txBody>
-                  <a:tcPr marL="0" marR="0" marT="0" marB="0">
-                    <a:lnL>
-                      <a:noFill/>
+                  <a:tcPr anchor="ctr">
+                    <a:lnL w="12700" cap="flat" cmpd="sng" algn="ctr">
+                      <a:solidFill>
+                        <a:schemeClr val="bg1">
+                          <a:lumMod val="50000"/>
+                        </a:schemeClr>
+                      </a:solidFill>
+                      <a:prstDash val="solid"/>
+                      <a:round/>
+                      <a:headEnd type="none" w="med" len="med"/>
+                      <a:tailEnd type="none" w="med" len="med"/>
                     </a:lnL>
                     <a:lnR w="6350" cap="flat" cmpd="sng" algn="ctr">
                       <a:solidFill>
@@ -27606,7 +28801,7 @@
                       </a:r>
                     </a:p>
                   </a:txBody>
-                  <a:tcPr marL="0" marR="0" marT="0" marB="0">
+                  <a:tcPr anchor="ctr">
                     <a:lnL w="6350" cap="flat" cmpd="sng" algn="ctr">
                       <a:solidFill>
                         <a:srgbClr val="7F7F7F"/>
@@ -27672,7 +28867,7 @@
                       </a:endParaRPr>
                     </a:p>
                   </a:txBody>
-                  <a:tcPr marL="0" marR="0" marT="0" marB="0">
+                  <a:tcPr anchor="ctr">
                     <a:lnL w="6350" cap="flat" cmpd="sng" algn="ctr">
                       <a:solidFill>
                         <a:srgbClr val="7F7F7F"/>
@@ -27730,7 +28925,7 @@
                       </a:r>
                     </a:p>
                   </a:txBody>
-                  <a:tcPr marL="0" marR="0" marT="0" marB="0">
+                  <a:tcPr anchor="ctr">
                     <a:lnL w="6350" cap="flat" cmpd="sng" algn="ctr">
                       <a:solidFill>
                         <a:srgbClr val="7F7F7F"/>
@@ -27785,7 +28980,7 @@
                       </a:endParaRPr>
                     </a:p>
                   </a:txBody>
-                  <a:tcPr marL="0" marR="0" marT="0" marB="0">
+                  <a:tcPr anchor="ctr">
                     <a:lnL w="6350" cap="flat" cmpd="sng" algn="ctr">
                       <a:solidFill>
                         <a:srgbClr val="7F7F7F"/>
@@ -27795,9 +28990,11 @@
                       <a:headEnd type="none" w="med" len="med"/>
                       <a:tailEnd type="none" w="med" len="med"/>
                     </a:lnL>
-                    <a:lnR w="6350" cap="flat" cmpd="sng" algn="ctr">
-                      <a:solidFill>
-                        <a:srgbClr val="7F7F7F"/>
+                    <a:lnR w="12700" cap="flat" cmpd="sng" algn="ctr">
+                      <a:solidFill>
+                        <a:schemeClr val="bg1">
+                          <a:lumMod val="50000"/>
+                        </a:schemeClr>
                       </a:solidFill>
                       <a:prstDash val="solid"/>
                       <a:round/>
@@ -27850,9 +29047,17 @@
                       </a:r>
                     </a:p>
                   </a:txBody>
-                  <a:tcPr marL="0" marR="0" marT="0" marB="0">
-                    <a:lnL>
-                      <a:noFill/>
+                  <a:tcPr anchor="ctr">
+                    <a:lnL w="12700" cap="flat" cmpd="sng" algn="ctr">
+                      <a:solidFill>
+                        <a:schemeClr val="bg1">
+                          <a:lumMod val="50000"/>
+                        </a:schemeClr>
+                      </a:solidFill>
+                      <a:prstDash val="solid"/>
+                      <a:round/>
+                      <a:headEnd type="none" w="med" len="med"/>
+                      <a:tailEnd type="none" w="med" len="med"/>
                     </a:lnL>
                     <a:lnR w="6350" cap="flat" cmpd="sng" algn="ctr">
                       <a:solidFill>
@@ -27872,9 +29077,11 @@
                       <a:headEnd type="none" w="med" len="med"/>
                       <a:tailEnd type="none" w="med" len="med"/>
                     </a:lnT>
-                    <a:lnB w="6350" cap="flat" cmpd="sng" algn="ctr">
-                      <a:solidFill>
-                        <a:srgbClr val="7F7F7F"/>
+                    <a:lnB w="12700" cap="flat" cmpd="sng" algn="ctr">
+                      <a:solidFill>
+                        <a:schemeClr val="bg1">
+                          <a:lumMod val="50000"/>
+                        </a:schemeClr>
                       </a:solidFill>
                       <a:prstDash val="solid"/>
                       <a:round/>
@@ -27902,7 +29109,7 @@
                       </a:r>
                     </a:p>
                   </a:txBody>
-                  <a:tcPr marL="0" marR="0" marT="0" marB="0">
+                  <a:tcPr anchor="ctr">
                     <a:lnL w="6350" cap="flat" cmpd="sng" algn="ctr">
                       <a:solidFill>
                         <a:srgbClr val="7F7F7F"/>
@@ -27930,9 +29137,11 @@
                       <a:headEnd type="none" w="med" len="med"/>
                       <a:tailEnd type="none" w="med" len="med"/>
                     </a:lnT>
-                    <a:lnB w="6350" cap="flat" cmpd="sng" algn="ctr">
-                      <a:solidFill>
-                        <a:srgbClr val="7F7F7F"/>
+                    <a:lnB w="12700" cap="flat" cmpd="sng" algn="ctr">
+                      <a:solidFill>
+                        <a:schemeClr val="bg1">
+                          <a:lumMod val="50000"/>
+                        </a:schemeClr>
                       </a:solidFill>
                       <a:prstDash val="solid"/>
                       <a:round/>
@@ -27968,7 +29177,7 @@
                       </a:endParaRPr>
                     </a:p>
                   </a:txBody>
-                  <a:tcPr marL="0" marR="0" marT="0" marB="0">
+                  <a:tcPr anchor="ctr">
                     <a:lnL w="6350" cap="flat" cmpd="sng" algn="ctr">
                       <a:solidFill>
                         <a:srgbClr val="7F7F7F"/>
@@ -27996,9 +29205,11 @@
                       <a:headEnd type="none" w="med" len="med"/>
                       <a:tailEnd type="none" w="med" len="med"/>
                     </a:lnT>
-                    <a:lnB w="6350" cap="flat" cmpd="sng" algn="ctr">
-                      <a:solidFill>
-                        <a:srgbClr val="7F7F7F"/>
+                    <a:lnB w="12700" cap="flat" cmpd="sng" algn="ctr">
+                      <a:solidFill>
+                        <a:schemeClr val="bg1">
+                          <a:lumMod val="50000"/>
+                        </a:schemeClr>
                       </a:solidFill>
                       <a:prstDash val="solid"/>
                       <a:round/>
@@ -28034,7 +29245,7 @@
                       </a:endParaRPr>
                     </a:p>
                   </a:txBody>
-                  <a:tcPr marL="0" marR="0" marT="0" marB="0">
+                  <a:tcPr anchor="ctr">
                     <a:lnL w="6350" cap="flat" cmpd="sng" algn="ctr">
                       <a:solidFill>
                         <a:srgbClr val="7F7F7F"/>
@@ -28062,9 +29273,11 @@
                       <a:headEnd type="none" w="med" len="med"/>
                       <a:tailEnd type="none" w="med" len="med"/>
                     </a:lnT>
-                    <a:lnB w="6350" cap="flat" cmpd="sng" algn="ctr">
-                      <a:solidFill>
-                        <a:srgbClr val="7F7F7F"/>
+                    <a:lnB w="12700" cap="flat" cmpd="sng" algn="ctr">
+                      <a:solidFill>
+                        <a:schemeClr val="bg1">
+                          <a:lumMod val="50000"/>
+                        </a:schemeClr>
                       </a:solidFill>
                       <a:prstDash val="solid"/>
                       <a:round/>
@@ -28089,7 +29302,7 @@
                       </a:endParaRPr>
                     </a:p>
                   </a:txBody>
-                  <a:tcPr marL="0" marR="0" marT="0" marB="0">
+                  <a:tcPr anchor="ctr">
                     <a:lnL w="6350" cap="flat" cmpd="sng" algn="ctr">
                       <a:solidFill>
                         <a:srgbClr val="7F7F7F"/>
@@ -28099,9 +29312,11 @@
                       <a:headEnd type="none" w="med" len="med"/>
                       <a:tailEnd type="none" w="med" len="med"/>
                     </a:lnL>
-                    <a:lnR w="6350" cap="flat" cmpd="sng" algn="ctr">
-                      <a:solidFill>
-                        <a:srgbClr val="7F7F7F"/>
+                    <a:lnR w="12700" cap="flat" cmpd="sng" algn="ctr">
+                      <a:solidFill>
+                        <a:schemeClr val="bg1">
+                          <a:lumMod val="50000"/>
+                        </a:schemeClr>
                       </a:solidFill>
                       <a:prstDash val="solid"/>
                       <a:round/>
@@ -28117,9 +29332,11 @@
                       <a:headEnd type="none" w="med" len="med"/>
                       <a:tailEnd type="none" w="med" len="med"/>
                     </a:lnT>
-                    <a:lnB w="6350" cap="flat" cmpd="sng" algn="ctr">
-                      <a:solidFill>
-                        <a:srgbClr val="7F7F7F"/>
+                    <a:lnB w="12700" cap="flat" cmpd="sng" algn="ctr">
+                      <a:solidFill>
+                        <a:schemeClr val="bg1">
+                          <a:lumMod val="50000"/>
+                        </a:schemeClr>
                       </a:solidFill>
                       <a:prstDash val="solid"/>
                       <a:round/>
@@ -28191,7 +29408,7 @@
         </p:blipFill>
         <p:spPr>
           <a:xfrm>
-            <a:off x="357479" y="2770215"/>
+            <a:off x="357479" y="2651299"/>
             <a:ext cx="8284063" cy="3729874"/>
           </a:xfrm>
           <a:prstGeom prst="rect">
@@ -28308,44 +29525,13 @@
             </a:r>
             <a:r>
               <a:rPr lang="ja-JP" altLang="en-US" dirty="0" smtClean="0"/>
-              <a:t>クラス編集」 </a:t>
-            </a:r>
-            <a:r>
-              <a:rPr lang="en-US" altLang="ja-JP" dirty="0" smtClean="0"/>
-              <a:t>&gt;&gt;</a:t>
-            </a:r>
-            <a:br>
-              <a:rPr lang="en-US" altLang="ja-JP" dirty="0" smtClean="0"/>
-            </a:br>
-            <a:r>
-              <a:rPr lang="ja-JP" altLang="en-US" dirty="0" smtClean="0"/>
-              <a:t>「</a:t>
-            </a:r>
-            <a:r>
-              <a:rPr lang="en-US" altLang="ja-JP" dirty="0" smtClean="0"/>
-              <a:t>Conductor</a:t>
-            </a:r>
-            <a:r>
-              <a:rPr lang="ja-JP" altLang="en-US" dirty="0" smtClean="0"/>
-              <a:t> </a:t>
-            </a:r>
-            <a:r>
-              <a:rPr lang="en-US" altLang="ja-JP" dirty="0" smtClean="0"/>
-              <a:t>Name</a:t>
-            </a:r>
-            <a:r>
-              <a:rPr lang="ja-JP" altLang="en-US" dirty="0" smtClean="0"/>
-              <a:t>」</a:t>
-            </a:r>
-            <a:r>
-              <a:rPr lang="ja-JP" altLang="en-US" dirty="0"/>
-              <a:t>を</a:t>
-            </a:r>
-            <a:r>
-              <a:rPr lang="ja-JP" altLang="en-US" dirty="0" smtClean="0"/>
-              <a:t>入力</a:t>
-            </a:r>
-            <a:endParaRPr lang="en-US" altLang="ja-JP" dirty="0"/>
+              <a:t>クラス</a:t>
+            </a:r>
+            <a:r>
+              <a:rPr lang="ja-JP" altLang="en-US" smtClean="0"/>
+              <a:t>編集」</a:t>
+            </a:r>
+            <a:endParaRPr lang="en-US" altLang="ja-JP" smtClean="0"/>
           </a:p>
           <a:p>
             <a:pPr marL="630900" lvl="2" indent="-342900">
@@ -28353,35 +29539,62 @@
               <a:buAutoNum type="circleNumDbPlain"/>
             </a:pPr>
             <a:r>
-              <a:rPr lang="ja-JP" altLang="en-US" dirty="0" smtClean="0"/>
-              <a:t>画面右側に表示されている「</a:t>
-            </a:r>
-            <a:r>
-              <a:rPr lang="en-US" altLang="ja-JP" dirty="0" smtClean="0"/>
+              <a:rPr lang="ja-JP" altLang="en-US" smtClean="0"/>
+              <a:t>「</a:t>
+            </a:r>
+            <a:r>
+              <a:rPr lang="en-US" altLang="ja-JP" smtClean="0"/>
+              <a:t>Conductor</a:t>
+            </a:r>
+            <a:r>
+              <a:rPr lang="ja-JP" altLang="en-US" smtClean="0"/>
+              <a:t>名称」を入力</a:t>
+            </a:r>
+            <a:endParaRPr lang="en-US" altLang="ja-JP" smtClean="0"/>
+          </a:p>
+          <a:p>
+            <a:pPr marL="630900" lvl="2" indent="-342900">
+              <a:buFont typeface="+mj-ea"/>
+              <a:buAutoNum type="circleNumDbPlain"/>
+            </a:pPr>
+            <a:r>
+              <a:rPr lang="ja-JP" altLang="en-US" smtClean="0"/>
+              <a:t>画面</a:t>
+            </a:r>
+            <a:r>
+              <a:rPr lang="ja-JP" altLang="en-US"/>
+              <a:t>右側に表示されている「</a:t>
+            </a:r>
+            <a:r>
+              <a:rPr lang="en-US" altLang="ja-JP"/>
               <a:t>Movement</a:t>
             </a:r>
             <a:r>
-              <a:rPr lang="ja-JP" altLang="en-US" dirty="0" smtClean="0"/>
+              <a:rPr lang="ja-JP" altLang="en-US"/>
               <a:t>」「</a:t>
             </a:r>
             <a:r>
-              <a:rPr lang="en-US" altLang="ja-JP" dirty="0" smtClean="0"/>
+              <a:rPr lang="en-US" altLang="ja-JP"/>
               <a:t>Function</a:t>
             </a:r>
             <a:r>
-              <a:rPr lang="ja-JP" altLang="en-US" dirty="0" smtClean="0"/>
+              <a:rPr lang="ja-JP" altLang="en-US"/>
               <a:t>」を</a:t>
             </a:r>
             <a:r>
-              <a:rPr lang="en-US" altLang="ja-JP" dirty="0"/>
+              <a:rPr lang="en-US" altLang="ja-JP"/>
               <a:t/>
             </a:r>
             <a:br>
-              <a:rPr lang="en-US" altLang="ja-JP" dirty="0"/>
+              <a:rPr lang="en-US" altLang="ja-JP"/>
             </a:br>
             <a:r>
-              <a:rPr lang="ja-JP" altLang="en-US" dirty="0" smtClean="0"/>
-              <a:t>画面中央にドラッグ＆ドロップ</a:t>
+              <a:rPr lang="ja-JP" altLang="en-US"/>
+              <a:t>画面中央にドラッグ＆</a:t>
+            </a:r>
+            <a:r>
+              <a:rPr lang="ja-JP" altLang="en-US" smtClean="0"/>
+              <a:t>ドロップ</a:t>
             </a:r>
             <a:endParaRPr lang="en-US" altLang="ja-JP" dirty="0" smtClean="0"/>
           </a:p>
@@ -28406,7 +29619,7 @@
         </p:nvSpPr>
         <p:spPr bwMode="auto">
           <a:xfrm>
-            <a:off x="6804310" y="3130254"/>
+            <a:off x="6804310" y="3011338"/>
             <a:ext cx="1837232" cy="154726"/>
           </a:xfrm>
           <a:prstGeom prst="roundRect">
@@ -28450,7 +29663,7 @@
         </p:nvGrpSpPr>
         <p:grpSpPr>
           <a:xfrm>
-            <a:off x="4571513" y="4430999"/>
+            <a:off x="4571513" y="4312083"/>
             <a:ext cx="1899410" cy="1418688"/>
             <a:chOff x="4162086" y="4627324"/>
             <a:chExt cx="1749373" cy="1214978"/>
@@ -28574,7 +29787,7 @@
         </p:nvSpPr>
         <p:spPr bwMode="auto">
           <a:xfrm>
-            <a:off x="6804310" y="5094690"/>
+            <a:off x="6804310" y="4975774"/>
             <a:ext cx="1837232" cy="1086049"/>
           </a:xfrm>
           <a:prstGeom prst="roundRect">
@@ -28618,7 +29831,7 @@
         </p:nvSpPr>
         <p:spPr bwMode="auto">
           <a:xfrm>
-            <a:off x="357479" y="6309400"/>
+            <a:off x="357479" y="6190484"/>
             <a:ext cx="639057" cy="165438"/>
           </a:xfrm>
           <a:prstGeom prst="roundRect">
@@ -28662,13 +29875,13 @@
         </p:nvSpPr>
         <p:spPr bwMode="auto">
           <a:xfrm>
-            <a:off x="8212088" y="4549932"/>
-            <a:ext cx="429454" cy="372448"/>
+            <a:off x="6429304" y="4655720"/>
+            <a:ext cx="270000" cy="270000"/>
           </a:xfrm>
           <a:prstGeom prst="wedgeEllipseCallout">
             <a:avLst>
-              <a:gd name="adj1" fmla="val 15727"/>
-              <a:gd name="adj2" fmla="val 117003"/>
+              <a:gd name="adj1" fmla="val 105098"/>
+              <a:gd name="adj2" fmla="val 79373"/>
             </a:avLst>
           </a:prstGeom>
           <a:solidFill>
@@ -28721,7 +29934,7 @@
         </p:nvSpPr>
         <p:spPr bwMode="auto">
           <a:xfrm>
-            <a:off x="6020738" y="1502072"/>
+            <a:off x="5942551" y="3305189"/>
             <a:ext cx="2970056" cy="992502"/>
           </a:xfrm>
           <a:prstGeom prst="roundRect">
@@ -28774,13 +29987,13 @@
           <p:nvPr>
             <p:extLst>
               <p:ext uri="{D42A27DB-BD31-4B8C-83A1-F6EECF244321}">
-                <p14:modId xmlns:p14="http://schemas.microsoft.com/office/powerpoint/2010/main" val="2210983736"/>
+                <p14:modId xmlns:p14="http://schemas.microsoft.com/office/powerpoint/2010/main" val="1605179277"/>
               </p:ext>
             </p:extLst>
           </p:nvPr>
         </p:nvGraphicFramePr>
         <p:xfrm>
-          <a:off x="6128165" y="1843641"/>
+          <a:off x="6049978" y="3646758"/>
           <a:ext cx="2755202" cy="548640"/>
         </p:xfrm>
         <a:graphic>
@@ -29061,13 +30274,13 @@
                     <a:lstStyle/>
                     <a:p>
                       <a:r>
-                        <a:rPr kumimoji="1" lang="en-US" altLang="ja-JP" sz="1200" dirty="0" smtClean="0">
+                        <a:rPr kumimoji="1" lang="ja-JP" altLang="en-US" sz="1200" smtClean="0">
                           <a:solidFill>
                             <a:schemeClr val="tx1"/>
                           </a:solidFill>
                           <a:latin typeface="+mn-lt"/>
                         </a:rPr>
-                        <a:t>Conductor_1</a:t>
+                        <a:t>任意の名称</a:t>
                       </a:r>
                       <a:endParaRPr kumimoji="1" lang="ja-JP" altLang="en-US" sz="1200" dirty="0">
                         <a:solidFill>
@@ -29153,8 +30366,8 @@
         </p:nvSpPr>
         <p:spPr bwMode="auto">
           <a:xfrm>
-            <a:off x="1055510" y="6180739"/>
-            <a:ext cx="276040" cy="319350"/>
+            <a:off x="1115520" y="6039400"/>
+            <a:ext cx="270000" cy="270000"/>
           </a:xfrm>
           <a:prstGeom prst="wedgeEllipseCallout">
             <a:avLst>
@@ -29212,13 +30425,13 @@
         </p:nvSpPr>
         <p:spPr bwMode="auto">
           <a:xfrm>
-            <a:off x="6421219" y="2669894"/>
-            <a:ext cx="383091" cy="369438"/>
+            <a:off x="5779978" y="3184813"/>
+            <a:ext cx="270000" cy="270000"/>
           </a:xfrm>
           <a:prstGeom prst="wedgeEllipseCallout">
             <a:avLst>
-              <a:gd name="adj1" fmla="val 46290"/>
-              <a:gd name="adj2" fmla="val 90122"/>
+              <a:gd name="adj1" fmla="val 328512"/>
+              <a:gd name="adj2" fmla="val -116841"/>
             </a:avLst>
           </a:prstGeom>
           <a:solidFill>
@@ -29271,8 +30484,8 @@
         </p:nvSpPr>
         <p:spPr bwMode="auto">
           <a:xfrm>
-            <a:off x="3615726" y="6180739"/>
-            <a:ext cx="4756011" cy="295073"/>
+            <a:off x="2987780" y="6180739"/>
+            <a:ext cx="5976309" cy="321208"/>
           </a:xfrm>
           <a:prstGeom prst="roundRect">
             <a:avLst>
@@ -29301,7 +30514,7 @@
           <a:p>
             <a:pPr algn="ctr"/>
             <a:r>
-              <a:rPr lang="en-US" altLang="ja-JP" sz="1400" dirty="0" smtClean="0">
+              <a:rPr lang="en-US" altLang="ja-JP" sz="1400" smtClean="0">
                 <a:solidFill>
                   <a:srgbClr val="FF0000"/>
                 </a:solidFill>
@@ -29310,31 +30523,40 @@
               <a:t>※</a:t>
             </a:r>
             <a:r>
+              <a:rPr lang="ja-JP" altLang="en-US" sz="1400" smtClean="0">
+                <a:solidFill>
+                  <a:srgbClr val="FF0000"/>
+                </a:solidFill>
+                <a:latin typeface="+mn-ea"/>
+              </a:rPr>
+              <a:t>今回作成する</a:t>
+            </a:r>
+            <a:r>
+              <a:rPr lang="en-US" altLang="ja-JP" sz="1400" smtClean="0">
+                <a:solidFill>
+                  <a:srgbClr val="FF0000"/>
+                </a:solidFill>
+                <a:latin typeface="+mn-ea"/>
+              </a:rPr>
+              <a:t>Conductor</a:t>
+            </a:r>
+            <a:r>
+              <a:rPr lang="ja-JP" altLang="en-US" sz="1400" smtClean="0">
+                <a:solidFill>
+                  <a:srgbClr val="FF0000"/>
+                </a:solidFill>
+                <a:latin typeface="+mn-ea"/>
+              </a:rPr>
+              <a:t>の登録手順は次ページ以降を</a:t>
+            </a:r>
+            <a:r>
               <a:rPr lang="ja-JP" altLang="en-US" sz="1400" dirty="0" smtClean="0">
                 <a:solidFill>
                   <a:srgbClr val="FF0000"/>
                 </a:solidFill>
                 <a:latin typeface="+mn-ea"/>
               </a:rPr>
-              <a:t>作成する</a:t>
-            </a:r>
-            <a:r>
-              <a:rPr lang="en-US" altLang="ja-JP" sz="1400" dirty="0" smtClean="0">
-                <a:solidFill>
-                  <a:srgbClr val="FF0000"/>
-                </a:solidFill>
-                <a:latin typeface="+mn-ea"/>
-              </a:rPr>
-              <a:t>Conductor</a:t>
-            </a:r>
-            <a:r>
-              <a:rPr lang="ja-JP" altLang="en-US" sz="1400" dirty="0" smtClean="0">
-                <a:solidFill>
-                  <a:srgbClr val="FF0000"/>
-                </a:solidFill>
-                <a:latin typeface="+mn-ea"/>
-              </a:rPr>
-              <a:t>は次ページを参照してください</a:t>
+              <a:t>参照してください</a:t>
             </a:r>
             <a:endParaRPr kumimoji="1" lang="ja-JP" altLang="en-US" sz="1400" dirty="0" smtClean="0">
               <a:solidFill>
@@ -29384,7 +30606,7 @@
       </p:grpSpPr>
       <p:pic>
         <p:nvPicPr>
-          <p:cNvPr id="5" name="図 4"/>
+          <p:cNvPr id="3" name="図 2"/>
           <p:cNvPicPr>
             <a:picLocks noChangeAspect="1"/>
           </p:cNvPicPr>
@@ -29398,8 +30620,8 @@
         </p:blipFill>
         <p:spPr>
           <a:xfrm>
-            <a:off x="270952" y="1628750"/>
-            <a:ext cx="8601122" cy="4550400"/>
+            <a:off x="331339" y="1759000"/>
+            <a:ext cx="8480348" cy="4562442"/>
           </a:xfrm>
           <a:prstGeom prst="rect">
             <a:avLst/>
@@ -29514,8 +30736,8 @@
         </p:nvSpPr>
         <p:spPr bwMode="auto">
           <a:xfrm>
-            <a:off x="395420" y="4603201"/>
-            <a:ext cx="6048840" cy="1324671"/>
+            <a:off x="179512" y="4602733"/>
+            <a:ext cx="6048840" cy="973494"/>
           </a:xfrm>
           <a:prstGeom prst="roundRect">
             <a:avLst>
@@ -29613,51 +30835,22 @@
           </a:p>
           <a:p>
             <a:r>
-              <a:rPr lang="ja-JP" altLang="en-US" sz="1400" dirty="0" smtClean="0">
+              <a:rPr lang="ja-JP" altLang="en-US" sz="1400" smtClean="0">
                 <a:latin typeface="+mn-ea"/>
               </a:rPr>
               <a:t>③</a:t>
             </a:r>
             <a:r>
-              <a:rPr lang="en-US" altLang="ja-JP" sz="1400" dirty="0" smtClean="0">
+              <a:rPr kumimoji="1" lang="ja-JP" altLang="en-US" sz="1400" smtClean="0">
                 <a:latin typeface="+mn-ea"/>
               </a:rPr>
-              <a:t>Function</a:t>
-            </a:r>
-            <a:r>
-              <a:rPr lang="ja-JP" altLang="en-US" sz="1400" dirty="0" smtClean="0">
-                <a:latin typeface="+mn-ea"/>
-              </a:rPr>
-              <a:t>から「</a:t>
-            </a:r>
-            <a:r>
-              <a:rPr lang="en-US" altLang="ja-JP" sz="1400" dirty="0" smtClean="0">
-                <a:latin typeface="+mn-ea"/>
-              </a:rPr>
-              <a:t>Conductor</a:t>
-            </a:r>
-            <a:r>
-              <a:rPr lang="ja-JP" altLang="en-US" sz="1400" dirty="0" smtClean="0">
-                <a:latin typeface="+mn-ea"/>
-              </a:rPr>
-              <a:t>」をドラッグアンドドロップ</a:t>
-            </a:r>
-            <a:endParaRPr lang="en-US" altLang="ja-JP" sz="1400" dirty="0" smtClean="0">
-              <a:latin typeface="+mn-ea"/>
-            </a:endParaRPr>
-          </a:p>
-          <a:p>
-            <a:r>
-              <a:rPr lang="ja-JP" altLang="en-US" sz="1400" dirty="0">
-                <a:latin typeface="+mn-ea"/>
-              </a:rPr>
-              <a:t>④</a:t>
+              <a:t>図</a:t>
             </a:r>
             <a:r>
               <a:rPr kumimoji="1" lang="ja-JP" altLang="en-US" sz="1400" dirty="0" smtClean="0">
                 <a:latin typeface="+mn-ea"/>
               </a:rPr>
-              <a:t>図のように「</a:t>
+              <a:t>のように「</a:t>
             </a:r>
             <a:r>
               <a:rPr kumimoji="1" lang="en-US" altLang="ja-JP" sz="1400" dirty="0" smtClean="0">
@@ -29689,18 +30882,868 @@
           </a:p>
           <a:p>
             <a:r>
-              <a:rPr lang="ja-JP" altLang="en-US" sz="1400" dirty="0">
+              <a:rPr lang="ja-JP" altLang="en-US" sz="1400" smtClean="0">
                 <a:latin typeface="+mn-ea"/>
               </a:rPr>
-              <a:t>⑤</a:t>
+              <a:t>④画面下</a:t>
             </a:r>
             <a:r>
               <a:rPr lang="ja-JP" altLang="en-US" sz="1400" dirty="0" smtClean="0">
                 <a:latin typeface="+mn-ea"/>
               </a:rPr>
-              <a:t>画面下の「登録」を押下</a:t>
+              <a:t>の「登録」を押下</a:t>
             </a:r>
             <a:endParaRPr kumimoji="1" lang="ja-JP" altLang="en-US" sz="1400" dirty="0" smtClean="0">
+              <a:latin typeface="+mn-ea"/>
+            </a:endParaRPr>
+          </a:p>
+        </p:txBody>
+      </p:sp>
+      <p:sp>
+        <p:nvSpPr>
+          <p:cNvPr id="6" name="角丸四角形 5"/>
+          <p:cNvSpPr/>
+          <p:nvPr/>
+        </p:nvSpPr>
+        <p:spPr bwMode="auto">
+          <a:xfrm>
+            <a:off x="6568727" y="2420860"/>
+            <a:ext cx="2242959" cy="222447"/>
+          </a:xfrm>
+          <a:prstGeom prst="roundRect">
+            <a:avLst>
+              <a:gd name="adj" fmla="val 5764"/>
+            </a:avLst>
+          </a:prstGeom>
+          <a:noFill/>
+          <a:ln w="28575">
+            <a:solidFill>
+              <a:srgbClr val="FF0000"/>
+            </a:solidFill>
+          </a:ln>
+          <a:effectLst/>
+          <a:extLst/>
+        </p:spPr>
+        <p:txBody>
+          <a:bodyPr rot="0" spcFirstLastPara="0" vertOverflow="overflow" horzOverflow="overflow" vert="horz" wrap="none" lIns="72000" tIns="72000" rIns="72000" bIns="72000" numCol="1" spcCol="0" rtlCol="0" fromWordArt="0" anchor="ctr" anchorCtr="0" forceAA="0" compatLnSpc="1">
+            <a:prstTxWarp prst="textNoShape">
+              <a:avLst/>
+            </a:prstTxWarp>
+            <a:noAutofit/>
+          </a:bodyPr>
+          <a:lstStyle/>
+          <a:p>
+            <a:pPr algn="ctr"/>
+            <a:endParaRPr kumimoji="1" lang="ja-JP" altLang="en-US" sz="1400" b="1" dirty="0" smtClean="0">
+              <a:solidFill>
+                <a:srgbClr val="FF0000"/>
+              </a:solidFill>
+              <a:latin typeface="+mn-ea"/>
+            </a:endParaRPr>
+          </a:p>
+        </p:txBody>
+      </p:sp>
+      <p:sp>
+        <p:nvSpPr>
+          <p:cNvPr id="9" name="角丸四角形 8"/>
+          <p:cNvSpPr/>
+          <p:nvPr/>
+        </p:nvSpPr>
+        <p:spPr bwMode="auto">
+          <a:xfrm>
+            <a:off x="3301856" y="2192580"/>
+            <a:ext cx="2970056" cy="992502"/>
+          </a:xfrm>
+          <a:prstGeom prst="roundRect">
+            <a:avLst>
+              <a:gd name="adj" fmla="val 4712"/>
+            </a:avLst>
+          </a:prstGeom>
+          <a:solidFill>
+            <a:schemeClr val="bg1"/>
+          </a:solidFill>
+          <a:ln w="28575">
+            <a:solidFill>
+              <a:srgbClr val="FF0000"/>
+            </a:solidFill>
+          </a:ln>
+          <a:effectLst/>
+          <a:extLst/>
+        </p:spPr>
+        <p:txBody>
+          <a:bodyPr rot="0" spcFirstLastPara="0" vertOverflow="overflow" horzOverflow="overflow" vert="horz" wrap="none" lIns="72000" tIns="72000" rIns="72000" bIns="72000" numCol="1" spcCol="0" rtlCol="0" fromWordArt="0" anchor="t" anchorCtr="0" forceAA="0" compatLnSpc="1">
+            <a:prstTxWarp prst="textNoShape">
+              <a:avLst/>
+            </a:prstTxWarp>
+            <a:noAutofit/>
+          </a:bodyPr>
+          <a:lstStyle/>
+          <a:p>
+            <a:pPr algn="ctr"/>
+            <a:r>
+              <a:rPr lang="ja-JP" altLang="en-US" sz="1400" dirty="0" smtClean="0">
+                <a:latin typeface="+mn-ea"/>
+              </a:rPr>
+              <a:t>項目へ</a:t>
+            </a:r>
+            <a:r>
+              <a:rPr kumimoji="1" lang="ja-JP" altLang="en-US" sz="1400" dirty="0" smtClean="0">
+                <a:latin typeface="+mn-ea"/>
+              </a:rPr>
+              <a:t>値を入力する</a:t>
+            </a:r>
+          </a:p>
+        </p:txBody>
+      </p:sp>
+      <p:graphicFrame>
+        <p:nvGraphicFramePr>
+          <p:cNvPr id="7" name="表 6"/>
+          <p:cNvGraphicFramePr>
+            <a:graphicFrameLocks noGrp="1"/>
+          </p:cNvGraphicFramePr>
+          <p:nvPr>
+            <p:extLst>
+              <p:ext uri="{D42A27DB-BD31-4B8C-83A1-F6EECF244321}">
+                <p14:modId xmlns:p14="http://schemas.microsoft.com/office/powerpoint/2010/main" val="3722038459"/>
+              </p:ext>
+            </p:extLst>
+          </p:nvPr>
+        </p:nvGraphicFramePr>
+        <p:xfrm>
+          <a:off x="3409283" y="2515700"/>
+          <a:ext cx="2755202" cy="548640"/>
+        </p:xfrm>
+        <a:graphic>
+          <a:graphicData uri="http://schemas.openxmlformats.org/drawingml/2006/table">
+            <a:tbl>
+              <a:tblPr firstRow="1" bandRow="1">
+                <a:tableStyleId>{5C22544A-7EE6-4342-B048-85BDC9FD1C3A}</a:tableStyleId>
+              </a:tblPr>
+              <a:tblGrid>
+                <a:gridCol w="1427818">
+                  <a:extLst>
+                    <a:ext uri="{9D8B030D-6E8A-4147-A177-3AD203B41FA5}">
+                      <a16:colId xmlns:a16="http://schemas.microsoft.com/office/drawing/2014/main" val="2883640048"/>
+                    </a:ext>
+                  </a:extLst>
+                </a:gridCol>
+                <a:gridCol w="1327384">
+                  <a:extLst>
+                    <a:ext uri="{9D8B030D-6E8A-4147-A177-3AD203B41FA5}">
+                      <a16:colId xmlns:a16="http://schemas.microsoft.com/office/drawing/2014/main" val="1123245703"/>
+                    </a:ext>
+                  </a:extLst>
+                </a:gridCol>
+              </a:tblGrid>
+              <a:tr h="270234">
+                <a:tc>
+                  <a:txBody>
+                    <a:bodyPr/>
+                    <a:lstStyle/>
+                    <a:p>
+                      <a:pPr algn="ctr"/>
+                      <a:r>
+                        <a:rPr kumimoji="1" lang="ja-JP" altLang="en-US" sz="1200" dirty="0" smtClean="0">
+                          <a:solidFill>
+                            <a:schemeClr val="bg1"/>
+                          </a:solidFill>
+                          <a:latin typeface="+mn-lt"/>
+                        </a:rPr>
+                        <a:t>項目</a:t>
+                      </a:r>
+                      <a:endParaRPr kumimoji="1" lang="ja-JP" altLang="en-US" sz="1200" dirty="0">
+                        <a:solidFill>
+                          <a:schemeClr val="bg1"/>
+                        </a:solidFill>
+                        <a:latin typeface="+mn-lt"/>
+                      </a:endParaRPr>
+                    </a:p>
+                  </a:txBody>
+                  <a:tcPr>
+                    <a:lnL w="12700" cap="flat" cmpd="sng" algn="ctr">
+                      <a:solidFill>
+                        <a:schemeClr val="bg1">
+                          <a:lumMod val="85000"/>
+                        </a:schemeClr>
+                      </a:solidFill>
+                      <a:prstDash val="solid"/>
+                      <a:round/>
+                      <a:headEnd type="none" w="med" len="med"/>
+                      <a:tailEnd type="none" w="med" len="med"/>
+                    </a:lnL>
+                    <a:lnR w="12700" cap="flat" cmpd="sng" algn="ctr">
+                      <a:solidFill>
+                        <a:schemeClr val="bg1">
+                          <a:lumMod val="85000"/>
+                        </a:schemeClr>
+                      </a:solidFill>
+                      <a:prstDash val="solid"/>
+                      <a:round/>
+                      <a:headEnd type="none" w="med" len="med"/>
+                      <a:tailEnd type="none" w="med" len="med"/>
+                    </a:lnR>
+                    <a:lnT w="12700" cap="flat" cmpd="sng" algn="ctr">
+                      <a:solidFill>
+                        <a:schemeClr val="bg1">
+                          <a:lumMod val="85000"/>
+                        </a:schemeClr>
+                      </a:solidFill>
+                      <a:prstDash val="solid"/>
+                      <a:round/>
+                      <a:headEnd type="none" w="med" len="med"/>
+                      <a:tailEnd type="none" w="med" len="med"/>
+                    </a:lnT>
+                    <a:lnB w="12700" cap="flat" cmpd="sng" algn="ctr">
+                      <a:solidFill>
+                        <a:schemeClr val="bg1">
+                          <a:lumMod val="85000"/>
+                        </a:schemeClr>
+                      </a:solidFill>
+                      <a:prstDash val="solid"/>
+                      <a:round/>
+                      <a:headEnd type="none" w="med" len="med"/>
+                      <a:tailEnd type="none" w="med" len="med"/>
+                    </a:lnB>
+                    <a:lnTlToBr w="12700" cmpd="sng">
+                      <a:noFill/>
+                      <a:prstDash val="solid"/>
+                    </a:lnTlToBr>
+                    <a:lnBlToTr w="12700" cmpd="sng">
+                      <a:noFill/>
+                      <a:prstDash val="solid"/>
+                    </a:lnBlToTr>
+                    <a:solidFill>
+                      <a:schemeClr val="accent6"/>
+                    </a:solidFill>
+                  </a:tcPr>
+                </a:tc>
+                <a:tc>
+                  <a:txBody>
+                    <a:bodyPr/>
+                    <a:lstStyle/>
+                    <a:p>
+                      <a:pPr algn="ctr"/>
+                      <a:r>
+                        <a:rPr kumimoji="1" lang="ja-JP" altLang="en-US" sz="1200" dirty="0" smtClean="0">
+                          <a:solidFill>
+                            <a:schemeClr val="bg1"/>
+                          </a:solidFill>
+                          <a:latin typeface="+mn-lt"/>
+                        </a:rPr>
+                        <a:t>値</a:t>
+                      </a:r>
+                      <a:endParaRPr kumimoji="1" lang="ja-JP" altLang="en-US" sz="1200" dirty="0">
+                        <a:solidFill>
+                          <a:schemeClr val="bg1"/>
+                        </a:solidFill>
+                        <a:latin typeface="+mn-lt"/>
+                      </a:endParaRPr>
+                    </a:p>
+                  </a:txBody>
+                  <a:tcPr>
+                    <a:lnL w="12700" cap="flat" cmpd="sng" algn="ctr">
+                      <a:solidFill>
+                        <a:schemeClr val="bg1">
+                          <a:lumMod val="85000"/>
+                        </a:schemeClr>
+                      </a:solidFill>
+                      <a:prstDash val="solid"/>
+                      <a:round/>
+                      <a:headEnd type="none" w="med" len="med"/>
+                      <a:tailEnd type="none" w="med" len="med"/>
+                    </a:lnL>
+                    <a:lnR w="12700" cap="flat" cmpd="sng" algn="ctr">
+                      <a:solidFill>
+                        <a:schemeClr val="bg1">
+                          <a:lumMod val="85000"/>
+                        </a:schemeClr>
+                      </a:solidFill>
+                      <a:prstDash val="solid"/>
+                      <a:round/>
+                      <a:headEnd type="none" w="med" len="med"/>
+                      <a:tailEnd type="none" w="med" len="med"/>
+                    </a:lnR>
+                    <a:lnT w="12700" cap="flat" cmpd="sng" algn="ctr">
+                      <a:solidFill>
+                        <a:schemeClr val="bg1">
+                          <a:lumMod val="85000"/>
+                        </a:schemeClr>
+                      </a:solidFill>
+                      <a:prstDash val="solid"/>
+                      <a:round/>
+                      <a:headEnd type="none" w="med" len="med"/>
+                      <a:tailEnd type="none" w="med" len="med"/>
+                    </a:lnT>
+                    <a:lnB w="12700" cap="flat" cmpd="sng" algn="ctr">
+                      <a:solidFill>
+                        <a:schemeClr val="bg1">
+                          <a:lumMod val="85000"/>
+                        </a:schemeClr>
+                      </a:solidFill>
+                      <a:prstDash val="solid"/>
+                      <a:round/>
+                      <a:headEnd type="none" w="med" len="med"/>
+                      <a:tailEnd type="none" w="med" len="med"/>
+                    </a:lnB>
+                    <a:lnTlToBr w="12700" cmpd="sng">
+                      <a:noFill/>
+                      <a:prstDash val="solid"/>
+                    </a:lnTlToBr>
+                    <a:lnBlToTr w="12700" cmpd="sng">
+                      <a:noFill/>
+                      <a:prstDash val="solid"/>
+                    </a:lnBlToTr>
+                    <a:solidFill>
+                      <a:schemeClr val="accent6"/>
+                    </a:solidFill>
+                  </a:tcPr>
+                </a:tc>
+                <a:extLst>
+                  <a:ext uri="{0D108BD9-81ED-4DB2-BD59-A6C34878D82A}">
+                    <a16:rowId xmlns:a16="http://schemas.microsoft.com/office/drawing/2014/main" val="2458714703"/>
+                  </a:ext>
+                </a:extLst>
+              </a:tr>
+              <a:tr h="270234">
+                <a:tc>
+                  <a:txBody>
+                    <a:bodyPr/>
+                    <a:lstStyle/>
+                    <a:p>
+                      <a:r>
+                        <a:rPr kumimoji="1" lang="en-US" altLang="ja-JP" sz="1200" b="1" baseline="0" dirty="0" smtClean="0">
+                          <a:solidFill>
+                            <a:schemeClr val="tx1"/>
+                          </a:solidFill>
+                          <a:latin typeface="+mn-lt"/>
+                        </a:rPr>
+                        <a:t>Name</a:t>
+                      </a:r>
+                      <a:endParaRPr kumimoji="1" lang="ja-JP" altLang="en-US" sz="1200" b="1" dirty="0">
+                        <a:solidFill>
+                          <a:schemeClr val="tx1"/>
+                        </a:solidFill>
+                        <a:latin typeface="+mn-lt"/>
+                      </a:endParaRPr>
+                    </a:p>
+                  </a:txBody>
+                  <a:tcPr>
+                    <a:lnL w="12700" cap="flat" cmpd="sng" algn="ctr">
+                      <a:solidFill>
+                        <a:schemeClr val="bg1">
+                          <a:lumMod val="85000"/>
+                        </a:schemeClr>
+                      </a:solidFill>
+                      <a:prstDash val="solid"/>
+                      <a:round/>
+                      <a:headEnd type="none" w="med" len="med"/>
+                      <a:tailEnd type="none" w="med" len="med"/>
+                    </a:lnL>
+                    <a:lnR w="12700" cap="flat" cmpd="sng" algn="ctr">
+                      <a:solidFill>
+                        <a:schemeClr val="bg1">
+                          <a:lumMod val="85000"/>
+                        </a:schemeClr>
+                      </a:solidFill>
+                      <a:prstDash val="solid"/>
+                      <a:round/>
+                      <a:headEnd type="none" w="med" len="med"/>
+                      <a:tailEnd type="none" w="med" len="med"/>
+                    </a:lnR>
+                    <a:lnT w="12700" cap="flat" cmpd="sng" algn="ctr">
+                      <a:solidFill>
+                        <a:schemeClr val="bg1">
+                          <a:lumMod val="85000"/>
+                        </a:schemeClr>
+                      </a:solidFill>
+                      <a:prstDash val="solid"/>
+                      <a:round/>
+                      <a:headEnd type="none" w="med" len="med"/>
+                      <a:tailEnd type="none" w="med" len="med"/>
+                    </a:lnT>
+                    <a:lnB w="12700" cap="flat" cmpd="sng" algn="ctr">
+                      <a:solidFill>
+                        <a:schemeClr val="bg1">
+                          <a:lumMod val="85000"/>
+                        </a:schemeClr>
+                      </a:solidFill>
+                      <a:prstDash val="solid"/>
+                      <a:round/>
+                      <a:headEnd type="none" w="med" len="med"/>
+                      <a:tailEnd type="none" w="med" len="med"/>
+                    </a:lnB>
+                    <a:lnTlToBr w="12700" cmpd="sng">
+                      <a:noFill/>
+                      <a:prstDash val="solid"/>
+                    </a:lnTlToBr>
+                    <a:lnBlToTr w="12700" cmpd="sng">
+                      <a:noFill/>
+                      <a:prstDash val="solid"/>
+                    </a:lnBlToTr>
+                    <a:solidFill>
+                      <a:schemeClr val="bg1"/>
+                    </a:solidFill>
+                  </a:tcPr>
+                </a:tc>
+                <a:tc>
+                  <a:txBody>
+                    <a:bodyPr/>
+                    <a:lstStyle/>
+                    <a:p>
+                      <a:r>
+                        <a:rPr kumimoji="1" lang="en-US" altLang="ja-JP" sz="1200" smtClean="0">
+                          <a:solidFill>
+                            <a:schemeClr val="tx1"/>
+                          </a:solidFill>
+                          <a:latin typeface="+mn-lt"/>
+                        </a:rPr>
+                        <a:t>Conductor_2</a:t>
+                      </a:r>
+                      <a:endParaRPr kumimoji="1" lang="ja-JP" altLang="en-US" sz="1200" dirty="0">
+                        <a:solidFill>
+                          <a:schemeClr val="tx1"/>
+                        </a:solidFill>
+                        <a:latin typeface="+mn-lt"/>
+                      </a:endParaRPr>
+                    </a:p>
+                  </a:txBody>
+                  <a:tcPr>
+                    <a:lnL w="12700" cap="flat" cmpd="sng" algn="ctr">
+                      <a:solidFill>
+                        <a:schemeClr val="bg1">
+                          <a:lumMod val="85000"/>
+                        </a:schemeClr>
+                      </a:solidFill>
+                      <a:prstDash val="solid"/>
+                      <a:round/>
+                      <a:headEnd type="none" w="med" len="med"/>
+                      <a:tailEnd type="none" w="med" len="med"/>
+                    </a:lnL>
+                    <a:lnR w="12700" cap="flat" cmpd="sng" algn="ctr">
+                      <a:solidFill>
+                        <a:schemeClr val="bg1">
+                          <a:lumMod val="85000"/>
+                        </a:schemeClr>
+                      </a:solidFill>
+                      <a:prstDash val="solid"/>
+                      <a:round/>
+                      <a:headEnd type="none" w="med" len="med"/>
+                      <a:tailEnd type="none" w="med" len="med"/>
+                    </a:lnR>
+                    <a:lnT w="12700" cap="flat" cmpd="sng" algn="ctr">
+                      <a:solidFill>
+                        <a:schemeClr val="bg1">
+                          <a:lumMod val="85000"/>
+                        </a:schemeClr>
+                      </a:solidFill>
+                      <a:prstDash val="solid"/>
+                      <a:round/>
+                      <a:headEnd type="none" w="med" len="med"/>
+                      <a:tailEnd type="none" w="med" len="med"/>
+                    </a:lnT>
+                    <a:lnB w="12700" cap="flat" cmpd="sng" algn="ctr">
+                      <a:solidFill>
+                        <a:schemeClr val="bg1">
+                          <a:lumMod val="85000"/>
+                        </a:schemeClr>
+                      </a:solidFill>
+                      <a:prstDash val="solid"/>
+                      <a:round/>
+                      <a:headEnd type="none" w="med" len="med"/>
+                      <a:tailEnd type="none" w="med" len="med"/>
+                    </a:lnB>
+                    <a:lnTlToBr w="12700" cmpd="sng">
+                      <a:noFill/>
+                      <a:prstDash val="solid"/>
+                    </a:lnTlToBr>
+                    <a:lnBlToTr w="12700" cmpd="sng">
+                      <a:noFill/>
+                      <a:prstDash val="solid"/>
+                    </a:lnBlToTr>
+                    <a:solidFill>
+                      <a:schemeClr val="bg1"/>
+                    </a:solidFill>
+                  </a:tcPr>
+                </a:tc>
+                <a:extLst>
+                  <a:ext uri="{0D108BD9-81ED-4DB2-BD59-A6C34878D82A}">
+                    <a16:rowId xmlns:a16="http://schemas.microsoft.com/office/drawing/2014/main" val="4029950975"/>
+                  </a:ext>
+                </a:extLst>
+              </a:tr>
+            </a:tbl>
+          </a:graphicData>
+        </a:graphic>
+      </p:graphicFrame>
+      <p:sp>
+        <p:nvSpPr>
+          <p:cNvPr id="8" name="円形吹き出し 7"/>
+          <p:cNvSpPr/>
+          <p:nvPr/>
+        </p:nvSpPr>
+        <p:spPr bwMode="auto">
+          <a:xfrm>
+            <a:off x="6093352" y="2057580"/>
+            <a:ext cx="270000" cy="270000"/>
+          </a:xfrm>
+          <a:prstGeom prst="wedgeEllipseCallout">
+            <a:avLst>
+              <a:gd name="adj1" fmla="val 154475"/>
+              <a:gd name="adj2" fmla="val 85418"/>
+            </a:avLst>
+          </a:prstGeom>
+          <a:solidFill>
+            <a:srgbClr val="FF0000"/>
+          </a:solidFill>
+          <a:ln w="28575">
+            <a:noFill/>
+          </a:ln>
+          <a:effectLst/>
+          <a:extLst/>
+        </p:spPr>
+        <p:style>
+          <a:lnRef idx="3">
+            <a:schemeClr val="lt1"/>
+          </a:lnRef>
+          <a:fillRef idx="1">
+            <a:schemeClr val="accent2"/>
+          </a:fillRef>
+          <a:effectRef idx="1">
+            <a:schemeClr val="accent2"/>
+          </a:effectRef>
+          <a:fontRef idx="minor">
+            <a:schemeClr val="lt1"/>
+          </a:fontRef>
+        </p:style>
+        <p:txBody>
+          <a:bodyPr rot="0" spcFirstLastPara="0" vertOverflow="overflow" horzOverflow="overflow" vert="horz" wrap="none" lIns="72000" tIns="72000" rIns="72000" bIns="72000" numCol="1" spcCol="0" rtlCol="0" fromWordArt="0" anchor="ctr" anchorCtr="1" forceAA="0" compatLnSpc="1">
+            <a:prstTxWarp prst="textNoShape">
+              <a:avLst/>
+            </a:prstTxWarp>
+            <a:noAutofit/>
+          </a:bodyPr>
+          <a:lstStyle/>
+          <a:p>
+            <a:pPr algn="ctr"/>
+            <a:r>
+              <a:rPr kumimoji="1" lang="ja-JP" altLang="en-US" sz="1400" b="1" dirty="0" smtClean="0">
+                <a:latin typeface="+mn-ea"/>
+              </a:rPr>
+              <a:t>１</a:t>
+            </a:r>
+          </a:p>
+        </p:txBody>
+      </p:sp>
+      <p:sp>
+        <p:nvSpPr>
+          <p:cNvPr id="10" name="角丸四角形 9"/>
+          <p:cNvSpPr/>
+          <p:nvPr/>
+        </p:nvSpPr>
+        <p:spPr bwMode="auto">
+          <a:xfrm>
+            <a:off x="6560902" y="5778118"/>
+            <a:ext cx="2250784" cy="243242"/>
+          </a:xfrm>
+          <a:prstGeom prst="roundRect">
+            <a:avLst>
+              <a:gd name="adj" fmla="val 5764"/>
+            </a:avLst>
+          </a:prstGeom>
+          <a:noFill/>
+          <a:ln w="28575">
+            <a:solidFill>
+              <a:srgbClr val="FF0000"/>
+            </a:solidFill>
+          </a:ln>
+          <a:effectLst/>
+          <a:extLst/>
+        </p:spPr>
+        <p:txBody>
+          <a:bodyPr rot="0" spcFirstLastPara="0" vertOverflow="overflow" horzOverflow="overflow" vert="horz" wrap="none" lIns="72000" tIns="72000" rIns="72000" bIns="72000" numCol="1" spcCol="0" rtlCol="0" fromWordArt="0" anchor="ctr" anchorCtr="0" forceAA="0" compatLnSpc="1">
+            <a:prstTxWarp prst="textNoShape">
+              <a:avLst/>
+            </a:prstTxWarp>
+            <a:noAutofit/>
+          </a:bodyPr>
+          <a:lstStyle/>
+          <a:p>
+            <a:pPr algn="ctr"/>
+            <a:endParaRPr kumimoji="1" lang="ja-JP" altLang="en-US" sz="1400" b="1" dirty="0" smtClean="0">
+              <a:solidFill>
+                <a:srgbClr val="FF0000"/>
+              </a:solidFill>
+              <a:latin typeface="+mn-ea"/>
+            </a:endParaRPr>
+          </a:p>
+        </p:txBody>
+      </p:sp>
+      <p:sp>
+        <p:nvSpPr>
+          <p:cNvPr id="11" name="円形吹き出し 10"/>
+          <p:cNvSpPr/>
+          <p:nvPr/>
+        </p:nvSpPr>
+        <p:spPr bwMode="auto">
+          <a:xfrm>
+            <a:off x="8028480" y="5381362"/>
+            <a:ext cx="270000" cy="270000"/>
+          </a:xfrm>
+          <a:prstGeom prst="wedgeEllipseCallout">
+            <a:avLst>
+              <a:gd name="adj1" fmla="val 81580"/>
+              <a:gd name="adj2" fmla="val 102891"/>
+            </a:avLst>
+          </a:prstGeom>
+          <a:solidFill>
+            <a:srgbClr val="FF0000"/>
+          </a:solidFill>
+          <a:ln w="28575">
+            <a:noFill/>
+          </a:ln>
+          <a:effectLst/>
+          <a:extLst/>
+        </p:spPr>
+        <p:style>
+          <a:lnRef idx="3">
+            <a:schemeClr val="lt1"/>
+          </a:lnRef>
+          <a:fillRef idx="1">
+            <a:schemeClr val="accent2"/>
+          </a:fillRef>
+          <a:effectRef idx="1">
+            <a:schemeClr val="accent2"/>
+          </a:effectRef>
+          <a:fontRef idx="minor">
+            <a:schemeClr val="lt1"/>
+          </a:fontRef>
+        </p:style>
+        <p:txBody>
+          <a:bodyPr rot="0" spcFirstLastPara="0" vertOverflow="overflow" horzOverflow="overflow" vert="horz" wrap="none" lIns="72000" tIns="72000" rIns="72000" bIns="72000" numCol="1" spcCol="0" rtlCol="0" fromWordArt="0" anchor="ctr" anchorCtr="1" forceAA="0" compatLnSpc="1">
+            <a:prstTxWarp prst="textNoShape">
+              <a:avLst/>
+            </a:prstTxWarp>
+            <a:noAutofit/>
+          </a:bodyPr>
+          <a:lstStyle/>
+          <a:p>
+            <a:pPr algn="ctr"/>
+            <a:r>
+              <a:rPr kumimoji="1" lang="ja-JP" altLang="en-US" sz="1400" b="1" dirty="0" smtClean="0">
+                <a:latin typeface="+mn-ea"/>
+              </a:rPr>
+              <a:t>２</a:t>
+            </a:r>
+          </a:p>
+        </p:txBody>
+      </p:sp>
+      <p:sp>
+        <p:nvSpPr>
+          <p:cNvPr id="12" name="角丸四角形 11"/>
+          <p:cNvSpPr/>
+          <p:nvPr/>
+        </p:nvSpPr>
+        <p:spPr bwMode="auto">
+          <a:xfrm>
+            <a:off x="1771788" y="3426933"/>
+            <a:ext cx="783931" cy="435596"/>
+          </a:xfrm>
+          <a:prstGeom prst="roundRect">
+            <a:avLst>
+              <a:gd name="adj" fmla="val 5764"/>
+            </a:avLst>
+          </a:prstGeom>
+          <a:noFill/>
+          <a:ln w="28575">
+            <a:solidFill>
+              <a:srgbClr val="FF0000"/>
+            </a:solidFill>
+          </a:ln>
+          <a:effectLst/>
+          <a:extLst/>
+        </p:spPr>
+        <p:txBody>
+          <a:bodyPr rot="0" spcFirstLastPara="0" vertOverflow="overflow" horzOverflow="overflow" vert="horz" wrap="none" lIns="72000" tIns="72000" rIns="72000" bIns="72000" numCol="1" spcCol="0" rtlCol="0" fromWordArt="0" anchor="ctr" anchorCtr="0" forceAA="0" compatLnSpc="1">
+            <a:prstTxWarp prst="textNoShape">
+              <a:avLst/>
+            </a:prstTxWarp>
+            <a:noAutofit/>
+          </a:bodyPr>
+          <a:lstStyle/>
+          <a:p>
+            <a:pPr algn="ctr"/>
+            <a:endParaRPr kumimoji="1" lang="ja-JP" altLang="en-US" sz="1400" b="1" dirty="0" smtClean="0">
+              <a:solidFill>
+                <a:srgbClr val="FF0000"/>
+              </a:solidFill>
+              <a:latin typeface="+mn-ea"/>
+            </a:endParaRPr>
+          </a:p>
+        </p:txBody>
+      </p:sp>
+      <p:sp>
+        <p:nvSpPr>
+          <p:cNvPr id="13" name="円形吹き出し 12"/>
+          <p:cNvSpPr/>
+          <p:nvPr/>
+        </p:nvSpPr>
+        <p:spPr bwMode="auto">
+          <a:xfrm>
+            <a:off x="1411739" y="2972182"/>
+            <a:ext cx="270000" cy="270000"/>
+          </a:xfrm>
+          <a:prstGeom prst="wedgeEllipseCallout">
+            <a:avLst>
+              <a:gd name="adj1" fmla="val 81580"/>
+              <a:gd name="adj2" fmla="val 102891"/>
+            </a:avLst>
+          </a:prstGeom>
+          <a:solidFill>
+            <a:srgbClr val="FF0000"/>
+          </a:solidFill>
+          <a:ln w="28575">
+            <a:noFill/>
+          </a:ln>
+          <a:effectLst/>
+          <a:extLst/>
+        </p:spPr>
+        <p:style>
+          <a:lnRef idx="3">
+            <a:schemeClr val="lt1"/>
+          </a:lnRef>
+          <a:fillRef idx="1">
+            <a:schemeClr val="accent2"/>
+          </a:fillRef>
+          <a:effectRef idx="1">
+            <a:schemeClr val="accent2"/>
+          </a:effectRef>
+          <a:fontRef idx="minor">
+            <a:schemeClr val="lt1"/>
+          </a:fontRef>
+        </p:style>
+        <p:txBody>
+          <a:bodyPr rot="0" spcFirstLastPara="0" vertOverflow="overflow" horzOverflow="overflow" vert="horz" wrap="none" lIns="72000" tIns="72000" rIns="72000" bIns="72000" numCol="1" spcCol="0" rtlCol="0" fromWordArt="0" anchor="ctr" anchorCtr="1" forceAA="0" compatLnSpc="1">
+            <a:prstTxWarp prst="textNoShape">
+              <a:avLst/>
+            </a:prstTxWarp>
+            <a:noAutofit/>
+          </a:bodyPr>
+          <a:lstStyle/>
+          <a:p>
+            <a:pPr algn="ctr"/>
+            <a:r>
+              <a:rPr kumimoji="1" lang="en-US" altLang="ja-JP" sz="1400" b="1" smtClean="0">
+                <a:latin typeface="+mn-ea"/>
+              </a:rPr>
+              <a:t>3</a:t>
+            </a:r>
+            <a:endParaRPr kumimoji="1" lang="ja-JP" altLang="en-US" sz="1400" b="1" dirty="0" smtClean="0">
+              <a:latin typeface="+mn-ea"/>
+            </a:endParaRPr>
+          </a:p>
+        </p:txBody>
+      </p:sp>
+      <p:sp>
+        <p:nvSpPr>
+          <p:cNvPr id="15" name="角丸四角形 14"/>
+          <p:cNvSpPr/>
+          <p:nvPr/>
+        </p:nvSpPr>
+        <p:spPr bwMode="auto">
+          <a:xfrm>
+            <a:off x="331339" y="6093370"/>
+            <a:ext cx="784181" cy="223061"/>
+          </a:xfrm>
+          <a:prstGeom prst="roundRect">
+            <a:avLst>
+              <a:gd name="adj" fmla="val 5764"/>
+            </a:avLst>
+          </a:prstGeom>
+          <a:noFill/>
+          <a:ln w="28575">
+            <a:solidFill>
+              <a:srgbClr val="FF0000"/>
+            </a:solidFill>
+          </a:ln>
+          <a:effectLst/>
+          <a:extLst/>
+        </p:spPr>
+        <p:txBody>
+          <a:bodyPr rot="0" spcFirstLastPara="0" vertOverflow="overflow" horzOverflow="overflow" vert="horz" wrap="none" lIns="72000" tIns="72000" rIns="72000" bIns="72000" numCol="1" spcCol="0" rtlCol="0" fromWordArt="0" anchor="ctr" anchorCtr="0" forceAA="0" compatLnSpc="1">
+            <a:prstTxWarp prst="textNoShape">
+              <a:avLst/>
+            </a:prstTxWarp>
+            <a:noAutofit/>
+          </a:bodyPr>
+          <a:lstStyle/>
+          <a:p>
+            <a:pPr algn="ctr"/>
+            <a:endParaRPr kumimoji="1" lang="ja-JP" altLang="en-US" sz="1400" b="1" dirty="0" smtClean="0">
+              <a:solidFill>
+                <a:srgbClr val="FF0000"/>
+              </a:solidFill>
+              <a:latin typeface="+mn-ea"/>
+            </a:endParaRPr>
+          </a:p>
+        </p:txBody>
+      </p:sp>
+      <p:sp>
+        <p:nvSpPr>
+          <p:cNvPr id="16" name="円形吹き出し 15"/>
+          <p:cNvSpPr/>
+          <p:nvPr/>
+        </p:nvSpPr>
+        <p:spPr bwMode="auto">
+          <a:xfrm>
+            <a:off x="1200539" y="5995493"/>
+            <a:ext cx="270000" cy="270000"/>
+          </a:xfrm>
+          <a:prstGeom prst="wedgeEllipseCallout">
+            <a:avLst>
+              <a:gd name="adj1" fmla="val -83050"/>
+              <a:gd name="adj2" fmla="val -5294"/>
+            </a:avLst>
+          </a:prstGeom>
+          <a:solidFill>
+            <a:srgbClr val="FF0000"/>
+          </a:solidFill>
+          <a:ln w="28575">
+            <a:noFill/>
+          </a:ln>
+          <a:effectLst/>
+          <a:extLst/>
+        </p:spPr>
+        <p:style>
+          <a:lnRef idx="3">
+            <a:schemeClr val="lt1"/>
+          </a:lnRef>
+          <a:fillRef idx="1">
+            <a:schemeClr val="accent2"/>
+          </a:fillRef>
+          <a:effectRef idx="1">
+            <a:schemeClr val="accent2"/>
+          </a:effectRef>
+          <a:fontRef idx="minor">
+            <a:schemeClr val="lt1"/>
+          </a:fontRef>
+        </p:style>
+        <p:txBody>
+          <a:bodyPr rot="0" spcFirstLastPara="0" vertOverflow="overflow" horzOverflow="overflow" vert="horz" wrap="none" lIns="72000" tIns="72000" rIns="72000" bIns="72000" numCol="1" spcCol="0" rtlCol="0" fromWordArt="0" anchor="ctr" anchorCtr="1" forceAA="0" compatLnSpc="1">
+            <a:prstTxWarp prst="textNoShape">
+              <a:avLst/>
+            </a:prstTxWarp>
+            <a:noAutofit/>
+          </a:bodyPr>
+          <a:lstStyle/>
+          <a:p>
+            <a:pPr algn="ctr"/>
+            <a:r>
+              <a:rPr kumimoji="1" lang="en-US" altLang="ja-JP" sz="1400" b="1" smtClean="0">
+                <a:latin typeface="+mn-ea"/>
+              </a:rPr>
+              <a:t>4</a:t>
+            </a:r>
+            <a:endParaRPr kumimoji="1" lang="ja-JP" altLang="en-US" sz="1400" b="1" dirty="0" smtClean="0">
               <a:latin typeface="+mn-ea"/>
             </a:endParaRPr>
           </a:p>
@@ -29759,7 +31802,7 @@
         </p:blipFill>
         <p:spPr>
           <a:xfrm>
-            <a:off x="227191" y="2024731"/>
+            <a:off x="227191" y="2564880"/>
             <a:ext cx="8521389" cy="3276529"/>
           </a:xfrm>
           <a:prstGeom prst="rect">
@@ -29845,23 +31888,37 @@
               <a:t>の登録</a:t>
             </a:r>
             <a:r>
-              <a:rPr lang="en-US" altLang="ja-JP" b="1" dirty="0" smtClean="0"/>
+              <a:rPr lang="en-US" altLang="ja-JP" b="1" smtClean="0"/>
               <a:t/>
             </a:r>
             <a:br>
-              <a:rPr lang="en-US" altLang="ja-JP" b="1" dirty="0" smtClean="0"/>
+              <a:rPr lang="en-US" altLang="ja-JP" b="1" smtClean="0"/>
             </a:br>
             <a:r>
+              <a:rPr lang="ja-JP" altLang="en-US" sz="1800">
+                <a:latin typeface="+mn-ea"/>
+              </a:rPr>
+              <a:t>「</a:t>
+            </a:r>
+            <a:r>
+              <a:rPr lang="en-US" altLang="ja-JP" sz="1800">
+                <a:latin typeface="+mn-ea"/>
+              </a:rPr>
+              <a:t>Conductor_1</a:t>
+            </a:r>
+            <a:r>
+              <a:rPr lang="ja-JP" altLang="en-US" sz="1800">
+                <a:latin typeface="+mn-ea"/>
+              </a:rPr>
+              <a:t>」</a:t>
+            </a:r>
+            <a:r>
+              <a:rPr lang="ja-JP" altLang="en-US" sz="1800" smtClean="0"/>
+              <a:t>の</a:t>
+            </a:r>
+            <a:r>
               <a:rPr lang="ja-JP" altLang="en-US" sz="1800" dirty="0" smtClean="0"/>
-              <a:t>作成</a:t>
-            </a:r>
-            <a:r>
-              <a:rPr lang="en-US" altLang="ja-JP" sz="1800" dirty="0" smtClean="0"/>
-              <a:t>Conductor</a:t>
-            </a:r>
-            <a:r>
-              <a:rPr lang="ja-JP" altLang="en-US" sz="1800" dirty="0" smtClean="0"/>
-              <a:t>の全体図は以下のようになります。</a:t>
+              <a:t>全体図は以下のようになります。</a:t>
             </a:r>
             <a:r>
               <a:rPr lang="en-US" altLang="ja-JP" sz="1800" dirty="0" smtClean="0"/>
@@ -29884,14 +31941,58 @@
       </p:sp>
       <p:sp>
         <p:nvSpPr>
-          <p:cNvPr id="15" name="角丸四角形 14"/>
+          <p:cNvPr id="10" name="角丸四角形 9"/>
           <p:cNvSpPr/>
           <p:nvPr/>
         </p:nvSpPr>
         <p:spPr bwMode="auto">
           <a:xfrm>
-            <a:off x="395420" y="5085230"/>
-            <a:ext cx="6048840" cy="614348"/>
+            <a:off x="6588280" y="3002251"/>
+            <a:ext cx="2088290" cy="174788"/>
+          </a:xfrm>
+          <a:prstGeom prst="roundRect">
+            <a:avLst>
+              <a:gd name="adj" fmla="val 5764"/>
+            </a:avLst>
+          </a:prstGeom>
+          <a:noFill/>
+          <a:ln w="28575">
+            <a:solidFill>
+              <a:srgbClr val="FF0000"/>
+            </a:solidFill>
+          </a:ln>
+          <a:effectLst/>
+          <a:extLst/>
+        </p:spPr>
+        <p:txBody>
+          <a:bodyPr rot="0" spcFirstLastPara="0" vertOverflow="overflow" horzOverflow="overflow" vert="horz" wrap="none" lIns="72000" tIns="72000" rIns="72000" bIns="72000" numCol="1" spcCol="0" rtlCol="0" fromWordArt="0" anchor="ctr" anchorCtr="0" forceAA="0" compatLnSpc="1">
+            <a:prstTxWarp prst="textNoShape">
+              <a:avLst/>
+            </a:prstTxWarp>
+            <a:noAutofit/>
+          </a:bodyPr>
+          <a:lstStyle/>
+          <a:p>
+            <a:pPr algn="ctr"/>
+            <a:endParaRPr kumimoji="1" lang="ja-JP" altLang="en-US" sz="1400" b="1" dirty="0" smtClean="0">
+              <a:solidFill>
+                <a:srgbClr val="FF0000"/>
+              </a:solidFill>
+              <a:latin typeface="+mn-ea"/>
+            </a:endParaRPr>
+          </a:p>
+        </p:txBody>
+      </p:sp>
+      <p:sp>
+        <p:nvSpPr>
+          <p:cNvPr id="11" name="角丸四角形 10"/>
+          <p:cNvSpPr/>
+          <p:nvPr/>
+        </p:nvSpPr>
+        <p:spPr bwMode="auto">
+          <a:xfrm>
+            <a:off x="3347830" y="2009749"/>
+            <a:ext cx="2970056" cy="992502"/>
           </a:xfrm>
           <a:prstGeom prst="roundRect">
             <a:avLst>
@@ -29918,6 +32019,497 @@
           </a:bodyPr>
           <a:lstStyle/>
           <a:p>
+            <a:pPr algn="ctr"/>
+            <a:r>
+              <a:rPr lang="ja-JP" altLang="en-US" sz="1400" dirty="0" smtClean="0">
+                <a:latin typeface="+mn-ea"/>
+              </a:rPr>
+              <a:t>項目へ</a:t>
+            </a:r>
+            <a:r>
+              <a:rPr kumimoji="1" lang="ja-JP" altLang="en-US" sz="1400" dirty="0" smtClean="0">
+                <a:latin typeface="+mn-ea"/>
+              </a:rPr>
+              <a:t>値を入力する</a:t>
+            </a:r>
+          </a:p>
+        </p:txBody>
+      </p:sp>
+      <p:graphicFrame>
+        <p:nvGraphicFramePr>
+          <p:cNvPr id="12" name="表 11"/>
+          <p:cNvGraphicFramePr>
+            <a:graphicFrameLocks noGrp="1"/>
+          </p:cNvGraphicFramePr>
+          <p:nvPr>
+            <p:extLst>
+              <p:ext uri="{D42A27DB-BD31-4B8C-83A1-F6EECF244321}">
+                <p14:modId xmlns:p14="http://schemas.microsoft.com/office/powerpoint/2010/main" val="3625817987"/>
+              </p:ext>
+            </p:extLst>
+          </p:nvPr>
+        </p:nvGraphicFramePr>
+        <p:xfrm>
+          <a:off x="3455257" y="2351318"/>
+          <a:ext cx="2755202" cy="548640"/>
+        </p:xfrm>
+        <a:graphic>
+          <a:graphicData uri="http://schemas.openxmlformats.org/drawingml/2006/table">
+            <a:tbl>
+              <a:tblPr firstRow="1" bandRow="1">
+                <a:tableStyleId>{5C22544A-7EE6-4342-B048-85BDC9FD1C3A}</a:tableStyleId>
+              </a:tblPr>
+              <a:tblGrid>
+                <a:gridCol w="1427818">
+                  <a:extLst>
+                    <a:ext uri="{9D8B030D-6E8A-4147-A177-3AD203B41FA5}">
+                      <a16:colId xmlns:a16="http://schemas.microsoft.com/office/drawing/2014/main" val="2883640048"/>
+                    </a:ext>
+                  </a:extLst>
+                </a:gridCol>
+                <a:gridCol w="1327384">
+                  <a:extLst>
+                    <a:ext uri="{9D8B030D-6E8A-4147-A177-3AD203B41FA5}">
+                      <a16:colId xmlns:a16="http://schemas.microsoft.com/office/drawing/2014/main" val="1123245703"/>
+                    </a:ext>
+                  </a:extLst>
+                </a:gridCol>
+              </a:tblGrid>
+              <a:tr h="270234">
+                <a:tc>
+                  <a:txBody>
+                    <a:bodyPr/>
+                    <a:lstStyle/>
+                    <a:p>
+                      <a:pPr algn="ctr"/>
+                      <a:r>
+                        <a:rPr kumimoji="1" lang="ja-JP" altLang="en-US" sz="1200" dirty="0" smtClean="0">
+                          <a:solidFill>
+                            <a:schemeClr val="bg1"/>
+                          </a:solidFill>
+                          <a:latin typeface="+mn-lt"/>
+                        </a:rPr>
+                        <a:t>項目</a:t>
+                      </a:r>
+                      <a:endParaRPr kumimoji="1" lang="ja-JP" altLang="en-US" sz="1200" dirty="0">
+                        <a:solidFill>
+                          <a:schemeClr val="bg1"/>
+                        </a:solidFill>
+                        <a:latin typeface="+mn-lt"/>
+                      </a:endParaRPr>
+                    </a:p>
+                  </a:txBody>
+                  <a:tcPr>
+                    <a:lnL w="12700" cap="flat" cmpd="sng" algn="ctr">
+                      <a:solidFill>
+                        <a:schemeClr val="bg1">
+                          <a:lumMod val="85000"/>
+                        </a:schemeClr>
+                      </a:solidFill>
+                      <a:prstDash val="solid"/>
+                      <a:round/>
+                      <a:headEnd type="none" w="med" len="med"/>
+                      <a:tailEnd type="none" w="med" len="med"/>
+                    </a:lnL>
+                    <a:lnR w="12700" cap="flat" cmpd="sng" algn="ctr">
+                      <a:solidFill>
+                        <a:schemeClr val="bg1">
+                          <a:lumMod val="85000"/>
+                        </a:schemeClr>
+                      </a:solidFill>
+                      <a:prstDash val="solid"/>
+                      <a:round/>
+                      <a:headEnd type="none" w="med" len="med"/>
+                      <a:tailEnd type="none" w="med" len="med"/>
+                    </a:lnR>
+                    <a:lnT w="12700" cap="flat" cmpd="sng" algn="ctr">
+                      <a:solidFill>
+                        <a:schemeClr val="bg1">
+                          <a:lumMod val="85000"/>
+                        </a:schemeClr>
+                      </a:solidFill>
+                      <a:prstDash val="solid"/>
+                      <a:round/>
+                      <a:headEnd type="none" w="med" len="med"/>
+                      <a:tailEnd type="none" w="med" len="med"/>
+                    </a:lnT>
+                    <a:lnB w="12700" cap="flat" cmpd="sng" algn="ctr">
+                      <a:solidFill>
+                        <a:schemeClr val="bg1">
+                          <a:lumMod val="85000"/>
+                        </a:schemeClr>
+                      </a:solidFill>
+                      <a:prstDash val="solid"/>
+                      <a:round/>
+                      <a:headEnd type="none" w="med" len="med"/>
+                      <a:tailEnd type="none" w="med" len="med"/>
+                    </a:lnB>
+                    <a:lnTlToBr w="12700" cmpd="sng">
+                      <a:noFill/>
+                      <a:prstDash val="solid"/>
+                    </a:lnTlToBr>
+                    <a:lnBlToTr w="12700" cmpd="sng">
+                      <a:noFill/>
+                      <a:prstDash val="solid"/>
+                    </a:lnBlToTr>
+                    <a:solidFill>
+                      <a:schemeClr val="accent6"/>
+                    </a:solidFill>
+                  </a:tcPr>
+                </a:tc>
+                <a:tc>
+                  <a:txBody>
+                    <a:bodyPr/>
+                    <a:lstStyle/>
+                    <a:p>
+                      <a:pPr algn="ctr"/>
+                      <a:r>
+                        <a:rPr kumimoji="1" lang="ja-JP" altLang="en-US" sz="1200" dirty="0" smtClean="0">
+                          <a:solidFill>
+                            <a:schemeClr val="bg1"/>
+                          </a:solidFill>
+                          <a:latin typeface="+mn-lt"/>
+                        </a:rPr>
+                        <a:t>値</a:t>
+                      </a:r>
+                      <a:endParaRPr kumimoji="1" lang="ja-JP" altLang="en-US" sz="1200" dirty="0">
+                        <a:solidFill>
+                          <a:schemeClr val="bg1"/>
+                        </a:solidFill>
+                        <a:latin typeface="+mn-lt"/>
+                      </a:endParaRPr>
+                    </a:p>
+                  </a:txBody>
+                  <a:tcPr>
+                    <a:lnL w="12700" cap="flat" cmpd="sng" algn="ctr">
+                      <a:solidFill>
+                        <a:schemeClr val="bg1">
+                          <a:lumMod val="85000"/>
+                        </a:schemeClr>
+                      </a:solidFill>
+                      <a:prstDash val="solid"/>
+                      <a:round/>
+                      <a:headEnd type="none" w="med" len="med"/>
+                      <a:tailEnd type="none" w="med" len="med"/>
+                    </a:lnL>
+                    <a:lnR w="12700" cap="flat" cmpd="sng" algn="ctr">
+                      <a:solidFill>
+                        <a:schemeClr val="bg1">
+                          <a:lumMod val="85000"/>
+                        </a:schemeClr>
+                      </a:solidFill>
+                      <a:prstDash val="solid"/>
+                      <a:round/>
+                      <a:headEnd type="none" w="med" len="med"/>
+                      <a:tailEnd type="none" w="med" len="med"/>
+                    </a:lnR>
+                    <a:lnT w="12700" cap="flat" cmpd="sng" algn="ctr">
+                      <a:solidFill>
+                        <a:schemeClr val="bg1">
+                          <a:lumMod val="85000"/>
+                        </a:schemeClr>
+                      </a:solidFill>
+                      <a:prstDash val="solid"/>
+                      <a:round/>
+                      <a:headEnd type="none" w="med" len="med"/>
+                      <a:tailEnd type="none" w="med" len="med"/>
+                    </a:lnT>
+                    <a:lnB w="12700" cap="flat" cmpd="sng" algn="ctr">
+                      <a:solidFill>
+                        <a:schemeClr val="bg1">
+                          <a:lumMod val="85000"/>
+                        </a:schemeClr>
+                      </a:solidFill>
+                      <a:prstDash val="solid"/>
+                      <a:round/>
+                      <a:headEnd type="none" w="med" len="med"/>
+                      <a:tailEnd type="none" w="med" len="med"/>
+                    </a:lnB>
+                    <a:lnTlToBr w="12700" cmpd="sng">
+                      <a:noFill/>
+                      <a:prstDash val="solid"/>
+                    </a:lnTlToBr>
+                    <a:lnBlToTr w="12700" cmpd="sng">
+                      <a:noFill/>
+                      <a:prstDash val="solid"/>
+                    </a:lnBlToTr>
+                    <a:solidFill>
+                      <a:schemeClr val="accent6"/>
+                    </a:solidFill>
+                  </a:tcPr>
+                </a:tc>
+                <a:extLst>
+                  <a:ext uri="{0D108BD9-81ED-4DB2-BD59-A6C34878D82A}">
+                    <a16:rowId xmlns:a16="http://schemas.microsoft.com/office/drawing/2014/main" val="2458714703"/>
+                  </a:ext>
+                </a:extLst>
+              </a:tr>
+              <a:tr h="270234">
+                <a:tc>
+                  <a:txBody>
+                    <a:bodyPr/>
+                    <a:lstStyle/>
+                    <a:p>
+                      <a:r>
+                        <a:rPr kumimoji="1" lang="en-US" altLang="ja-JP" sz="1200" b="1" baseline="0" dirty="0" smtClean="0">
+                          <a:solidFill>
+                            <a:schemeClr val="tx1"/>
+                          </a:solidFill>
+                          <a:latin typeface="+mn-lt"/>
+                        </a:rPr>
+                        <a:t>Name</a:t>
+                      </a:r>
+                      <a:endParaRPr kumimoji="1" lang="ja-JP" altLang="en-US" sz="1200" b="1" dirty="0">
+                        <a:solidFill>
+                          <a:schemeClr val="tx1"/>
+                        </a:solidFill>
+                        <a:latin typeface="+mn-lt"/>
+                      </a:endParaRPr>
+                    </a:p>
+                  </a:txBody>
+                  <a:tcPr>
+                    <a:lnL w="12700" cap="flat" cmpd="sng" algn="ctr">
+                      <a:solidFill>
+                        <a:schemeClr val="bg1">
+                          <a:lumMod val="85000"/>
+                        </a:schemeClr>
+                      </a:solidFill>
+                      <a:prstDash val="solid"/>
+                      <a:round/>
+                      <a:headEnd type="none" w="med" len="med"/>
+                      <a:tailEnd type="none" w="med" len="med"/>
+                    </a:lnL>
+                    <a:lnR w="12700" cap="flat" cmpd="sng" algn="ctr">
+                      <a:solidFill>
+                        <a:schemeClr val="bg1">
+                          <a:lumMod val="85000"/>
+                        </a:schemeClr>
+                      </a:solidFill>
+                      <a:prstDash val="solid"/>
+                      <a:round/>
+                      <a:headEnd type="none" w="med" len="med"/>
+                      <a:tailEnd type="none" w="med" len="med"/>
+                    </a:lnR>
+                    <a:lnT w="12700" cap="flat" cmpd="sng" algn="ctr">
+                      <a:solidFill>
+                        <a:schemeClr val="bg1">
+                          <a:lumMod val="85000"/>
+                        </a:schemeClr>
+                      </a:solidFill>
+                      <a:prstDash val="solid"/>
+                      <a:round/>
+                      <a:headEnd type="none" w="med" len="med"/>
+                      <a:tailEnd type="none" w="med" len="med"/>
+                    </a:lnT>
+                    <a:lnB w="12700" cap="flat" cmpd="sng" algn="ctr">
+                      <a:solidFill>
+                        <a:schemeClr val="bg1">
+                          <a:lumMod val="85000"/>
+                        </a:schemeClr>
+                      </a:solidFill>
+                      <a:prstDash val="solid"/>
+                      <a:round/>
+                      <a:headEnd type="none" w="med" len="med"/>
+                      <a:tailEnd type="none" w="med" len="med"/>
+                    </a:lnB>
+                    <a:lnTlToBr w="12700" cmpd="sng">
+                      <a:noFill/>
+                      <a:prstDash val="solid"/>
+                    </a:lnTlToBr>
+                    <a:lnBlToTr w="12700" cmpd="sng">
+                      <a:noFill/>
+                      <a:prstDash val="solid"/>
+                    </a:lnBlToTr>
+                    <a:solidFill>
+                      <a:schemeClr val="bg1"/>
+                    </a:solidFill>
+                  </a:tcPr>
+                </a:tc>
+                <a:tc>
+                  <a:txBody>
+                    <a:bodyPr/>
+                    <a:lstStyle/>
+                    <a:p>
+                      <a:r>
+                        <a:rPr kumimoji="1" lang="en-US" altLang="ja-JP" sz="1200" dirty="0" smtClean="0">
+                          <a:solidFill>
+                            <a:schemeClr val="tx1"/>
+                          </a:solidFill>
+                          <a:latin typeface="+mn-lt"/>
+                        </a:rPr>
+                        <a:t>Conductor_1</a:t>
+                      </a:r>
+                      <a:endParaRPr kumimoji="1" lang="ja-JP" altLang="en-US" sz="1200" dirty="0">
+                        <a:solidFill>
+                          <a:schemeClr val="tx1"/>
+                        </a:solidFill>
+                        <a:latin typeface="+mn-lt"/>
+                      </a:endParaRPr>
+                    </a:p>
+                  </a:txBody>
+                  <a:tcPr>
+                    <a:lnL w="12700" cap="flat" cmpd="sng" algn="ctr">
+                      <a:solidFill>
+                        <a:schemeClr val="bg1">
+                          <a:lumMod val="85000"/>
+                        </a:schemeClr>
+                      </a:solidFill>
+                      <a:prstDash val="solid"/>
+                      <a:round/>
+                      <a:headEnd type="none" w="med" len="med"/>
+                      <a:tailEnd type="none" w="med" len="med"/>
+                    </a:lnL>
+                    <a:lnR w="12700" cap="flat" cmpd="sng" algn="ctr">
+                      <a:solidFill>
+                        <a:schemeClr val="bg1">
+                          <a:lumMod val="85000"/>
+                        </a:schemeClr>
+                      </a:solidFill>
+                      <a:prstDash val="solid"/>
+                      <a:round/>
+                      <a:headEnd type="none" w="med" len="med"/>
+                      <a:tailEnd type="none" w="med" len="med"/>
+                    </a:lnR>
+                    <a:lnT w="12700" cap="flat" cmpd="sng" algn="ctr">
+                      <a:solidFill>
+                        <a:schemeClr val="bg1">
+                          <a:lumMod val="85000"/>
+                        </a:schemeClr>
+                      </a:solidFill>
+                      <a:prstDash val="solid"/>
+                      <a:round/>
+                      <a:headEnd type="none" w="med" len="med"/>
+                      <a:tailEnd type="none" w="med" len="med"/>
+                    </a:lnT>
+                    <a:lnB w="12700" cap="flat" cmpd="sng" algn="ctr">
+                      <a:solidFill>
+                        <a:schemeClr val="bg1">
+                          <a:lumMod val="85000"/>
+                        </a:schemeClr>
+                      </a:solidFill>
+                      <a:prstDash val="solid"/>
+                      <a:round/>
+                      <a:headEnd type="none" w="med" len="med"/>
+                      <a:tailEnd type="none" w="med" len="med"/>
+                    </a:lnB>
+                    <a:lnTlToBr w="12700" cmpd="sng">
+                      <a:noFill/>
+                      <a:prstDash val="solid"/>
+                    </a:lnTlToBr>
+                    <a:lnBlToTr w="12700" cmpd="sng">
+                      <a:noFill/>
+                      <a:prstDash val="solid"/>
+                    </a:lnBlToTr>
+                    <a:solidFill>
+                      <a:schemeClr val="bg1"/>
+                    </a:solidFill>
+                  </a:tcPr>
+                </a:tc>
+                <a:extLst>
+                  <a:ext uri="{0D108BD9-81ED-4DB2-BD59-A6C34878D82A}">
+                    <a16:rowId xmlns:a16="http://schemas.microsoft.com/office/drawing/2014/main" val="4029950975"/>
+                  </a:ext>
+                </a:extLst>
+              </a:tr>
+            </a:tbl>
+          </a:graphicData>
+        </a:graphic>
+      </p:graphicFrame>
+      <p:sp>
+        <p:nvSpPr>
+          <p:cNvPr id="13" name="円形吹き出し 12"/>
+          <p:cNvSpPr/>
+          <p:nvPr/>
+        </p:nvSpPr>
+        <p:spPr bwMode="auto">
+          <a:xfrm>
+            <a:off x="6182039" y="1860566"/>
+            <a:ext cx="270000" cy="270000"/>
+          </a:xfrm>
+          <a:prstGeom prst="wedgeEllipseCallout">
+            <a:avLst>
+              <a:gd name="adj1" fmla="val 102734"/>
+              <a:gd name="adj2" fmla="val 377048"/>
+            </a:avLst>
+          </a:prstGeom>
+          <a:solidFill>
+            <a:srgbClr val="FF0000"/>
+          </a:solidFill>
+          <a:ln w="28575">
+            <a:noFill/>
+          </a:ln>
+          <a:effectLst/>
+          <a:extLst/>
+        </p:spPr>
+        <p:style>
+          <a:lnRef idx="3">
+            <a:schemeClr val="lt1"/>
+          </a:lnRef>
+          <a:fillRef idx="1">
+            <a:schemeClr val="accent2"/>
+          </a:fillRef>
+          <a:effectRef idx="1">
+            <a:schemeClr val="accent2"/>
+          </a:effectRef>
+          <a:fontRef idx="minor">
+            <a:schemeClr val="lt1"/>
+          </a:fontRef>
+        </p:style>
+        <p:txBody>
+          <a:bodyPr rot="0" spcFirstLastPara="0" vertOverflow="overflow" horzOverflow="overflow" vert="horz" wrap="none" lIns="72000" tIns="72000" rIns="72000" bIns="72000" numCol="1" spcCol="0" rtlCol="0" fromWordArt="0" anchor="ctr" anchorCtr="1" forceAA="0" compatLnSpc="1">
+            <a:prstTxWarp prst="textNoShape">
+              <a:avLst/>
+            </a:prstTxWarp>
+            <a:noAutofit/>
+          </a:bodyPr>
+          <a:lstStyle/>
+          <a:p>
+            <a:pPr algn="ctr"/>
+            <a:r>
+              <a:rPr kumimoji="1" lang="ja-JP" altLang="en-US" sz="1400" b="1" dirty="0" smtClean="0">
+                <a:latin typeface="+mn-ea"/>
+              </a:rPr>
+              <a:t>１</a:t>
+            </a:r>
+          </a:p>
+        </p:txBody>
+      </p:sp>
+      <p:sp>
+        <p:nvSpPr>
+          <p:cNvPr id="14" name="角丸四角形 13"/>
+          <p:cNvSpPr/>
+          <p:nvPr/>
+        </p:nvSpPr>
+        <p:spPr bwMode="auto">
+          <a:xfrm>
+            <a:off x="179512" y="5949350"/>
+            <a:ext cx="6048840" cy="494584"/>
+          </a:xfrm>
+          <a:prstGeom prst="roundRect">
+            <a:avLst>
+              <a:gd name="adj" fmla="val 4712"/>
+            </a:avLst>
+          </a:prstGeom>
+          <a:solidFill>
+            <a:schemeClr val="bg1"/>
+          </a:solidFill>
+          <a:ln w="28575">
+            <a:solidFill>
+              <a:srgbClr val="FF0000"/>
+            </a:solidFill>
+          </a:ln>
+          <a:effectLst/>
+          <a:extLst/>
+        </p:spPr>
+        <p:txBody>
+          <a:bodyPr rot="0" spcFirstLastPara="0" vertOverflow="overflow" horzOverflow="overflow" vert="horz" wrap="none" lIns="72000" tIns="72000" rIns="72000" bIns="72000" numCol="1" spcCol="0" rtlCol="0" fromWordArt="0" anchor="t" anchorCtr="0" forceAA="0" compatLnSpc="1">
+            <a:prstTxWarp prst="textNoShape">
+              <a:avLst/>
+            </a:prstTxWarp>
+            <a:noAutofit/>
+          </a:bodyPr>
+          <a:lstStyle/>
+          <a:p>
             <a:r>
               <a:rPr kumimoji="1" lang="ja-JP" altLang="en-US" sz="1400" dirty="0" smtClean="0">
                 <a:latin typeface="+mn-ea"/>
@@ -29972,6 +32564,243 @@
               <a:t>は図を参考に配置してください。</a:t>
             </a:r>
             <a:endParaRPr kumimoji="1" lang="en-US" altLang="ja-JP" sz="1400" dirty="0" smtClean="0">
+              <a:latin typeface="+mn-ea"/>
+            </a:endParaRPr>
+          </a:p>
+        </p:txBody>
+      </p:sp>
+      <p:sp>
+        <p:nvSpPr>
+          <p:cNvPr id="18" name="フリーフォーム 17"/>
+          <p:cNvSpPr/>
+          <p:nvPr/>
+        </p:nvSpPr>
+        <p:spPr bwMode="auto">
+          <a:xfrm>
+            <a:off x="1619590" y="3176766"/>
+            <a:ext cx="3600500" cy="1451360"/>
+          </a:xfrm>
+          <a:custGeom>
+            <a:avLst/>
+            <a:gdLst>
+              <a:gd name="connsiteX0" fmla="*/ 26991 w 3600500"/>
+              <a:gd name="connsiteY0" fmla="*/ 0 h 1451360"/>
+              <a:gd name="connsiteX1" fmla="*/ 3573509 w 3600500"/>
+              <a:gd name="connsiteY1" fmla="*/ 0 h 1451360"/>
+              <a:gd name="connsiteX2" fmla="*/ 3600500 w 3600500"/>
+              <a:gd name="connsiteY2" fmla="*/ 26991 h 1451360"/>
+              <a:gd name="connsiteX3" fmla="*/ 3600500 w 3600500"/>
+              <a:gd name="connsiteY3" fmla="*/ 441273 h 1451360"/>
+              <a:gd name="connsiteX4" fmla="*/ 3573509 w 3600500"/>
+              <a:gd name="connsiteY4" fmla="*/ 468264 h 1451360"/>
+              <a:gd name="connsiteX5" fmla="*/ 2880400 w 3600500"/>
+              <a:gd name="connsiteY5" fmla="*/ 468264 h 1451360"/>
+              <a:gd name="connsiteX6" fmla="*/ 2880400 w 3600500"/>
+              <a:gd name="connsiteY6" fmla="*/ 1376488 h 1451360"/>
+              <a:gd name="connsiteX7" fmla="*/ 2805528 w 3600500"/>
+              <a:gd name="connsiteY7" fmla="*/ 1451360 h 1451360"/>
+              <a:gd name="connsiteX8" fmla="*/ 74872 w 3600500"/>
+              <a:gd name="connsiteY8" fmla="*/ 1451360 h 1451360"/>
+              <a:gd name="connsiteX9" fmla="*/ 0 w 3600500"/>
+              <a:gd name="connsiteY9" fmla="*/ 1376488 h 1451360"/>
+              <a:gd name="connsiteX10" fmla="*/ 0 w 3600500"/>
+              <a:gd name="connsiteY10" fmla="*/ 441273 h 1451360"/>
+              <a:gd name="connsiteX11" fmla="*/ 0 w 3600500"/>
+              <a:gd name="connsiteY11" fmla="*/ 227272 h 1451360"/>
+              <a:gd name="connsiteX12" fmla="*/ 0 w 3600500"/>
+              <a:gd name="connsiteY12" fmla="*/ 26991 h 1451360"/>
+              <a:gd name="connsiteX13" fmla="*/ 26991 w 3600500"/>
+              <a:gd name="connsiteY13" fmla="*/ 0 h 1451360"/>
+            </a:gdLst>
+            <a:ahLst/>
+            <a:cxnLst>
+              <a:cxn ang="0">
+                <a:pos x="connsiteX0" y="connsiteY0"/>
+              </a:cxn>
+              <a:cxn ang="0">
+                <a:pos x="connsiteX1" y="connsiteY1"/>
+              </a:cxn>
+              <a:cxn ang="0">
+                <a:pos x="connsiteX2" y="connsiteY2"/>
+              </a:cxn>
+              <a:cxn ang="0">
+                <a:pos x="connsiteX3" y="connsiteY3"/>
+              </a:cxn>
+              <a:cxn ang="0">
+                <a:pos x="connsiteX4" y="connsiteY4"/>
+              </a:cxn>
+              <a:cxn ang="0">
+                <a:pos x="connsiteX5" y="connsiteY5"/>
+              </a:cxn>
+              <a:cxn ang="0">
+                <a:pos x="connsiteX6" y="connsiteY6"/>
+              </a:cxn>
+              <a:cxn ang="0">
+                <a:pos x="connsiteX7" y="connsiteY7"/>
+              </a:cxn>
+              <a:cxn ang="0">
+                <a:pos x="connsiteX8" y="connsiteY8"/>
+              </a:cxn>
+              <a:cxn ang="0">
+                <a:pos x="connsiteX9" y="connsiteY9"/>
+              </a:cxn>
+              <a:cxn ang="0">
+                <a:pos x="connsiteX10" y="connsiteY10"/>
+              </a:cxn>
+              <a:cxn ang="0">
+                <a:pos x="connsiteX11" y="connsiteY11"/>
+              </a:cxn>
+              <a:cxn ang="0">
+                <a:pos x="connsiteX12" y="connsiteY12"/>
+              </a:cxn>
+              <a:cxn ang="0">
+                <a:pos x="connsiteX13" y="connsiteY13"/>
+              </a:cxn>
+            </a:cxnLst>
+            <a:rect l="l" t="t" r="r" b="b"/>
+            <a:pathLst>
+              <a:path w="3600500" h="1451360">
+                <a:moveTo>
+                  <a:pt x="26991" y="0"/>
+                </a:moveTo>
+                <a:lnTo>
+                  <a:pt x="3573509" y="0"/>
+                </a:lnTo>
+                <a:cubicBezTo>
+                  <a:pt x="3588416" y="0"/>
+                  <a:pt x="3600500" y="12084"/>
+                  <a:pt x="3600500" y="26991"/>
+                </a:cubicBezTo>
+                <a:lnTo>
+                  <a:pt x="3600500" y="441273"/>
+                </a:lnTo>
+                <a:cubicBezTo>
+                  <a:pt x="3600500" y="456180"/>
+                  <a:pt x="3588416" y="468264"/>
+                  <a:pt x="3573509" y="468264"/>
+                </a:cubicBezTo>
+                <a:lnTo>
+                  <a:pt x="2880400" y="468264"/>
+                </a:lnTo>
+                <a:lnTo>
+                  <a:pt x="2880400" y="1376488"/>
+                </a:lnTo>
+                <a:cubicBezTo>
+                  <a:pt x="2880400" y="1417839"/>
+                  <a:pt x="2846879" y="1451360"/>
+                  <a:pt x="2805528" y="1451360"/>
+                </a:cubicBezTo>
+                <a:lnTo>
+                  <a:pt x="74872" y="1451360"/>
+                </a:lnTo>
+                <a:cubicBezTo>
+                  <a:pt x="33521" y="1451360"/>
+                  <a:pt x="0" y="1417839"/>
+                  <a:pt x="0" y="1376488"/>
+                </a:cubicBezTo>
+                <a:lnTo>
+                  <a:pt x="0" y="441273"/>
+                </a:lnTo>
+                <a:lnTo>
+                  <a:pt x="0" y="227272"/>
+                </a:lnTo>
+                <a:lnTo>
+                  <a:pt x="0" y="26991"/>
+                </a:lnTo>
+                <a:cubicBezTo>
+                  <a:pt x="0" y="12084"/>
+                  <a:pt x="12084" y="0"/>
+                  <a:pt x="26991" y="0"/>
+                </a:cubicBezTo>
+                <a:close/>
+              </a:path>
+            </a:pathLst>
+          </a:custGeom>
+          <a:noFill/>
+          <a:ln w="28575">
+            <a:solidFill>
+              <a:srgbClr val="FF0000"/>
+            </a:solidFill>
+          </a:ln>
+          <a:effectLst/>
+          <a:extLst/>
+        </p:spPr>
+        <p:txBody>
+          <a:bodyPr rot="0" spcFirstLastPara="0" vertOverflow="overflow" horzOverflow="overflow" vert="horz" wrap="square" lIns="72000" tIns="72000" rIns="72000" bIns="72000" numCol="1" spcCol="0" rtlCol="0" fromWordArt="0" anchor="ctr" anchorCtr="0" forceAA="0" compatLnSpc="1">
+            <a:prstTxWarp prst="textNoShape">
+              <a:avLst/>
+            </a:prstTxWarp>
+            <a:noAutofit/>
+          </a:bodyPr>
+          <a:lstStyle/>
+          <a:p>
+            <a:pPr algn="ctr"/>
+            <a:endParaRPr kumimoji="1" lang="ja-JP" altLang="en-US" sz="1400" b="1" dirty="0" smtClean="0">
+              <a:solidFill>
+                <a:srgbClr val="FF0000"/>
+              </a:solidFill>
+              <a:latin typeface="+mn-ea"/>
+            </a:endParaRPr>
+          </a:p>
+        </p:txBody>
+      </p:sp>
+      <p:sp>
+        <p:nvSpPr>
+          <p:cNvPr id="20" name="円形吹き出し 19"/>
+          <p:cNvSpPr/>
+          <p:nvPr/>
+        </p:nvSpPr>
+        <p:spPr bwMode="auto">
+          <a:xfrm>
+            <a:off x="1259540" y="2819645"/>
+            <a:ext cx="270000" cy="270000"/>
+          </a:xfrm>
+          <a:prstGeom prst="wedgeEllipseCallout">
+            <a:avLst>
+              <a:gd name="adj1" fmla="val 74512"/>
+              <a:gd name="adj2" fmla="val 80715"/>
+            </a:avLst>
+          </a:prstGeom>
+          <a:solidFill>
+            <a:srgbClr val="FF0000"/>
+          </a:solidFill>
+          <a:ln w="28575">
+            <a:noFill/>
+          </a:ln>
+          <a:effectLst/>
+          <a:extLst/>
+        </p:spPr>
+        <p:style>
+          <a:lnRef idx="3">
+            <a:schemeClr val="lt1"/>
+          </a:lnRef>
+          <a:fillRef idx="1">
+            <a:schemeClr val="accent2"/>
+          </a:fillRef>
+          <a:effectRef idx="1">
+            <a:schemeClr val="accent2"/>
+          </a:effectRef>
+          <a:fontRef idx="minor">
+            <a:schemeClr val="lt1"/>
+          </a:fontRef>
+        </p:style>
+        <p:txBody>
+          <a:bodyPr rot="0" spcFirstLastPara="0" vertOverflow="overflow" horzOverflow="overflow" vert="horz" wrap="none" lIns="72000" tIns="72000" rIns="72000" bIns="72000" numCol="1" spcCol="0" rtlCol="0" fromWordArt="0" anchor="ctr" anchorCtr="1" forceAA="0" compatLnSpc="1">
+            <a:prstTxWarp prst="textNoShape">
+              <a:avLst/>
+            </a:prstTxWarp>
+            <a:noAutofit/>
+          </a:bodyPr>
+          <a:lstStyle/>
+          <a:p>
+            <a:pPr algn="ctr"/>
+            <a:r>
+              <a:rPr kumimoji="1" lang="en-US" altLang="ja-JP" sz="1400" b="1" smtClean="0">
+                <a:latin typeface="+mn-ea"/>
+              </a:rPr>
+              <a:t>2</a:t>
+            </a:r>
+            <a:endParaRPr kumimoji="1" lang="ja-JP" altLang="en-US" sz="1400" b="1" dirty="0" smtClean="0">
               <a:latin typeface="+mn-ea"/>
             </a:endParaRPr>
           </a:p>
@@ -30138,6 +32967,37 @@
           </a:p>
         </p:txBody>
       </p:sp>
+      <p:pic>
+        <p:nvPicPr>
+          <p:cNvPr id="3" name="図 2"/>
+          <p:cNvPicPr>
+            <a:picLocks noChangeAspect="1"/>
+          </p:cNvPicPr>
+          <p:nvPr/>
+        </p:nvPicPr>
+        <p:blipFill>
+          <a:blip r:embed="rId4"/>
+          <a:stretch>
+            <a:fillRect/>
+          </a:stretch>
+        </p:blipFill>
+        <p:spPr>
+          <a:xfrm>
+            <a:off x="607842" y="4287169"/>
+            <a:ext cx="2452380" cy="1431824"/>
+          </a:xfrm>
+          <a:prstGeom prst="rect">
+            <a:avLst/>
+          </a:prstGeom>
+          <a:effectLst>
+            <a:outerShdw blurRad="50800" dist="38100" dir="2700000" algn="tl" rotWithShape="0">
+              <a:prstClr val="black">
+                <a:alpha val="40000"/>
+              </a:prstClr>
+            </a:outerShdw>
+          </a:effectLst>
+        </p:spPr>
+      </p:pic>
       <p:sp>
         <p:nvSpPr>
           <p:cNvPr id="7" name="角丸四角形 6"/>
@@ -30182,40 +33042,6 @@
           </a:p>
         </p:txBody>
       </p:sp>
-      <p:pic>
-        <p:nvPicPr>
-          <p:cNvPr id="5" name="図 4"/>
-          <p:cNvPicPr>
-            <a:picLocks noChangeAspect="1"/>
-          </p:cNvPicPr>
-          <p:nvPr/>
-        </p:nvPicPr>
-        <p:blipFill>
-          <a:blip r:embed="rId4"/>
-          <a:stretch>
-            <a:fillRect/>
-          </a:stretch>
-        </p:blipFill>
-        <p:spPr>
-          <a:xfrm>
-            <a:off x="179512" y="4366705"/>
-            <a:ext cx="2464934" cy="1390257"/>
-          </a:xfrm>
-          <a:prstGeom prst="rect">
-            <a:avLst/>
-          </a:prstGeom>
-          <a:ln>
-            <a:noFill/>
-          </a:ln>
-          <a:effectLst>
-            <a:outerShdw blurRad="292100" dist="139700" dir="2700000" algn="tl" rotWithShape="0">
-              <a:srgbClr val="333333">
-                <a:alpha val="65000"/>
-              </a:srgbClr>
-            </a:outerShdw>
-          </a:effectLst>
-        </p:spPr>
-      </p:pic>
       <p:sp>
         <p:nvSpPr>
           <p:cNvPr id="6" name="右カーブ矢印 5"/>
@@ -30224,8 +33050,8 @@
         </p:nvSpPr>
         <p:spPr bwMode="auto">
           <a:xfrm>
-            <a:off x="310108" y="3691913"/>
-            <a:ext cx="360050" cy="648090"/>
+            <a:off x="247792" y="3639079"/>
+            <a:ext cx="360050" cy="785414"/>
           </a:xfrm>
           <a:prstGeom prst="curvedRightArrow">
             <a:avLst/>
@@ -30265,7 +33091,7 @@
         </p:nvSpPr>
         <p:spPr bwMode="auto">
           <a:xfrm>
-            <a:off x="3275820" y="5348543"/>
+            <a:off x="3275820" y="5401054"/>
             <a:ext cx="5400750" cy="816838"/>
           </a:xfrm>
           <a:prstGeom prst="roundRect">
@@ -30321,36 +33147,54 @@
               <a:rPr lang="ja-JP" altLang="en-US" sz="1400" dirty="0" smtClean="0">
                 <a:latin typeface="+mn-ea"/>
               </a:rPr>
-              <a:t>は配置された直前の</a:t>
-            </a:r>
-            <a:r>
-              <a:rPr lang="en-US" altLang="ja-JP" sz="1400" dirty="0" smtClean="0">
+              <a:t>は配置された</a:t>
+            </a:r>
+            <a:r>
+              <a:rPr lang="ja-JP" altLang="en-US" sz="1400" smtClean="0">
                 <a:latin typeface="+mn-ea"/>
               </a:rPr>
-              <a:t/>
-            </a:r>
-            <a:br>
-              <a:rPr lang="en-US" altLang="ja-JP" sz="1400" dirty="0" smtClean="0">
+              <a:t>直前の</a:t>
+            </a:r>
+            <a:r>
+              <a:rPr lang="en-US" altLang="ja-JP" sz="1400" smtClean="0">
                 <a:latin typeface="+mn-ea"/>
               </a:rPr>
-            </a:br>
+              <a:t>Movement</a:t>
+            </a:r>
             <a:r>
               <a:rPr lang="ja-JP" altLang="en-US" sz="1400" dirty="0" smtClean="0">
                 <a:latin typeface="+mn-ea"/>
               </a:rPr>
-              <a:t>　</a:t>
-            </a:r>
-            <a:r>
-              <a:rPr lang="en-US" altLang="ja-JP" sz="1400" dirty="0" smtClean="0">
+              <a:t>の</a:t>
+            </a:r>
+            <a:r>
+              <a:rPr lang="ja-JP" altLang="en-US" sz="1400" smtClean="0">
                 <a:latin typeface="+mn-ea"/>
               </a:rPr>
-              <a:t>Movement</a:t>
+              <a:t>終了結果</a:t>
+            </a:r>
+            <a:endParaRPr lang="en-US" altLang="ja-JP" sz="1400" smtClean="0">
+              <a:latin typeface="+mn-ea"/>
+            </a:endParaRPr>
+          </a:p>
+          <a:p>
+            <a:r>
+              <a:rPr lang="ja-JP" altLang="en-US" sz="1400">
+                <a:latin typeface="+mn-ea"/>
+              </a:rPr>
+              <a:t>　</a:t>
+            </a:r>
+            <a:r>
+              <a:rPr lang="ja-JP" altLang="en-US" sz="1400" smtClean="0">
+                <a:latin typeface="+mn-ea"/>
+              </a:rPr>
+              <a:t>に</a:t>
             </a:r>
             <a:r>
               <a:rPr lang="ja-JP" altLang="en-US" sz="1400" dirty="0" smtClean="0">
                 <a:latin typeface="+mn-ea"/>
               </a:rPr>
-              <a:t>の終了結果に応じて次の処理を分岐します。</a:t>
+              <a:t>応じて次の処理を分岐します。</a:t>
             </a:r>
             <a:r>
               <a:rPr lang="en-US" altLang="ja-JP" sz="1400" dirty="0" smtClean="0">
@@ -30383,8 +33227,8 @@
         </p:nvSpPr>
         <p:spPr bwMode="auto">
           <a:xfrm>
-            <a:off x="6588280" y="4399903"/>
-            <a:ext cx="1272412" cy="244718"/>
+            <a:off x="6588280" y="4424493"/>
+            <a:ext cx="2088290" cy="220128"/>
           </a:xfrm>
           <a:prstGeom prst="roundRect">
             <a:avLst>
@@ -30821,54 +33665,13 @@
       </p:sp>
       <p:sp>
         <p:nvSpPr>
-          <p:cNvPr id="6" name="右カーブ矢印 5"/>
-          <p:cNvSpPr/>
-          <p:nvPr/>
-        </p:nvSpPr>
-        <p:spPr bwMode="auto">
-          <a:xfrm rot="2120693">
-            <a:off x="1059028" y="3515981"/>
-            <a:ext cx="360050" cy="614089"/>
-          </a:xfrm>
-          <a:prstGeom prst="curvedRightArrow">
-            <a:avLst/>
-          </a:prstGeom>
-          <a:solidFill>
-            <a:srgbClr val="FF0000"/>
-          </a:solidFill>
-          <a:ln w="12700">
-            <a:solidFill>
-              <a:srgbClr val="FF0000"/>
-            </a:solidFill>
-          </a:ln>
-          <a:effectLst/>
-          <a:extLst/>
-        </p:spPr>
-        <p:txBody>
-          <a:bodyPr rot="0" spcFirstLastPara="0" vertOverflow="overflow" horzOverflow="overflow" vert="horz" wrap="none" lIns="72000" tIns="72000" rIns="72000" bIns="72000" numCol="1" spcCol="0" rtlCol="0" fromWordArt="0" anchor="ctr" anchorCtr="0" forceAA="0" compatLnSpc="1">
-            <a:prstTxWarp prst="textNoShape">
-              <a:avLst/>
-            </a:prstTxWarp>
-            <a:noAutofit/>
-          </a:bodyPr>
-          <a:lstStyle/>
-          <a:p>
-            <a:pPr algn="ctr"/>
-            <a:endParaRPr kumimoji="1" lang="ja-JP" altLang="en-US" b="1" dirty="0" smtClean="0">
-              <a:latin typeface="+mn-ea"/>
-            </a:endParaRPr>
-          </a:p>
-        </p:txBody>
-      </p:sp>
-      <p:sp>
-        <p:nvSpPr>
           <p:cNvPr id="14" name="角丸四角形 13"/>
           <p:cNvSpPr/>
           <p:nvPr/>
         </p:nvSpPr>
         <p:spPr bwMode="auto">
           <a:xfrm>
-            <a:off x="3275820" y="5348543"/>
+            <a:off x="3562763" y="5410596"/>
             <a:ext cx="5400750" cy="816838"/>
           </a:xfrm>
           <a:prstGeom prst="roundRect">
@@ -31011,7 +33814,7 @@
         <p:spPr bwMode="auto">
           <a:xfrm>
             <a:off x="6588280" y="3990872"/>
-            <a:ext cx="1292625" cy="201001"/>
+            <a:ext cx="2088290" cy="201002"/>
           </a:xfrm>
           <a:prstGeom prst="roundRect">
             <a:avLst>
@@ -31257,8 +34060,8 @@
         </p:blipFill>
         <p:spPr>
           <a:xfrm>
-            <a:off x="395420" y="4174246"/>
-            <a:ext cx="2336201" cy="2644271"/>
+            <a:off x="678343" y="4072872"/>
+            <a:ext cx="2076515" cy="2350341"/>
           </a:xfrm>
           <a:prstGeom prst="rect">
             <a:avLst/>
@@ -31275,6 +34078,47 @@
           </a:effectLst>
         </p:spPr>
       </p:pic>
+      <p:sp>
+        <p:nvSpPr>
+          <p:cNvPr id="6" name="右カーブ矢印 5"/>
+          <p:cNvSpPr/>
+          <p:nvPr/>
+        </p:nvSpPr>
+        <p:spPr bwMode="auto">
+          <a:xfrm rot="2120693">
+            <a:off x="1059028" y="3515981"/>
+            <a:ext cx="360050" cy="614089"/>
+          </a:xfrm>
+          <a:prstGeom prst="curvedRightArrow">
+            <a:avLst/>
+          </a:prstGeom>
+          <a:solidFill>
+            <a:srgbClr val="FF0000"/>
+          </a:solidFill>
+          <a:ln w="12700">
+            <a:solidFill>
+              <a:srgbClr val="FF0000"/>
+            </a:solidFill>
+          </a:ln>
+          <a:effectLst/>
+          <a:extLst/>
+        </p:spPr>
+        <p:txBody>
+          <a:bodyPr rot="0" spcFirstLastPara="0" vertOverflow="overflow" horzOverflow="overflow" vert="horz" wrap="none" lIns="72000" tIns="72000" rIns="72000" bIns="72000" numCol="1" spcCol="0" rtlCol="0" fromWordArt="0" anchor="ctr" anchorCtr="0" forceAA="0" compatLnSpc="1">
+            <a:prstTxWarp prst="textNoShape">
+              <a:avLst/>
+            </a:prstTxWarp>
+            <a:noAutofit/>
+          </a:bodyPr>
+          <a:lstStyle/>
+          <a:p>
+            <a:pPr algn="ctr"/>
+            <a:endParaRPr kumimoji="1" lang="ja-JP" altLang="en-US" b="1" dirty="0" smtClean="0">
+              <a:latin typeface="+mn-ea"/>
+            </a:endParaRPr>
+          </a:p>
+        </p:txBody>
+      </p:sp>
     </p:spTree>
     <p:extLst>
       <p:ext uri="{BB962C8B-B14F-4D97-AF65-F5344CB8AC3E}">
@@ -31496,7 +34340,7 @@
         </p:nvSpPr>
         <p:spPr bwMode="auto">
           <a:xfrm>
-            <a:off x="827480" y="5003344"/>
+            <a:off x="261057" y="5546744"/>
             <a:ext cx="5400750" cy="586953"/>
           </a:xfrm>
           <a:prstGeom prst="roundRect">
@@ -31603,8 +34447,8 @@
         </p:nvSpPr>
         <p:spPr bwMode="auto">
           <a:xfrm>
-            <a:off x="6694077" y="4233019"/>
-            <a:ext cx="1262393" cy="263544"/>
+            <a:off x="6694077" y="4233018"/>
+            <a:ext cx="2054503" cy="276131"/>
           </a:xfrm>
           <a:prstGeom prst="roundRect">
             <a:avLst>
@@ -32026,6 +34870,30 @@
           </a:p>
         </p:txBody>
       </p:sp>
+      <p:pic>
+        <p:nvPicPr>
+          <p:cNvPr id="9" name="図 8"/>
+          <p:cNvPicPr>
+            <a:picLocks noChangeAspect="1"/>
+          </p:cNvPicPr>
+          <p:nvPr/>
+        </p:nvPicPr>
+        <p:blipFill>
+          <a:blip r:embed="rId4"/>
+          <a:stretch>
+            <a:fillRect/>
+          </a:stretch>
+        </p:blipFill>
+        <p:spPr>
+          <a:xfrm>
+            <a:off x="6699142" y="3644950"/>
+            <a:ext cx="2161213" cy="1622636"/>
+          </a:xfrm>
+          <a:prstGeom prst="rect">
+            <a:avLst/>
+          </a:prstGeom>
+        </p:spPr>
+      </p:pic>
       <p:sp>
         <p:nvSpPr>
           <p:cNvPr id="23" name="コンテンツ プレースホルダー 2"/>
@@ -32091,7 +34959,7 @@
         </p:nvSpPr>
         <p:spPr bwMode="auto">
           <a:xfrm>
-            <a:off x="3456657" y="5238205"/>
+            <a:off x="3456657" y="5490066"/>
             <a:ext cx="5400750" cy="816838"/>
           </a:xfrm>
           <a:prstGeom prst="roundRect">
@@ -32120,16 +34988,16 @@
           <a:lstStyle/>
           <a:p>
             <a:r>
-              <a:rPr lang="ja-JP" altLang="en-US" sz="1400" dirty="0" smtClean="0">
+              <a:rPr lang="ja-JP" altLang="en-US" sz="1400" smtClean="0">
                 <a:latin typeface="+mn-ea"/>
               </a:rPr>
               <a:t>・</a:t>
             </a:r>
             <a:r>
-              <a:rPr lang="en-US" altLang="ja-JP" sz="1400" dirty="0">
+              <a:rPr lang="en-US" altLang="ja-JP" sz="1400" smtClean="0">
                 <a:latin typeface="+mn-ea"/>
               </a:rPr>
-              <a:t> Parallel </a:t>
+              <a:t>Parallel </a:t>
             </a:r>
             <a:r>
               <a:rPr lang="en-US" altLang="ja-JP" sz="1400" dirty="0" err="1">
@@ -32153,30 +35021,33 @@
               <a:rPr lang="ja-JP" altLang="en-US" sz="1400" dirty="0" smtClean="0">
                 <a:latin typeface="+mn-ea"/>
               </a:rPr>
-              <a:t>は直後に実行する</a:t>
-            </a:r>
-            <a:r>
-              <a:rPr lang="en-US" altLang="ja-JP" sz="1400" dirty="0" smtClean="0">
+              <a:t>は直後に</a:t>
+            </a:r>
+            <a:r>
+              <a:rPr lang="ja-JP" altLang="en-US" sz="1400" smtClean="0">
                 <a:latin typeface="+mn-ea"/>
               </a:rPr>
-              <a:t/>
-            </a:r>
-            <a:br>
-              <a:rPr lang="en-US" altLang="ja-JP" sz="1400" dirty="0" smtClean="0">
+              <a:t>実行する</a:t>
+            </a:r>
+            <a:r>
+              <a:rPr lang="en-US" altLang="ja-JP" sz="1400" smtClean="0">
                 <a:latin typeface="+mn-ea"/>
               </a:rPr>
-            </a:br>
-            <a:r>
-              <a:rPr lang="ja-JP" altLang="en-US" sz="1400" dirty="0" smtClean="0">
+              <a:t>Movement,</a:t>
+            </a:r>
+          </a:p>
+          <a:p>
+            <a:r>
+              <a:rPr lang="ja-JP" altLang="en-US" sz="1400">
                 <a:latin typeface="+mn-ea"/>
               </a:rPr>
               <a:t>　</a:t>
             </a:r>
             <a:r>
-              <a:rPr lang="en-US" altLang="ja-JP" sz="1400" dirty="0" err="1" smtClean="0">
+              <a:rPr lang="en-US" altLang="ja-JP" sz="1400" smtClean="0">
                 <a:latin typeface="+mn-ea"/>
               </a:rPr>
-              <a:t>Movement,Function</a:t>
+              <a:t>Function</a:t>
             </a:r>
             <a:r>
               <a:rPr lang="ja-JP" altLang="en-US" sz="1400" dirty="0" smtClean="0">
@@ -32221,8 +35092,8 @@
         </p:nvSpPr>
         <p:spPr bwMode="auto">
           <a:xfrm>
-            <a:off x="6707058" y="4561490"/>
-            <a:ext cx="1105392" cy="294093"/>
+            <a:off x="6699142" y="4787088"/>
+            <a:ext cx="2120370" cy="244678"/>
           </a:xfrm>
           <a:prstGeom prst="roundRect">
             <a:avLst>
@@ -32260,13 +35131,15 @@
       <p:cxnSp>
         <p:nvCxnSpPr>
           <p:cNvPr id="11" name="直線矢印コネクタ 10"/>
-          <p:cNvCxnSpPr/>
+          <p:cNvCxnSpPr>
+            <a:stCxn id="15" idx="1"/>
+          </p:cNvCxnSpPr>
           <p:nvPr/>
         </p:nvCxnSpPr>
         <p:spPr bwMode="auto">
           <a:xfrm flipH="1" flipV="1">
-            <a:off x="2702550" y="4005081"/>
-            <a:ext cx="4004508" cy="553070"/>
+            <a:off x="3456658" y="3741140"/>
+            <a:ext cx="3242484" cy="1168287"/>
           </a:xfrm>
           <a:prstGeom prst="straightConnector1">
             <a:avLst/>
@@ -32307,7 +35180,7 @@
         </p:nvSpPr>
         <p:spPr bwMode="auto">
           <a:xfrm>
-            <a:off x="3851900" y="1924343"/>
+            <a:off x="5686637" y="2743598"/>
             <a:ext cx="2948855" cy="746909"/>
           </a:xfrm>
           <a:prstGeom prst="roundRect">
@@ -32467,7 +35340,7 @@
           <p:nvPr/>
         </p:nvPicPr>
         <p:blipFill>
-          <a:blip r:embed="rId4"/>
+          <a:blip r:embed="rId5"/>
           <a:stretch>
             <a:fillRect/>
           </a:stretch>
@@ -32541,7 +35414,7 @@
         </p:nvSpPr>
         <p:spPr bwMode="auto">
           <a:xfrm>
-            <a:off x="7161065" y="3664880"/>
+            <a:off x="7161064" y="3626589"/>
             <a:ext cx="360050" cy="197412"/>
           </a:xfrm>
           <a:prstGeom prst="roundRect">
@@ -32621,6 +35494,94 @@
           </a:p>
         </p:txBody>
       </p:sp>
+      <p:sp>
+        <p:nvSpPr>
+          <p:cNvPr id="24" name="角丸四角形 23"/>
+          <p:cNvSpPr/>
+          <p:nvPr/>
+        </p:nvSpPr>
+        <p:spPr bwMode="auto">
+          <a:xfrm>
+            <a:off x="6699142" y="5031766"/>
+            <a:ext cx="2120370" cy="226630"/>
+          </a:xfrm>
+          <a:prstGeom prst="roundRect">
+            <a:avLst>
+              <a:gd name="adj" fmla="val 5764"/>
+            </a:avLst>
+          </a:prstGeom>
+          <a:noFill/>
+          <a:ln w="28575">
+            <a:solidFill>
+              <a:srgbClr val="FF0000"/>
+            </a:solidFill>
+          </a:ln>
+          <a:effectLst/>
+          <a:extLst/>
+        </p:spPr>
+        <p:txBody>
+          <a:bodyPr rot="0" spcFirstLastPara="0" vertOverflow="overflow" horzOverflow="overflow" vert="horz" wrap="none" lIns="72000" tIns="72000" rIns="72000" bIns="72000" numCol="1" spcCol="0" rtlCol="0" fromWordArt="0" anchor="ctr" anchorCtr="0" forceAA="0" compatLnSpc="1">
+            <a:prstTxWarp prst="textNoShape">
+              <a:avLst/>
+            </a:prstTxWarp>
+            <a:noAutofit/>
+          </a:bodyPr>
+          <a:lstStyle/>
+          <a:p>
+            <a:pPr algn="ctr"/>
+            <a:endParaRPr kumimoji="1" lang="ja-JP" altLang="en-US" sz="1400" b="1" dirty="0" smtClean="0">
+              <a:solidFill>
+                <a:srgbClr val="FF0000"/>
+              </a:solidFill>
+              <a:latin typeface="+mn-ea"/>
+            </a:endParaRPr>
+          </a:p>
+        </p:txBody>
+      </p:sp>
+      <p:cxnSp>
+        <p:nvCxnSpPr>
+          <p:cNvPr id="25" name="直線矢印コネクタ 24"/>
+          <p:cNvCxnSpPr>
+            <a:stCxn id="24" idx="1"/>
+          </p:cNvCxnSpPr>
+          <p:nvPr/>
+        </p:nvCxnSpPr>
+        <p:spPr bwMode="auto">
+          <a:xfrm flipH="1" flipV="1">
+            <a:off x="5220090" y="3776144"/>
+            <a:ext cx="1479052" cy="1368937"/>
+          </a:xfrm>
+          <a:prstGeom prst="straightConnector1">
+            <a:avLst/>
+          </a:prstGeom>
+          <a:solidFill>
+            <a:schemeClr val="bg1"/>
+          </a:solidFill>
+          <a:ln w="38100" cap="flat" cmpd="sng" algn="ctr">
+            <a:solidFill>
+              <a:srgbClr val="FF0000"/>
+            </a:solidFill>
+            <a:prstDash val="solid"/>
+            <a:round/>
+            <a:headEnd type="none" w="med" len="med"/>
+            <a:tailEnd type="triangle"/>
+          </a:ln>
+          <a:effectLst/>
+          <a:extLst>
+            <a:ext uri="{AF507438-7753-43E0-B8FC-AC1667EBCBE1}">
+              <a14:hiddenEffects xmlns:a14="http://schemas.microsoft.com/office/drawing/2010/main">
+                <a:effectLst>
+                  <a:outerShdw dist="35921" dir="2700000" algn="ctr" rotWithShape="0">
+                    <a:schemeClr val="tx1">
+                      <a:alpha val="50000"/>
+                    </a:schemeClr>
+                  </a:outerShdw>
+                </a:effectLst>
+              </a14:hiddenEffects>
+            </a:ext>
+          </a:extLst>
+        </p:spPr>
+      </p:cxnSp>
     </p:spTree>
     <p:extLst>
       <p:ext uri="{BB962C8B-B14F-4D97-AF65-F5344CB8AC3E}">
@@ -36717,8 +39678,8 @@
         </p:nvSpPr>
         <p:spPr>
           <a:xfrm rot="21104936" flipV="1">
-            <a:off x="2049416" y="2894542"/>
-            <a:ext cx="3400627" cy="1915517"/>
+            <a:off x="2245683" y="2864397"/>
+            <a:ext cx="3202186" cy="1931505"/>
           </a:xfrm>
           <a:prstGeom prst="swooshArrow">
             <a:avLst>
@@ -37073,22 +40034,15 @@
             </a:r>
             <a:r>
               <a:rPr lang="ja-JP" altLang="en-US" sz="1800" dirty="0"/>
-              <a:t>、メニューグループ</a:t>
-            </a:r>
-            <a:r>
-              <a:rPr lang="ja-JP" altLang="en-US" sz="1800" dirty="0" smtClean="0"/>
-              <a:t>の</a:t>
-            </a:r>
-            <a:r>
-              <a:rPr lang="en-US" altLang="ja-JP" sz="1800" dirty="0" smtClean="0"/>
-              <a:t/>
-            </a:r>
-            <a:br>
-              <a:rPr lang="en-US" altLang="ja-JP" sz="1800" dirty="0" smtClean="0"/>
-            </a:br>
-            <a:r>
-              <a:rPr lang="ja-JP" altLang="en-US" sz="1800" dirty="0" smtClean="0"/>
-              <a:t>「</a:t>
+              <a:t>、</a:t>
+            </a:r>
+            <a:r>
+              <a:rPr lang="ja-JP" altLang="en-US" sz="1800"/>
+              <a:t>メニューグループ</a:t>
+            </a:r>
+            <a:r>
+              <a:rPr lang="ja-JP" altLang="en-US" sz="1800" smtClean="0"/>
+              <a:t>の「</a:t>
             </a:r>
             <a:r>
               <a:rPr lang="en-US" altLang="ja-JP" sz="1800" b="1" dirty="0" smtClean="0"/>
@@ -37096,11 +40050,11 @@
             </a:r>
             <a:r>
               <a:rPr lang="ja-JP" altLang="en-US" sz="1800" dirty="0" smtClean="0"/>
-              <a:t>」について</a:t>
-            </a:r>
-            <a:r>
-              <a:rPr lang="ja-JP" altLang="en-US" sz="1800" dirty="0"/>
-              <a:t>、ご説明をしております</a:t>
+              <a:t>」</a:t>
+            </a:r>
+            <a:r>
+              <a:rPr lang="ja-JP" altLang="en-US" sz="1800" smtClean="0"/>
+              <a:t>について解説しています</a:t>
             </a:r>
             <a:r>
               <a:rPr lang="ja-JP" altLang="en-US" sz="1800" dirty="0" smtClean="0"/>
@@ -37302,22 +40256,21 @@
       </p:sp>
       <p:pic>
         <p:nvPicPr>
-          <p:cNvPr id="7" name="図 6"/>
+          <p:cNvPr id="9" name="図 8"/>
           <p:cNvPicPr>
             <a:picLocks noChangeAspect="1"/>
           </p:cNvPicPr>
           <p:nvPr/>
         </p:nvPicPr>
-        <p:blipFill>
+        <p:blipFill rotWithShape="1">
           <a:blip r:embed="rId2"/>
-          <a:stretch>
-            <a:fillRect/>
-          </a:stretch>
+          <a:srcRect b="4149"/>
+          <a:stretch/>
         </p:blipFill>
         <p:spPr>
           <a:xfrm>
             <a:off x="314451" y="2060810"/>
-            <a:ext cx="8513632" cy="4033333"/>
+            <a:ext cx="8513632" cy="3816530"/>
           </a:xfrm>
           <a:prstGeom prst="rect">
             <a:avLst/>
@@ -37326,14 +40279,14 @@
       </p:pic>
       <p:sp>
         <p:nvSpPr>
-          <p:cNvPr id="8" name="正方形/長方形 7"/>
+          <p:cNvPr id="10" name="正方形/長方形 9"/>
           <p:cNvSpPr/>
           <p:nvPr/>
         </p:nvSpPr>
         <p:spPr bwMode="auto">
           <a:xfrm>
-            <a:off x="3659050" y="2825940"/>
-            <a:ext cx="576000" cy="864120"/>
+            <a:off x="3851900" y="3212970"/>
+            <a:ext cx="504070" cy="720100"/>
           </a:xfrm>
           <a:prstGeom prst="rect">
             <a:avLst/>
@@ -37693,13 +40646,13 @@
         </p:nvSpPr>
         <p:spPr>
           <a:xfrm>
-            <a:off x="136182" y="658650"/>
+            <a:off x="179512" y="716998"/>
             <a:ext cx="8784976" cy="983762"/>
           </a:xfrm>
         </p:spPr>
         <p:txBody>
           <a:bodyPr>
-            <a:normAutofit fontScale="92500" lnSpcReduction="10000"/>
+            <a:normAutofit/>
           </a:bodyPr>
           <a:lstStyle/>
           <a:p>
@@ -37723,32 +40676,28 @@
               <a:buChar char="l"/>
             </a:pPr>
             <a:r>
+              <a:rPr lang="en-US" altLang="ja-JP" smtClean="0"/>
+              <a:t>Ansible driver</a:t>
+            </a:r>
+            <a:r>
+              <a:rPr lang="ja-JP" altLang="en-US" smtClean="0"/>
+              <a:t>は</a:t>
+            </a:r>
+            <a:r>
+              <a:rPr lang="en-US" altLang="ja-JP" smtClean="0"/>
+              <a:t>Ansible-Legacy</a:t>
+            </a:r>
+            <a:r>
               <a:rPr lang="ja-JP" altLang="en-US" dirty="0"/>
-              <a:t>また、シナリオを進めるにあたり、</a:t>
-            </a:r>
-            <a:r>
-              <a:rPr lang="en-US" altLang="ja-JP" dirty="0" err="1"/>
-              <a:t>Ansible</a:t>
-            </a:r>
-            <a:r>
-              <a:rPr lang="en-US" altLang="ja-JP" dirty="0"/>
-              <a:t> driver</a:t>
-            </a:r>
-            <a:r>
-              <a:rPr lang="ja-JP" altLang="en-US" dirty="0"/>
-              <a:t>が必要となりますので、 本シナリオでは、</a:t>
-            </a:r>
-            <a:r>
-              <a:rPr lang="en-US" altLang="ja-JP" dirty="0" err="1"/>
-              <a:t>Ansible</a:t>
-            </a:r>
-            <a:r>
-              <a:rPr lang="en-US" altLang="ja-JP" dirty="0"/>
-              <a:t>-Legacy</a:t>
-            </a:r>
-            <a:r>
-              <a:rPr lang="ja-JP" altLang="en-US" dirty="0"/>
-              <a:t>を使用しご説明をいたします。 </a:t>
+              <a:t>を</a:t>
+            </a:r>
+            <a:r>
+              <a:rPr lang="ja-JP" altLang="en-US"/>
+              <a:t>使用</a:t>
+            </a:r>
+            <a:r>
+              <a:rPr lang="ja-JP" altLang="en-US" smtClean="0"/>
+              <a:t>しています。 </a:t>
             </a:r>
             <a:endParaRPr kumimoji="1" lang="ja-JP" altLang="en-US" dirty="0"/>
           </a:p>
